--- a/images/theory_analysis/SLB/SLB.pptx
+++ b/images/theory_analysis/SLB/SLB.pptx
@@ -13,7 +13,7 @@
     <p:sldId id="361" r:id="rId4"/>
     <p:sldId id="362" r:id="rId5"/>
     <p:sldId id="363" r:id="rId6"/>
-    <p:sldId id="358" r:id="rId7"/>
+    <p:sldId id="364" r:id="rId7"/>
   </p:sldIdLst>
   <p:sldSz cx="9144000" cy="5143500" type="screen16x9"/>
   <p:notesSz cx="6858000" cy="9144000"/>
@@ -222,7 +222,7 @@
           <a:p>
             <a:fld id="{6CD5550B-26C4-49A9-A5BA-636EF7BE6CE9}" type="datetimeFigureOut">
               <a:rPr lang="ko-KR" altLang="en-US" smtClean="0"/>
-              <a:t>2017-10-01</a:t>
+              <a:t>2017-10-05</a:t>
             </a:fld>
             <a:endParaRPr lang="ko-KR" altLang="en-US"/>
           </a:p>
@@ -983,7 +983,7 @@
     </p:spTree>
     <p:extLst>
       <p:ext uri="{BB962C8B-B14F-4D97-AF65-F5344CB8AC3E}">
-        <p14:creationId xmlns:p14="http://schemas.microsoft.com/office/powerpoint/2010/main" val="3569015874"/>
+        <p14:creationId xmlns:p14="http://schemas.microsoft.com/office/powerpoint/2010/main" val="149134218"/>
       </p:ext>
     </p:extLst>
   </p:cSld>
@@ -1172,7 +1172,7 @@
           <a:p>
             <a:fld id="{FB30EDBD-1C2D-4C1E-B459-B60219FAB484}" type="datetimeFigureOut">
               <a:rPr lang="ko-KR" altLang="en-US" smtClean="0"/>
-              <a:t>2017-10-01</a:t>
+              <a:t>2017-10-05</a:t>
             </a:fld>
             <a:endParaRPr lang="ko-KR" altLang="en-US"/>
           </a:p>
@@ -1335,7 +1335,7 @@
           <a:p>
             <a:fld id="{FB30EDBD-1C2D-4C1E-B459-B60219FAB484}" type="datetimeFigureOut">
               <a:rPr lang="ko-KR" altLang="en-US" smtClean="0"/>
-              <a:t>2017-10-01</a:t>
+              <a:t>2017-10-05</a:t>
             </a:fld>
             <a:endParaRPr lang="ko-KR" altLang="en-US"/>
           </a:p>
@@ -1508,7 +1508,7 @@
           <a:p>
             <a:fld id="{FB30EDBD-1C2D-4C1E-B459-B60219FAB484}" type="datetimeFigureOut">
               <a:rPr lang="ko-KR" altLang="en-US" smtClean="0"/>
-              <a:t>2017-10-01</a:t>
+              <a:t>2017-10-05</a:t>
             </a:fld>
             <a:endParaRPr lang="ko-KR" altLang="en-US"/>
           </a:p>
@@ -1671,7 +1671,7 @@
           <a:p>
             <a:fld id="{FB30EDBD-1C2D-4C1E-B459-B60219FAB484}" type="datetimeFigureOut">
               <a:rPr lang="ko-KR" altLang="en-US" smtClean="0"/>
-              <a:t>2017-10-01</a:t>
+              <a:t>2017-10-05</a:t>
             </a:fld>
             <a:endParaRPr lang="ko-KR" altLang="en-US"/>
           </a:p>
@@ -1911,7 +1911,7 @@
           <a:p>
             <a:fld id="{FB30EDBD-1C2D-4C1E-B459-B60219FAB484}" type="datetimeFigureOut">
               <a:rPr lang="ko-KR" altLang="en-US" smtClean="0"/>
-              <a:t>2017-10-01</a:t>
+              <a:t>2017-10-05</a:t>
             </a:fld>
             <a:endParaRPr lang="ko-KR" altLang="en-US"/>
           </a:p>
@@ -2191,7 +2191,7 @@
           <a:p>
             <a:fld id="{FB30EDBD-1C2D-4C1E-B459-B60219FAB484}" type="datetimeFigureOut">
               <a:rPr lang="ko-KR" altLang="en-US" smtClean="0"/>
-              <a:t>2017-10-01</a:t>
+              <a:t>2017-10-05</a:t>
             </a:fld>
             <a:endParaRPr lang="ko-KR" altLang="en-US"/>
           </a:p>
@@ -2605,7 +2605,7 @@
           <a:p>
             <a:fld id="{FB30EDBD-1C2D-4C1E-B459-B60219FAB484}" type="datetimeFigureOut">
               <a:rPr lang="ko-KR" altLang="en-US" smtClean="0"/>
-              <a:t>2017-10-01</a:t>
+              <a:t>2017-10-05</a:t>
             </a:fld>
             <a:endParaRPr lang="ko-KR" altLang="en-US"/>
           </a:p>
@@ -2717,7 +2717,7 @@
           <a:p>
             <a:fld id="{FB30EDBD-1C2D-4C1E-B459-B60219FAB484}" type="datetimeFigureOut">
               <a:rPr lang="ko-KR" altLang="en-US" smtClean="0"/>
-              <a:t>2017-10-01</a:t>
+              <a:t>2017-10-05</a:t>
             </a:fld>
             <a:endParaRPr lang="ko-KR" altLang="en-US"/>
           </a:p>
@@ -2807,7 +2807,7 @@
           <a:p>
             <a:fld id="{FB30EDBD-1C2D-4C1E-B459-B60219FAB484}" type="datetimeFigureOut">
               <a:rPr lang="ko-KR" altLang="en-US" smtClean="0"/>
-              <a:t>2017-10-01</a:t>
+              <a:t>2017-10-05</a:t>
             </a:fld>
             <a:endParaRPr lang="ko-KR" altLang="en-US"/>
           </a:p>
@@ -3077,7 +3077,7 @@
           <a:p>
             <a:fld id="{FB30EDBD-1C2D-4C1E-B459-B60219FAB484}" type="datetimeFigureOut">
               <a:rPr lang="ko-KR" altLang="en-US" smtClean="0"/>
-              <a:t>2017-10-01</a:t>
+              <a:t>2017-10-05</a:t>
             </a:fld>
             <a:endParaRPr lang="ko-KR" altLang="en-US"/>
           </a:p>
@@ -3324,7 +3324,7 @@
           <a:p>
             <a:fld id="{FB30EDBD-1C2D-4C1E-B459-B60219FAB484}" type="datetimeFigureOut">
               <a:rPr lang="ko-KR" altLang="en-US" smtClean="0"/>
-              <a:t>2017-10-01</a:t>
+              <a:t>2017-10-05</a:t>
             </a:fld>
             <a:endParaRPr lang="ko-KR" altLang="en-US"/>
           </a:p>
@@ -3530,7 +3530,7 @@
           <a:p>
             <a:fld id="{FB30EDBD-1C2D-4C1E-B459-B60219FAB484}" type="datetimeFigureOut">
               <a:rPr lang="ko-KR" altLang="en-US" smtClean="0"/>
-              <a:t>2017-10-01</a:t>
+              <a:t>2017-10-05</a:t>
             </a:fld>
             <a:endParaRPr lang="ko-KR" altLang="en-US"/>
           </a:p>
@@ -4868,7 +4868,7 @@
           </a:prstGeom>
           <a:ln w="28575">
             <a:solidFill>
-              <a:schemeClr val="tx2"/>
+              <a:srgbClr val="C00000"/>
             </a:solidFill>
             <a:headEnd type="arrow" w="med" len="med"/>
             <a:tailEnd type="none" w="med" len="med"/>
@@ -4918,60 +4918,6 @@
             <a:avLst>
               <a:gd name="adj1" fmla="val 16200000"/>
               <a:gd name="adj2" fmla="val 3473"/>
-            </a:avLst>
-          </a:prstGeom>
-          <a:ln w="28575">
-            <a:solidFill>
-              <a:schemeClr val="tx2"/>
-            </a:solidFill>
-            <a:headEnd type="none" w="med" len="med"/>
-            <a:tailEnd type="arrow" w="med" len="med"/>
-          </a:ln>
-        </p:spPr>
-        <p:style>
-          <a:lnRef idx="1">
-            <a:schemeClr val="accent1"/>
-          </a:lnRef>
-          <a:fillRef idx="0">
-            <a:schemeClr val="accent1"/>
-          </a:fillRef>
-          <a:effectRef idx="0">
-            <a:schemeClr val="accent1"/>
-          </a:effectRef>
-          <a:fontRef idx="minor">
-            <a:schemeClr val="tx1"/>
-          </a:fontRef>
-        </p:style>
-        <p:txBody>
-          <a:bodyPr rtlCol="0" anchor="ctr"/>
-          <a:lstStyle/>
-          <a:p>
-            <a:pPr algn="ctr"/>
-            <a:endParaRPr lang="ko-KR" altLang="en-US"/>
-          </a:p>
-        </p:txBody>
-      </p:sp>
-      <p:sp>
-        <p:nvSpPr>
-          <p:cNvPr id="37" name="원호 36">
-            <a:extLst>
-              <a:ext uri="{FF2B5EF4-FFF2-40B4-BE49-F238E27FC236}">
-                <a16:creationId xmlns:a16="http://schemas.microsoft.com/office/drawing/2014/main" id="{674BE5AF-DA0B-4BB3-9C00-B5639F54D83D}"/>
-              </a:ext>
-            </a:extLst>
-          </p:cNvPr>
-          <p:cNvSpPr/>
-          <p:nvPr/>
-        </p:nvSpPr>
-        <p:spPr>
-          <a:xfrm rot="16200000" flipV="1">
-            <a:off x="575242" y="2039818"/>
-            <a:ext cx="2360401" cy="4176070"/>
-          </a:xfrm>
-          <a:prstGeom prst="arc">
-            <a:avLst>
-              <a:gd name="adj1" fmla="val 16200000"/>
-              <a:gd name="adj2" fmla="val 21567997"/>
             </a:avLst>
           </a:prstGeom>
           <a:ln w="28575">
@@ -5007,6 +4953,60 @@
       </p:sp>
       <p:sp>
         <p:nvSpPr>
+          <p:cNvPr id="37" name="원호 36">
+            <a:extLst>
+              <a:ext uri="{FF2B5EF4-FFF2-40B4-BE49-F238E27FC236}">
+                <a16:creationId xmlns:a16="http://schemas.microsoft.com/office/drawing/2014/main" id="{674BE5AF-DA0B-4BB3-9C00-B5639F54D83D}"/>
+              </a:ext>
+            </a:extLst>
+          </p:cNvPr>
+          <p:cNvSpPr/>
+          <p:nvPr/>
+        </p:nvSpPr>
+        <p:spPr>
+          <a:xfrm rot="16200000" flipV="1">
+            <a:off x="575242" y="2039818"/>
+            <a:ext cx="2360401" cy="4176070"/>
+          </a:xfrm>
+          <a:prstGeom prst="arc">
+            <a:avLst>
+              <a:gd name="adj1" fmla="val 16200000"/>
+              <a:gd name="adj2" fmla="val 21567997"/>
+            </a:avLst>
+          </a:prstGeom>
+          <a:ln w="28575">
+            <a:solidFill>
+              <a:srgbClr val="C00000"/>
+            </a:solidFill>
+            <a:headEnd type="none" w="med" len="med"/>
+            <a:tailEnd type="arrow" w="med" len="med"/>
+          </a:ln>
+        </p:spPr>
+        <p:style>
+          <a:lnRef idx="1">
+            <a:schemeClr val="accent1"/>
+          </a:lnRef>
+          <a:fillRef idx="0">
+            <a:schemeClr val="accent1"/>
+          </a:fillRef>
+          <a:effectRef idx="0">
+            <a:schemeClr val="accent1"/>
+          </a:effectRef>
+          <a:fontRef idx="minor">
+            <a:schemeClr val="tx1"/>
+          </a:fontRef>
+        </p:style>
+        <p:txBody>
+          <a:bodyPr rtlCol="0" anchor="ctr"/>
+          <a:lstStyle/>
+          <a:p>
+            <a:pPr algn="ctr"/>
+            <a:endParaRPr lang="ko-KR" altLang="en-US"/>
+          </a:p>
+        </p:txBody>
+      </p:sp>
+      <p:sp>
+        <p:nvSpPr>
           <p:cNvPr id="38" name="원호 37">
             <a:extLst>
               <a:ext uri="{FF2B5EF4-FFF2-40B4-BE49-F238E27FC236}">
@@ -6174,6 +6174,51 @@
           </a:p>
         </p:txBody>
       </p:sp>
+      <p:cxnSp>
+        <p:nvCxnSpPr>
+          <p:cNvPr id="41" name="직선 연결선 40">
+            <a:extLst>
+              <a:ext uri="{FF2B5EF4-FFF2-40B4-BE49-F238E27FC236}">
+                <a16:creationId xmlns:a16="http://schemas.microsoft.com/office/drawing/2014/main" id="{5176A2F4-3BBE-4E6E-8ED5-A891A3CB1C7C}"/>
+              </a:ext>
+            </a:extLst>
+          </p:cNvPr>
+          <p:cNvCxnSpPr>
+            <a:cxnSpLocks/>
+          </p:cNvCxnSpPr>
+          <p:nvPr/>
+        </p:nvCxnSpPr>
+        <p:spPr>
+          <a:xfrm>
+            <a:off x="6516216" y="3809642"/>
+            <a:ext cx="360041" cy="0"/>
+          </a:xfrm>
+          <a:prstGeom prst="line">
+            <a:avLst/>
+          </a:prstGeom>
+          <a:ln w="28575">
+            <a:solidFill>
+              <a:schemeClr val="tx1"/>
+            </a:solidFill>
+            <a:headEnd type="none" w="med" len="med"/>
+            <a:tailEnd type="arrow" w="med" len="med"/>
+          </a:ln>
+        </p:spPr>
+        <p:style>
+          <a:lnRef idx="1">
+            <a:schemeClr val="accent1"/>
+          </a:lnRef>
+          <a:fillRef idx="0">
+            <a:schemeClr val="accent1"/>
+          </a:fillRef>
+          <a:effectRef idx="0">
+            <a:schemeClr val="accent1"/>
+          </a:effectRef>
+          <a:fontRef idx="minor">
+            <a:schemeClr val="tx1"/>
+          </a:fontRef>
+        </p:style>
+      </p:cxnSp>
     </p:spTree>
     <p:extLst>
       <p:ext uri="{BB962C8B-B14F-4D97-AF65-F5344CB8AC3E}">
@@ -6331,7 +6376,7 @@
             <a:pPr algn="ctr"/>
             <a:r>
               <a:rPr lang="en-US" altLang="ko-KR" sz="1600"/>
-              <a:t>Router</a:t>
+              <a:t>Router (Gateway)</a:t>
             </a:r>
           </a:p>
           <a:p>
@@ -6610,7 +6655,7 @@
           </a:prstGeom>
           <a:ln w="28575">
             <a:solidFill>
-              <a:schemeClr val="tx2"/>
+              <a:srgbClr val="C00000"/>
             </a:solidFill>
             <a:headEnd type="arrow" w="med" len="med"/>
             <a:tailEnd type="none" w="med" len="med"/>
@@ -6658,60 +6703,6 @@
           </a:xfrm>
           <a:prstGeom prst="arc">
             <a:avLst/>
-          </a:prstGeom>
-          <a:ln w="28575">
-            <a:solidFill>
-              <a:schemeClr val="tx2"/>
-            </a:solidFill>
-            <a:headEnd type="none" w="med" len="med"/>
-            <a:tailEnd type="arrow" w="med" len="med"/>
-          </a:ln>
-        </p:spPr>
-        <p:style>
-          <a:lnRef idx="1">
-            <a:schemeClr val="accent1"/>
-          </a:lnRef>
-          <a:fillRef idx="0">
-            <a:schemeClr val="accent1"/>
-          </a:fillRef>
-          <a:effectRef idx="0">
-            <a:schemeClr val="accent1"/>
-          </a:effectRef>
-          <a:fontRef idx="minor">
-            <a:schemeClr val="tx1"/>
-          </a:fontRef>
-        </p:style>
-        <p:txBody>
-          <a:bodyPr rtlCol="0" anchor="ctr"/>
-          <a:lstStyle/>
-          <a:p>
-            <a:pPr algn="ctr"/>
-            <a:endParaRPr lang="ko-KR" altLang="en-US"/>
-          </a:p>
-        </p:txBody>
-      </p:sp>
-      <p:sp>
-        <p:nvSpPr>
-          <p:cNvPr id="37" name="원호 36">
-            <a:extLst>
-              <a:ext uri="{FF2B5EF4-FFF2-40B4-BE49-F238E27FC236}">
-                <a16:creationId xmlns:a16="http://schemas.microsoft.com/office/drawing/2014/main" id="{674BE5AF-DA0B-4BB3-9C00-B5639F54D83D}"/>
-              </a:ext>
-            </a:extLst>
-          </p:cNvPr>
-          <p:cNvSpPr/>
-          <p:nvPr/>
-        </p:nvSpPr>
-        <p:spPr>
-          <a:xfrm rot="10800000">
-            <a:off x="3041113" y="-787224"/>
-            <a:ext cx="2404522" cy="5045282"/>
-          </a:xfrm>
-          <a:prstGeom prst="arc">
-            <a:avLst>
-              <a:gd name="adj1" fmla="val 16777217"/>
-              <a:gd name="adj2" fmla="val 251780"/>
-            </a:avLst>
           </a:prstGeom>
           <a:ln w="28575">
             <a:solidFill>
@@ -6746,6 +6737,60 @@
       </p:sp>
       <p:sp>
         <p:nvSpPr>
+          <p:cNvPr id="37" name="원호 36">
+            <a:extLst>
+              <a:ext uri="{FF2B5EF4-FFF2-40B4-BE49-F238E27FC236}">
+                <a16:creationId xmlns:a16="http://schemas.microsoft.com/office/drawing/2014/main" id="{674BE5AF-DA0B-4BB3-9C00-B5639F54D83D}"/>
+              </a:ext>
+            </a:extLst>
+          </p:cNvPr>
+          <p:cNvSpPr/>
+          <p:nvPr/>
+        </p:nvSpPr>
+        <p:spPr>
+          <a:xfrm rot="10800000">
+            <a:off x="3041113" y="-787224"/>
+            <a:ext cx="2404522" cy="5045282"/>
+          </a:xfrm>
+          <a:prstGeom prst="arc">
+            <a:avLst>
+              <a:gd name="adj1" fmla="val 16777217"/>
+              <a:gd name="adj2" fmla="val 251780"/>
+            </a:avLst>
+          </a:prstGeom>
+          <a:ln w="28575">
+            <a:solidFill>
+              <a:srgbClr val="C00000"/>
+            </a:solidFill>
+            <a:headEnd type="none" w="med" len="med"/>
+            <a:tailEnd type="arrow" w="med" len="med"/>
+          </a:ln>
+        </p:spPr>
+        <p:style>
+          <a:lnRef idx="1">
+            <a:schemeClr val="accent1"/>
+          </a:lnRef>
+          <a:fillRef idx="0">
+            <a:schemeClr val="accent1"/>
+          </a:fillRef>
+          <a:effectRef idx="0">
+            <a:schemeClr val="accent1"/>
+          </a:effectRef>
+          <a:fontRef idx="minor">
+            <a:schemeClr val="tx1"/>
+          </a:fontRef>
+        </p:style>
+        <p:txBody>
+          <a:bodyPr rtlCol="0" anchor="ctr"/>
+          <a:lstStyle/>
+          <a:p>
+            <a:pPr algn="ctr"/>
+            <a:endParaRPr lang="ko-KR" altLang="en-US"/>
+          </a:p>
+        </p:txBody>
+      </p:sp>
+      <p:sp>
+        <p:nvSpPr>
           <p:cNvPr id="39" name="타원 38">
             <a:extLst>
               <a:ext uri="{FF2B5EF4-FFF2-40B4-BE49-F238E27FC236}">
@@ -7755,6 +7800,157 @@
           </a:p>
         </p:txBody>
       </p:sp>
+      <p:sp>
+        <p:nvSpPr>
+          <p:cNvPr id="32" name="모서리가 둥근 직사각형 2">
+            <a:extLst>
+              <a:ext uri="{FF2B5EF4-FFF2-40B4-BE49-F238E27FC236}">
+                <a16:creationId xmlns:a16="http://schemas.microsoft.com/office/drawing/2014/main" id="{E51522A5-E012-4BA0-9E45-BE5FAA283D52}"/>
+              </a:ext>
+            </a:extLst>
+          </p:cNvPr>
+          <p:cNvSpPr/>
+          <p:nvPr/>
+        </p:nvSpPr>
+        <p:spPr>
+          <a:xfrm>
+            <a:off x="7130535" y="3700234"/>
+            <a:ext cx="1337520" cy="557370"/>
+          </a:xfrm>
+          <a:prstGeom prst="roundRect">
+            <a:avLst>
+              <a:gd name="adj" fmla="val 9458"/>
+            </a:avLst>
+          </a:prstGeom>
+        </p:spPr>
+        <p:style>
+          <a:lnRef idx="2">
+            <a:schemeClr val="dk1"/>
+          </a:lnRef>
+          <a:fillRef idx="1">
+            <a:schemeClr val="lt1"/>
+          </a:fillRef>
+          <a:effectRef idx="0">
+            <a:schemeClr val="dk1"/>
+          </a:effectRef>
+          <a:fontRef idx="minor">
+            <a:schemeClr val="dk1"/>
+          </a:fontRef>
+        </p:style>
+        <p:txBody>
+          <a:bodyPr rtlCol="0" anchor="ctr"/>
+          <a:lstStyle/>
+          <a:p>
+            <a:pPr algn="ctr"/>
+            <a:r>
+              <a:rPr lang="en-US" altLang="ko-KR" sz="1600"/>
+              <a:t>Src IP</a:t>
+            </a:r>
+          </a:p>
+          <a:p>
+            <a:pPr algn="ctr"/>
+            <a:r>
+              <a:rPr lang="en-US" altLang="ko-KR" sz="1600"/>
+              <a:t>Translation</a:t>
+            </a:r>
+            <a:endParaRPr lang="ko-KR" altLang="en-US" sz="1600"/>
+          </a:p>
+        </p:txBody>
+      </p:sp>
+      <p:cxnSp>
+        <p:nvCxnSpPr>
+          <p:cNvPr id="33" name="직선 연결선 32">
+            <a:extLst>
+              <a:ext uri="{FF2B5EF4-FFF2-40B4-BE49-F238E27FC236}">
+                <a16:creationId xmlns:a16="http://schemas.microsoft.com/office/drawing/2014/main" id="{67776A77-90D5-4A5D-9BFD-CC22E8FE9400}"/>
+              </a:ext>
+            </a:extLst>
+          </p:cNvPr>
+          <p:cNvCxnSpPr>
+            <a:cxnSpLocks/>
+            <a:stCxn id="79" idx="3"/>
+            <a:endCxn id="32" idx="1"/>
+          </p:cNvCxnSpPr>
+          <p:nvPr/>
+        </p:nvCxnSpPr>
+        <p:spPr>
+          <a:xfrm>
+            <a:off x="6516216" y="3978919"/>
+            <a:ext cx="614319" cy="0"/>
+          </a:xfrm>
+          <a:prstGeom prst="line">
+            <a:avLst/>
+          </a:prstGeom>
+          <a:ln w="28575">
+            <a:solidFill>
+              <a:schemeClr val="tx1"/>
+            </a:solidFill>
+            <a:headEnd type="none" w="med" len="med"/>
+            <a:tailEnd type="none" w="med" len="med"/>
+          </a:ln>
+        </p:spPr>
+        <p:style>
+          <a:lnRef idx="1">
+            <a:schemeClr val="accent1"/>
+          </a:lnRef>
+          <a:fillRef idx="0">
+            <a:schemeClr val="accent1"/>
+          </a:fillRef>
+          <a:effectRef idx="0">
+            <a:schemeClr val="accent1"/>
+          </a:effectRef>
+          <a:fontRef idx="minor">
+            <a:schemeClr val="tx1"/>
+          </a:fontRef>
+        </p:style>
+      </p:cxnSp>
+      <p:cxnSp>
+        <p:nvCxnSpPr>
+          <p:cNvPr id="38" name="직선 연결선 37">
+            <a:extLst>
+              <a:ext uri="{FF2B5EF4-FFF2-40B4-BE49-F238E27FC236}">
+                <a16:creationId xmlns:a16="http://schemas.microsoft.com/office/drawing/2014/main" id="{F87DACCD-4751-4C34-A0D9-ABD1B52FDFDF}"/>
+              </a:ext>
+            </a:extLst>
+          </p:cNvPr>
+          <p:cNvCxnSpPr>
+            <a:cxnSpLocks/>
+            <a:stCxn id="32" idx="0"/>
+            <a:endCxn id="95" idx="2"/>
+          </p:cNvCxnSpPr>
+          <p:nvPr/>
+        </p:nvCxnSpPr>
+        <p:spPr>
+          <a:xfrm flipV="1">
+            <a:off x="7799295" y="3366960"/>
+            <a:ext cx="0" cy="333274"/>
+          </a:xfrm>
+          <a:prstGeom prst="line">
+            <a:avLst/>
+          </a:prstGeom>
+          <a:ln w="28575">
+            <a:solidFill>
+              <a:schemeClr val="tx1"/>
+            </a:solidFill>
+            <a:headEnd type="none" w="med" len="med"/>
+            <a:tailEnd type="arrow" w="med" len="med"/>
+          </a:ln>
+        </p:spPr>
+        <p:style>
+          <a:lnRef idx="1">
+            <a:schemeClr val="accent1"/>
+          </a:lnRef>
+          <a:fillRef idx="0">
+            <a:schemeClr val="accent1"/>
+          </a:fillRef>
+          <a:effectRef idx="0">
+            <a:schemeClr val="accent1"/>
+          </a:effectRef>
+          <a:fontRef idx="minor">
+            <a:schemeClr val="tx1"/>
+          </a:fontRef>
+        </p:style>
+      </p:cxnSp>
     </p:spTree>
     <p:extLst>
       <p:ext uri="{BB962C8B-B14F-4D97-AF65-F5344CB8AC3E}">
@@ -8183,7 +8379,7 @@
           </a:prstGeom>
           <a:ln w="28575">
             <a:solidFill>
-              <a:schemeClr val="tx2"/>
+              <a:srgbClr val="C00000"/>
             </a:solidFill>
             <a:headEnd type="arrow" w="med" len="med"/>
             <a:tailEnd type="none" w="med" len="med"/>
@@ -8231,60 +8427,6 @@
           </a:xfrm>
           <a:prstGeom prst="arc">
             <a:avLst/>
-          </a:prstGeom>
-          <a:ln w="28575">
-            <a:solidFill>
-              <a:schemeClr val="tx2"/>
-            </a:solidFill>
-            <a:headEnd type="none" w="med" len="med"/>
-            <a:tailEnd type="arrow" w="med" len="med"/>
-          </a:ln>
-        </p:spPr>
-        <p:style>
-          <a:lnRef idx="1">
-            <a:schemeClr val="accent1"/>
-          </a:lnRef>
-          <a:fillRef idx="0">
-            <a:schemeClr val="accent1"/>
-          </a:fillRef>
-          <a:effectRef idx="0">
-            <a:schemeClr val="accent1"/>
-          </a:effectRef>
-          <a:fontRef idx="minor">
-            <a:schemeClr val="tx1"/>
-          </a:fontRef>
-        </p:style>
-        <p:txBody>
-          <a:bodyPr rtlCol="0" anchor="ctr"/>
-          <a:lstStyle/>
-          <a:p>
-            <a:pPr algn="ctr"/>
-            <a:endParaRPr lang="ko-KR" altLang="en-US"/>
-          </a:p>
-        </p:txBody>
-      </p:sp>
-      <p:sp>
-        <p:nvSpPr>
-          <p:cNvPr id="37" name="원호 36">
-            <a:extLst>
-              <a:ext uri="{FF2B5EF4-FFF2-40B4-BE49-F238E27FC236}">
-                <a16:creationId xmlns:a16="http://schemas.microsoft.com/office/drawing/2014/main" id="{674BE5AF-DA0B-4BB3-9C00-B5639F54D83D}"/>
-              </a:ext>
-            </a:extLst>
-          </p:cNvPr>
-          <p:cNvSpPr/>
-          <p:nvPr/>
-        </p:nvSpPr>
-        <p:spPr>
-          <a:xfrm rot="10800000">
-            <a:off x="3041113" y="-787224"/>
-            <a:ext cx="2404522" cy="5045282"/>
-          </a:xfrm>
-          <a:prstGeom prst="arc">
-            <a:avLst>
-              <a:gd name="adj1" fmla="val 16777217"/>
-              <a:gd name="adj2" fmla="val 251780"/>
-            </a:avLst>
           </a:prstGeom>
           <a:ln w="28575">
             <a:solidFill>
@@ -8319,6 +8461,60 @@
       </p:sp>
       <p:sp>
         <p:nvSpPr>
+          <p:cNvPr id="37" name="원호 36">
+            <a:extLst>
+              <a:ext uri="{FF2B5EF4-FFF2-40B4-BE49-F238E27FC236}">
+                <a16:creationId xmlns:a16="http://schemas.microsoft.com/office/drawing/2014/main" id="{674BE5AF-DA0B-4BB3-9C00-B5639F54D83D}"/>
+              </a:ext>
+            </a:extLst>
+          </p:cNvPr>
+          <p:cNvSpPr/>
+          <p:nvPr/>
+        </p:nvSpPr>
+        <p:spPr>
+          <a:xfrm rot="10800000">
+            <a:off x="3041113" y="-787224"/>
+            <a:ext cx="2404522" cy="5045282"/>
+          </a:xfrm>
+          <a:prstGeom prst="arc">
+            <a:avLst>
+              <a:gd name="adj1" fmla="val 16777217"/>
+              <a:gd name="adj2" fmla="val 251780"/>
+            </a:avLst>
+          </a:prstGeom>
+          <a:ln w="28575">
+            <a:solidFill>
+              <a:srgbClr val="C00000"/>
+            </a:solidFill>
+            <a:headEnd type="none" w="med" len="med"/>
+            <a:tailEnd type="arrow" w="med" len="med"/>
+          </a:ln>
+        </p:spPr>
+        <p:style>
+          <a:lnRef idx="1">
+            <a:schemeClr val="accent1"/>
+          </a:lnRef>
+          <a:fillRef idx="0">
+            <a:schemeClr val="accent1"/>
+          </a:fillRef>
+          <a:effectRef idx="0">
+            <a:schemeClr val="accent1"/>
+          </a:effectRef>
+          <a:fontRef idx="minor">
+            <a:schemeClr val="tx1"/>
+          </a:fontRef>
+        </p:style>
+        <p:txBody>
+          <a:bodyPr rtlCol="0" anchor="ctr"/>
+          <a:lstStyle/>
+          <a:p>
+            <a:pPr algn="ctr"/>
+            <a:endParaRPr lang="ko-KR" altLang="en-US"/>
+          </a:p>
+        </p:txBody>
+      </p:sp>
+      <p:sp>
+        <p:nvSpPr>
           <p:cNvPr id="39" name="타원 38">
             <a:extLst>
               <a:ext uri="{FF2B5EF4-FFF2-40B4-BE49-F238E27FC236}">
@@ -8944,8 +9140,8 @@
         </p:nvSpPr>
         <p:spPr>
           <a:xfrm>
-            <a:off x="4911352" y="2581699"/>
-            <a:ext cx="1337520" cy="557370"/>
+            <a:off x="4730611" y="2581699"/>
+            <a:ext cx="1699002" cy="557370"/>
           </a:xfrm>
           <a:prstGeom prst="roundRect">
             <a:avLst>
@@ -8974,7 +9170,7 @@
             <a:pPr algn="ctr"/>
             <a:r>
               <a:rPr lang="en-US" altLang="ko-KR" sz="1600"/>
-              <a:t>Dst Mac</a:t>
+              <a:t>Dst IP, DSCP</a:t>
             </a:r>
           </a:p>
           <a:p>
@@ -9415,6 +9611,155 @@
               <a:t>3</a:t>
             </a:r>
             <a:endParaRPr lang="ko-KR" altLang="en-US"/>
+          </a:p>
+        </p:txBody>
+      </p:sp>
+      <p:cxnSp>
+        <p:nvCxnSpPr>
+          <p:cNvPr id="43" name="직선 연결선 42">
+            <a:extLst>
+              <a:ext uri="{FF2B5EF4-FFF2-40B4-BE49-F238E27FC236}">
+                <a16:creationId xmlns:a16="http://schemas.microsoft.com/office/drawing/2014/main" id="{FBC15674-B949-44ED-9364-6EC750AF2282}"/>
+              </a:ext>
+            </a:extLst>
+          </p:cNvPr>
+          <p:cNvCxnSpPr>
+            <a:cxnSpLocks/>
+            <a:stCxn id="79" idx="3"/>
+            <a:endCxn id="47" idx="1"/>
+          </p:cNvCxnSpPr>
+          <p:nvPr/>
+        </p:nvCxnSpPr>
+        <p:spPr>
+          <a:xfrm>
+            <a:off x="6516216" y="3978919"/>
+            <a:ext cx="443614" cy="0"/>
+          </a:xfrm>
+          <a:prstGeom prst="line">
+            <a:avLst/>
+          </a:prstGeom>
+          <a:ln w="28575">
+            <a:solidFill>
+              <a:schemeClr val="tx1"/>
+            </a:solidFill>
+            <a:headEnd type="none" w="med" len="med"/>
+            <a:tailEnd type="none" w="med" len="med"/>
+          </a:ln>
+        </p:spPr>
+        <p:style>
+          <a:lnRef idx="1">
+            <a:schemeClr val="accent1"/>
+          </a:lnRef>
+          <a:fillRef idx="0">
+            <a:schemeClr val="accent1"/>
+          </a:fillRef>
+          <a:effectRef idx="0">
+            <a:schemeClr val="accent1"/>
+          </a:effectRef>
+          <a:fontRef idx="minor">
+            <a:schemeClr val="tx1"/>
+          </a:fontRef>
+        </p:style>
+      </p:cxnSp>
+      <p:cxnSp>
+        <p:nvCxnSpPr>
+          <p:cNvPr id="44" name="직선 연결선 43">
+            <a:extLst>
+              <a:ext uri="{FF2B5EF4-FFF2-40B4-BE49-F238E27FC236}">
+                <a16:creationId xmlns:a16="http://schemas.microsoft.com/office/drawing/2014/main" id="{41DD8F28-4F46-4B5C-AD22-377DE3377C85}"/>
+              </a:ext>
+            </a:extLst>
+          </p:cNvPr>
+          <p:cNvCxnSpPr>
+            <a:cxnSpLocks/>
+          </p:cNvCxnSpPr>
+          <p:nvPr/>
+        </p:nvCxnSpPr>
+        <p:spPr>
+          <a:xfrm flipV="1">
+            <a:off x="7799295" y="3366960"/>
+            <a:ext cx="0" cy="333274"/>
+          </a:xfrm>
+          <a:prstGeom prst="line">
+            <a:avLst/>
+          </a:prstGeom>
+          <a:ln w="28575">
+            <a:solidFill>
+              <a:schemeClr val="tx1"/>
+            </a:solidFill>
+            <a:headEnd type="none" w="med" len="med"/>
+            <a:tailEnd type="arrow" w="med" len="med"/>
+          </a:ln>
+        </p:spPr>
+        <p:style>
+          <a:lnRef idx="1">
+            <a:schemeClr val="accent1"/>
+          </a:lnRef>
+          <a:fillRef idx="0">
+            <a:schemeClr val="accent1"/>
+          </a:fillRef>
+          <a:effectRef idx="0">
+            <a:schemeClr val="accent1"/>
+          </a:effectRef>
+          <a:fontRef idx="minor">
+            <a:schemeClr val="tx1"/>
+          </a:fontRef>
+        </p:style>
+      </p:cxnSp>
+      <p:sp>
+        <p:nvSpPr>
+          <p:cNvPr id="47" name="모서리가 둥근 직사각형 2">
+            <a:extLst>
+              <a:ext uri="{FF2B5EF4-FFF2-40B4-BE49-F238E27FC236}">
+                <a16:creationId xmlns:a16="http://schemas.microsoft.com/office/drawing/2014/main" id="{CCC2D16E-9EDF-49D6-BCC6-F40BCCC7A387}"/>
+              </a:ext>
+            </a:extLst>
+          </p:cNvPr>
+          <p:cNvSpPr/>
+          <p:nvPr/>
+        </p:nvSpPr>
+        <p:spPr>
+          <a:xfrm>
+            <a:off x="6959830" y="3700234"/>
+            <a:ext cx="1699002" cy="557370"/>
+          </a:xfrm>
+          <a:prstGeom prst="roundRect">
+            <a:avLst>
+              <a:gd name="adj" fmla="val 9458"/>
+            </a:avLst>
+          </a:prstGeom>
+        </p:spPr>
+        <p:style>
+          <a:lnRef idx="2">
+            <a:schemeClr val="dk1"/>
+          </a:lnRef>
+          <a:fillRef idx="1">
+            <a:schemeClr val="lt1"/>
+          </a:fillRef>
+          <a:effectRef idx="0">
+            <a:schemeClr val="dk1"/>
+          </a:effectRef>
+          <a:fontRef idx="minor">
+            <a:schemeClr val="dk1"/>
+          </a:fontRef>
+        </p:style>
+        <p:txBody>
+          <a:bodyPr rtlCol="0" anchor="ctr"/>
+          <a:lstStyle/>
+          <a:p>
+            <a:pPr algn="ctr"/>
+            <a:r>
+              <a:rPr lang="en-US" altLang="ko-KR" sz="1600"/>
+              <a:t>Src IP, DSCP</a:t>
+            </a:r>
+          </a:p>
+          <a:p>
+            <a:pPr algn="ctr"/>
+            <a:r>
+              <a:rPr lang="en-US" altLang="ko-KR" sz="1600"/>
+              <a:t>Translation</a:t>
+            </a:r>
+            <a:endParaRPr lang="ko-KR" altLang="en-US" sz="1600"/>
           </a:p>
         </p:txBody>
       </p:sp>
@@ -9846,7 +10191,7 @@
           </a:prstGeom>
           <a:ln w="28575">
             <a:solidFill>
-              <a:schemeClr val="tx2"/>
+              <a:srgbClr val="C00000"/>
             </a:solidFill>
             <a:headEnd type="none" w="med" len="med"/>
             <a:tailEnd type="arrow" w="med" len="med"/>
@@ -10347,8 +10692,8 @@
         </p:nvSpPr>
         <p:spPr>
           <a:xfrm>
-            <a:off x="5068434" y="2137219"/>
-            <a:ext cx="1337520" cy="557370"/>
+            <a:off x="4958172" y="2137219"/>
+            <a:ext cx="1558044" cy="557370"/>
           </a:xfrm>
           <a:prstGeom prst="roundRect">
             <a:avLst>
@@ -10377,14 +10722,7 @@
             <a:pPr algn="ctr"/>
             <a:r>
               <a:rPr lang="en-US" altLang="ko-KR" sz="1600"/>
-              <a:t>Dst Mac</a:t>
-            </a:r>
-          </a:p>
-          <a:p>
-            <a:pPr algn="ctr"/>
-            <a:r>
-              <a:rPr lang="en-US" altLang="ko-KR" sz="1600"/>
-              <a:t>Translation</a:t>
+              <a:t>Encapsulation</a:t>
             </a:r>
             <a:endParaRPr lang="ko-KR" altLang="en-US" sz="1600"/>
           </a:p>
@@ -10969,7 +11307,7 @@
           </a:prstGeom>
           <a:ln w="28575">
             <a:solidFill>
-              <a:schemeClr val="tx2"/>
+              <a:srgbClr val="C00000"/>
             </a:solidFill>
             <a:headEnd type="arrow" w="med" len="med"/>
             <a:tailEnd type="none" w="med" len="med"/>
@@ -11248,6 +11586,150 @@
           </a:p>
         </p:txBody>
       </p:sp>
+      <p:sp>
+        <p:nvSpPr>
+          <p:cNvPr id="38" name="모서리가 둥근 직사각형 2">
+            <a:extLst>
+              <a:ext uri="{FF2B5EF4-FFF2-40B4-BE49-F238E27FC236}">
+                <a16:creationId xmlns:a16="http://schemas.microsoft.com/office/drawing/2014/main" id="{F9FB6DDA-AF18-42FF-BB77-0E3C63795EF8}"/>
+              </a:ext>
+            </a:extLst>
+          </p:cNvPr>
+          <p:cNvSpPr/>
+          <p:nvPr/>
+        </p:nvSpPr>
+        <p:spPr>
+          <a:xfrm>
+            <a:off x="7177354" y="3590392"/>
+            <a:ext cx="1558044" cy="557370"/>
+          </a:xfrm>
+          <a:prstGeom prst="roundRect">
+            <a:avLst>
+              <a:gd name="adj" fmla="val 9458"/>
+            </a:avLst>
+          </a:prstGeom>
+        </p:spPr>
+        <p:style>
+          <a:lnRef idx="2">
+            <a:schemeClr val="dk1"/>
+          </a:lnRef>
+          <a:fillRef idx="1">
+            <a:schemeClr val="lt1"/>
+          </a:fillRef>
+          <a:effectRef idx="0">
+            <a:schemeClr val="dk1"/>
+          </a:effectRef>
+          <a:fontRef idx="minor">
+            <a:schemeClr val="dk1"/>
+          </a:fontRef>
+        </p:style>
+        <p:txBody>
+          <a:bodyPr rtlCol="0" anchor="ctr"/>
+          <a:lstStyle/>
+          <a:p>
+            <a:pPr algn="ctr"/>
+            <a:r>
+              <a:rPr lang="en-US" altLang="ko-KR" sz="1600"/>
+              <a:t>Decapsulation</a:t>
+            </a:r>
+            <a:endParaRPr lang="ko-KR" altLang="en-US" sz="1600"/>
+          </a:p>
+        </p:txBody>
+      </p:sp>
+      <p:cxnSp>
+        <p:nvCxnSpPr>
+          <p:cNvPr id="50" name="직선 연결선 49">
+            <a:extLst>
+              <a:ext uri="{FF2B5EF4-FFF2-40B4-BE49-F238E27FC236}">
+                <a16:creationId xmlns:a16="http://schemas.microsoft.com/office/drawing/2014/main" id="{84800F0F-DE2B-49B8-BB43-F672CF1AC493}"/>
+              </a:ext>
+            </a:extLst>
+          </p:cNvPr>
+          <p:cNvCxnSpPr>
+            <a:cxnSpLocks/>
+            <a:stCxn id="41" idx="3"/>
+            <a:endCxn id="38" idx="1"/>
+          </p:cNvCxnSpPr>
+          <p:nvPr/>
+        </p:nvCxnSpPr>
+        <p:spPr>
+          <a:xfrm flipV="1">
+            <a:off x="6817314" y="3869077"/>
+            <a:ext cx="360040" cy="3813"/>
+          </a:xfrm>
+          <a:prstGeom prst="line">
+            <a:avLst/>
+          </a:prstGeom>
+          <a:ln w="28575">
+            <a:solidFill>
+              <a:schemeClr val="tx1"/>
+            </a:solidFill>
+            <a:headEnd type="none" w="med" len="med"/>
+            <a:tailEnd type="none" w="med" len="med"/>
+          </a:ln>
+        </p:spPr>
+        <p:style>
+          <a:lnRef idx="1">
+            <a:schemeClr val="accent1"/>
+          </a:lnRef>
+          <a:fillRef idx="0">
+            <a:schemeClr val="accent1"/>
+          </a:fillRef>
+          <a:effectRef idx="0">
+            <a:schemeClr val="accent1"/>
+          </a:effectRef>
+          <a:fontRef idx="minor">
+            <a:schemeClr val="tx1"/>
+          </a:fontRef>
+        </p:style>
+      </p:cxnSp>
+      <p:cxnSp>
+        <p:nvCxnSpPr>
+          <p:cNvPr id="51" name="직선 연결선 50">
+            <a:extLst>
+              <a:ext uri="{FF2B5EF4-FFF2-40B4-BE49-F238E27FC236}">
+                <a16:creationId xmlns:a16="http://schemas.microsoft.com/office/drawing/2014/main" id="{D52C08BB-5AAA-45F9-94F4-8FFAEC0AB76B}"/>
+              </a:ext>
+            </a:extLst>
+          </p:cNvPr>
+          <p:cNvCxnSpPr>
+            <a:cxnSpLocks/>
+            <a:stCxn id="38" idx="0"/>
+            <a:endCxn id="46" idx="2"/>
+          </p:cNvCxnSpPr>
+          <p:nvPr/>
+        </p:nvCxnSpPr>
+        <p:spPr>
+          <a:xfrm flipV="1">
+            <a:off x="7956376" y="2740477"/>
+            <a:ext cx="0" cy="849915"/>
+          </a:xfrm>
+          <a:prstGeom prst="line">
+            <a:avLst/>
+          </a:prstGeom>
+          <a:ln w="28575">
+            <a:solidFill>
+              <a:schemeClr val="tx1"/>
+            </a:solidFill>
+            <a:headEnd type="none" w="med" len="med"/>
+            <a:tailEnd type="arrow" w="med" len="med"/>
+          </a:ln>
+        </p:spPr>
+        <p:style>
+          <a:lnRef idx="1">
+            <a:schemeClr val="accent1"/>
+          </a:lnRef>
+          <a:fillRef idx="0">
+            <a:schemeClr val="accent1"/>
+          </a:fillRef>
+          <a:effectRef idx="0">
+            <a:schemeClr val="accent1"/>
+          </a:effectRef>
+          <a:fontRef idx="minor">
+            <a:schemeClr val="tx1"/>
+          </a:fontRef>
+        </p:style>
+      </p:cxnSp>
     </p:spTree>
     <p:extLst>
       <p:ext uri="{BB962C8B-B14F-4D97-AF65-F5344CB8AC3E}">
@@ -11290,7 +11772,7 @@
         </p:nvSpPr>
         <p:spPr>
           <a:xfrm>
-            <a:off x="-1980728" y="-11575"/>
+            <a:off x="565354" y="24473"/>
             <a:ext cx="8229600" cy="857250"/>
           </a:xfrm>
         </p:spPr>
@@ -11308,14 +11790,20 @@
       </p:sp>
       <p:sp>
         <p:nvSpPr>
-          <p:cNvPr id="3" name="모서리가 둥근 직사각형 2"/>
+          <p:cNvPr id="39" name="모서리가 둥근 직사각형 2">
+            <a:extLst>
+              <a:ext uri="{FF2B5EF4-FFF2-40B4-BE49-F238E27FC236}">
+                <a16:creationId xmlns:a16="http://schemas.microsoft.com/office/drawing/2014/main" id="{3FACEA3B-E1E9-4B4E-BFA4-60148700E70B}"/>
+              </a:ext>
+            </a:extLst>
+          </p:cNvPr>
           <p:cNvSpPr/>
           <p:nvPr/>
         </p:nvSpPr>
         <p:spPr>
           <a:xfrm>
-            <a:off x="5377549" y="608840"/>
-            <a:ext cx="1440160" cy="738774"/>
+            <a:off x="1883074" y="915566"/>
+            <a:ext cx="1561566" cy="738774"/>
           </a:xfrm>
           <a:prstGeom prst="roundRect">
             <a:avLst>
@@ -11352,10 +11840,10 @@
       </p:sp>
       <p:sp>
         <p:nvSpPr>
-          <p:cNvPr id="11" name="모서리가 둥근 직사각형 2">
-            <a:extLst>
-              <a:ext uri="{FF2B5EF4-FFF2-40B4-BE49-F238E27FC236}">
-                <a16:creationId xmlns:a16="http://schemas.microsoft.com/office/drawing/2014/main" id="{16A86181-839F-4D4B-9E21-E84981D9E8F2}"/>
+          <p:cNvPr id="40" name="모서리가 둥근 직사각형 2">
+            <a:extLst>
+              <a:ext uri="{FF2B5EF4-FFF2-40B4-BE49-F238E27FC236}">
+                <a16:creationId xmlns:a16="http://schemas.microsoft.com/office/drawing/2014/main" id="{14682E79-684D-45C3-85CF-9EB65A444CB3}"/>
               </a:ext>
             </a:extLst>
           </p:cNvPr>
@@ -11364,12 +11852,12 @@
         </p:nvSpPr>
         <p:spPr>
           <a:xfrm>
-            <a:off x="5377549" y="2121008"/>
+            <a:off x="1943777" y="2427734"/>
             <a:ext cx="1440160" cy="738774"/>
           </a:xfrm>
           <a:prstGeom prst="roundRect">
             <a:avLst>
-              <a:gd name="adj" fmla="val 9458"/>
+              <a:gd name="adj" fmla="val 50000"/>
             </a:avLst>
           </a:prstGeom>
         </p:spPr>
@@ -11394,156 +11882,7 @@
             <a:pPr algn="ctr"/>
             <a:r>
               <a:rPr lang="en-US" altLang="ko-KR" sz="1600"/>
-              <a:t>LB - VIP</a:t>
-            </a:r>
-            <a:endParaRPr lang="ko-KR" altLang="en-US" sz="1600"/>
-          </a:p>
-        </p:txBody>
-      </p:sp>
-      <p:sp>
-        <p:nvSpPr>
-          <p:cNvPr id="12" name="모서리가 둥근 직사각형 2">
-            <a:extLst>
-              <a:ext uri="{FF2B5EF4-FFF2-40B4-BE49-F238E27FC236}">
-                <a16:creationId xmlns:a16="http://schemas.microsoft.com/office/drawing/2014/main" id="{6DA02060-5ACA-4462-8498-A57C8C85EDBC}"/>
-              </a:ext>
-            </a:extLst>
-          </p:cNvPr>
-          <p:cNvSpPr/>
-          <p:nvPr/>
-        </p:nvSpPr>
-        <p:spPr>
-          <a:xfrm>
-            <a:off x="5377549" y="3849200"/>
-            <a:ext cx="1440160" cy="738774"/>
-          </a:xfrm>
-          <a:prstGeom prst="roundRect">
-            <a:avLst>
-              <a:gd name="adj" fmla="val 9458"/>
-            </a:avLst>
-          </a:prstGeom>
-        </p:spPr>
-        <p:style>
-          <a:lnRef idx="2">
-            <a:schemeClr val="dk1"/>
-          </a:lnRef>
-          <a:fillRef idx="1">
-            <a:schemeClr val="lt1"/>
-          </a:fillRef>
-          <a:effectRef idx="0">
-            <a:schemeClr val="dk1"/>
-          </a:effectRef>
-          <a:fontRef idx="minor">
-            <a:schemeClr val="dk1"/>
-          </a:fontRef>
-        </p:style>
-        <p:txBody>
-          <a:bodyPr rtlCol="0" anchor="ctr"/>
-          <a:lstStyle/>
-          <a:p>
-            <a:pPr algn="ctr"/>
-            <a:r>
-              <a:rPr lang="en-US" altLang="ko-KR" sz="1600"/>
-              <a:t>Server</a:t>
-            </a:r>
-            <a:endParaRPr lang="ko-KR" altLang="en-US" sz="1600"/>
-          </a:p>
-        </p:txBody>
-      </p:sp>
-      <p:sp>
-        <p:nvSpPr>
-          <p:cNvPr id="14" name="모서리가 둥근 직사각형 2">
-            <a:extLst>
-              <a:ext uri="{FF2B5EF4-FFF2-40B4-BE49-F238E27FC236}">
-                <a16:creationId xmlns:a16="http://schemas.microsoft.com/office/drawing/2014/main" id="{E2950B84-FA19-4A8F-942C-7909909CD352}"/>
-              </a:ext>
-            </a:extLst>
-          </p:cNvPr>
-          <p:cNvSpPr/>
-          <p:nvPr/>
-        </p:nvSpPr>
-        <p:spPr>
-          <a:xfrm>
-            <a:off x="3635896" y="3849200"/>
-            <a:ext cx="1440160" cy="738774"/>
-          </a:xfrm>
-          <a:prstGeom prst="roundRect">
-            <a:avLst>
-              <a:gd name="adj" fmla="val 9458"/>
-            </a:avLst>
-          </a:prstGeom>
-        </p:spPr>
-        <p:style>
-          <a:lnRef idx="2">
-            <a:schemeClr val="dk1"/>
-          </a:lnRef>
-          <a:fillRef idx="1">
-            <a:schemeClr val="lt1"/>
-          </a:fillRef>
-          <a:effectRef idx="0">
-            <a:schemeClr val="dk1"/>
-          </a:effectRef>
-          <a:fontRef idx="minor">
-            <a:schemeClr val="dk1"/>
-          </a:fontRef>
-        </p:style>
-        <p:txBody>
-          <a:bodyPr rtlCol="0" anchor="ctr"/>
-          <a:lstStyle/>
-          <a:p>
-            <a:pPr algn="ctr"/>
-            <a:r>
-              <a:rPr lang="en-US" altLang="ko-KR" sz="1600"/>
-              <a:t>Server</a:t>
-            </a:r>
-          </a:p>
-        </p:txBody>
-      </p:sp>
-      <p:sp>
-        <p:nvSpPr>
-          <p:cNvPr id="15" name="모서리가 둥근 직사각형 2">
-            <a:extLst>
-              <a:ext uri="{FF2B5EF4-FFF2-40B4-BE49-F238E27FC236}">
-                <a16:creationId xmlns:a16="http://schemas.microsoft.com/office/drawing/2014/main" id="{3922A7F9-4D77-4A90-9061-4D0585BA20D2}"/>
-              </a:ext>
-            </a:extLst>
-          </p:cNvPr>
-          <p:cNvSpPr/>
-          <p:nvPr/>
-        </p:nvSpPr>
-        <p:spPr>
-          <a:xfrm>
-            <a:off x="7119202" y="3849200"/>
-            <a:ext cx="1440160" cy="738774"/>
-          </a:xfrm>
-          <a:prstGeom prst="roundRect">
-            <a:avLst>
-              <a:gd name="adj" fmla="val 9458"/>
-            </a:avLst>
-          </a:prstGeom>
-        </p:spPr>
-        <p:style>
-          <a:lnRef idx="2">
-            <a:schemeClr val="dk1"/>
-          </a:lnRef>
-          <a:fillRef idx="1">
-            <a:schemeClr val="lt1"/>
-          </a:fillRef>
-          <a:effectRef idx="0">
-            <a:schemeClr val="dk1"/>
-          </a:effectRef>
-          <a:fontRef idx="minor">
-            <a:schemeClr val="dk1"/>
-          </a:fontRef>
-        </p:style>
-        <p:txBody>
-          <a:bodyPr rtlCol="0" anchor="ctr"/>
-          <a:lstStyle/>
-          <a:p>
-            <a:pPr algn="ctr"/>
-            <a:r>
-              <a:rPr lang="en-US" altLang="ko-KR" sz="1600"/>
-              <a:t>Server</a:t>
+              <a:t>Router</a:t>
             </a:r>
             <a:endParaRPr lang="ko-KR" altLang="en-US" sz="1600"/>
           </a:p>
@@ -11551,22 +11890,23 @@
       </p:sp>
       <p:cxnSp>
         <p:nvCxnSpPr>
-          <p:cNvPr id="5" name="직선 연결선 4">
-            <a:extLst>
-              <a:ext uri="{FF2B5EF4-FFF2-40B4-BE49-F238E27FC236}">
-                <a16:creationId xmlns:a16="http://schemas.microsoft.com/office/drawing/2014/main" id="{06BA9E35-AF4F-4861-AF32-930396FA6E06}"/>
+          <p:cNvPr id="41" name="직선 연결선 40">
+            <a:extLst>
+              <a:ext uri="{FF2B5EF4-FFF2-40B4-BE49-F238E27FC236}">
+                <a16:creationId xmlns:a16="http://schemas.microsoft.com/office/drawing/2014/main" id="{5DB67DE1-35B8-4627-AB7C-D4D865958833}"/>
               </a:ext>
             </a:extLst>
           </p:cNvPr>
           <p:cNvCxnSpPr>
-            <a:stCxn id="3" idx="2"/>
-            <a:endCxn id="11" idx="0"/>
+            <a:cxnSpLocks/>
+            <a:stCxn id="39" idx="2"/>
+            <a:endCxn id="40" idx="0"/>
           </p:cNvCxnSpPr>
           <p:nvPr/>
         </p:nvCxnSpPr>
         <p:spPr>
           <a:xfrm>
-            <a:off x="6097629" y="1347614"/>
+            <a:off x="2663857" y="1654340"/>
             <a:ext cx="0" cy="773394"/>
           </a:xfrm>
           <a:prstGeom prst="line">
@@ -11595,24 +11935,23 @@
       </p:cxnSp>
       <p:cxnSp>
         <p:nvCxnSpPr>
-          <p:cNvPr id="17" name="직선 연결선 16">
-            <a:extLst>
-              <a:ext uri="{FF2B5EF4-FFF2-40B4-BE49-F238E27FC236}">
-                <a16:creationId xmlns:a16="http://schemas.microsoft.com/office/drawing/2014/main" id="{C1FC7741-B395-41FE-83B5-2FD70DED6FD1}"/>
+          <p:cNvPr id="42" name="직선 연결선 41">
+            <a:extLst>
+              <a:ext uri="{FF2B5EF4-FFF2-40B4-BE49-F238E27FC236}">
+                <a16:creationId xmlns:a16="http://schemas.microsoft.com/office/drawing/2014/main" id="{4002D6E0-DA77-4BEE-B73E-A07CB371352D}"/>
               </a:ext>
             </a:extLst>
           </p:cNvPr>
           <p:cNvCxnSpPr>
             <a:cxnSpLocks/>
-            <a:stCxn id="11" idx="2"/>
-            <a:endCxn id="14" idx="0"/>
+            <a:stCxn id="40" idx="2"/>
           </p:cNvCxnSpPr>
           <p:nvPr/>
         </p:nvCxnSpPr>
         <p:spPr>
           <a:xfrm flipH="1">
-            <a:off x="4355976" y="2859782"/>
-            <a:ext cx="1741653" cy="989418"/>
+            <a:off x="861502" y="3166508"/>
+            <a:ext cx="1802355" cy="989418"/>
           </a:xfrm>
           <a:prstGeom prst="line">
             <a:avLst/>
@@ -11640,24 +11979,23 @@
       </p:cxnSp>
       <p:cxnSp>
         <p:nvCxnSpPr>
-          <p:cNvPr id="22" name="직선 연결선 21">
-            <a:extLst>
-              <a:ext uri="{FF2B5EF4-FFF2-40B4-BE49-F238E27FC236}">
-                <a16:creationId xmlns:a16="http://schemas.microsoft.com/office/drawing/2014/main" id="{415BEB9E-09A4-4964-BEF2-5F08CC228174}"/>
+          <p:cNvPr id="43" name="직선 연결선 42">
+            <a:extLst>
+              <a:ext uri="{FF2B5EF4-FFF2-40B4-BE49-F238E27FC236}">
+                <a16:creationId xmlns:a16="http://schemas.microsoft.com/office/drawing/2014/main" id="{E8A5CF1F-15A1-4EBA-A8C3-595652BD15C5}"/>
               </a:ext>
             </a:extLst>
           </p:cNvPr>
           <p:cNvCxnSpPr>
             <a:cxnSpLocks/>
-            <a:stCxn id="11" idx="2"/>
-            <a:endCxn id="12" idx="0"/>
+            <a:stCxn id="40" idx="2"/>
           </p:cNvCxnSpPr>
           <p:nvPr/>
         </p:nvCxnSpPr>
         <p:spPr>
           <a:xfrm>
-            <a:off x="6097629" y="2859782"/>
-            <a:ext cx="0" cy="989418"/>
+            <a:off x="2663857" y="3166508"/>
+            <a:ext cx="1" cy="989418"/>
           </a:xfrm>
           <a:prstGeom prst="line">
             <a:avLst/>
@@ -11685,24 +12023,24 @@
       </p:cxnSp>
       <p:cxnSp>
         <p:nvCxnSpPr>
-          <p:cNvPr id="23" name="직선 연결선 22">
-            <a:extLst>
-              <a:ext uri="{FF2B5EF4-FFF2-40B4-BE49-F238E27FC236}">
-                <a16:creationId xmlns:a16="http://schemas.microsoft.com/office/drawing/2014/main" id="{A44FBEF7-397E-47CC-8E30-8669ABF8AA0F}"/>
+          <p:cNvPr id="44" name="직선 연결선 43">
+            <a:extLst>
+              <a:ext uri="{FF2B5EF4-FFF2-40B4-BE49-F238E27FC236}">
+                <a16:creationId xmlns:a16="http://schemas.microsoft.com/office/drawing/2014/main" id="{FD038D8D-A7F4-46DD-91C7-5C969EBD3218}"/>
               </a:ext>
             </a:extLst>
           </p:cNvPr>
           <p:cNvCxnSpPr>
             <a:cxnSpLocks/>
-            <a:stCxn id="11" idx="2"/>
-            <a:endCxn id="15" idx="0"/>
+            <a:stCxn id="45" idx="3"/>
+            <a:endCxn id="19" idx="1"/>
           </p:cNvCxnSpPr>
           <p:nvPr/>
         </p:nvCxnSpPr>
         <p:spPr>
-          <a:xfrm>
-            <a:off x="6097629" y="2859782"/>
-            <a:ext cx="1741653" cy="989418"/>
+          <a:xfrm flipV="1">
+            <a:off x="5292080" y="1572985"/>
+            <a:ext cx="742692" cy="1224136"/>
           </a:xfrm>
           <a:prstGeom prst="line">
             <a:avLst/>
@@ -11728,10 +12066,1131 @@
           </a:fontRef>
         </p:style>
       </p:cxnSp>
+      <p:sp>
+        <p:nvSpPr>
+          <p:cNvPr id="45" name="모서리가 둥근 직사각형 2">
+            <a:extLst>
+              <a:ext uri="{FF2B5EF4-FFF2-40B4-BE49-F238E27FC236}">
+                <a16:creationId xmlns:a16="http://schemas.microsoft.com/office/drawing/2014/main" id="{A0C4DDCC-1850-451C-9AB1-865607237A8B}"/>
+              </a:ext>
+            </a:extLst>
+          </p:cNvPr>
+          <p:cNvSpPr/>
+          <p:nvPr/>
+        </p:nvSpPr>
+        <p:spPr>
+          <a:xfrm>
+            <a:off x="3730516" y="2427734"/>
+            <a:ext cx="1561564" cy="738774"/>
+          </a:xfrm>
+          <a:prstGeom prst="roundRect">
+            <a:avLst>
+              <a:gd name="adj" fmla="val 9458"/>
+            </a:avLst>
+          </a:prstGeom>
+        </p:spPr>
+        <p:style>
+          <a:lnRef idx="2">
+            <a:schemeClr val="dk1"/>
+          </a:lnRef>
+          <a:fillRef idx="1">
+            <a:schemeClr val="lt1"/>
+          </a:fillRef>
+          <a:effectRef idx="0">
+            <a:schemeClr val="dk1"/>
+          </a:effectRef>
+          <a:fontRef idx="minor">
+            <a:schemeClr val="dk1"/>
+          </a:fontRef>
+        </p:style>
+        <p:txBody>
+          <a:bodyPr rtlCol="0" anchor="ctr"/>
+          <a:lstStyle/>
+          <a:p>
+            <a:pPr algn="ctr"/>
+            <a:r>
+              <a:rPr lang="en-US" altLang="ko-KR" sz="1600"/>
+              <a:t>Local</a:t>
+            </a:r>
+          </a:p>
+          <a:p>
+            <a:pPr algn="ctr"/>
+            <a:r>
+              <a:rPr lang="en-US" altLang="ko-KR" sz="1600"/>
+              <a:t>DNS</a:t>
+            </a:r>
+          </a:p>
+        </p:txBody>
+      </p:sp>
+      <p:cxnSp>
+        <p:nvCxnSpPr>
+          <p:cNvPr id="46" name="직선 연결선 45">
+            <a:extLst>
+              <a:ext uri="{FF2B5EF4-FFF2-40B4-BE49-F238E27FC236}">
+                <a16:creationId xmlns:a16="http://schemas.microsoft.com/office/drawing/2014/main" id="{73742E84-76EA-4653-877D-2353837B63BF}"/>
+              </a:ext>
+            </a:extLst>
+          </p:cNvPr>
+          <p:cNvCxnSpPr>
+            <a:cxnSpLocks/>
+            <a:stCxn id="45" idx="1"/>
+            <a:endCxn id="40" idx="3"/>
+          </p:cNvCxnSpPr>
+          <p:nvPr/>
+        </p:nvCxnSpPr>
+        <p:spPr>
+          <a:xfrm flipH="1">
+            <a:off x="3383937" y="2797121"/>
+            <a:ext cx="346579" cy="0"/>
+          </a:xfrm>
+          <a:prstGeom prst="line">
+            <a:avLst/>
+          </a:prstGeom>
+          <a:ln w="28575">
+            <a:solidFill>
+              <a:schemeClr val="tx1"/>
+            </a:solidFill>
+          </a:ln>
+        </p:spPr>
+        <p:style>
+          <a:lnRef idx="1">
+            <a:schemeClr val="accent1"/>
+          </a:lnRef>
+          <a:fillRef idx="0">
+            <a:schemeClr val="accent1"/>
+          </a:fillRef>
+          <a:effectRef idx="0">
+            <a:schemeClr val="accent1"/>
+          </a:effectRef>
+          <a:fontRef idx="minor">
+            <a:schemeClr val="tx1"/>
+          </a:fontRef>
+        </p:style>
+      </p:cxnSp>
+      <p:sp>
+        <p:nvSpPr>
+          <p:cNvPr id="64" name="모서리가 둥근 직사각형 2">
+            <a:extLst>
+              <a:ext uri="{FF2B5EF4-FFF2-40B4-BE49-F238E27FC236}">
+                <a16:creationId xmlns:a16="http://schemas.microsoft.com/office/drawing/2014/main" id="{CF16E594-3D76-4682-877C-99D9E6F89060}"/>
+              </a:ext>
+            </a:extLst>
+          </p:cNvPr>
+          <p:cNvSpPr/>
+          <p:nvPr/>
+        </p:nvSpPr>
+        <p:spPr>
+          <a:xfrm>
+            <a:off x="83014" y="4155925"/>
+            <a:ext cx="1561564" cy="904919"/>
+          </a:xfrm>
+          <a:prstGeom prst="roundRect">
+            <a:avLst>
+              <a:gd name="adj" fmla="val 9458"/>
+            </a:avLst>
+          </a:prstGeom>
+        </p:spPr>
+        <p:style>
+          <a:lnRef idx="2">
+            <a:schemeClr val="dk1"/>
+          </a:lnRef>
+          <a:fillRef idx="1">
+            <a:schemeClr val="lt1"/>
+          </a:fillRef>
+          <a:effectRef idx="0">
+            <a:schemeClr val="dk1"/>
+          </a:effectRef>
+          <a:fontRef idx="minor">
+            <a:schemeClr val="dk1"/>
+          </a:fontRef>
+        </p:style>
+        <p:txBody>
+          <a:bodyPr rtlCol="0" anchor="ctr"/>
+          <a:lstStyle/>
+          <a:p>
+            <a:pPr algn="ctr"/>
+            <a:r>
+              <a:rPr lang="en-US" altLang="ko-KR" sz="1600"/>
+              <a:t>Server</a:t>
+            </a:r>
+          </a:p>
+          <a:p>
+            <a:pPr algn="ctr"/>
+            <a:r>
+              <a:rPr lang="en-US" altLang="ko-KR" sz="1600"/>
+              <a:t>IP-1.1.1.10</a:t>
+            </a:r>
+          </a:p>
+        </p:txBody>
+      </p:sp>
+      <p:sp>
+        <p:nvSpPr>
+          <p:cNvPr id="65" name="모서리가 둥근 직사각형 2">
+            <a:extLst>
+              <a:ext uri="{FF2B5EF4-FFF2-40B4-BE49-F238E27FC236}">
+                <a16:creationId xmlns:a16="http://schemas.microsoft.com/office/drawing/2014/main" id="{8FF4AFB2-34FD-438F-8A55-5F2722C30645}"/>
+              </a:ext>
+            </a:extLst>
+          </p:cNvPr>
+          <p:cNvSpPr/>
+          <p:nvPr/>
+        </p:nvSpPr>
+        <p:spPr>
+          <a:xfrm>
+            <a:off x="1883076" y="4155925"/>
+            <a:ext cx="1561564" cy="904919"/>
+          </a:xfrm>
+          <a:prstGeom prst="roundRect">
+            <a:avLst>
+              <a:gd name="adj" fmla="val 9458"/>
+            </a:avLst>
+          </a:prstGeom>
+        </p:spPr>
+        <p:style>
+          <a:lnRef idx="2">
+            <a:schemeClr val="dk1"/>
+          </a:lnRef>
+          <a:fillRef idx="1">
+            <a:schemeClr val="lt1"/>
+          </a:fillRef>
+          <a:effectRef idx="0">
+            <a:schemeClr val="dk1"/>
+          </a:effectRef>
+          <a:fontRef idx="minor">
+            <a:schemeClr val="dk1"/>
+          </a:fontRef>
+        </p:style>
+        <p:txBody>
+          <a:bodyPr rtlCol="0" anchor="ctr"/>
+          <a:lstStyle/>
+          <a:p>
+            <a:pPr algn="ctr"/>
+            <a:r>
+              <a:rPr lang="en-US" altLang="ko-KR" sz="1600"/>
+              <a:t>Server</a:t>
+            </a:r>
+          </a:p>
+          <a:p>
+            <a:pPr algn="ctr"/>
+            <a:r>
+              <a:rPr lang="en-US" altLang="ko-KR" sz="1600"/>
+              <a:t>IP-2.2.2.10</a:t>
+            </a:r>
+          </a:p>
+        </p:txBody>
+      </p:sp>
+      <p:sp>
+        <p:nvSpPr>
+          <p:cNvPr id="66" name="모서리가 둥근 직사각형 2">
+            <a:extLst>
+              <a:ext uri="{FF2B5EF4-FFF2-40B4-BE49-F238E27FC236}">
+                <a16:creationId xmlns:a16="http://schemas.microsoft.com/office/drawing/2014/main" id="{116A2666-44C5-4A47-909C-DF3B1E3E4EC4}"/>
+              </a:ext>
+            </a:extLst>
+          </p:cNvPr>
+          <p:cNvSpPr/>
+          <p:nvPr/>
+        </p:nvSpPr>
+        <p:spPr>
+          <a:xfrm>
+            <a:off x="3705960" y="4155925"/>
+            <a:ext cx="1561564" cy="904919"/>
+          </a:xfrm>
+          <a:prstGeom prst="roundRect">
+            <a:avLst>
+              <a:gd name="adj" fmla="val 9458"/>
+            </a:avLst>
+          </a:prstGeom>
+        </p:spPr>
+        <p:style>
+          <a:lnRef idx="2">
+            <a:schemeClr val="dk1"/>
+          </a:lnRef>
+          <a:fillRef idx="1">
+            <a:schemeClr val="lt1"/>
+          </a:fillRef>
+          <a:effectRef idx="0">
+            <a:schemeClr val="dk1"/>
+          </a:effectRef>
+          <a:fontRef idx="minor">
+            <a:schemeClr val="dk1"/>
+          </a:fontRef>
+        </p:style>
+        <p:txBody>
+          <a:bodyPr rtlCol="0" anchor="ctr"/>
+          <a:lstStyle/>
+          <a:p>
+            <a:pPr algn="ctr"/>
+            <a:r>
+              <a:rPr lang="en-US" altLang="ko-KR" sz="1600"/>
+              <a:t>Server</a:t>
+            </a:r>
+          </a:p>
+          <a:p>
+            <a:pPr algn="ctr"/>
+            <a:r>
+              <a:rPr lang="en-US" altLang="ko-KR" sz="1600"/>
+              <a:t>IP-3.3.3.10</a:t>
+            </a:r>
+          </a:p>
+        </p:txBody>
+      </p:sp>
+      <p:sp>
+        <p:nvSpPr>
+          <p:cNvPr id="14" name="모서리가 둥근 직사각형 2">
+            <a:extLst>
+              <a:ext uri="{FF2B5EF4-FFF2-40B4-BE49-F238E27FC236}">
+                <a16:creationId xmlns:a16="http://schemas.microsoft.com/office/drawing/2014/main" id="{C30EC9A3-2A33-40A0-915F-FF298F6B71B0}"/>
+              </a:ext>
+            </a:extLst>
+          </p:cNvPr>
+          <p:cNvSpPr/>
+          <p:nvPr/>
+        </p:nvSpPr>
+        <p:spPr>
+          <a:xfrm>
+            <a:off x="6051094" y="4011910"/>
+            <a:ext cx="1528920" cy="823274"/>
+          </a:xfrm>
+          <a:prstGeom prst="roundRect">
+            <a:avLst>
+              <a:gd name="adj" fmla="val 0"/>
+            </a:avLst>
+          </a:prstGeom>
+          <a:ln>
+            <a:prstDash val="dash"/>
+          </a:ln>
+        </p:spPr>
+        <p:style>
+          <a:lnRef idx="2">
+            <a:schemeClr val="dk1"/>
+          </a:lnRef>
+          <a:fillRef idx="1">
+            <a:schemeClr val="lt1"/>
+          </a:fillRef>
+          <a:effectRef idx="0">
+            <a:schemeClr val="dk1"/>
+          </a:effectRef>
+          <a:fontRef idx="minor">
+            <a:schemeClr val="dk1"/>
+          </a:fontRef>
+        </p:style>
+        <p:txBody>
+          <a:bodyPr rtlCol="0" anchor="ctr"/>
+          <a:lstStyle/>
+          <a:p>
+            <a:pPr algn="ctr"/>
+            <a:r>
+              <a:rPr lang="en-US" altLang="ko-KR" sz="1400"/>
+              <a:t>ssup2.com</a:t>
+            </a:r>
+          </a:p>
+          <a:p>
+            <a:pPr algn="ctr"/>
+            <a:r>
+              <a:rPr lang="en-US" altLang="ko-KR" sz="1400"/>
+              <a:t>1.1.1.10</a:t>
+            </a:r>
+          </a:p>
+          <a:p>
+            <a:pPr algn="ctr"/>
+            <a:r>
+              <a:rPr lang="en-US" altLang="ko-KR" sz="1400" b="1"/>
+              <a:t>2.2.2.10</a:t>
+            </a:r>
+          </a:p>
+          <a:p>
+            <a:pPr algn="ctr"/>
+            <a:r>
+              <a:rPr lang="en-US" altLang="ko-KR" sz="1400"/>
+              <a:t>3.3.3.10</a:t>
+            </a:r>
+          </a:p>
+        </p:txBody>
+      </p:sp>
+      <p:sp>
+        <p:nvSpPr>
+          <p:cNvPr id="19" name="모서리가 둥근 직사각형 2">
+            <a:extLst>
+              <a:ext uri="{FF2B5EF4-FFF2-40B4-BE49-F238E27FC236}">
+                <a16:creationId xmlns:a16="http://schemas.microsoft.com/office/drawing/2014/main" id="{4B1946C2-03A5-45AC-A83A-340CEF2024BC}"/>
+              </a:ext>
+            </a:extLst>
+          </p:cNvPr>
+          <p:cNvSpPr/>
+          <p:nvPr/>
+        </p:nvSpPr>
+        <p:spPr>
+          <a:xfrm>
+            <a:off x="6034772" y="1203598"/>
+            <a:ext cx="1561564" cy="738774"/>
+          </a:xfrm>
+          <a:prstGeom prst="roundRect">
+            <a:avLst>
+              <a:gd name="adj" fmla="val 9458"/>
+            </a:avLst>
+          </a:prstGeom>
+        </p:spPr>
+        <p:style>
+          <a:lnRef idx="2">
+            <a:schemeClr val="dk1"/>
+          </a:lnRef>
+          <a:fillRef idx="1">
+            <a:schemeClr val="lt1"/>
+          </a:fillRef>
+          <a:effectRef idx="0">
+            <a:schemeClr val="dk1"/>
+          </a:effectRef>
+          <a:fontRef idx="minor">
+            <a:schemeClr val="dk1"/>
+          </a:fontRef>
+        </p:style>
+        <p:txBody>
+          <a:bodyPr rtlCol="0" anchor="ctr"/>
+          <a:lstStyle/>
+          <a:p>
+            <a:pPr algn="ctr"/>
+            <a:r>
+              <a:rPr lang="en-US" altLang="ko-KR" sz="1600"/>
+              <a:t>root</a:t>
+            </a:r>
+          </a:p>
+          <a:p>
+            <a:pPr algn="ctr"/>
+            <a:r>
+              <a:rPr lang="en-US" altLang="ko-KR" sz="1600"/>
+              <a:t>DNS</a:t>
+            </a:r>
+          </a:p>
+        </p:txBody>
+      </p:sp>
+      <p:sp>
+        <p:nvSpPr>
+          <p:cNvPr id="20" name="모서리가 둥근 직사각형 2">
+            <a:extLst>
+              <a:ext uri="{FF2B5EF4-FFF2-40B4-BE49-F238E27FC236}">
+                <a16:creationId xmlns:a16="http://schemas.microsoft.com/office/drawing/2014/main" id="{887348E5-DD62-4A72-ACAC-CC3FAAA09D4A}"/>
+              </a:ext>
+            </a:extLst>
+          </p:cNvPr>
+          <p:cNvSpPr/>
+          <p:nvPr/>
+        </p:nvSpPr>
+        <p:spPr>
+          <a:xfrm>
+            <a:off x="6034772" y="2139702"/>
+            <a:ext cx="1561564" cy="738774"/>
+          </a:xfrm>
+          <a:prstGeom prst="roundRect">
+            <a:avLst>
+              <a:gd name="adj" fmla="val 9458"/>
+            </a:avLst>
+          </a:prstGeom>
+        </p:spPr>
+        <p:style>
+          <a:lnRef idx="2">
+            <a:schemeClr val="dk1"/>
+          </a:lnRef>
+          <a:fillRef idx="1">
+            <a:schemeClr val="lt1"/>
+          </a:fillRef>
+          <a:effectRef idx="0">
+            <a:schemeClr val="dk1"/>
+          </a:effectRef>
+          <a:fontRef idx="minor">
+            <a:schemeClr val="dk1"/>
+          </a:fontRef>
+        </p:style>
+        <p:txBody>
+          <a:bodyPr rtlCol="0" anchor="ctr"/>
+          <a:lstStyle/>
+          <a:p>
+            <a:pPr algn="ctr"/>
+            <a:r>
+              <a:rPr lang="en-US" altLang="ko-KR" sz="1600"/>
+              <a:t>com</a:t>
+            </a:r>
+          </a:p>
+          <a:p>
+            <a:pPr algn="ctr"/>
+            <a:r>
+              <a:rPr lang="en-US" altLang="ko-KR" sz="1600"/>
+              <a:t>DNS</a:t>
+            </a:r>
+          </a:p>
+        </p:txBody>
+      </p:sp>
+      <p:sp>
+        <p:nvSpPr>
+          <p:cNvPr id="21" name="모서리가 둥근 직사각형 2">
+            <a:extLst>
+              <a:ext uri="{FF2B5EF4-FFF2-40B4-BE49-F238E27FC236}">
+                <a16:creationId xmlns:a16="http://schemas.microsoft.com/office/drawing/2014/main" id="{772CB2E7-946B-4363-8E3A-C0F902644237}"/>
+              </a:ext>
+            </a:extLst>
+          </p:cNvPr>
+          <p:cNvSpPr/>
+          <p:nvPr/>
+        </p:nvSpPr>
+        <p:spPr>
+          <a:xfrm>
+            <a:off x="6034772" y="3095227"/>
+            <a:ext cx="1561564" cy="738774"/>
+          </a:xfrm>
+          <a:prstGeom prst="roundRect">
+            <a:avLst>
+              <a:gd name="adj" fmla="val 9458"/>
+            </a:avLst>
+          </a:prstGeom>
+        </p:spPr>
+        <p:style>
+          <a:lnRef idx="2">
+            <a:schemeClr val="dk1"/>
+          </a:lnRef>
+          <a:fillRef idx="1">
+            <a:schemeClr val="lt1"/>
+          </a:fillRef>
+          <a:effectRef idx="0">
+            <a:schemeClr val="dk1"/>
+          </a:effectRef>
+          <a:fontRef idx="minor">
+            <a:schemeClr val="dk1"/>
+          </a:fontRef>
+        </p:style>
+        <p:txBody>
+          <a:bodyPr rtlCol="0" anchor="ctr"/>
+          <a:lstStyle/>
+          <a:p>
+            <a:pPr algn="ctr"/>
+            <a:r>
+              <a:rPr lang="en-US" altLang="ko-KR" sz="1600"/>
+              <a:t>GSLB</a:t>
+            </a:r>
+          </a:p>
+        </p:txBody>
+      </p:sp>
+      <p:cxnSp>
+        <p:nvCxnSpPr>
+          <p:cNvPr id="24" name="직선 연결선 23">
+            <a:extLst>
+              <a:ext uri="{FF2B5EF4-FFF2-40B4-BE49-F238E27FC236}">
+                <a16:creationId xmlns:a16="http://schemas.microsoft.com/office/drawing/2014/main" id="{614F76B4-8331-41D4-A83F-F84E3457702F}"/>
+              </a:ext>
+            </a:extLst>
+          </p:cNvPr>
+          <p:cNvCxnSpPr>
+            <a:cxnSpLocks/>
+            <a:stCxn id="45" idx="3"/>
+            <a:endCxn id="20" idx="1"/>
+          </p:cNvCxnSpPr>
+          <p:nvPr/>
+        </p:nvCxnSpPr>
+        <p:spPr>
+          <a:xfrm flipV="1">
+            <a:off x="5292080" y="2509089"/>
+            <a:ext cx="742692" cy="288032"/>
+          </a:xfrm>
+          <a:prstGeom prst="line">
+            <a:avLst/>
+          </a:prstGeom>
+          <a:ln w="28575">
+            <a:solidFill>
+              <a:schemeClr val="tx1"/>
+            </a:solidFill>
+          </a:ln>
+        </p:spPr>
+        <p:style>
+          <a:lnRef idx="1">
+            <a:schemeClr val="accent1"/>
+          </a:lnRef>
+          <a:fillRef idx="0">
+            <a:schemeClr val="accent1"/>
+          </a:fillRef>
+          <a:effectRef idx="0">
+            <a:schemeClr val="accent1"/>
+          </a:effectRef>
+          <a:fontRef idx="minor">
+            <a:schemeClr val="tx1"/>
+          </a:fontRef>
+        </p:style>
+      </p:cxnSp>
+      <p:cxnSp>
+        <p:nvCxnSpPr>
+          <p:cNvPr id="27" name="직선 연결선 26">
+            <a:extLst>
+              <a:ext uri="{FF2B5EF4-FFF2-40B4-BE49-F238E27FC236}">
+                <a16:creationId xmlns:a16="http://schemas.microsoft.com/office/drawing/2014/main" id="{109FEE66-18CC-460C-9851-929984DC98B9}"/>
+              </a:ext>
+            </a:extLst>
+          </p:cNvPr>
+          <p:cNvCxnSpPr>
+            <a:cxnSpLocks/>
+            <a:stCxn id="45" idx="3"/>
+            <a:endCxn id="21" idx="1"/>
+          </p:cNvCxnSpPr>
+          <p:nvPr/>
+        </p:nvCxnSpPr>
+        <p:spPr>
+          <a:xfrm>
+            <a:off x="5292080" y="2797121"/>
+            <a:ext cx="742692" cy="667493"/>
+          </a:xfrm>
+          <a:prstGeom prst="line">
+            <a:avLst/>
+          </a:prstGeom>
+          <a:ln w="28575">
+            <a:solidFill>
+              <a:schemeClr val="tx1"/>
+            </a:solidFill>
+          </a:ln>
+        </p:spPr>
+        <p:style>
+          <a:lnRef idx="1">
+            <a:schemeClr val="accent1"/>
+          </a:lnRef>
+          <a:fillRef idx="0">
+            <a:schemeClr val="accent1"/>
+          </a:fillRef>
+          <a:effectRef idx="0">
+            <a:schemeClr val="accent1"/>
+          </a:effectRef>
+          <a:fontRef idx="minor">
+            <a:schemeClr val="tx1"/>
+          </a:fontRef>
+        </p:style>
+      </p:cxnSp>
+      <p:cxnSp>
+        <p:nvCxnSpPr>
+          <p:cNvPr id="30" name="직선 연결선 29">
+            <a:extLst>
+              <a:ext uri="{FF2B5EF4-FFF2-40B4-BE49-F238E27FC236}">
+                <a16:creationId xmlns:a16="http://schemas.microsoft.com/office/drawing/2014/main" id="{CE32EC49-0BDC-4DE8-9F41-51E7F1BC7900}"/>
+              </a:ext>
+            </a:extLst>
+          </p:cNvPr>
+          <p:cNvCxnSpPr>
+            <a:cxnSpLocks/>
+          </p:cNvCxnSpPr>
+          <p:nvPr/>
+        </p:nvCxnSpPr>
+        <p:spPr>
+          <a:xfrm>
+            <a:off x="2483768" y="1654339"/>
+            <a:ext cx="0" cy="2501585"/>
+          </a:xfrm>
+          <a:prstGeom prst="line">
+            <a:avLst/>
+          </a:prstGeom>
+          <a:ln w="28575">
+            <a:solidFill>
+              <a:srgbClr val="C00000"/>
+            </a:solidFill>
+            <a:headEnd type="none" w="med" len="med"/>
+            <a:tailEnd type="arrow" w="med" len="med"/>
+          </a:ln>
+        </p:spPr>
+        <p:style>
+          <a:lnRef idx="1">
+            <a:schemeClr val="accent1"/>
+          </a:lnRef>
+          <a:fillRef idx="0">
+            <a:schemeClr val="accent1"/>
+          </a:fillRef>
+          <a:effectRef idx="0">
+            <a:schemeClr val="accent1"/>
+          </a:effectRef>
+          <a:fontRef idx="minor">
+            <a:schemeClr val="tx1"/>
+          </a:fontRef>
+        </p:style>
+      </p:cxnSp>
+      <p:sp>
+        <p:nvSpPr>
+          <p:cNvPr id="38" name="원호 37">
+            <a:extLst>
+              <a:ext uri="{FF2B5EF4-FFF2-40B4-BE49-F238E27FC236}">
+                <a16:creationId xmlns:a16="http://schemas.microsoft.com/office/drawing/2014/main" id="{9AC0856D-4C03-4F46-BE14-40E6F874BBDF}"/>
+              </a:ext>
+            </a:extLst>
+          </p:cNvPr>
+          <p:cNvSpPr/>
+          <p:nvPr/>
+        </p:nvSpPr>
+        <p:spPr>
+          <a:xfrm rot="16200000" flipH="1">
+            <a:off x="2746527" y="978597"/>
+            <a:ext cx="1978097" cy="1351487"/>
+          </a:xfrm>
+          <a:prstGeom prst="arc">
+            <a:avLst>
+              <a:gd name="adj1" fmla="val 16200000"/>
+              <a:gd name="adj2" fmla="val 26855"/>
+            </a:avLst>
+          </a:prstGeom>
+          <a:ln w="28575">
+            <a:solidFill>
+              <a:srgbClr val="C00000"/>
+            </a:solidFill>
+            <a:headEnd type="none" w="med" len="med"/>
+            <a:tailEnd type="arrow" w="med" len="med"/>
+          </a:ln>
+        </p:spPr>
+        <p:style>
+          <a:lnRef idx="1">
+            <a:schemeClr val="accent1"/>
+          </a:lnRef>
+          <a:fillRef idx="0">
+            <a:schemeClr val="accent1"/>
+          </a:fillRef>
+          <a:effectRef idx="0">
+            <a:schemeClr val="accent1"/>
+          </a:effectRef>
+          <a:fontRef idx="minor">
+            <a:schemeClr val="tx1"/>
+          </a:fontRef>
+        </p:style>
+        <p:txBody>
+          <a:bodyPr rtlCol="0" anchor="ctr"/>
+          <a:lstStyle/>
+          <a:p>
+            <a:pPr algn="ctr"/>
+            <a:endParaRPr lang="ko-KR" altLang="en-US"/>
+          </a:p>
+        </p:txBody>
+      </p:sp>
+      <p:sp>
+        <p:nvSpPr>
+          <p:cNvPr id="47" name="원호 46">
+            <a:extLst>
+              <a:ext uri="{FF2B5EF4-FFF2-40B4-BE49-F238E27FC236}">
+                <a16:creationId xmlns:a16="http://schemas.microsoft.com/office/drawing/2014/main" id="{D3A2C89E-046C-40C4-9ED7-9778D4B019BA}"/>
+              </a:ext>
+            </a:extLst>
+          </p:cNvPr>
+          <p:cNvSpPr/>
+          <p:nvPr/>
+        </p:nvSpPr>
+        <p:spPr>
+          <a:xfrm rot="16200000" flipH="1">
+            <a:off x="2391619" y="808361"/>
+            <a:ext cx="2638022" cy="1700308"/>
+          </a:xfrm>
+          <a:prstGeom prst="arc">
+            <a:avLst>
+              <a:gd name="adj1" fmla="val 16234227"/>
+              <a:gd name="adj2" fmla="val 26855"/>
+            </a:avLst>
+          </a:prstGeom>
+          <a:ln w="28575">
+            <a:solidFill>
+              <a:srgbClr val="C00000"/>
+            </a:solidFill>
+            <a:headEnd type="arrow" w="med" len="med"/>
+            <a:tailEnd type="none" w="med" len="med"/>
+          </a:ln>
+        </p:spPr>
+        <p:style>
+          <a:lnRef idx="1">
+            <a:schemeClr val="accent1"/>
+          </a:lnRef>
+          <a:fillRef idx="0">
+            <a:schemeClr val="accent1"/>
+          </a:fillRef>
+          <a:effectRef idx="0">
+            <a:schemeClr val="accent1"/>
+          </a:effectRef>
+          <a:fontRef idx="minor">
+            <a:schemeClr val="tx1"/>
+          </a:fontRef>
+        </p:style>
+        <p:txBody>
+          <a:bodyPr rtlCol="0" anchor="ctr"/>
+          <a:lstStyle/>
+          <a:p>
+            <a:pPr algn="ctr"/>
+            <a:endParaRPr lang="ko-KR" altLang="en-US"/>
+          </a:p>
+        </p:txBody>
+      </p:sp>
+      <p:cxnSp>
+        <p:nvCxnSpPr>
+          <p:cNvPr id="48" name="직선 연결선 47">
+            <a:extLst>
+              <a:ext uri="{FF2B5EF4-FFF2-40B4-BE49-F238E27FC236}">
+                <a16:creationId xmlns:a16="http://schemas.microsoft.com/office/drawing/2014/main" id="{FEE80B91-778D-4053-98D0-1DFAA2F6C5D4}"/>
+              </a:ext>
+            </a:extLst>
+          </p:cNvPr>
+          <p:cNvCxnSpPr>
+            <a:cxnSpLocks/>
+          </p:cNvCxnSpPr>
+          <p:nvPr/>
+        </p:nvCxnSpPr>
+        <p:spPr>
+          <a:xfrm flipH="1">
+            <a:off x="5292080" y="1419622"/>
+            <a:ext cx="742692" cy="1224136"/>
+          </a:xfrm>
+          <a:prstGeom prst="line">
+            <a:avLst/>
+          </a:prstGeom>
+          <a:ln w="28575">
+            <a:solidFill>
+              <a:srgbClr val="C00000"/>
+            </a:solidFill>
+            <a:headEnd type="arrow" w="med" len="med"/>
+            <a:tailEnd type="arrow" w="med" len="med"/>
+          </a:ln>
+        </p:spPr>
+        <p:style>
+          <a:lnRef idx="1">
+            <a:schemeClr val="accent1"/>
+          </a:lnRef>
+          <a:fillRef idx="0">
+            <a:schemeClr val="accent1"/>
+          </a:fillRef>
+          <a:effectRef idx="0">
+            <a:schemeClr val="accent1"/>
+          </a:effectRef>
+          <a:fontRef idx="minor">
+            <a:schemeClr val="tx1"/>
+          </a:fontRef>
+        </p:style>
+      </p:cxnSp>
+      <p:cxnSp>
+        <p:nvCxnSpPr>
+          <p:cNvPr id="49" name="직선 연결선 48">
+            <a:extLst>
+              <a:ext uri="{FF2B5EF4-FFF2-40B4-BE49-F238E27FC236}">
+                <a16:creationId xmlns:a16="http://schemas.microsoft.com/office/drawing/2014/main" id="{33CA40D7-8B71-46EB-9A59-799088B8156B}"/>
+              </a:ext>
+            </a:extLst>
+          </p:cNvPr>
+          <p:cNvCxnSpPr>
+            <a:cxnSpLocks/>
+          </p:cNvCxnSpPr>
+          <p:nvPr/>
+        </p:nvCxnSpPr>
+        <p:spPr>
+          <a:xfrm flipH="1">
+            <a:off x="5292080" y="2427734"/>
+            <a:ext cx="742692" cy="288032"/>
+          </a:xfrm>
+          <a:prstGeom prst="line">
+            <a:avLst/>
+          </a:prstGeom>
+          <a:ln w="28575">
+            <a:solidFill>
+              <a:srgbClr val="C00000"/>
+            </a:solidFill>
+            <a:headEnd type="arrow" w="med" len="med"/>
+            <a:tailEnd type="arrow" w="med" len="med"/>
+          </a:ln>
+        </p:spPr>
+        <p:style>
+          <a:lnRef idx="1">
+            <a:schemeClr val="accent1"/>
+          </a:lnRef>
+          <a:fillRef idx="0">
+            <a:schemeClr val="accent1"/>
+          </a:fillRef>
+          <a:effectRef idx="0">
+            <a:schemeClr val="accent1"/>
+          </a:effectRef>
+          <a:fontRef idx="minor">
+            <a:schemeClr val="tx1"/>
+          </a:fontRef>
+        </p:style>
+      </p:cxnSp>
+      <p:cxnSp>
+        <p:nvCxnSpPr>
+          <p:cNvPr id="50" name="직선 연결선 49">
+            <a:extLst>
+              <a:ext uri="{FF2B5EF4-FFF2-40B4-BE49-F238E27FC236}">
+                <a16:creationId xmlns:a16="http://schemas.microsoft.com/office/drawing/2014/main" id="{E7513530-2381-48C5-8208-2794FF6E48F9}"/>
+              </a:ext>
+            </a:extLst>
+          </p:cNvPr>
+          <p:cNvCxnSpPr>
+            <a:cxnSpLocks/>
+          </p:cNvCxnSpPr>
+          <p:nvPr/>
+        </p:nvCxnSpPr>
+        <p:spPr>
+          <a:xfrm flipH="1" flipV="1">
+            <a:off x="5292080" y="2893650"/>
+            <a:ext cx="742692" cy="667493"/>
+          </a:xfrm>
+          <a:prstGeom prst="line">
+            <a:avLst/>
+          </a:prstGeom>
+          <a:ln w="28575">
+            <a:solidFill>
+              <a:srgbClr val="C00000"/>
+            </a:solidFill>
+            <a:headEnd type="arrow" w="med" len="med"/>
+            <a:tailEnd type="arrow" w="med" len="med"/>
+          </a:ln>
+        </p:spPr>
+        <p:style>
+          <a:lnRef idx="1">
+            <a:schemeClr val="accent1"/>
+          </a:lnRef>
+          <a:fillRef idx="0">
+            <a:schemeClr val="accent1"/>
+          </a:fillRef>
+          <a:effectRef idx="0">
+            <a:schemeClr val="accent1"/>
+          </a:effectRef>
+          <a:fontRef idx="minor">
+            <a:schemeClr val="tx1"/>
+          </a:fontRef>
+        </p:style>
+      </p:cxnSp>
+      <p:sp>
+        <p:nvSpPr>
+          <p:cNvPr id="52" name="타원 51">
+            <a:extLst>
+              <a:ext uri="{FF2B5EF4-FFF2-40B4-BE49-F238E27FC236}">
+                <a16:creationId xmlns:a16="http://schemas.microsoft.com/office/drawing/2014/main" id="{C9D22DD6-1460-4C42-9585-D6DDE27556D1}"/>
+              </a:ext>
+            </a:extLst>
+          </p:cNvPr>
+          <p:cNvSpPr/>
+          <p:nvPr/>
+        </p:nvSpPr>
+        <p:spPr>
+          <a:xfrm>
+            <a:off x="3059832" y="2067694"/>
+            <a:ext cx="288032" cy="288032"/>
+          </a:xfrm>
+          <a:prstGeom prst="ellipse">
+            <a:avLst/>
+          </a:prstGeom>
+        </p:spPr>
+        <p:style>
+          <a:lnRef idx="2">
+            <a:schemeClr val="dk1"/>
+          </a:lnRef>
+          <a:fillRef idx="1">
+            <a:schemeClr val="lt1"/>
+          </a:fillRef>
+          <a:effectRef idx="0">
+            <a:schemeClr val="dk1"/>
+          </a:effectRef>
+          <a:fontRef idx="minor">
+            <a:schemeClr val="dk1"/>
+          </a:fontRef>
+        </p:style>
+        <p:txBody>
+          <a:bodyPr rtlCol="0" anchor="ctr"/>
+          <a:lstStyle/>
+          <a:p>
+            <a:pPr algn="ctr"/>
+            <a:r>
+              <a:rPr lang="en-US" altLang="ko-KR"/>
+              <a:t>1</a:t>
+            </a:r>
+            <a:endParaRPr lang="ko-KR" altLang="en-US"/>
+          </a:p>
+        </p:txBody>
+      </p:sp>
+      <p:sp>
+        <p:nvSpPr>
+          <p:cNvPr id="53" name="타원 52">
+            <a:extLst>
+              <a:ext uri="{FF2B5EF4-FFF2-40B4-BE49-F238E27FC236}">
+                <a16:creationId xmlns:a16="http://schemas.microsoft.com/office/drawing/2014/main" id="{9DAC83EC-8CD8-4A0C-8B07-D87CA7AB2954}"/>
+              </a:ext>
+            </a:extLst>
+          </p:cNvPr>
+          <p:cNvSpPr/>
+          <p:nvPr/>
+        </p:nvSpPr>
+        <p:spPr>
+          <a:xfrm>
+            <a:off x="5580112" y="2211710"/>
+            <a:ext cx="288032" cy="288032"/>
+          </a:xfrm>
+          <a:prstGeom prst="ellipse">
+            <a:avLst/>
+          </a:prstGeom>
+        </p:spPr>
+        <p:style>
+          <a:lnRef idx="2">
+            <a:schemeClr val="dk1"/>
+          </a:lnRef>
+          <a:fillRef idx="1">
+            <a:schemeClr val="lt1"/>
+          </a:fillRef>
+          <a:effectRef idx="0">
+            <a:schemeClr val="dk1"/>
+          </a:effectRef>
+          <a:fontRef idx="minor">
+            <a:schemeClr val="dk1"/>
+          </a:fontRef>
+        </p:style>
+        <p:txBody>
+          <a:bodyPr rtlCol="0" anchor="ctr"/>
+          <a:lstStyle/>
+          <a:p>
+            <a:pPr algn="ctr"/>
+            <a:r>
+              <a:rPr lang="en-US" altLang="ko-KR"/>
+              <a:t>2</a:t>
+            </a:r>
+            <a:endParaRPr lang="ko-KR" altLang="en-US"/>
+          </a:p>
+        </p:txBody>
+      </p:sp>
+      <p:sp>
+        <p:nvSpPr>
+          <p:cNvPr id="54" name="타원 53">
+            <a:extLst>
+              <a:ext uri="{FF2B5EF4-FFF2-40B4-BE49-F238E27FC236}">
+                <a16:creationId xmlns:a16="http://schemas.microsoft.com/office/drawing/2014/main" id="{959784E0-575B-4980-9925-02E79EDFBE04}"/>
+              </a:ext>
+            </a:extLst>
+          </p:cNvPr>
+          <p:cNvSpPr/>
+          <p:nvPr/>
+        </p:nvSpPr>
+        <p:spPr>
+          <a:xfrm>
+            <a:off x="5508104" y="3109674"/>
+            <a:ext cx="288032" cy="288032"/>
+          </a:xfrm>
+          <a:prstGeom prst="ellipse">
+            <a:avLst/>
+          </a:prstGeom>
+        </p:spPr>
+        <p:style>
+          <a:lnRef idx="2">
+            <a:schemeClr val="dk1"/>
+          </a:lnRef>
+          <a:fillRef idx="1">
+            <a:schemeClr val="lt1"/>
+          </a:fillRef>
+          <a:effectRef idx="0">
+            <a:schemeClr val="dk1"/>
+          </a:effectRef>
+          <a:fontRef idx="minor">
+            <a:schemeClr val="dk1"/>
+          </a:fontRef>
+        </p:style>
+        <p:txBody>
+          <a:bodyPr rtlCol="0" anchor="ctr"/>
+          <a:lstStyle/>
+          <a:p>
+            <a:pPr algn="ctr"/>
+            <a:r>
+              <a:rPr lang="en-US" altLang="ko-KR"/>
+              <a:t>3</a:t>
+            </a:r>
+            <a:endParaRPr lang="ko-KR" altLang="en-US"/>
+          </a:p>
+        </p:txBody>
+      </p:sp>
+      <p:sp>
+        <p:nvSpPr>
+          <p:cNvPr id="55" name="타원 54">
+            <a:extLst>
+              <a:ext uri="{FF2B5EF4-FFF2-40B4-BE49-F238E27FC236}">
+                <a16:creationId xmlns:a16="http://schemas.microsoft.com/office/drawing/2014/main" id="{1B2C67A4-A8A6-4660-AF26-D1085F03ADCE}"/>
+              </a:ext>
+            </a:extLst>
+          </p:cNvPr>
+          <p:cNvSpPr/>
+          <p:nvPr/>
+        </p:nvSpPr>
+        <p:spPr>
+          <a:xfrm>
+            <a:off x="3059832" y="2571750"/>
+            <a:ext cx="288032" cy="288032"/>
+          </a:xfrm>
+          <a:prstGeom prst="ellipse">
+            <a:avLst/>
+          </a:prstGeom>
+        </p:spPr>
+        <p:style>
+          <a:lnRef idx="2">
+            <a:schemeClr val="dk1"/>
+          </a:lnRef>
+          <a:fillRef idx="1">
+            <a:schemeClr val="lt1"/>
+          </a:fillRef>
+          <a:effectRef idx="0">
+            <a:schemeClr val="dk1"/>
+          </a:effectRef>
+          <a:fontRef idx="minor">
+            <a:schemeClr val="dk1"/>
+          </a:fontRef>
+        </p:style>
+        <p:txBody>
+          <a:bodyPr rtlCol="0" anchor="ctr"/>
+          <a:lstStyle/>
+          <a:p>
+            <a:pPr algn="ctr"/>
+            <a:r>
+              <a:rPr lang="en-US" altLang="ko-KR"/>
+              <a:t>4</a:t>
+            </a:r>
+            <a:endParaRPr lang="ko-KR" altLang="en-US"/>
+          </a:p>
+        </p:txBody>
+      </p:sp>
+      <p:sp>
+        <p:nvSpPr>
+          <p:cNvPr id="56" name="타원 55">
+            <a:extLst>
+              <a:ext uri="{FF2B5EF4-FFF2-40B4-BE49-F238E27FC236}">
+                <a16:creationId xmlns:a16="http://schemas.microsoft.com/office/drawing/2014/main" id="{FC355321-5470-4A8F-9D91-8EDAF1E472B3}"/>
+              </a:ext>
+            </a:extLst>
+          </p:cNvPr>
+          <p:cNvSpPr/>
+          <p:nvPr/>
+        </p:nvSpPr>
+        <p:spPr>
+          <a:xfrm>
+            <a:off x="2328750" y="1995686"/>
+            <a:ext cx="288032" cy="288032"/>
+          </a:xfrm>
+          <a:prstGeom prst="ellipse">
+            <a:avLst/>
+          </a:prstGeom>
+        </p:spPr>
+        <p:style>
+          <a:lnRef idx="2">
+            <a:schemeClr val="dk1"/>
+          </a:lnRef>
+          <a:fillRef idx="1">
+            <a:schemeClr val="lt1"/>
+          </a:fillRef>
+          <a:effectRef idx="0">
+            <a:schemeClr val="dk1"/>
+          </a:effectRef>
+          <a:fontRef idx="minor">
+            <a:schemeClr val="dk1"/>
+          </a:fontRef>
+        </p:style>
+        <p:txBody>
+          <a:bodyPr rtlCol="0" anchor="ctr"/>
+          <a:lstStyle/>
+          <a:p>
+            <a:pPr algn="ctr"/>
+            <a:r>
+              <a:rPr lang="en-US" altLang="ko-KR"/>
+              <a:t>5</a:t>
+            </a:r>
+            <a:endParaRPr lang="ko-KR" altLang="en-US"/>
+          </a:p>
+        </p:txBody>
+      </p:sp>
     </p:spTree>
     <p:extLst>
       <p:ext uri="{BB962C8B-B14F-4D97-AF65-F5344CB8AC3E}">
-        <p14:creationId xmlns:p14="http://schemas.microsoft.com/office/powerpoint/2010/main" val="1426324434"/>
+        <p14:creationId xmlns:p14="http://schemas.microsoft.com/office/powerpoint/2010/main" val="1720520602"/>
       </p:ext>
     </p:extLst>
   </p:cSld>

--- a/images/theory_analysis/SLB/SLB.pptx
+++ b/images/theory_analysis/SLB/SLB.pptx
@@ -13187,6 +13187,51 @@
           </a:p>
         </p:txBody>
       </p:sp>
+      <p:cxnSp>
+        <p:nvCxnSpPr>
+          <p:cNvPr id="31" name="직선 연결선 30">
+            <a:extLst>
+              <a:ext uri="{FF2B5EF4-FFF2-40B4-BE49-F238E27FC236}">
+                <a16:creationId xmlns:a16="http://schemas.microsoft.com/office/drawing/2014/main" id="{5CD1D7B2-1114-445D-B630-75C0D39F3148}"/>
+              </a:ext>
+            </a:extLst>
+          </p:cNvPr>
+          <p:cNvCxnSpPr>
+            <a:cxnSpLocks/>
+            <a:stCxn id="40" idx="2"/>
+            <a:endCxn id="66" idx="0"/>
+          </p:cNvCxnSpPr>
+          <p:nvPr/>
+        </p:nvCxnSpPr>
+        <p:spPr>
+          <a:xfrm>
+            <a:off x="2663857" y="3166508"/>
+            <a:ext cx="1822885" cy="989417"/>
+          </a:xfrm>
+          <a:prstGeom prst="line">
+            <a:avLst/>
+          </a:prstGeom>
+          <a:ln w="28575">
+            <a:solidFill>
+              <a:schemeClr val="tx1"/>
+            </a:solidFill>
+          </a:ln>
+        </p:spPr>
+        <p:style>
+          <a:lnRef idx="1">
+            <a:schemeClr val="accent1"/>
+          </a:lnRef>
+          <a:fillRef idx="0">
+            <a:schemeClr val="accent1"/>
+          </a:fillRef>
+          <a:effectRef idx="0">
+            <a:schemeClr val="accent1"/>
+          </a:effectRef>
+          <a:fontRef idx="minor">
+            <a:schemeClr val="tx1"/>
+          </a:fontRef>
+        </p:style>
+      </p:cxnSp>
     </p:spTree>
     <p:extLst>
       <p:ext uri="{BB962C8B-B14F-4D97-AF65-F5344CB8AC3E}">

--- a/images/theory_analysis/SLB/SLB.pptx
+++ b/images/theory_analysis/SLB/SLB.pptx
@@ -5,15 +5,16 @@
     <p:sldMasterId id="2147483648" r:id="rId1"/>
   </p:sldMasterIdLst>
   <p:notesMasterIdLst>
-    <p:notesMasterId r:id="rId8"/>
+    <p:notesMasterId r:id="rId9"/>
   </p:notesMasterIdLst>
   <p:sldIdLst>
     <p:sldId id="357" r:id="rId2"/>
-    <p:sldId id="359" r:id="rId3"/>
-    <p:sldId id="361" r:id="rId4"/>
-    <p:sldId id="362" r:id="rId5"/>
-    <p:sldId id="363" r:id="rId6"/>
-    <p:sldId id="364" r:id="rId7"/>
+    <p:sldId id="365" r:id="rId3"/>
+    <p:sldId id="359" r:id="rId4"/>
+    <p:sldId id="361" r:id="rId5"/>
+    <p:sldId id="362" r:id="rId6"/>
+    <p:sldId id="363" r:id="rId7"/>
+    <p:sldId id="364" r:id="rId8"/>
   </p:sldIdLst>
   <p:sldSz cx="9144000" cy="5143500" type="screen16x9"/>
   <p:notesSz cx="6858000" cy="9144000"/>
@@ -114,7 +115,7 @@
   </p:defaultTextStyle>
   <p:extLst>
     <p:ext uri="{EFAFB233-063F-42B5-8137-9DF3F51BA10A}">
-      <p15:sldGuideLst xmlns:p15="http://schemas.microsoft.com/office/powerpoint/2012/main">
+      <p15:sldGuideLst xmlns:p15="http://schemas.microsoft.com/office/powerpoint/2012/main" xmlns="">
         <p15:guide id="1" orient="horz" pos="2160">
           <p15:clr>
             <a:srgbClr val="A4A3A4"/>
@@ -222,7 +223,7 @@
           <a:p>
             <a:fld id="{6CD5550B-26C4-49A9-A5BA-636EF7BE6CE9}" type="datetimeFigureOut">
               <a:rPr lang="ko-KR" altLang="en-US" smtClean="0"/>
-              <a:t>2017-10-05</a:t>
+              <a:t>2018-04-19</a:t>
             </a:fld>
             <a:endParaRPr lang="ko-KR" altLang="en-US"/>
           </a:p>
@@ -731,7 +732,7 @@
     </p:spTree>
     <p:extLst>
       <p:ext uri="{BB962C8B-B14F-4D97-AF65-F5344CB8AC3E}">
-        <p14:creationId xmlns:p14="http://schemas.microsoft.com/office/powerpoint/2010/main" val="2165420312"/>
+        <p14:creationId xmlns:p14="http://schemas.microsoft.com/office/powerpoint/2010/main" val="1092421434"/>
       </p:ext>
     </p:extLst>
   </p:cSld>
@@ -815,7 +816,7 @@
     </p:spTree>
     <p:extLst>
       <p:ext uri="{BB962C8B-B14F-4D97-AF65-F5344CB8AC3E}">
-        <p14:creationId xmlns:p14="http://schemas.microsoft.com/office/powerpoint/2010/main" val="832741502"/>
+        <p14:creationId xmlns:p14="http://schemas.microsoft.com/office/powerpoint/2010/main" val="2165420312"/>
       </p:ext>
     </p:extLst>
   </p:cSld>
@@ -899,7 +900,7 @@
     </p:spTree>
     <p:extLst>
       <p:ext uri="{BB962C8B-B14F-4D97-AF65-F5344CB8AC3E}">
-        <p14:creationId xmlns:p14="http://schemas.microsoft.com/office/powerpoint/2010/main" val="2148736988"/>
+        <p14:creationId xmlns:p14="http://schemas.microsoft.com/office/powerpoint/2010/main" val="832741502"/>
       </p:ext>
     </p:extLst>
   </p:cSld>
@@ -975,6 +976,90 @@
             <a:fld id="{BA5DFA43-8D57-47FB-BC46-057616015C3B}" type="slidenum">
               <a:rPr lang="ko-KR" altLang="en-US" smtClean="0"/>
               <a:t>6</a:t>
+            </a:fld>
+            <a:endParaRPr lang="ko-KR" altLang="en-US"/>
+          </a:p>
+        </p:txBody>
+      </p:sp>
+    </p:spTree>
+    <p:extLst>
+      <p:ext uri="{BB962C8B-B14F-4D97-AF65-F5344CB8AC3E}">
+        <p14:creationId xmlns:p14="http://schemas.microsoft.com/office/powerpoint/2010/main" val="2148736988"/>
+      </p:ext>
+    </p:extLst>
+  </p:cSld>
+  <p:clrMapOvr>
+    <a:masterClrMapping/>
+  </p:clrMapOvr>
+</p:notes>
+</file>
+
+<file path=ppt/notesSlides/notesSlide7.xml><?xml version="1.0" encoding="utf-8"?>
+<p:notes xmlns:a="http://schemas.openxmlformats.org/drawingml/2006/main" xmlns:r="http://schemas.openxmlformats.org/officeDocument/2006/relationships" xmlns:p="http://schemas.openxmlformats.org/presentationml/2006/main">
+  <p:cSld>
+    <p:spTree>
+      <p:nvGrpSpPr>
+        <p:cNvPr id="1" name=""/>
+        <p:cNvGrpSpPr/>
+        <p:nvPr/>
+      </p:nvGrpSpPr>
+      <p:grpSpPr>
+        <a:xfrm>
+          <a:off x="0" y="0"/>
+          <a:ext cx="0" cy="0"/>
+          <a:chOff x="0" y="0"/>
+          <a:chExt cx="0" cy="0"/>
+        </a:xfrm>
+      </p:grpSpPr>
+      <p:sp>
+        <p:nvSpPr>
+          <p:cNvPr id="2" name="슬라이드 이미지 개체 틀 1"/>
+          <p:cNvSpPr>
+            <a:spLocks noGrp="1" noRot="1" noChangeAspect="1"/>
+          </p:cNvSpPr>
+          <p:nvPr>
+            <p:ph type="sldImg"/>
+          </p:nvPr>
+        </p:nvSpPr>
+        <p:spPr/>
+      </p:sp>
+      <p:sp>
+        <p:nvSpPr>
+          <p:cNvPr id="3" name="슬라이드 노트 개체 틀 2"/>
+          <p:cNvSpPr>
+            <a:spLocks noGrp="1"/>
+          </p:cNvSpPr>
+          <p:nvPr>
+            <p:ph type="body" idx="1"/>
+          </p:nvPr>
+        </p:nvSpPr>
+        <p:spPr/>
+        <p:txBody>
+          <a:bodyPr/>
+          <a:lstStyle/>
+          <a:p>
+            <a:endParaRPr lang="ko-KR" altLang="en-US"/>
+          </a:p>
+        </p:txBody>
+      </p:sp>
+      <p:sp>
+        <p:nvSpPr>
+          <p:cNvPr id="4" name="슬라이드 번호 개체 틀 3"/>
+          <p:cNvSpPr>
+            <a:spLocks noGrp="1"/>
+          </p:cNvSpPr>
+          <p:nvPr>
+            <p:ph type="sldNum" sz="quarter" idx="10"/>
+          </p:nvPr>
+        </p:nvSpPr>
+        <p:spPr/>
+        <p:txBody>
+          <a:bodyPr/>
+          <a:lstStyle/>
+          <a:p>
+            <a:fld id="{BA5DFA43-8D57-47FB-BC46-057616015C3B}" type="slidenum">
+              <a:rPr lang="ko-KR" altLang="en-US" smtClean="0"/>
+              <a:t>7</a:t>
             </a:fld>
             <a:endParaRPr lang="ko-KR" altLang="en-US"/>
           </a:p>
@@ -1172,7 +1257,7 @@
           <a:p>
             <a:fld id="{FB30EDBD-1C2D-4C1E-B459-B60219FAB484}" type="datetimeFigureOut">
               <a:rPr lang="ko-KR" altLang="en-US" smtClean="0"/>
-              <a:t>2017-10-05</a:t>
+              <a:t>2018-04-19</a:t>
             </a:fld>
             <a:endParaRPr lang="ko-KR" altLang="en-US"/>
           </a:p>
@@ -1335,7 +1420,7 @@
           <a:p>
             <a:fld id="{FB30EDBD-1C2D-4C1E-B459-B60219FAB484}" type="datetimeFigureOut">
               <a:rPr lang="ko-KR" altLang="en-US" smtClean="0"/>
-              <a:t>2017-10-05</a:t>
+              <a:t>2018-04-19</a:t>
             </a:fld>
             <a:endParaRPr lang="ko-KR" altLang="en-US"/>
           </a:p>
@@ -1508,7 +1593,7 @@
           <a:p>
             <a:fld id="{FB30EDBD-1C2D-4C1E-B459-B60219FAB484}" type="datetimeFigureOut">
               <a:rPr lang="ko-KR" altLang="en-US" smtClean="0"/>
-              <a:t>2017-10-05</a:t>
+              <a:t>2018-04-19</a:t>
             </a:fld>
             <a:endParaRPr lang="ko-KR" altLang="en-US"/>
           </a:p>
@@ -1671,7 +1756,7 @@
           <a:p>
             <a:fld id="{FB30EDBD-1C2D-4C1E-B459-B60219FAB484}" type="datetimeFigureOut">
               <a:rPr lang="ko-KR" altLang="en-US" smtClean="0"/>
-              <a:t>2017-10-05</a:t>
+              <a:t>2018-04-19</a:t>
             </a:fld>
             <a:endParaRPr lang="ko-KR" altLang="en-US"/>
           </a:p>
@@ -1911,7 +1996,7 @@
           <a:p>
             <a:fld id="{FB30EDBD-1C2D-4C1E-B459-B60219FAB484}" type="datetimeFigureOut">
               <a:rPr lang="ko-KR" altLang="en-US" smtClean="0"/>
-              <a:t>2017-10-05</a:t>
+              <a:t>2018-04-19</a:t>
             </a:fld>
             <a:endParaRPr lang="ko-KR" altLang="en-US"/>
           </a:p>
@@ -2191,7 +2276,7 @@
           <a:p>
             <a:fld id="{FB30EDBD-1C2D-4C1E-B459-B60219FAB484}" type="datetimeFigureOut">
               <a:rPr lang="ko-KR" altLang="en-US" smtClean="0"/>
-              <a:t>2017-10-05</a:t>
+              <a:t>2018-04-19</a:t>
             </a:fld>
             <a:endParaRPr lang="ko-KR" altLang="en-US"/>
           </a:p>
@@ -2605,7 +2690,7 @@
           <a:p>
             <a:fld id="{FB30EDBD-1C2D-4C1E-B459-B60219FAB484}" type="datetimeFigureOut">
               <a:rPr lang="ko-KR" altLang="en-US" smtClean="0"/>
-              <a:t>2017-10-05</a:t>
+              <a:t>2018-04-19</a:t>
             </a:fld>
             <a:endParaRPr lang="ko-KR" altLang="en-US"/>
           </a:p>
@@ -2717,7 +2802,7 @@
           <a:p>
             <a:fld id="{FB30EDBD-1C2D-4C1E-B459-B60219FAB484}" type="datetimeFigureOut">
               <a:rPr lang="ko-KR" altLang="en-US" smtClean="0"/>
-              <a:t>2017-10-05</a:t>
+              <a:t>2018-04-19</a:t>
             </a:fld>
             <a:endParaRPr lang="ko-KR" altLang="en-US"/>
           </a:p>
@@ -2807,7 +2892,7 @@
           <a:p>
             <a:fld id="{FB30EDBD-1C2D-4C1E-B459-B60219FAB484}" type="datetimeFigureOut">
               <a:rPr lang="ko-KR" altLang="en-US" smtClean="0"/>
-              <a:t>2017-10-05</a:t>
+              <a:t>2018-04-19</a:t>
             </a:fld>
             <a:endParaRPr lang="ko-KR" altLang="en-US"/>
           </a:p>
@@ -3077,7 +3162,7 @@
           <a:p>
             <a:fld id="{FB30EDBD-1C2D-4C1E-B459-B60219FAB484}" type="datetimeFigureOut">
               <a:rPr lang="ko-KR" altLang="en-US" smtClean="0"/>
-              <a:t>2017-10-05</a:t>
+              <a:t>2018-04-19</a:t>
             </a:fld>
             <a:endParaRPr lang="ko-KR" altLang="en-US"/>
           </a:p>
@@ -3324,7 +3409,7 @@
           <a:p>
             <a:fld id="{FB30EDBD-1C2D-4C1E-B459-B60219FAB484}" type="datetimeFigureOut">
               <a:rPr lang="ko-KR" altLang="en-US" smtClean="0"/>
-              <a:t>2017-10-05</a:t>
+              <a:t>2018-04-19</a:t>
             </a:fld>
             <a:endParaRPr lang="ko-KR" altLang="en-US"/>
           </a:p>
@@ -3530,7 +3615,7 @@
           <a:p>
             <a:fld id="{FB30EDBD-1C2D-4C1E-B459-B60219FAB484}" type="datetimeFigureOut">
               <a:rPr lang="ko-KR" altLang="en-US" smtClean="0"/>
-              <a:t>2017-10-05</a:t>
+              <a:t>2018-04-19</a:t>
             </a:fld>
             <a:endParaRPr lang="ko-KR" altLang="en-US"/>
           </a:p>
@@ -3933,7 +4018,7 @@
           <p:cNvPr id="39" name="모서리가 둥근 직사각형 2">
             <a:extLst>
               <a:ext uri="{FF2B5EF4-FFF2-40B4-BE49-F238E27FC236}">
-                <a16:creationId xmlns:a16="http://schemas.microsoft.com/office/drawing/2014/main" id="{3FACEA3B-E1E9-4B4E-BFA4-60148700E70B}"/>
+                <a16:creationId xmlns:a16="http://schemas.microsoft.com/office/drawing/2014/main" xmlns="" id="{3FACEA3B-E1E9-4B4E-BFA4-60148700E70B}"/>
               </a:ext>
             </a:extLst>
           </p:cNvPr>
@@ -3983,7 +4068,7 @@
           <p:cNvPr id="40" name="모서리가 둥근 직사각형 2">
             <a:extLst>
               <a:ext uri="{FF2B5EF4-FFF2-40B4-BE49-F238E27FC236}">
-                <a16:creationId xmlns:a16="http://schemas.microsoft.com/office/drawing/2014/main" id="{14682E79-684D-45C3-85CF-9EB65A444CB3}"/>
+                <a16:creationId xmlns:a16="http://schemas.microsoft.com/office/drawing/2014/main" xmlns="" id="{14682E79-684D-45C3-85CF-9EB65A444CB3}"/>
               </a:ext>
             </a:extLst>
           </p:cNvPr>
@@ -4033,7 +4118,7 @@
           <p:cNvPr id="41" name="직선 연결선 40">
             <a:extLst>
               <a:ext uri="{FF2B5EF4-FFF2-40B4-BE49-F238E27FC236}">
-                <a16:creationId xmlns:a16="http://schemas.microsoft.com/office/drawing/2014/main" id="{5DB67DE1-35B8-4627-AB7C-D4D865958833}"/>
+                <a16:creationId xmlns:a16="http://schemas.microsoft.com/office/drawing/2014/main" xmlns="" id="{5DB67DE1-35B8-4627-AB7C-D4D865958833}"/>
               </a:ext>
             </a:extLst>
           </p:cNvPr>
@@ -4078,7 +4163,7 @@
           <p:cNvPr id="42" name="직선 연결선 41">
             <a:extLst>
               <a:ext uri="{FF2B5EF4-FFF2-40B4-BE49-F238E27FC236}">
-                <a16:creationId xmlns:a16="http://schemas.microsoft.com/office/drawing/2014/main" id="{4002D6E0-DA77-4BEE-B73E-A07CB371352D}"/>
+                <a16:creationId xmlns:a16="http://schemas.microsoft.com/office/drawing/2014/main" xmlns="" id="{4002D6E0-DA77-4BEE-B73E-A07CB371352D}"/>
               </a:ext>
             </a:extLst>
           </p:cNvPr>
@@ -4122,7 +4207,7 @@
           <p:cNvPr id="43" name="직선 연결선 42">
             <a:extLst>
               <a:ext uri="{FF2B5EF4-FFF2-40B4-BE49-F238E27FC236}">
-                <a16:creationId xmlns:a16="http://schemas.microsoft.com/office/drawing/2014/main" id="{E8A5CF1F-15A1-4EBA-A8C3-595652BD15C5}"/>
+                <a16:creationId xmlns:a16="http://schemas.microsoft.com/office/drawing/2014/main" xmlns="" id="{E8A5CF1F-15A1-4EBA-A8C3-595652BD15C5}"/>
               </a:ext>
             </a:extLst>
           </p:cNvPr>
@@ -4166,7 +4251,7 @@
           <p:cNvPr id="44" name="직선 연결선 43">
             <a:extLst>
               <a:ext uri="{FF2B5EF4-FFF2-40B4-BE49-F238E27FC236}">
-                <a16:creationId xmlns:a16="http://schemas.microsoft.com/office/drawing/2014/main" id="{FD038D8D-A7F4-46DD-91C7-5C969EBD3218}"/>
+                <a16:creationId xmlns:a16="http://schemas.microsoft.com/office/drawing/2014/main" xmlns="" id="{FD038D8D-A7F4-46DD-91C7-5C969EBD3218}"/>
               </a:ext>
             </a:extLst>
           </p:cNvPr>
@@ -4210,7 +4295,7 @@
           <p:cNvPr id="45" name="모서리가 둥근 직사각형 2">
             <a:extLst>
               <a:ext uri="{FF2B5EF4-FFF2-40B4-BE49-F238E27FC236}">
-                <a16:creationId xmlns:a16="http://schemas.microsoft.com/office/drawing/2014/main" id="{A0C4DDCC-1850-451C-9AB1-865607237A8B}"/>
+                <a16:creationId xmlns:a16="http://schemas.microsoft.com/office/drawing/2014/main" xmlns="" id="{A0C4DDCC-1850-451C-9AB1-865607237A8B}"/>
               </a:ext>
             </a:extLst>
           </p:cNvPr>
@@ -4259,7 +4344,7 @@
           <p:cNvPr id="46" name="직선 연결선 45">
             <a:extLst>
               <a:ext uri="{FF2B5EF4-FFF2-40B4-BE49-F238E27FC236}">
-                <a16:creationId xmlns:a16="http://schemas.microsoft.com/office/drawing/2014/main" id="{73742E84-76EA-4653-877D-2353837B63BF}"/>
+                <a16:creationId xmlns:a16="http://schemas.microsoft.com/office/drawing/2014/main" xmlns="" id="{73742E84-76EA-4653-877D-2353837B63BF}"/>
               </a:ext>
             </a:extLst>
           </p:cNvPr>
@@ -4304,7 +4389,7 @@
           <p:cNvPr id="64" name="모서리가 둥근 직사각형 2">
             <a:extLst>
               <a:ext uri="{FF2B5EF4-FFF2-40B4-BE49-F238E27FC236}">
-                <a16:creationId xmlns:a16="http://schemas.microsoft.com/office/drawing/2014/main" id="{CF16E594-3D76-4682-877C-99D9E6F89060}"/>
+                <a16:creationId xmlns:a16="http://schemas.microsoft.com/office/drawing/2014/main" xmlns="" id="{CF16E594-3D76-4682-877C-99D9E6F89060}"/>
               </a:ext>
             </a:extLst>
           </p:cNvPr>
@@ -4353,7 +4438,7 @@
           <p:cNvPr id="65" name="모서리가 둥근 직사각형 2">
             <a:extLst>
               <a:ext uri="{FF2B5EF4-FFF2-40B4-BE49-F238E27FC236}">
-                <a16:creationId xmlns:a16="http://schemas.microsoft.com/office/drawing/2014/main" id="{8FF4AFB2-34FD-438F-8A55-5F2722C30645}"/>
+                <a16:creationId xmlns:a16="http://schemas.microsoft.com/office/drawing/2014/main" xmlns="" id="{8FF4AFB2-34FD-438F-8A55-5F2722C30645}"/>
               </a:ext>
             </a:extLst>
           </p:cNvPr>
@@ -4402,7 +4487,7 @@
           <p:cNvPr id="66" name="모서리가 둥근 직사각형 2">
             <a:extLst>
               <a:ext uri="{FF2B5EF4-FFF2-40B4-BE49-F238E27FC236}">
-                <a16:creationId xmlns:a16="http://schemas.microsoft.com/office/drawing/2014/main" id="{116A2666-44C5-4A47-909C-DF3B1E3E4EC4}"/>
+                <a16:creationId xmlns:a16="http://schemas.microsoft.com/office/drawing/2014/main" xmlns="" id="{116A2666-44C5-4A47-909C-DF3B1E3E4EC4}"/>
               </a:ext>
             </a:extLst>
           </p:cNvPr>
@@ -4497,10 +4582,18 @@
           <a:lstStyle/>
           <a:p>
             <a:r>
-              <a:rPr lang="en-US" altLang="ko-KR"/>
-              <a:t>SLB - Inline</a:t>
-            </a:r>
-            <a:endParaRPr lang="ko-KR" altLang="en-US"/>
+              <a:rPr lang="en-US" altLang="ko-KR" dirty="0" err="1"/>
+              <a:t>SLB</a:t>
+            </a:r>
+            <a:r>
+              <a:rPr lang="en-US" altLang="ko-KR" dirty="0"/>
+              <a:t> - </a:t>
+            </a:r>
+            <a:r>
+              <a:rPr lang="en-US" altLang="ko-KR" dirty="0" smtClean="0"/>
+              <a:t>Proxy</a:t>
+            </a:r>
+            <a:endParaRPr lang="ko-KR" altLang="en-US" dirty="0"/>
           </a:p>
         </p:txBody>
       </p:sp>
@@ -4564,7 +4657,7 @@
           <p:cNvPr id="11" name="모서리가 둥근 직사각형 2">
             <a:extLst>
               <a:ext uri="{FF2B5EF4-FFF2-40B4-BE49-F238E27FC236}">
-                <a16:creationId xmlns:a16="http://schemas.microsoft.com/office/drawing/2014/main" id="{16A86181-839F-4D4B-9E21-E84981D9E8F2}"/>
+                <a16:creationId xmlns:a16="http://schemas.microsoft.com/office/drawing/2014/main" xmlns="" id="{16A86181-839F-4D4B-9E21-E84981D9E8F2}"/>
               </a:ext>
             </a:extLst>
           </p:cNvPr>
@@ -4614,7 +4707,7 @@
           <p:cNvPr id="5" name="직선 연결선 4">
             <a:extLst>
               <a:ext uri="{FF2B5EF4-FFF2-40B4-BE49-F238E27FC236}">
-                <a16:creationId xmlns:a16="http://schemas.microsoft.com/office/drawing/2014/main" id="{06BA9E35-AF4F-4861-AF32-930396FA6E06}"/>
+                <a16:creationId xmlns:a16="http://schemas.microsoft.com/office/drawing/2014/main" xmlns="" id="{06BA9E35-AF4F-4861-AF32-930396FA6E06}"/>
               </a:ext>
             </a:extLst>
           </p:cNvPr>
@@ -4659,7 +4752,7 @@
           <p:cNvPr id="17" name="직선 연결선 16">
             <a:extLst>
               <a:ext uri="{FF2B5EF4-FFF2-40B4-BE49-F238E27FC236}">
-                <a16:creationId xmlns:a16="http://schemas.microsoft.com/office/drawing/2014/main" id="{C1FC7741-B395-41FE-83B5-2FD70DED6FD1}"/>
+                <a16:creationId xmlns:a16="http://schemas.microsoft.com/office/drawing/2014/main" xmlns="" id="{C1FC7741-B395-41FE-83B5-2FD70DED6FD1}"/>
               </a:ext>
             </a:extLst>
           </p:cNvPr>
@@ -4704,7 +4797,7 @@
           <p:cNvPr id="22" name="직선 연결선 21">
             <a:extLst>
               <a:ext uri="{FF2B5EF4-FFF2-40B4-BE49-F238E27FC236}">
-                <a16:creationId xmlns:a16="http://schemas.microsoft.com/office/drawing/2014/main" id="{415BEB9E-09A4-4964-BEF2-5F08CC228174}"/>
+                <a16:creationId xmlns:a16="http://schemas.microsoft.com/office/drawing/2014/main" xmlns="" id="{415BEB9E-09A4-4964-BEF2-5F08CC228174}"/>
               </a:ext>
             </a:extLst>
           </p:cNvPr>
@@ -4749,7 +4842,7 @@
           <p:cNvPr id="13" name="모서리가 둥근 직사각형 2">
             <a:extLst>
               <a:ext uri="{FF2B5EF4-FFF2-40B4-BE49-F238E27FC236}">
-                <a16:creationId xmlns:a16="http://schemas.microsoft.com/office/drawing/2014/main" id="{B4D9F552-13FB-4506-AB41-D9127D4AC995}"/>
+                <a16:creationId xmlns:a16="http://schemas.microsoft.com/office/drawing/2014/main" xmlns="" id="{B4D9F552-13FB-4506-AB41-D9127D4AC995}"/>
               </a:ext>
             </a:extLst>
           </p:cNvPr>
@@ -4806,7 +4899,7 @@
           <p:cNvPr id="16" name="직선 연결선 15">
             <a:extLst>
               <a:ext uri="{FF2B5EF4-FFF2-40B4-BE49-F238E27FC236}">
-                <a16:creationId xmlns:a16="http://schemas.microsoft.com/office/drawing/2014/main" id="{A8F8D77A-3187-4AF4-AD2E-FB4918FFFAF2}"/>
+                <a16:creationId xmlns:a16="http://schemas.microsoft.com/office/drawing/2014/main" xmlns="" id="{A8F8D77A-3187-4AF4-AD2E-FB4918FFFAF2}"/>
               </a:ext>
             </a:extLst>
           </p:cNvPr>
@@ -4851,7 +4944,7 @@
           <p:cNvPr id="36" name="원호 35">
             <a:extLst>
               <a:ext uri="{FF2B5EF4-FFF2-40B4-BE49-F238E27FC236}">
-                <a16:creationId xmlns:a16="http://schemas.microsoft.com/office/drawing/2014/main" id="{8067F50F-2B56-41FA-BBBD-DA466ADB1A4C}"/>
+                <a16:creationId xmlns:a16="http://schemas.microsoft.com/office/drawing/2014/main" xmlns="" id="{8067F50F-2B56-41FA-BBBD-DA466ADB1A4C}"/>
               </a:ext>
             </a:extLst>
           </p:cNvPr>
@@ -4902,7 +4995,7 @@
           <p:cNvPr id="35" name="원호 34">
             <a:extLst>
               <a:ext uri="{FF2B5EF4-FFF2-40B4-BE49-F238E27FC236}">
-                <a16:creationId xmlns:a16="http://schemas.microsoft.com/office/drawing/2014/main" id="{559A272C-6A19-4942-B370-03E6B28031A5}"/>
+                <a16:creationId xmlns:a16="http://schemas.microsoft.com/office/drawing/2014/main" xmlns="" id="{559A272C-6A19-4942-B370-03E6B28031A5}"/>
               </a:ext>
             </a:extLst>
           </p:cNvPr>
@@ -4956,7 +5049,7 @@
           <p:cNvPr id="37" name="원호 36">
             <a:extLst>
               <a:ext uri="{FF2B5EF4-FFF2-40B4-BE49-F238E27FC236}">
-                <a16:creationId xmlns:a16="http://schemas.microsoft.com/office/drawing/2014/main" id="{674BE5AF-DA0B-4BB3-9C00-B5639F54D83D}"/>
+                <a16:creationId xmlns:a16="http://schemas.microsoft.com/office/drawing/2014/main" xmlns="" id="{674BE5AF-DA0B-4BB3-9C00-B5639F54D83D}"/>
               </a:ext>
             </a:extLst>
           </p:cNvPr>
@@ -5010,7 +5103,7 @@
           <p:cNvPr id="38" name="원호 37">
             <a:extLst>
               <a:ext uri="{FF2B5EF4-FFF2-40B4-BE49-F238E27FC236}">
-                <a16:creationId xmlns:a16="http://schemas.microsoft.com/office/drawing/2014/main" id="{137B2EB8-3C7A-4DFF-980C-DCF648D786A6}"/>
+                <a16:creationId xmlns:a16="http://schemas.microsoft.com/office/drawing/2014/main" xmlns="" id="{137B2EB8-3C7A-4DFF-980C-DCF648D786A6}"/>
               </a:ext>
             </a:extLst>
           </p:cNvPr>
@@ -5064,7 +5157,7 @@
           <p:cNvPr id="39" name="타원 38">
             <a:extLst>
               <a:ext uri="{FF2B5EF4-FFF2-40B4-BE49-F238E27FC236}">
-                <a16:creationId xmlns:a16="http://schemas.microsoft.com/office/drawing/2014/main" id="{A99570B1-7DB4-4E43-A58E-57058CA0F54A}"/>
+                <a16:creationId xmlns:a16="http://schemas.microsoft.com/office/drawing/2014/main" xmlns="" id="{A99570B1-7DB4-4E43-A58E-57058CA0F54A}"/>
               </a:ext>
             </a:extLst>
           </p:cNvPr>
@@ -5112,7 +5205,7 @@
           <p:cNvPr id="40" name="타원 39">
             <a:extLst>
               <a:ext uri="{FF2B5EF4-FFF2-40B4-BE49-F238E27FC236}">
-                <a16:creationId xmlns:a16="http://schemas.microsoft.com/office/drawing/2014/main" id="{0F754A08-11C5-4F1A-B637-06012293F1C0}"/>
+                <a16:creationId xmlns:a16="http://schemas.microsoft.com/office/drawing/2014/main" xmlns="" id="{0F754A08-11C5-4F1A-B637-06012293F1C0}"/>
               </a:ext>
             </a:extLst>
           </p:cNvPr>
@@ -5160,7 +5253,7 @@
           <p:cNvPr id="43" name="타원 42">
             <a:extLst>
               <a:ext uri="{FF2B5EF4-FFF2-40B4-BE49-F238E27FC236}">
-                <a16:creationId xmlns:a16="http://schemas.microsoft.com/office/drawing/2014/main" id="{EEC45EB1-26B9-45DC-8DA1-CEFCFB31FC0D}"/>
+                <a16:creationId xmlns:a16="http://schemas.microsoft.com/office/drawing/2014/main" xmlns="" id="{EEC45EB1-26B9-45DC-8DA1-CEFCFB31FC0D}"/>
               </a:ext>
             </a:extLst>
           </p:cNvPr>
@@ -5208,7 +5301,7 @@
           <p:cNvPr id="44" name="TextBox 43">
             <a:extLst>
               <a:ext uri="{FF2B5EF4-FFF2-40B4-BE49-F238E27FC236}">
-                <a16:creationId xmlns:a16="http://schemas.microsoft.com/office/drawing/2014/main" id="{4C185C64-72C1-4B48-8774-75928317A44B}"/>
+                <a16:creationId xmlns:a16="http://schemas.microsoft.com/office/drawing/2014/main" xmlns="" id="{4C185C64-72C1-4B48-8774-75928317A44B}"/>
               </a:ext>
             </a:extLst>
           </p:cNvPr>
@@ -5258,7 +5351,7 @@
           <p:cNvPr id="45" name="TextBox 44">
             <a:extLst>
               <a:ext uri="{FF2B5EF4-FFF2-40B4-BE49-F238E27FC236}">
-                <a16:creationId xmlns:a16="http://schemas.microsoft.com/office/drawing/2014/main" id="{4A37E9B0-36AE-42D3-A050-DCFAA2F61D85}"/>
+                <a16:creationId xmlns:a16="http://schemas.microsoft.com/office/drawing/2014/main" xmlns="" id="{4A37E9B0-36AE-42D3-A050-DCFAA2F61D85}"/>
               </a:ext>
             </a:extLst>
           </p:cNvPr>
@@ -5308,7 +5401,7 @@
           <p:cNvPr id="52" name="TextBox 51">
             <a:extLst>
               <a:ext uri="{FF2B5EF4-FFF2-40B4-BE49-F238E27FC236}">
-                <a16:creationId xmlns:a16="http://schemas.microsoft.com/office/drawing/2014/main" id="{AED6432C-394A-41DB-AA47-BD73AF22A91C}"/>
+                <a16:creationId xmlns:a16="http://schemas.microsoft.com/office/drawing/2014/main" xmlns="" id="{AED6432C-394A-41DB-AA47-BD73AF22A91C}"/>
               </a:ext>
             </a:extLst>
           </p:cNvPr>
@@ -5346,10 +5439,26 @@
           <a:p>
             <a:pPr algn="ctr"/>
             <a:r>
-              <a:rPr lang="en-US" altLang="ko-KR" sz="1600"/>
-              <a:t>Src-1.1.1.10</a:t>
-            </a:r>
-            <a:endParaRPr lang="ko-KR" altLang="en-US" sz="1600"/>
+              <a:rPr lang="en-US" altLang="ko-KR" sz="1600" dirty="0" err="1" smtClean="0"/>
+              <a:t>Src</a:t>
+            </a:r>
+            <a:r>
+              <a:rPr lang="en-US" altLang="ko-KR" sz="1600" dirty="0" smtClean="0"/>
+              <a:t>-</a:t>
+            </a:r>
+            <a:r>
+              <a:rPr lang="en-US" altLang="ko-KR" sz="1600" dirty="0" smtClean="0">
+                <a:solidFill>
+                  <a:srgbClr val="C00000"/>
+                </a:solidFill>
+              </a:rPr>
+              <a:t>2.2.2.10</a:t>
+            </a:r>
+            <a:endParaRPr lang="ko-KR" altLang="en-US" sz="1600" dirty="0">
+              <a:solidFill>
+                <a:srgbClr val="C00000"/>
+              </a:solidFill>
+            </a:endParaRPr>
           </a:p>
         </p:txBody>
       </p:sp>
@@ -5358,7 +5467,7 @@
           <p:cNvPr id="53" name="TextBox 52">
             <a:extLst>
               <a:ext uri="{FF2B5EF4-FFF2-40B4-BE49-F238E27FC236}">
-                <a16:creationId xmlns:a16="http://schemas.microsoft.com/office/drawing/2014/main" id="{4BFA5043-EF47-4D36-8C69-5B283BA28784}"/>
+                <a16:creationId xmlns:a16="http://schemas.microsoft.com/office/drawing/2014/main" xmlns="" id="{4BFA5043-EF47-4D36-8C69-5B283BA28784}"/>
               </a:ext>
             </a:extLst>
           </p:cNvPr>
@@ -5420,7 +5529,7 @@
           <p:cNvPr id="54" name="TextBox 53">
             <a:extLst>
               <a:ext uri="{FF2B5EF4-FFF2-40B4-BE49-F238E27FC236}">
-                <a16:creationId xmlns:a16="http://schemas.microsoft.com/office/drawing/2014/main" id="{1C494BB1-293D-4AD5-93DF-3E1E38B30ABB}"/>
+                <a16:creationId xmlns:a16="http://schemas.microsoft.com/office/drawing/2014/main" xmlns="" id="{1C494BB1-293D-4AD5-93DF-3E1E38B30ABB}"/>
               </a:ext>
             </a:extLst>
           </p:cNvPr>
@@ -5458,18 +5567,30 @@
           <a:p>
             <a:pPr algn="ctr"/>
             <a:r>
-              <a:rPr lang="en-US" altLang="ko-KR" sz="1600"/>
-              <a:t>Src-</a:t>
-            </a:r>
-            <a:r>
-              <a:rPr lang="en-US" altLang="ko-KR" sz="1600">
+              <a:rPr lang="en-US" altLang="ko-KR" sz="1600" dirty="0" err="1">
+                <a:solidFill>
+                  <a:schemeClr val="tx1"/>
+                </a:solidFill>
+              </a:rPr>
+              <a:t>Src</a:t>
+            </a:r>
+            <a:r>
+              <a:rPr lang="en-US" altLang="ko-KR" sz="1600" dirty="0">
+                <a:solidFill>
+                  <a:schemeClr val="tx1"/>
+                </a:solidFill>
+              </a:rPr>
+              <a:t>-</a:t>
+            </a:r>
+            <a:r>
+              <a:rPr lang="en-US" altLang="ko-KR" sz="1600" dirty="0">
                 <a:solidFill>
                   <a:srgbClr val="C00000"/>
                 </a:solidFill>
               </a:rPr>
               <a:t>2.2.2.10</a:t>
             </a:r>
-            <a:endParaRPr lang="ko-KR" altLang="en-US" sz="1600">
+            <a:endParaRPr lang="ko-KR" altLang="en-US" sz="1600" dirty="0">
               <a:solidFill>
                 <a:srgbClr val="C00000"/>
               </a:solidFill>
@@ -5482,7 +5603,7 @@
           <p:cNvPr id="55" name="TextBox 54">
             <a:extLst>
               <a:ext uri="{FF2B5EF4-FFF2-40B4-BE49-F238E27FC236}">
-                <a16:creationId xmlns:a16="http://schemas.microsoft.com/office/drawing/2014/main" id="{544B4972-9911-462A-A9E5-FB70CD9DDFD2}"/>
+                <a16:creationId xmlns:a16="http://schemas.microsoft.com/office/drawing/2014/main" xmlns="" id="{544B4972-9911-462A-A9E5-FB70CD9DDFD2}"/>
               </a:ext>
             </a:extLst>
           </p:cNvPr>
@@ -5520,10 +5641,26 @@
           <a:p>
             <a:pPr algn="ctr"/>
             <a:r>
-              <a:rPr lang="en-US" altLang="ko-KR" sz="1600"/>
-              <a:t>Dst-1.1.1.10</a:t>
-            </a:r>
-            <a:endParaRPr lang="ko-KR" altLang="en-US" sz="1600"/>
+              <a:rPr lang="en-US" altLang="ko-KR" sz="1600" dirty="0" err="1"/>
+              <a:t>Dst</a:t>
+            </a:r>
+            <a:r>
+              <a:rPr lang="en-US" altLang="ko-KR" sz="1600" dirty="0"/>
+              <a:t>-</a:t>
+            </a:r>
+            <a:r>
+              <a:rPr lang="en-US" altLang="ko-KR" sz="1600" dirty="0">
+                <a:solidFill>
+                  <a:srgbClr val="C00000"/>
+                </a:solidFill>
+              </a:rPr>
+              <a:t>1.1.1.10</a:t>
+            </a:r>
+            <a:endParaRPr lang="ko-KR" altLang="en-US" sz="1600" dirty="0">
+              <a:solidFill>
+                <a:srgbClr val="C00000"/>
+              </a:solidFill>
+            </a:endParaRPr>
           </a:p>
         </p:txBody>
       </p:sp>
@@ -5532,7 +5669,7 @@
           <p:cNvPr id="57" name="TextBox 56">
             <a:extLst>
               <a:ext uri="{FF2B5EF4-FFF2-40B4-BE49-F238E27FC236}">
-                <a16:creationId xmlns:a16="http://schemas.microsoft.com/office/drawing/2014/main" id="{17F9FF56-A573-433C-8B43-8BE509B3F6A2}"/>
+                <a16:creationId xmlns:a16="http://schemas.microsoft.com/office/drawing/2014/main" xmlns="" id="{17F9FF56-A573-433C-8B43-8BE509B3F6A2}"/>
               </a:ext>
             </a:extLst>
           </p:cNvPr>
@@ -5570,10 +5707,26 @@
           <a:p>
             <a:pPr algn="ctr"/>
             <a:r>
-              <a:rPr lang="en-US" altLang="ko-KR" sz="1600"/>
-              <a:t>Src-3.3.3.20</a:t>
-            </a:r>
-            <a:endParaRPr lang="ko-KR" altLang="en-US" sz="1600"/>
+              <a:rPr lang="en-US" altLang="ko-KR" sz="1600" dirty="0" err="1" smtClean="0">
+                <a:solidFill>
+                  <a:schemeClr val="tx1"/>
+                </a:solidFill>
+              </a:rPr>
+              <a:t>Src</a:t>
+            </a:r>
+            <a:r>
+              <a:rPr lang="en-US" altLang="ko-KR" sz="1600" dirty="0" smtClean="0">
+                <a:solidFill>
+                  <a:schemeClr val="tx1"/>
+                </a:solidFill>
+              </a:rPr>
+              <a:t>-3.3.3.20</a:t>
+            </a:r>
+            <a:endParaRPr lang="ko-KR" altLang="en-US" sz="1600" dirty="0">
+              <a:solidFill>
+                <a:schemeClr val="tx1"/>
+              </a:solidFill>
+            </a:endParaRPr>
           </a:p>
         </p:txBody>
       </p:sp>
@@ -5582,7 +5735,7 @@
           <p:cNvPr id="58" name="TextBox 57">
             <a:extLst>
               <a:ext uri="{FF2B5EF4-FFF2-40B4-BE49-F238E27FC236}">
-                <a16:creationId xmlns:a16="http://schemas.microsoft.com/office/drawing/2014/main" id="{A50DBF63-5444-45EF-9C44-EC56113C9BEC}"/>
+                <a16:creationId xmlns:a16="http://schemas.microsoft.com/office/drawing/2014/main" xmlns="" id="{A50DBF63-5444-45EF-9C44-EC56113C9BEC}"/>
               </a:ext>
             </a:extLst>
           </p:cNvPr>
@@ -5620,10 +5773,26 @@
           <a:p>
             <a:pPr algn="ctr"/>
             <a:r>
-              <a:rPr lang="en-US" altLang="ko-KR" sz="1600"/>
-              <a:t>Dst-1.1.1.10</a:t>
-            </a:r>
-            <a:endParaRPr lang="ko-KR" altLang="en-US" sz="1600"/>
+              <a:rPr lang="en-US" altLang="ko-KR" sz="1600" dirty="0" err="1" smtClean="0">
+                <a:solidFill>
+                  <a:schemeClr val="tx1"/>
+                </a:solidFill>
+              </a:rPr>
+              <a:t>Dst</a:t>
+            </a:r>
+            <a:r>
+              <a:rPr lang="en-US" altLang="ko-KR" sz="1600" dirty="0" smtClean="0">
+                <a:solidFill>
+                  <a:schemeClr val="tx1"/>
+                </a:solidFill>
+              </a:rPr>
+              <a:t>-2.2.2.10</a:t>
+            </a:r>
+            <a:endParaRPr lang="ko-KR" altLang="en-US" sz="1600" dirty="0">
+              <a:solidFill>
+                <a:schemeClr val="tx1"/>
+              </a:solidFill>
+            </a:endParaRPr>
           </a:p>
         </p:txBody>
       </p:sp>
@@ -5632,7 +5801,7 @@
           <p:cNvPr id="64" name="직선 연결선 63">
             <a:extLst>
               <a:ext uri="{FF2B5EF4-FFF2-40B4-BE49-F238E27FC236}">
-                <a16:creationId xmlns:a16="http://schemas.microsoft.com/office/drawing/2014/main" id="{F035DDB8-2795-451F-9090-1F4A4880AB18}"/>
+                <a16:creationId xmlns:a16="http://schemas.microsoft.com/office/drawing/2014/main" xmlns="" id="{F035DDB8-2795-451F-9090-1F4A4880AB18}"/>
               </a:ext>
             </a:extLst>
           </p:cNvPr>
@@ -5679,7 +5848,7 @@
           <p:cNvPr id="67" name="직선 연결선 66">
             <a:extLst>
               <a:ext uri="{FF2B5EF4-FFF2-40B4-BE49-F238E27FC236}">
-                <a16:creationId xmlns:a16="http://schemas.microsoft.com/office/drawing/2014/main" id="{CB2B6728-0052-4045-9A24-C5B33000843D}"/>
+                <a16:creationId xmlns:a16="http://schemas.microsoft.com/office/drawing/2014/main" xmlns="" id="{CB2B6728-0052-4045-9A24-C5B33000843D}"/>
               </a:ext>
             </a:extLst>
           </p:cNvPr>
@@ -5726,7 +5895,7 @@
           <p:cNvPr id="51" name="모서리가 둥근 직사각형 2">
             <a:extLst>
               <a:ext uri="{FF2B5EF4-FFF2-40B4-BE49-F238E27FC236}">
-                <a16:creationId xmlns:a16="http://schemas.microsoft.com/office/drawing/2014/main" id="{BBCE1F22-5D32-4F2A-AF6B-E04B9E556531}"/>
+                <a16:creationId xmlns:a16="http://schemas.microsoft.com/office/drawing/2014/main" xmlns="" id="{BBCE1F22-5D32-4F2A-AF6B-E04B9E556531}"/>
               </a:ext>
             </a:extLst>
           </p:cNvPr>
@@ -5764,10 +5933,18 @@
           <a:p>
             <a:pPr algn="ctr"/>
             <a:r>
-              <a:rPr lang="en-US" altLang="ko-KR" sz="1600"/>
-              <a:t>NAT</a:t>
-            </a:r>
-            <a:endParaRPr lang="ko-KR" altLang="en-US" sz="1600"/>
+              <a:rPr lang="en-US" altLang="ko-KR" sz="1600" dirty="0" err="1" smtClean="0"/>
+              <a:t>SNAT</a:t>
+            </a:r>
+            <a:r>
+              <a:rPr lang="en-US" altLang="ko-KR" sz="1600" dirty="0" smtClean="0"/>
+              <a:t>, </a:t>
+            </a:r>
+            <a:r>
+              <a:rPr lang="en-US" altLang="ko-KR" sz="1600" dirty="0" err="1" smtClean="0"/>
+              <a:t>DNAT</a:t>
+            </a:r>
+            <a:endParaRPr lang="ko-KR" altLang="en-US" sz="1600" dirty="0"/>
           </a:p>
         </p:txBody>
       </p:sp>
@@ -5776,7 +5953,7 @@
           <p:cNvPr id="56" name="모서리가 둥근 직사각형 2">
             <a:extLst>
               <a:ext uri="{FF2B5EF4-FFF2-40B4-BE49-F238E27FC236}">
-                <a16:creationId xmlns:a16="http://schemas.microsoft.com/office/drawing/2014/main" id="{7B427835-1EF2-4843-87E4-DAEC2D835DD7}"/>
+                <a16:creationId xmlns:a16="http://schemas.microsoft.com/office/drawing/2014/main" xmlns="" id="{7B427835-1EF2-4843-87E4-DAEC2D835DD7}"/>
               </a:ext>
             </a:extLst>
           </p:cNvPr>
@@ -5814,10 +5991,18 @@
           <a:p>
             <a:pPr algn="ctr"/>
             <a:r>
-              <a:rPr lang="en-US" altLang="ko-KR" sz="1600"/>
-              <a:t>NAT</a:t>
-            </a:r>
-            <a:endParaRPr lang="ko-KR" altLang="en-US" sz="1600"/>
+              <a:rPr lang="en-US" altLang="ko-KR" sz="1600" dirty="0" err="1" smtClean="0"/>
+              <a:t>SNAT</a:t>
+            </a:r>
+            <a:r>
+              <a:rPr lang="en-US" altLang="ko-KR" sz="1600" dirty="0" smtClean="0"/>
+              <a:t>, </a:t>
+            </a:r>
+            <a:r>
+              <a:rPr lang="en-US" altLang="ko-KR" sz="1600" dirty="0" err="1" smtClean="0"/>
+              <a:t>DNAT</a:t>
+            </a:r>
+            <a:endParaRPr lang="ko-KR" altLang="en-US" sz="1600" dirty="0"/>
           </a:p>
         </p:txBody>
       </p:sp>
@@ -5826,7 +6011,7 @@
           <p:cNvPr id="70" name="타원 69">
             <a:extLst>
               <a:ext uri="{FF2B5EF4-FFF2-40B4-BE49-F238E27FC236}">
-                <a16:creationId xmlns:a16="http://schemas.microsoft.com/office/drawing/2014/main" id="{DBD8459A-F600-48EC-8F12-D62AB140A2DB}"/>
+                <a16:creationId xmlns:a16="http://schemas.microsoft.com/office/drawing/2014/main" xmlns="" id="{DBD8459A-F600-48EC-8F12-D62AB140A2DB}"/>
               </a:ext>
             </a:extLst>
           </p:cNvPr>
@@ -5874,7 +6059,7 @@
           <p:cNvPr id="71" name="타원 70">
             <a:extLst>
               <a:ext uri="{FF2B5EF4-FFF2-40B4-BE49-F238E27FC236}">
-                <a16:creationId xmlns:a16="http://schemas.microsoft.com/office/drawing/2014/main" id="{D6273614-DD0F-4406-80D0-9DC6655D1398}"/>
+                <a16:creationId xmlns:a16="http://schemas.microsoft.com/office/drawing/2014/main" xmlns="" id="{D6273614-DD0F-4406-80D0-9DC6655D1398}"/>
               </a:ext>
             </a:extLst>
           </p:cNvPr>
@@ -5922,7 +6107,7 @@
           <p:cNvPr id="72" name="타원 71">
             <a:extLst>
               <a:ext uri="{FF2B5EF4-FFF2-40B4-BE49-F238E27FC236}">
-                <a16:creationId xmlns:a16="http://schemas.microsoft.com/office/drawing/2014/main" id="{56E9C4C8-C696-4704-A0C7-7631B84DC7A6}"/>
+                <a16:creationId xmlns:a16="http://schemas.microsoft.com/office/drawing/2014/main" xmlns="" id="{56E9C4C8-C696-4704-A0C7-7631B84DC7A6}"/>
               </a:ext>
             </a:extLst>
           </p:cNvPr>
@@ -5970,7 +6155,7 @@
           <p:cNvPr id="73" name="타원 72">
             <a:extLst>
               <a:ext uri="{FF2B5EF4-FFF2-40B4-BE49-F238E27FC236}">
-                <a16:creationId xmlns:a16="http://schemas.microsoft.com/office/drawing/2014/main" id="{1524E260-1219-4205-8751-153A76F8F7C1}"/>
+                <a16:creationId xmlns:a16="http://schemas.microsoft.com/office/drawing/2014/main" xmlns="" id="{1524E260-1219-4205-8751-153A76F8F7C1}"/>
               </a:ext>
             </a:extLst>
           </p:cNvPr>
@@ -6018,7 +6203,7 @@
           <p:cNvPr id="81" name="모서리가 둥근 직사각형 2">
             <a:extLst>
               <a:ext uri="{FF2B5EF4-FFF2-40B4-BE49-F238E27FC236}">
-                <a16:creationId xmlns:a16="http://schemas.microsoft.com/office/drawing/2014/main" id="{AFB69950-68B0-473C-955E-3462CC086FC3}"/>
+                <a16:creationId xmlns:a16="http://schemas.microsoft.com/office/drawing/2014/main" xmlns="" id="{AFB69950-68B0-473C-955E-3462CC086FC3}"/>
               </a:ext>
             </a:extLst>
           </p:cNvPr>
@@ -6074,7 +6259,7 @@
           <p:cNvPr id="83" name="모서리가 둥근 직사각형 2">
             <a:extLst>
               <a:ext uri="{FF2B5EF4-FFF2-40B4-BE49-F238E27FC236}">
-                <a16:creationId xmlns:a16="http://schemas.microsoft.com/office/drawing/2014/main" id="{4049B3CA-B289-42C7-882F-5A4083100CFE}"/>
+                <a16:creationId xmlns:a16="http://schemas.microsoft.com/office/drawing/2014/main" xmlns="" id="{4049B3CA-B289-42C7-882F-5A4083100CFE}"/>
               </a:ext>
             </a:extLst>
           </p:cNvPr>
@@ -6131,7 +6316,7 @@
           <p:cNvPr id="42" name="타원 41">
             <a:extLst>
               <a:ext uri="{FF2B5EF4-FFF2-40B4-BE49-F238E27FC236}">
-                <a16:creationId xmlns:a16="http://schemas.microsoft.com/office/drawing/2014/main" id="{67E205F5-100A-4787-A0AC-5FBCBE2BB09D}"/>
+                <a16:creationId xmlns:a16="http://schemas.microsoft.com/office/drawing/2014/main" xmlns="" id="{67E205F5-100A-4787-A0AC-5FBCBE2BB09D}"/>
               </a:ext>
             </a:extLst>
           </p:cNvPr>
@@ -6179,7 +6364,7 @@
           <p:cNvPr id="41" name="직선 연결선 40">
             <a:extLst>
               <a:ext uri="{FF2B5EF4-FFF2-40B4-BE49-F238E27FC236}">
-                <a16:creationId xmlns:a16="http://schemas.microsoft.com/office/drawing/2014/main" id="{5176A2F4-3BBE-4E6E-8ED5-A891A3CB1C7C}"/>
+                <a16:creationId xmlns:a16="http://schemas.microsoft.com/office/drawing/2014/main" xmlns="" id="{5176A2F4-3BBE-4E6E-8ED5-A891A3CB1C7C}"/>
               </a:ext>
             </a:extLst>
           </p:cNvPr>
@@ -6222,7 +6407,7 @@
     </p:spTree>
     <p:extLst>
       <p:ext uri="{BB962C8B-B14F-4D97-AF65-F5344CB8AC3E}">
-        <p14:creationId xmlns:p14="http://schemas.microsoft.com/office/powerpoint/2010/main" val="2215554052"/>
+        <p14:creationId xmlns:p14="http://schemas.microsoft.com/office/powerpoint/2010/main" val="3741809543"/>
       </p:ext>
     </p:extLst>
   </p:cSld>
@@ -6261,7 +6446,7 @@
         </p:nvSpPr>
         <p:spPr>
           <a:xfrm>
-            <a:off x="446856" y="-20538"/>
+            <a:off x="398258" y="5434"/>
             <a:ext cx="8229600" cy="857250"/>
           </a:xfrm>
         </p:spPr>
@@ -6271,7 +6456,7 @@
           <a:p>
             <a:r>
               <a:rPr lang="en-US" altLang="ko-KR"/>
-              <a:t>SLB – L2DSR</a:t>
+              <a:t>SLB - Inline</a:t>
             </a:r>
             <a:endParaRPr lang="ko-KR" altLang="en-US"/>
           </a:p>
@@ -6332,69 +6517,12 @@
           </a:p>
         </p:txBody>
       </p:sp>
-      <p:sp>
-        <p:nvSpPr>
-          <p:cNvPr id="11" name="모서리가 둥근 직사각형 2">
-            <a:extLst>
-              <a:ext uri="{FF2B5EF4-FFF2-40B4-BE49-F238E27FC236}">
-                <a16:creationId xmlns:a16="http://schemas.microsoft.com/office/drawing/2014/main" id="{16A86181-839F-4D4B-9E21-E84981D9E8F2}"/>
-              </a:ext>
-            </a:extLst>
-          </p:cNvPr>
-          <p:cNvSpPr/>
-          <p:nvPr/>
-        </p:nvSpPr>
-        <p:spPr>
-          <a:xfrm>
-            <a:off x="2057134" y="2427734"/>
-            <a:ext cx="1440160" cy="738774"/>
-          </a:xfrm>
-          <a:prstGeom prst="roundRect">
-            <a:avLst>
-              <a:gd name="adj" fmla="val 50000"/>
-            </a:avLst>
-          </a:prstGeom>
-        </p:spPr>
-        <p:style>
-          <a:lnRef idx="2">
-            <a:schemeClr val="dk1"/>
-          </a:lnRef>
-          <a:fillRef idx="1">
-            <a:schemeClr val="lt1"/>
-          </a:fillRef>
-          <a:effectRef idx="0">
-            <a:schemeClr val="dk1"/>
-          </a:effectRef>
-          <a:fontRef idx="minor">
-            <a:schemeClr val="dk1"/>
-          </a:fontRef>
-        </p:style>
-        <p:txBody>
-          <a:bodyPr rtlCol="0" anchor="ctr"/>
-          <a:lstStyle/>
-          <a:p>
-            <a:pPr algn="ctr"/>
-            <a:r>
-              <a:rPr lang="en-US" altLang="ko-KR" sz="1600"/>
-              <a:t>Router (Gateway)</a:t>
-            </a:r>
-          </a:p>
-          <a:p>
-            <a:pPr algn="ctr"/>
-            <a:r>
-              <a:rPr lang="en-US" altLang="ko-KR" sz="1600"/>
-              <a:t>MAC-Z</a:t>
-            </a:r>
-            <a:endParaRPr lang="ko-KR" altLang="en-US" sz="1600"/>
-          </a:p>
-        </p:txBody>
-      </p:sp>
       <p:cxnSp>
         <p:nvCxnSpPr>
           <p:cNvPr id="5" name="직선 연결선 4">
             <a:extLst>
               <a:ext uri="{FF2B5EF4-FFF2-40B4-BE49-F238E27FC236}">
-                <a16:creationId xmlns:a16="http://schemas.microsoft.com/office/drawing/2014/main" id="{06BA9E35-AF4F-4861-AF32-930396FA6E06}"/>
+                <a16:creationId xmlns:a16="http://schemas.microsoft.com/office/drawing/2014/main" xmlns="" id="{06BA9E35-AF4F-4861-AF32-930396FA6E06}"/>
               </a:ext>
             </a:extLst>
           </p:cNvPr>
@@ -6439,7 +6567,7 @@
           <p:cNvPr id="17" name="직선 연결선 16">
             <a:extLst>
               <a:ext uri="{FF2B5EF4-FFF2-40B4-BE49-F238E27FC236}">
-                <a16:creationId xmlns:a16="http://schemas.microsoft.com/office/drawing/2014/main" id="{C1FC7741-B395-41FE-83B5-2FD70DED6FD1}"/>
+                <a16:creationId xmlns:a16="http://schemas.microsoft.com/office/drawing/2014/main" xmlns="" id="{C1FC7741-B395-41FE-83B5-2FD70DED6FD1}"/>
               </a:ext>
             </a:extLst>
           </p:cNvPr>
@@ -6479,12 +6607,61 @@
           </a:fontRef>
         </p:style>
       </p:cxnSp>
+      <p:sp>
+        <p:nvSpPr>
+          <p:cNvPr id="11" name="모서리가 둥근 직사각형 2">
+            <a:extLst>
+              <a:ext uri="{FF2B5EF4-FFF2-40B4-BE49-F238E27FC236}">
+                <a16:creationId xmlns:a16="http://schemas.microsoft.com/office/drawing/2014/main" xmlns="" id="{16A86181-839F-4D4B-9E21-E84981D9E8F2}"/>
+              </a:ext>
+            </a:extLst>
+          </p:cNvPr>
+          <p:cNvSpPr/>
+          <p:nvPr/>
+        </p:nvSpPr>
+        <p:spPr>
+          <a:xfrm>
+            <a:off x="2057134" y="2427734"/>
+            <a:ext cx="1440160" cy="738774"/>
+          </a:xfrm>
+          <a:prstGeom prst="roundRect">
+            <a:avLst>
+              <a:gd name="adj" fmla="val 50000"/>
+            </a:avLst>
+          </a:prstGeom>
+        </p:spPr>
+        <p:style>
+          <a:lnRef idx="2">
+            <a:schemeClr val="dk1"/>
+          </a:lnRef>
+          <a:fillRef idx="1">
+            <a:schemeClr val="lt1"/>
+          </a:fillRef>
+          <a:effectRef idx="0">
+            <a:schemeClr val="dk1"/>
+          </a:effectRef>
+          <a:fontRef idx="minor">
+            <a:schemeClr val="dk1"/>
+          </a:fontRef>
+        </p:style>
+        <p:txBody>
+          <a:bodyPr rtlCol="0" anchor="ctr"/>
+          <a:lstStyle/>
+          <a:p>
+            <a:pPr algn="ctr"/>
+            <a:r>
+              <a:rPr lang="en-US" altLang="ko-KR" sz="1600" dirty="0" smtClean="0"/>
+              <a:t>Router</a:t>
+            </a:r>
+          </a:p>
+        </p:txBody>
+      </p:sp>
       <p:cxnSp>
         <p:nvCxnSpPr>
           <p:cNvPr id="22" name="직선 연결선 21">
             <a:extLst>
               <a:ext uri="{FF2B5EF4-FFF2-40B4-BE49-F238E27FC236}">
-                <a16:creationId xmlns:a16="http://schemas.microsoft.com/office/drawing/2014/main" id="{415BEB9E-09A4-4964-BEF2-5F08CC228174}"/>
+                <a16:creationId xmlns:a16="http://schemas.microsoft.com/office/drawing/2014/main" xmlns="" id="{415BEB9E-09A4-4964-BEF2-5F08CC228174}"/>
               </a:ext>
             </a:extLst>
           </p:cNvPr>
@@ -6529,7 +6706,7 @@
           <p:cNvPr id="13" name="모서리가 둥근 직사각형 2">
             <a:extLst>
               <a:ext uri="{FF2B5EF4-FFF2-40B4-BE49-F238E27FC236}">
-                <a16:creationId xmlns:a16="http://schemas.microsoft.com/office/drawing/2014/main" id="{B4D9F552-13FB-4506-AB41-D9127D4AC995}"/>
+                <a16:creationId xmlns:a16="http://schemas.microsoft.com/office/drawing/2014/main" xmlns="" id="{B4D9F552-13FB-4506-AB41-D9127D4AC995}"/>
               </a:ext>
             </a:extLst>
           </p:cNvPr>
@@ -6567,24 +6744,21 @@
           <a:p>
             <a:pPr algn="ctr"/>
             <a:r>
-              <a:rPr lang="en-US" altLang="ko-KR" sz="1600"/>
-              <a:t>LB </a:t>
-            </a:r>
-          </a:p>
-          <a:p>
-            <a:pPr algn="ctr"/>
-            <a:r>
-              <a:rPr lang="en-US" altLang="ko-KR" sz="1400"/>
+              <a:rPr lang="en-US" altLang="ko-KR" sz="1600" dirty="0" err="1"/>
+              <a:t>LB</a:t>
+            </a:r>
+            <a:r>
+              <a:rPr lang="en-US" altLang="ko-KR" sz="1600" dirty="0"/>
+              <a:t> </a:t>
+            </a:r>
+          </a:p>
+          <a:p>
+            <a:pPr algn="ctr"/>
+            <a:r>
+              <a:rPr lang="en-US" altLang="ko-KR" sz="1400" dirty="0" smtClean="0"/>
               <a:t>VIP-2.2.2.5</a:t>
             </a:r>
-          </a:p>
-          <a:p>
-            <a:pPr algn="ctr"/>
-            <a:r>
-              <a:rPr lang="en-US" altLang="ko-KR" sz="1400"/>
-              <a:t>MAC-A</a:t>
-            </a:r>
-            <a:endParaRPr lang="ko-KR" altLang="en-US" sz="1400"/>
+            <a:endParaRPr lang="ko-KR" altLang="en-US" sz="1400" dirty="0"/>
           </a:p>
         </p:txBody>
       </p:sp>
@@ -6593,7 +6767,7 @@
           <p:cNvPr id="16" name="직선 연결선 15">
             <a:extLst>
               <a:ext uri="{FF2B5EF4-FFF2-40B4-BE49-F238E27FC236}">
-                <a16:creationId xmlns:a16="http://schemas.microsoft.com/office/drawing/2014/main" id="{A8F8D77A-3187-4AF4-AD2E-FB4918FFFAF2}"/>
+                <a16:creationId xmlns:a16="http://schemas.microsoft.com/office/drawing/2014/main" xmlns="" id="{A8F8D77A-3187-4AF4-AD2E-FB4918FFFAF2}"/>
               </a:ext>
             </a:extLst>
           </p:cNvPr>
@@ -6638,7 +6812,7 @@
           <p:cNvPr id="36" name="원호 35">
             <a:extLst>
               <a:ext uri="{FF2B5EF4-FFF2-40B4-BE49-F238E27FC236}">
-                <a16:creationId xmlns:a16="http://schemas.microsoft.com/office/drawing/2014/main" id="{8067F50F-2B56-41FA-BBBD-DA466ADB1A4C}"/>
+                <a16:creationId xmlns:a16="http://schemas.microsoft.com/office/drawing/2014/main" xmlns="" id="{8067F50F-2B56-41FA-BBBD-DA466ADB1A4C}"/>
               </a:ext>
             </a:extLst>
           </p:cNvPr>
@@ -6689,7 +6863,7 @@
           <p:cNvPr id="35" name="원호 34">
             <a:extLst>
               <a:ext uri="{FF2B5EF4-FFF2-40B4-BE49-F238E27FC236}">
-                <a16:creationId xmlns:a16="http://schemas.microsoft.com/office/drawing/2014/main" id="{559A272C-6A19-4942-B370-03E6B28031A5}"/>
+                <a16:creationId xmlns:a16="http://schemas.microsoft.com/office/drawing/2014/main" xmlns="" id="{559A272C-6A19-4942-B370-03E6B28031A5}"/>
               </a:ext>
             </a:extLst>
           </p:cNvPr>
@@ -6702,7 +6876,10 @@
             <a:ext cx="1759777" cy="1556461"/>
           </a:xfrm>
           <a:prstGeom prst="arc">
-            <a:avLst/>
+            <a:avLst>
+              <a:gd name="adj1" fmla="val 16200000"/>
+              <a:gd name="adj2" fmla="val 3473"/>
+            </a:avLst>
           </a:prstGeom>
           <a:ln w="28575">
             <a:solidFill>
@@ -6740,7 +6917,7 @@
           <p:cNvPr id="37" name="원호 36">
             <a:extLst>
               <a:ext uri="{FF2B5EF4-FFF2-40B4-BE49-F238E27FC236}">
-                <a16:creationId xmlns:a16="http://schemas.microsoft.com/office/drawing/2014/main" id="{674BE5AF-DA0B-4BB3-9C00-B5639F54D83D}"/>
+                <a16:creationId xmlns:a16="http://schemas.microsoft.com/office/drawing/2014/main" xmlns="" id="{674BE5AF-DA0B-4BB3-9C00-B5639F54D83D}"/>
               </a:ext>
             </a:extLst>
           </p:cNvPr>
@@ -6748,14 +6925,14 @@
           <p:nvPr/>
         </p:nvSpPr>
         <p:spPr>
-          <a:xfrm rot="10800000">
-            <a:off x="3041113" y="-787224"/>
-            <a:ext cx="2404522" cy="5045282"/>
+          <a:xfrm rot="16200000" flipV="1">
+            <a:off x="575242" y="2039818"/>
+            <a:ext cx="2360401" cy="4176070"/>
           </a:xfrm>
           <a:prstGeom prst="arc">
             <a:avLst>
-              <a:gd name="adj1" fmla="val 16777217"/>
-              <a:gd name="adj2" fmla="val 251780"/>
+              <a:gd name="adj1" fmla="val 16200000"/>
+              <a:gd name="adj2" fmla="val 21567997"/>
             </a:avLst>
           </a:prstGeom>
           <a:ln w="28575">
@@ -6791,10 +6968,64 @@
       </p:sp>
       <p:sp>
         <p:nvSpPr>
+          <p:cNvPr id="38" name="원호 37">
+            <a:extLst>
+              <a:ext uri="{FF2B5EF4-FFF2-40B4-BE49-F238E27FC236}">
+                <a16:creationId xmlns:a16="http://schemas.microsoft.com/office/drawing/2014/main" xmlns="" id="{137B2EB8-3C7A-4DFF-980C-DCF648D786A6}"/>
+              </a:ext>
+            </a:extLst>
+          </p:cNvPr>
+          <p:cNvSpPr/>
+          <p:nvPr/>
+        </p:nvSpPr>
+        <p:spPr>
+          <a:xfrm rot="16200000" flipH="1" flipV="1">
+            <a:off x="748554" y="371341"/>
+            <a:ext cx="1978097" cy="2556214"/>
+          </a:xfrm>
+          <a:prstGeom prst="arc">
+            <a:avLst>
+              <a:gd name="adj1" fmla="val 16200000"/>
+              <a:gd name="adj2" fmla="val 21567997"/>
+            </a:avLst>
+          </a:prstGeom>
+          <a:ln w="28575">
+            <a:solidFill>
+              <a:srgbClr val="C00000"/>
+            </a:solidFill>
+            <a:headEnd type="arrow" w="med" len="med"/>
+            <a:tailEnd type="none" w="med" len="med"/>
+          </a:ln>
+        </p:spPr>
+        <p:style>
+          <a:lnRef idx="1">
+            <a:schemeClr val="accent1"/>
+          </a:lnRef>
+          <a:fillRef idx="0">
+            <a:schemeClr val="accent1"/>
+          </a:fillRef>
+          <a:effectRef idx="0">
+            <a:schemeClr val="accent1"/>
+          </a:effectRef>
+          <a:fontRef idx="minor">
+            <a:schemeClr val="tx1"/>
+          </a:fontRef>
+        </p:style>
+        <p:txBody>
+          <a:bodyPr rtlCol="0" anchor="ctr"/>
+          <a:lstStyle/>
+          <a:p>
+            <a:pPr algn="ctr"/>
+            <a:endParaRPr lang="ko-KR" altLang="en-US"/>
+          </a:p>
+        </p:txBody>
+      </p:sp>
+      <p:sp>
+        <p:nvSpPr>
           <p:cNvPr id="39" name="타원 38">
             <a:extLst>
               <a:ext uri="{FF2B5EF4-FFF2-40B4-BE49-F238E27FC236}">
-                <a16:creationId xmlns:a16="http://schemas.microsoft.com/office/drawing/2014/main" id="{A99570B1-7DB4-4E43-A58E-57058CA0F54A}"/>
+                <a16:creationId xmlns:a16="http://schemas.microsoft.com/office/drawing/2014/main" xmlns="" id="{A99570B1-7DB4-4E43-A58E-57058CA0F54A}"/>
               </a:ext>
             </a:extLst>
           </p:cNvPr>
@@ -6803,8 +7034,8 @@
         </p:nvSpPr>
         <p:spPr>
           <a:xfrm>
-            <a:off x="1979712" y="2283718"/>
-            <a:ext cx="288032" cy="288032"/>
+            <a:off x="2267744" y="1986091"/>
+            <a:ext cx="274173" cy="288032"/>
           </a:xfrm>
           <a:prstGeom prst="ellipse">
             <a:avLst/>
@@ -6842,7 +7073,7 @@
           <p:cNvPr id="40" name="타원 39">
             <a:extLst>
               <a:ext uri="{FF2B5EF4-FFF2-40B4-BE49-F238E27FC236}">
-                <a16:creationId xmlns:a16="http://schemas.microsoft.com/office/drawing/2014/main" id="{0F754A08-11C5-4F1A-B637-06012293F1C0}"/>
+                <a16:creationId xmlns:a16="http://schemas.microsoft.com/office/drawing/2014/main" xmlns="" id="{0F754A08-11C5-4F1A-B637-06012293F1C0}"/>
               </a:ext>
             </a:extLst>
           </p:cNvPr>
@@ -6851,7 +7082,7 @@
         </p:nvSpPr>
         <p:spPr>
           <a:xfrm>
-            <a:off x="2835761" y="3291830"/>
+            <a:off x="2921230" y="3382532"/>
             <a:ext cx="288032" cy="288032"/>
           </a:xfrm>
           <a:prstGeom prst="ellipse">
@@ -6887,10 +7118,10 @@
       </p:sp>
       <p:sp>
         <p:nvSpPr>
-          <p:cNvPr id="42" name="타원 41">
-            <a:extLst>
-              <a:ext uri="{FF2B5EF4-FFF2-40B4-BE49-F238E27FC236}">
-                <a16:creationId xmlns:a16="http://schemas.microsoft.com/office/drawing/2014/main" id="{67E205F5-100A-4787-A0AC-5FBCBE2BB09D}"/>
+          <p:cNvPr id="43" name="타원 42">
+            <a:extLst>
+              <a:ext uri="{FF2B5EF4-FFF2-40B4-BE49-F238E27FC236}">
+                <a16:creationId xmlns:a16="http://schemas.microsoft.com/office/drawing/2014/main" xmlns="" id="{EEC45EB1-26B9-45DC-8DA1-CEFCFB31FC0D}"/>
               </a:ext>
             </a:extLst>
           </p:cNvPr>
@@ -6899,7 +7130,7 @@
         </p:nvSpPr>
         <p:spPr>
           <a:xfrm>
-            <a:off x="3491880" y="3723878"/>
+            <a:off x="2698643" y="1981078"/>
             <a:ext cx="288032" cy="288032"/>
           </a:xfrm>
           <a:prstGeom prst="ellipse">
@@ -6927,7 +7158,7 @@
             <a:pPr algn="ctr"/>
             <a:r>
               <a:rPr lang="en-US" altLang="ko-KR"/>
-              <a:t>3</a:t>
+              <a:t>4</a:t>
             </a:r>
             <a:endParaRPr lang="ko-KR" altLang="en-US"/>
           </a:p>
@@ -6935,151 +7166,10 @@
       </p:sp>
       <p:sp>
         <p:nvSpPr>
-          <p:cNvPr id="81" name="모서리가 둥근 직사각형 2">
-            <a:extLst>
-              <a:ext uri="{FF2B5EF4-FFF2-40B4-BE49-F238E27FC236}">
-                <a16:creationId xmlns:a16="http://schemas.microsoft.com/office/drawing/2014/main" id="{AFB69950-68B0-473C-955E-3462CC086FC3}"/>
-              </a:ext>
-            </a:extLst>
-          </p:cNvPr>
-          <p:cNvSpPr/>
-          <p:nvPr/>
-        </p:nvSpPr>
-        <p:spPr>
-          <a:xfrm>
-            <a:off x="1066358" y="4115103"/>
-            <a:ext cx="1561564" cy="904919"/>
-          </a:xfrm>
-          <a:prstGeom prst="roundRect">
-            <a:avLst>
-              <a:gd name="adj" fmla="val 9458"/>
-            </a:avLst>
-          </a:prstGeom>
-        </p:spPr>
-        <p:style>
-          <a:lnRef idx="2">
-            <a:schemeClr val="dk1"/>
-          </a:lnRef>
-          <a:fillRef idx="1">
-            <a:schemeClr val="lt1"/>
-          </a:fillRef>
-          <a:effectRef idx="0">
-            <a:schemeClr val="dk1"/>
-          </a:effectRef>
-          <a:fontRef idx="minor">
-            <a:schemeClr val="dk1"/>
-          </a:fontRef>
-        </p:style>
-        <p:txBody>
-          <a:bodyPr rtlCol="0" anchor="ctr"/>
-          <a:lstStyle/>
-          <a:p>
-            <a:pPr algn="ctr"/>
-            <a:r>
-              <a:rPr lang="en-US" altLang="ko-KR" sz="1600"/>
-              <a:t>Server A </a:t>
-            </a:r>
-          </a:p>
-          <a:p>
-            <a:pPr algn="ctr"/>
-            <a:r>
-              <a:rPr lang="en-US" altLang="ko-KR" sz="1400"/>
-              <a:t>IP-2.2.2.10</a:t>
-            </a:r>
-          </a:p>
-          <a:p>
-            <a:pPr algn="ctr"/>
-            <a:r>
-              <a:rPr lang="en-US" altLang="ko-KR" sz="1400"/>
-              <a:t>MAC-B</a:t>
-            </a:r>
-          </a:p>
-          <a:p>
-            <a:pPr algn="ctr"/>
-            <a:r>
-              <a:rPr lang="en-US" altLang="ko-KR" sz="1400"/>
-              <a:t>Lo-2.2.2.5</a:t>
-            </a:r>
-          </a:p>
-        </p:txBody>
-      </p:sp>
-      <p:sp>
-        <p:nvSpPr>
-          <p:cNvPr id="83" name="모서리가 둥근 직사각형 2">
-            <a:extLst>
-              <a:ext uri="{FF2B5EF4-FFF2-40B4-BE49-F238E27FC236}">
-                <a16:creationId xmlns:a16="http://schemas.microsoft.com/office/drawing/2014/main" id="{4049B3CA-B289-42C7-882F-5A4083100CFE}"/>
-              </a:ext>
-            </a:extLst>
-          </p:cNvPr>
-          <p:cNvSpPr/>
-          <p:nvPr/>
-        </p:nvSpPr>
-        <p:spPr>
-          <a:xfrm>
-            <a:off x="2866420" y="4115103"/>
-            <a:ext cx="1561564" cy="904919"/>
-          </a:xfrm>
-          <a:prstGeom prst="roundRect">
-            <a:avLst>
-              <a:gd name="adj" fmla="val 9458"/>
-            </a:avLst>
-          </a:prstGeom>
-        </p:spPr>
-        <p:style>
-          <a:lnRef idx="2">
-            <a:schemeClr val="dk1"/>
-          </a:lnRef>
-          <a:fillRef idx="1">
-            <a:schemeClr val="lt1"/>
-          </a:fillRef>
-          <a:effectRef idx="0">
-            <a:schemeClr val="dk1"/>
-          </a:effectRef>
-          <a:fontRef idx="minor">
-            <a:schemeClr val="dk1"/>
-          </a:fontRef>
-        </p:style>
-        <p:txBody>
-          <a:bodyPr rtlCol="0" anchor="ctr"/>
-          <a:lstStyle/>
-          <a:p>
-            <a:pPr algn="ctr"/>
-            <a:r>
-              <a:rPr lang="en-US" altLang="ko-KR" sz="1600"/>
-              <a:t>Server B </a:t>
-            </a:r>
-          </a:p>
-          <a:p>
-            <a:pPr algn="ctr"/>
-            <a:r>
-              <a:rPr lang="en-US" altLang="ko-KR" sz="1400"/>
-              <a:t>IP-2.2.2.20</a:t>
-            </a:r>
-          </a:p>
-          <a:p>
-            <a:pPr algn="ctr"/>
-            <a:r>
-              <a:rPr lang="en-US" altLang="ko-KR" sz="1400"/>
-              <a:t>MAC-C</a:t>
-            </a:r>
-            <a:br>
-              <a:rPr lang="en-US" altLang="ko-KR" sz="1400"/>
-            </a:br>
-            <a:r>
-              <a:rPr lang="en-US" altLang="ko-KR" sz="1400"/>
-              <a:t>Lo-2.2.2.5</a:t>
-            </a:r>
-            <a:endParaRPr lang="ko-KR" altLang="en-US" sz="1400"/>
-          </a:p>
-        </p:txBody>
-      </p:sp>
-      <p:sp>
-        <p:nvSpPr>
-          <p:cNvPr id="41" name="TextBox 40">
-            <a:extLst>
-              <a:ext uri="{FF2B5EF4-FFF2-40B4-BE49-F238E27FC236}">
-                <a16:creationId xmlns:a16="http://schemas.microsoft.com/office/drawing/2014/main" id="{4C3440A4-D1A8-4C91-83F5-0ECB9206DE21}"/>
+          <p:cNvPr id="44" name="TextBox 43">
+            <a:extLst>
+              <a:ext uri="{FF2B5EF4-FFF2-40B4-BE49-F238E27FC236}">
+                <a16:creationId xmlns:a16="http://schemas.microsoft.com/office/drawing/2014/main" xmlns="" id="{4C185C64-72C1-4B48-8774-75928317A44B}"/>
               </a:ext>
             </a:extLst>
           </p:cNvPr>
@@ -7088,7 +7178,7 @@
         </p:nvSpPr>
         <p:spPr>
           <a:xfrm>
-            <a:off x="4644008" y="4148093"/>
+            <a:off x="4644008" y="1577944"/>
             <a:ext cx="1872208" cy="338554"/>
           </a:xfrm>
           <a:prstGeom prst="rect">
@@ -7118,17 +7208,187 @@
             <a:pPr algn="ctr"/>
             <a:r>
               <a:rPr lang="en-US" altLang="ko-KR" sz="1600"/>
-              <a:t>Dst Mac-</a:t>
-            </a:r>
-            <a:r>
-              <a:rPr lang="en-US" altLang="ko-KR" sz="1600">
+              <a:t>Src-1.1.1.10</a:t>
+            </a:r>
+            <a:endParaRPr lang="ko-KR" altLang="en-US" sz="1600"/>
+          </a:p>
+        </p:txBody>
+      </p:sp>
+      <p:sp>
+        <p:nvSpPr>
+          <p:cNvPr id="45" name="TextBox 44">
+            <a:extLst>
+              <a:ext uri="{FF2B5EF4-FFF2-40B4-BE49-F238E27FC236}">
+                <a16:creationId xmlns:a16="http://schemas.microsoft.com/office/drawing/2014/main" xmlns="" id="{4A37E9B0-36AE-42D3-A050-DCFAA2F61D85}"/>
+              </a:ext>
+            </a:extLst>
+          </p:cNvPr>
+          <p:cNvSpPr txBox="1"/>
+          <p:nvPr/>
+        </p:nvSpPr>
+        <p:spPr>
+          <a:xfrm>
+            <a:off x="4644008" y="1912173"/>
+            <a:ext cx="1872208" cy="338554"/>
+          </a:xfrm>
+          <a:prstGeom prst="rect">
+            <a:avLst/>
+          </a:prstGeom>
+        </p:spPr>
+        <p:style>
+          <a:lnRef idx="2">
+            <a:schemeClr val="dk1"/>
+          </a:lnRef>
+          <a:fillRef idx="1">
+            <a:schemeClr val="lt1"/>
+          </a:fillRef>
+          <a:effectRef idx="0">
+            <a:schemeClr val="dk1"/>
+          </a:effectRef>
+          <a:fontRef idx="minor">
+            <a:schemeClr val="dk1"/>
+          </a:fontRef>
+        </p:style>
+        <p:txBody>
+          <a:bodyPr wrap="square" rtlCol="0">
+            <a:spAutoFit/>
+          </a:bodyPr>
+          <a:lstStyle/>
+          <a:p>
+            <a:pPr algn="ctr"/>
+            <a:r>
+              <a:rPr lang="en-US" altLang="ko-KR" sz="1600" dirty="0" err="1" smtClean="0"/>
+              <a:t>Dst</a:t>
+            </a:r>
+            <a:r>
+              <a:rPr lang="en-US" altLang="ko-KR" sz="1600" dirty="0" smtClean="0"/>
+              <a:t>-2.2.2.5</a:t>
+            </a:r>
+            <a:endParaRPr lang="ko-KR" altLang="en-US" sz="1600" dirty="0"/>
+          </a:p>
+        </p:txBody>
+      </p:sp>
+      <p:sp>
+        <p:nvSpPr>
+          <p:cNvPr id="52" name="TextBox 51">
+            <a:extLst>
+              <a:ext uri="{FF2B5EF4-FFF2-40B4-BE49-F238E27FC236}">
+                <a16:creationId xmlns:a16="http://schemas.microsoft.com/office/drawing/2014/main" xmlns="" id="{AED6432C-394A-41DB-AA47-BD73AF22A91C}"/>
+              </a:ext>
+            </a:extLst>
+          </p:cNvPr>
+          <p:cNvSpPr txBox="1"/>
+          <p:nvPr/>
+        </p:nvSpPr>
+        <p:spPr>
+          <a:xfrm>
+            <a:off x="4644008" y="3475413"/>
+            <a:ext cx="1872208" cy="338554"/>
+          </a:xfrm>
+          <a:prstGeom prst="rect">
+            <a:avLst/>
+          </a:prstGeom>
+        </p:spPr>
+        <p:style>
+          <a:lnRef idx="2">
+            <a:schemeClr val="dk1"/>
+          </a:lnRef>
+          <a:fillRef idx="1">
+            <a:schemeClr val="lt1"/>
+          </a:fillRef>
+          <a:effectRef idx="0">
+            <a:schemeClr val="dk1"/>
+          </a:effectRef>
+          <a:fontRef idx="minor">
+            <a:schemeClr val="dk1"/>
+          </a:fontRef>
+        </p:style>
+        <p:txBody>
+          <a:bodyPr wrap="square" rtlCol="0">
+            <a:spAutoFit/>
+          </a:bodyPr>
+          <a:lstStyle/>
+          <a:p>
+            <a:pPr algn="ctr"/>
+            <a:r>
+              <a:rPr lang="en-US" altLang="ko-KR" sz="1600" dirty="0" err="1"/>
+              <a:t>Src</a:t>
+            </a:r>
+            <a:r>
+              <a:rPr lang="en-US" altLang="ko-KR" sz="1600" dirty="0"/>
+              <a:t>-1.1.1.10</a:t>
+            </a:r>
+            <a:endParaRPr lang="ko-KR" altLang="en-US" sz="1600" dirty="0"/>
+          </a:p>
+        </p:txBody>
+      </p:sp>
+      <p:sp>
+        <p:nvSpPr>
+          <p:cNvPr id="53" name="TextBox 52">
+            <a:extLst>
+              <a:ext uri="{FF2B5EF4-FFF2-40B4-BE49-F238E27FC236}">
+                <a16:creationId xmlns:a16="http://schemas.microsoft.com/office/drawing/2014/main" xmlns="" id="{4BFA5043-EF47-4D36-8C69-5B283BA28784}"/>
+              </a:ext>
+            </a:extLst>
+          </p:cNvPr>
+          <p:cNvSpPr txBox="1"/>
+          <p:nvPr/>
+        </p:nvSpPr>
+        <p:spPr>
+          <a:xfrm>
+            <a:off x="4644008" y="3809642"/>
+            <a:ext cx="1872208" cy="338554"/>
+          </a:xfrm>
+          <a:prstGeom prst="rect">
+            <a:avLst/>
+          </a:prstGeom>
+        </p:spPr>
+        <p:style>
+          <a:lnRef idx="2">
+            <a:schemeClr val="dk1"/>
+          </a:lnRef>
+          <a:fillRef idx="1">
+            <a:schemeClr val="lt1"/>
+          </a:fillRef>
+          <a:effectRef idx="0">
+            <a:schemeClr val="dk1"/>
+          </a:effectRef>
+          <a:fontRef idx="minor">
+            <a:schemeClr val="dk1"/>
+          </a:fontRef>
+        </p:style>
+        <p:txBody>
+          <a:bodyPr wrap="square" rtlCol="0">
+            <a:spAutoFit/>
+          </a:bodyPr>
+          <a:lstStyle/>
+          <a:p>
+            <a:pPr algn="ctr"/>
+            <a:r>
+              <a:rPr lang="en-US" altLang="ko-KR" sz="1600" dirty="0" err="1" smtClean="0"/>
+              <a:t>Dst</a:t>
+            </a:r>
+            <a:r>
+              <a:rPr lang="en-US" altLang="ko-KR" sz="1600" dirty="0" smtClean="0"/>
+              <a:t>-</a:t>
+            </a:r>
+            <a:r>
+              <a:rPr lang="en-US" altLang="ko-KR" sz="1600" dirty="0" smtClean="0">
                 <a:solidFill>
                   <a:srgbClr val="C00000"/>
                 </a:solidFill>
               </a:rPr>
-              <a:t>C</a:t>
-            </a:r>
-            <a:endParaRPr lang="ko-KR" altLang="en-US" sz="1600">
+              <a:t>2</a:t>
+            </a:r>
+            <a:r>
+              <a:rPr lang="en-US" altLang="ko-KR" sz="1600" dirty="0" smtClean="0">
+                <a:solidFill>
+                  <a:srgbClr val="C00000"/>
+                </a:solidFill>
+              </a:rPr>
+              <a:t>.2.2.20</a:t>
+            </a:r>
+            <a:endParaRPr lang="ko-KR" altLang="en-US" sz="1600" dirty="0">
               <a:solidFill>
                 <a:srgbClr val="C00000"/>
               </a:solidFill>
@@ -7138,10 +7398,10 @@
       </p:sp>
       <p:sp>
         <p:nvSpPr>
-          <p:cNvPr id="76" name="TextBox 75">
-            <a:extLst>
-              <a:ext uri="{FF2B5EF4-FFF2-40B4-BE49-F238E27FC236}">
-                <a16:creationId xmlns:a16="http://schemas.microsoft.com/office/drawing/2014/main" id="{18737A61-C97F-4007-88AC-84327006DBB3}"/>
+          <p:cNvPr id="54" name="TextBox 53">
+            <a:extLst>
+              <a:ext uri="{FF2B5EF4-FFF2-40B4-BE49-F238E27FC236}">
+                <a16:creationId xmlns:a16="http://schemas.microsoft.com/office/drawing/2014/main" xmlns="" id="{1C494BB1-293D-4AD5-93DF-3E1E38B30ABB}"/>
               </a:ext>
             </a:extLst>
           </p:cNvPr>
@@ -7150,7 +7410,7 @@
         </p:nvSpPr>
         <p:spPr>
           <a:xfrm>
-            <a:off x="4644008" y="1577944"/>
+            <a:off x="6876256" y="1577944"/>
             <a:ext cx="1872208" cy="338554"/>
           </a:xfrm>
           <a:prstGeom prst="rect">
@@ -7179,60 +7439,22 @@
           <a:p>
             <a:pPr algn="ctr"/>
             <a:r>
-              <a:rPr lang="en-US" altLang="ko-KR" sz="1600"/>
-              <a:t>Dst-2.2.2.5</a:t>
-            </a:r>
-            <a:endParaRPr lang="ko-KR" altLang="en-US" sz="1600"/>
-          </a:p>
-        </p:txBody>
-      </p:sp>
-      <p:sp>
-        <p:nvSpPr>
-          <p:cNvPr id="77" name="TextBox 76">
-            <a:extLst>
-              <a:ext uri="{FF2B5EF4-FFF2-40B4-BE49-F238E27FC236}">
-                <a16:creationId xmlns:a16="http://schemas.microsoft.com/office/drawing/2014/main" id="{E40393A5-6DBA-43CE-874F-E1772FFA3982}"/>
-              </a:ext>
-            </a:extLst>
-          </p:cNvPr>
-          <p:cNvSpPr txBox="1"/>
-          <p:nvPr/>
-        </p:nvSpPr>
-        <p:spPr>
-          <a:xfrm>
-            <a:off x="4644008" y="1912173"/>
-            <a:ext cx="1872208" cy="338554"/>
-          </a:xfrm>
-          <a:prstGeom prst="rect">
-            <a:avLst/>
-          </a:prstGeom>
-        </p:spPr>
-        <p:style>
-          <a:lnRef idx="2">
-            <a:schemeClr val="dk1"/>
-          </a:lnRef>
-          <a:fillRef idx="1">
-            <a:schemeClr val="lt1"/>
-          </a:fillRef>
-          <a:effectRef idx="0">
-            <a:schemeClr val="dk1"/>
-          </a:effectRef>
-          <a:fontRef idx="minor">
-            <a:schemeClr val="dk1"/>
-          </a:fontRef>
-        </p:style>
-        <p:txBody>
-          <a:bodyPr wrap="square" rtlCol="0">
-            <a:spAutoFit/>
-          </a:bodyPr>
-          <a:lstStyle/>
-          <a:p>
-            <a:pPr algn="ctr"/>
-            <a:r>
-              <a:rPr lang="en-US" altLang="ko-KR" sz="1600"/>
-              <a:t>Dst Mac-A</a:t>
-            </a:r>
-            <a:endParaRPr lang="ko-KR" altLang="en-US" sz="1600">
+              <a:rPr lang="en-US" altLang="ko-KR" sz="1600" dirty="0" err="1" smtClean="0"/>
+              <a:t>Src</a:t>
+            </a:r>
+            <a:r>
+              <a:rPr lang="en-US" altLang="ko-KR" sz="1600" dirty="0" smtClean="0"/>
+              <a:t>-</a:t>
+            </a:r>
+            <a:r>
+              <a:rPr lang="en-US" altLang="ko-KR" sz="1600" dirty="0" smtClean="0">
+                <a:solidFill>
+                  <a:srgbClr val="C00000"/>
+                </a:solidFill>
+              </a:rPr>
+              <a:t>2.2.2.5</a:t>
+            </a:r>
+            <a:endParaRPr lang="ko-KR" altLang="en-US" sz="1600" dirty="0">
               <a:solidFill>
                 <a:srgbClr val="C00000"/>
               </a:solidFill>
@@ -7242,10 +7464,10 @@
       </p:sp>
       <p:sp>
         <p:nvSpPr>
-          <p:cNvPr id="78" name="TextBox 77">
-            <a:extLst>
-              <a:ext uri="{FF2B5EF4-FFF2-40B4-BE49-F238E27FC236}">
-                <a16:creationId xmlns:a16="http://schemas.microsoft.com/office/drawing/2014/main" id="{09BA3111-575F-4009-B382-09BA499B5802}"/>
+          <p:cNvPr id="55" name="TextBox 54">
+            <a:extLst>
+              <a:ext uri="{FF2B5EF4-FFF2-40B4-BE49-F238E27FC236}">
+                <a16:creationId xmlns:a16="http://schemas.microsoft.com/office/drawing/2014/main" xmlns="" id="{544B4972-9911-462A-A9E5-FB70CD9DDFD2}"/>
               </a:ext>
             </a:extLst>
           </p:cNvPr>
@@ -7254,7 +7476,7 @@
         </p:nvSpPr>
         <p:spPr>
           <a:xfrm>
-            <a:off x="4644008" y="3475413"/>
+            <a:off x="6876256" y="1912173"/>
             <a:ext cx="1872208" cy="338554"/>
           </a:xfrm>
           <a:prstGeom prst="rect">
@@ -7284,7 +7506,7 @@
             <a:pPr algn="ctr"/>
             <a:r>
               <a:rPr lang="en-US" altLang="ko-KR" sz="1600"/>
-              <a:t>Src-1.1.1.10</a:t>
+              <a:t>Dst-1.1.1.10</a:t>
             </a:r>
             <a:endParaRPr lang="ko-KR" altLang="en-US" sz="1600"/>
           </a:p>
@@ -7292,10 +7514,10 @@
       </p:sp>
       <p:sp>
         <p:nvSpPr>
-          <p:cNvPr id="79" name="TextBox 78">
-            <a:extLst>
-              <a:ext uri="{FF2B5EF4-FFF2-40B4-BE49-F238E27FC236}">
-                <a16:creationId xmlns:a16="http://schemas.microsoft.com/office/drawing/2014/main" id="{2D7B5FF1-C977-4E6E-969B-D9F212AD8C35}"/>
+          <p:cNvPr id="57" name="TextBox 56">
+            <a:extLst>
+              <a:ext uri="{FF2B5EF4-FFF2-40B4-BE49-F238E27FC236}">
+                <a16:creationId xmlns:a16="http://schemas.microsoft.com/office/drawing/2014/main" xmlns="" id="{17F9FF56-A573-433C-8B43-8BE509B3F6A2}"/>
               </a:ext>
             </a:extLst>
           </p:cNvPr>
@@ -7304,7 +7526,7 @@
         </p:nvSpPr>
         <p:spPr>
           <a:xfrm>
-            <a:off x="4644008" y="3809642"/>
+            <a:off x="6876256" y="3475413"/>
             <a:ext cx="1872208" cy="338554"/>
           </a:xfrm>
           <a:prstGeom prst="rect">
@@ -7333,27 +7555,23 @@
           <a:p>
             <a:pPr algn="ctr"/>
             <a:r>
-              <a:rPr lang="en-US" altLang="ko-KR" sz="1600">
-                <a:solidFill>
-                  <a:schemeClr val="tx1"/>
-                </a:solidFill>
-              </a:rPr>
-              <a:t>Dst-2.2.2.5</a:t>
-            </a:r>
-            <a:endParaRPr lang="ko-KR" altLang="en-US" sz="1600">
-              <a:solidFill>
-                <a:schemeClr val="tx1"/>
-              </a:solidFill>
-            </a:endParaRPr>
-          </a:p>
-        </p:txBody>
-      </p:sp>
-      <p:sp>
-        <p:nvSpPr>
-          <p:cNvPr id="84" name="TextBox 83">
-            <a:extLst>
-              <a:ext uri="{FF2B5EF4-FFF2-40B4-BE49-F238E27FC236}">
-                <a16:creationId xmlns:a16="http://schemas.microsoft.com/office/drawing/2014/main" id="{1277CF05-657E-44FE-AA96-41D96DFBBB7A}"/>
+              <a:rPr lang="en-US" altLang="ko-KR" sz="1600" dirty="0" err="1" smtClean="0"/>
+              <a:t>Src</a:t>
+            </a:r>
+            <a:r>
+              <a:rPr lang="en-US" altLang="ko-KR" sz="1600" dirty="0" smtClean="0"/>
+              <a:t>-2.2.2.20</a:t>
+            </a:r>
+            <a:endParaRPr lang="ko-KR" altLang="en-US" sz="1600" dirty="0"/>
+          </a:p>
+        </p:txBody>
+      </p:sp>
+      <p:sp>
+        <p:nvSpPr>
+          <p:cNvPr id="58" name="TextBox 57">
+            <a:extLst>
+              <a:ext uri="{FF2B5EF4-FFF2-40B4-BE49-F238E27FC236}">
+                <a16:creationId xmlns:a16="http://schemas.microsoft.com/office/drawing/2014/main" xmlns="" id="{A50DBF63-5444-45EF-9C44-EC56113C9BEC}"/>
               </a:ext>
             </a:extLst>
           </p:cNvPr>
@@ -7362,7 +7580,7 @@
         </p:nvSpPr>
         <p:spPr>
           <a:xfrm>
-            <a:off x="6863191" y="2355726"/>
+            <a:off x="6876256" y="3809642"/>
             <a:ext cx="1872208" cy="338554"/>
           </a:xfrm>
           <a:prstGeom prst="rect">
@@ -7392,56 +7610,6 @@
             <a:pPr algn="ctr"/>
             <a:r>
               <a:rPr lang="en-US" altLang="ko-KR" sz="1600"/>
-              <a:t>Src-2.2.2.5</a:t>
-            </a:r>
-            <a:endParaRPr lang="ko-KR" altLang="en-US" sz="1600"/>
-          </a:p>
-        </p:txBody>
-      </p:sp>
-      <p:sp>
-        <p:nvSpPr>
-          <p:cNvPr id="85" name="TextBox 84">
-            <a:extLst>
-              <a:ext uri="{FF2B5EF4-FFF2-40B4-BE49-F238E27FC236}">
-                <a16:creationId xmlns:a16="http://schemas.microsoft.com/office/drawing/2014/main" id="{5363E6C1-54E1-4304-816F-119F3FE5E191}"/>
-              </a:ext>
-            </a:extLst>
-          </p:cNvPr>
-          <p:cNvSpPr txBox="1"/>
-          <p:nvPr/>
-        </p:nvSpPr>
-        <p:spPr>
-          <a:xfrm>
-            <a:off x="6863191" y="2689955"/>
-            <a:ext cx="1872208" cy="338554"/>
-          </a:xfrm>
-          <a:prstGeom prst="rect">
-            <a:avLst/>
-          </a:prstGeom>
-        </p:spPr>
-        <p:style>
-          <a:lnRef idx="2">
-            <a:schemeClr val="dk1"/>
-          </a:lnRef>
-          <a:fillRef idx="1">
-            <a:schemeClr val="lt1"/>
-          </a:fillRef>
-          <a:effectRef idx="0">
-            <a:schemeClr val="dk1"/>
-          </a:effectRef>
-          <a:fontRef idx="minor">
-            <a:schemeClr val="dk1"/>
-          </a:fontRef>
-        </p:style>
-        <p:txBody>
-          <a:bodyPr wrap="square" rtlCol="0">
-            <a:spAutoFit/>
-          </a:bodyPr>
-          <a:lstStyle/>
-          <a:p>
-            <a:pPr algn="ctr"/>
-            <a:r>
-              <a:rPr lang="en-US" altLang="ko-KR" sz="1600"/>
               <a:t>Dst-1.1.1.10</a:t>
             </a:r>
             <a:endParaRPr lang="ko-KR" altLang="en-US" sz="1600"/>
@@ -7450,17 +7618,17 @@
       </p:sp>
       <p:cxnSp>
         <p:nvCxnSpPr>
-          <p:cNvPr id="86" name="직선 연결선 85">
-            <a:extLst>
-              <a:ext uri="{FF2B5EF4-FFF2-40B4-BE49-F238E27FC236}">
-                <a16:creationId xmlns:a16="http://schemas.microsoft.com/office/drawing/2014/main" id="{1479DC70-7E2D-41D8-A0FD-CF6869060283}"/>
+          <p:cNvPr id="64" name="직선 연결선 63">
+            <a:extLst>
+              <a:ext uri="{FF2B5EF4-FFF2-40B4-BE49-F238E27FC236}">
+                <a16:creationId xmlns:a16="http://schemas.microsoft.com/office/drawing/2014/main" xmlns="" id="{F035DDB8-2795-451F-9090-1F4A4880AB18}"/>
               </a:ext>
             </a:extLst>
           </p:cNvPr>
           <p:cNvCxnSpPr>
             <a:cxnSpLocks/>
-            <a:stCxn id="77" idx="2"/>
-            <a:endCxn id="78" idx="0"/>
+            <a:stCxn id="45" idx="2"/>
+            <a:endCxn id="52" idx="0"/>
           </p:cNvCxnSpPr>
           <p:nvPr/>
         </p:nvCxnSpPr>
@@ -7495,435 +7663,26 @@
           </a:fontRef>
         </p:style>
       </p:cxnSp>
-      <p:sp>
-        <p:nvSpPr>
-          <p:cNvPr id="88" name="모서리가 둥근 직사각형 2">
-            <a:extLst>
-              <a:ext uri="{FF2B5EF4-FFF2-40B4-BE49-F238E27FC236}">
-                <a16:creationId xmlns:a16="http://schemas.microsoft.com/office/drawing/2014/main" id="{F0ADCA8D-2691-43F9-8EFE-AF92F2B41A98}"/>
-              </a:ext>
-            </a:extLst>
-          </p:cNvPr>
-          <p:cNvSpPr/>
-          <p:nvPr/>
-        </p:nvSpPr>
-        <p:spPr>
-          <a:xfrm>
-            <a:off x="4911352" y="2581699"/>
-            <a:ext cx="1337520" cy="557370"/>
-          </a:xfrm>
-          <a:prstGeom prst="roundRect">
-            <a:avLst>
-              <a:gd name="adj" fmla="val 9458"/>
-            </a:avLst>
-          </a:prstGeom>
-        </p:spPr>
-        <p:style>
-          <a:lnRef idx="2">
-            <a:schemeClr val="dk1"/>
-          </a:lnRef>
-          <a:fillRef idx="1">
-            <a:schemeClr val="lt1"/>
-          </a:fillRef>
-          <a:effectRef idx="0">
-            <a:schemeClr val="dk1"/>
-          </a:effectRef>
-          <a:fontRef idx="minor">
-            <a:schemeClr val="dk1"/>
-          </a:fontRef>
-        </p:style>
-        <p:txBody>
-          <a:bodyPr rtlCol="0" anchor="ctr"/>
-          <a:lstStyle/>
-          <a:p>
-            <a:pPr algn="ctr"/>
-            <a:r>
-              <a:rPr lang="en-US" altLang="ko-KR" sz="1600"/>
-              <a:t>Dst Mac</a:t>
-            </a:r>
-          </a:p>
-          <a:p>
-            <a:pPr algn="ctr"/>
-            <a:r>
-              <a:rPr lang="en-US" altLang="ko-KR" sz="1600"/>
-              <a:t>Translation</a:t>
-            </a:r>
-            <a:endParaRPr lang="ko-KR" altLang="en-US" sz="1600"/>
-          </a:p>
-        </p:txBody>
-      </p:sp>
-      <p:sp>
-        <p:nvSpPr>
-          <p:cNvPr id="91" name="타원 90">
-            <a:extLst>
-              <a:ext uri="{FF2B5EF4-FFF2-40B4-BE49-F238E27FC236}">
-                <a16:creationId xmlns:a16="http://schemas.microsoft.com/office/drawing/2014/main" id="{100ECB68-8B92-4374-83D7-18F2E62BD20D}"/>
-              </a:ext>
-            </a:extLst>
-          </p:cNvPr>
-          <p:cNvSpPr/>
-          <p:nvPr/>
-        </p:nvSpPr>
-        <p:spPr>
-          <a:xfrm>
-            <a:off x="4513058" y="3331397"/>
-            <a:ext cx="288032" cy="288032"/>
-          </a:xfrm>
-          <a:prstGeom prst="ellipse">
-            <a:avLst/>
-          </a:prstGeom>
-        </p:spPr>
-        <p:style>
-          <a:lnRef idx="2">
-            <a:schemeClr val="dk1"/>
-          </a:lnRef>
-          <a:fillRef idx="1">
-            <a:schemeClr val="lt1"/>
-          </a:fillRef>
-          <a:effectRef idx="0">
-            <a:schemeClr val="dk1"/>
-          </a:effectRef>
-          <a:fontRef idx="minor">
-            <a:schemeClr val="dk1"/>
-          </a:fontRef>
-        </p:style>
-        <p:txBody>
-          <a:bodyPr rtlCol="0" anchor="ctr"/>
-          <a:lstStyle/>
-          <a:p>
-            <a:pPr algn="ctr"/>
-            <a:r>
-              <a:rPr lang="en-US" altLang="ko-KR"/>
-              <a:t>2</a:t>
-            </a:r>
-            <a:endParaRPr lang="ko-KR" altLang="en-US"/>
-          </a:p>
-        </p:txBody>
-      </p:sp>
-      <p:sp>
-        <p:nvSpPr>
-          <p:cNvPr id="92" name="타원 91">
-            <a:extLst>
-              <a:ext uri="{FF2B5EF4-FFF2-40B4-BE49-F238E27FC236}">
-                <a16:creationId xmlns:a16="http://schemas.microsoft.com/office/drawing/2014/main" id="{55B287E1-3B34-4F48-99CF-D33FDB0167DB}"/>
-              </a:ext>
-            </a:extLst>
-          </p:cNvPr>
-          <p:cNvSpPr/>
-          <p:nvPr/>
-        </p:nvSpPr>
-        <p:spPr>
-          <a:xfrm>
-            <a:off x="6732240" y="2211710"/>
-            <a:ext cx="288032" cy="288032"/>
-          </a:xfrm>
-          <a:prstGeom prst="ellipse">
-            <a:avLst/>
-          </a:prstGeom>
-        </p:spPr>
-        <p:style>
-          <a:lnRef idx="2">
-            <a:schemeClr val="dk1"/>
-          </a:lnRef>
-          <a:fillRef idx="1">
-            <a:schemeClr val="lt1"/>
-          </a:fillRef>
-          <a:effectRef idx="0">
-            <a:schemeClr val="dk1"/>
-          </a:effectRef>
-          <a:fontRef idx="minor">
-            <a:schemeClr val="dk1"/>
-          </a:fontRef>
-        </p:style>
-        <p:txBody>
-          <a:bodyPr rtlCol="0" anchor="ctr"/>
-          <a:lstStyle/>
-          <a:p>
-            <a:pPr algn="ctr"/>
-            <a:r>
-              <a:rPr lang="en-US" altLang="ko-KR"/>
-              <a:t>3</a:t>
-            </a:r>
-            <a:endParaRPr lang="ko-KR" altLang="en-US"/>
-          </a:p>
-        </p:txBody>
-      </p:sp>
-      <p:sp>
-        <p:nvSpPr>
-          <p:cNvPr id="94" name="TextBox 93">
-            <a:extLst>
-              <a:ext uri="{FF2B5EF4-FFF2-40B4-BE49-F238E27FC236}">
-                <a16:creationId xmlns:a16="http://schemas.microsoft.com/office/drawing/2014/main" id="{490AE2BF-BD19-4E22-BF0D-20653C11CBAE}"/>
-              </a:ext>
-            </a:extLst>
-          </p:cNvPr>
-          <p:cNvSpPr txBox="1"/>
-          <p:nvPr/>
-        </p:nvSpPr>
-        <p:spPr>
-          <a:xfrm>
-            <a:off x="4644008" y="1239390"/>
-            <a:ext cx="1872208" cy="338554"/>
-          </a:xfrm>
-          <a:prstGeom prst="rect">
-            <a:avLst/>
-          </a:prstGeom>
-        </p:spPr>
-        <p:style>
-          <a:lnRef idx="2">
-            <a:schemeClr val="dk1"/>
-          </a:lnRef>
-          <a:fillRef idx="1">
-            <a:schemeClr val="lt1"/>
-          </a:fillRef>
-          <a:effectRef idx="0">
-            <a:schemeClr val="dk1"/>
-          </a:effectRef>
-          <a:fontRef idx="minor">
-            <a:schemeClr val="dk1"/>
-          </a:fontRef>
-        </p:style>
-        <p:txBody>
-          <a:bodyPr wrap="square" rtlCol="0">
-            <a:spAutoFit/>
-          </a:bodyPr>
-          <a:lstStyle/>
-          <a:p>
-            <a:pPr algn="ctr"/>
-            <a:r>
-              <a:rPr lang="en-US" altLang="ko-KR" sz="1600"/>
-              <a:t>Src-1.1.1.10</a:t>
-            </a:r>
-            <a:endParaRPr lang="ko-KR" altLang="en-US" sz="1600"/>
-          </a:p>
-        </p:txBody>
-      </p:sp>
-      <p:sp>
-        <p:nvSpPr>
-          <p:cNvPr id="90" name="타원 89">
-            <a:extLst>
-              <a:ext uri="{FF2B5EF4-FFF2-40B4-BE49-F238E27FC236}">
-                <a16:creationId xmlns:a16="http://schemas.microsoft.com/office/drawing/2014/main" id="{46645BF3-91D4-488D-91F7-E23D8E751ED0}"/>
-              </a:ext>
-            </a:extLst>
-          </p:cNvPr>
-          <p:cNvSpPr/>
-          <p:nvPr/>
-        </p:nvSpPr>
-        <p:spPr>
-          <a:xfrm>
-            <a:off x="4513058" y="1097722"/>
-            <a:ext cx="288032" cy="288032"/>
-          </a:xfrm>
-          <a:prstGeom prst="ellipse">
-            <a:avLst/>
-          </a:prstGeom>
-        </p:spPr>
-        <p:style>
-          <a:lnRef idx="2">
-            <a:schemeClr val="dk1"/>
-          </a:lnRef>
-          <a:fillRef idx="1">
-            <a:schemeClr val="lt1"/>
-          </a:fillRef>
-          <a:effectRef idx="0">
-            <a:schemeClr val="dk1"/>
-          </a:effectRef>
-          <a:fontRef idx="minor">
-            <a:schemeClr val="dk1"/>
-          </a:fontRef>
-        </p:style>
-        <p:txBody>
-          <a:bodyPr rtlCol="0" anchor="ctr"/>
-          <a:lstStyle/>
-          <a:p>
-            <a:pPr algn="ctr"/>
-            <a:r>
-              <a:rPr lang="en-US" altLang="ko-KR"/>
-              <a:t>1</a:t>
-            </a:r>
-            <a:endParaRPr lang="ko-KR" altLang="en-US"/>
-          </a:p>
-        </p:txBody>
-      </p:sp>
-      <p:sp>
-        <p:nvSpPr>
-          <p:cNvPr id="95" name="TextBox 94">
-            <a:extLst>
-              <a:ext uri="{FF2B5EF4-FFF2-40B4-BE49-F238E27FC236}">
-                <a16:creationId xmlns:a16="http://schemas.microsoft.com/office/drawing/2014/main" id="{E0A80242-CFDC-44FC-B115-15AE76CA22ED}"/>
-              </a:ext>
-            </a:extLst>
-          </p:cNvPr>
-          <p:cNvSpPr txBox="1"/>
-          <p:nvPr/>
-        </p:nvSpPr>
-        <p:spPr>
-          <a:xfrm>
-            <a:off x="6863191" y="3028406"/>
-            <a:ext cx="1872208" cy="338554"/>
-          </a:xfrm>
-          <a:prstGeom prst="rect">
-            <a:avLst/>
-          </a:prstGeom>
-        </p:spPr>
-        <p:style>
-          <a:lnRef idx="2">
-            <a:schemeClr val="dk1"/>
-          </a:lnRef>
-          <a:fillRef idx="1">
-            <a:schemeClr val="lt1"/>
-          </a:fillRef>
-          <a:effectRef idx="0">
-            <a:schemeClr val="dk1"/>
-          </a:effectRef>
-          <a:fontRef idx="minor">
-            <a:schemeClr val="dk1"/>
-          </a:fontRef>
-        </p:style>
-        <p:txBody>
-          <a:bodyPr wrap="square" rtlCol="0">
-            <a:spAutoFit/>
-          </a:bodyPr>
-          <a:lstStyle/>
-          <a:p>
-            <a:pPr algn="ctr"/>
-            <a:r>
-              <a:rPr lang="en-US" altLang="ko-KR" sz="1600"/>
-              <a:t>Dst Mac-Z</a:t>
-            </a:r>
-            <a:endParaRPr lang="ko-KR" altLang="en-US" sz="1600">
-              <a:solidFill>
-                <a:srgbClr val="C00000"/>
-              </a:solidFill>
-            </a:endParaRPr>
-          </a:p>
-        </p:txBody>
-      </p:sp>
-      <p:sp>
-        <p:nvSpPr>
-          <p:cNvPr id="32" name="모서리가 둥근 직사각형 2">
-            <a:extLst>
-              <a:ext uri="{FF2B5EF4-FFF2-40B4-BE49-F238E27FC236}">
-                <a16:creationId xmlns:a16="http://schemas.microsoft.com/office/drawing/2014/main" id="{E51522A5-E012-4BA0-9E45-BE5FAA283D52}"/>
-              </a:ext>
-            </a:extLst>
-          </p:cNvPr>
-          <p:cNvSpPr/>
-          <p:nvPr/>
-        </p:nvSpPr>
-        <p:spPr>
-          <a:xfrm>
-            <a:off x="7130535" y="3700234"/>
-            <a:ext cx="1337520" cy="557370"/>
-          </a:xfrm>
-          <a:prstGeom prst="roundRect">
-            <a:avLst>
-              <a:gd name="adj" fmla="val 9458"/>
-            </a:avLst>
-          </a:prstGeom>
-        </p:spPr>
-        <p:style>
-          <a:lnRef idx="2">
-            <a:schemeClr val="dk1"/>
-          </a:lnRef>
-          <a:fillRef idx="1">
-            <a:schemeClr val="lt1"/>
-          </a:fillRef>
-          <a:effectRef idx="0">
-            <a:schemeClr val="dk1"/>
-          </a:effectRef>
-          <a:fontRef idx="minor">
-            <a:schemeClr val="dk1"/>
-          </a:fontRef>
-        </p:style>
-        <p:txBody>
-          <a:bodyPr rtlCol="0" anchor="ctr"/>
-          <a:lstStyle/>
-          <a:p>
-            <a:pPr algn="ctr"/>
-            <a:r>
-              <a:rPr lang="en-US" altLang="ko-KR" sz="1600"/>
-              <a:t>Src IP</a:t>
-            </a:r>
-          </a:p>
-          <a:p>
-            <a:pPr algn="ctr"/>
-            <a:r>
-              <a:rPr lang="en-US" altLang="ko-KR" sz="1600"/>
-              <a:t>Translation</a:t>
-            </a:r>
-            <a:endParaRPr lang="ko-KR" altLang="en-US" sz="1600"/>
-          </a:p>
-        </p:txBody>
-      </p:sp>
       <p:cxnSp>
         <p:nvCxnSpPr>
-          <p:cNvPr id="33" name="직선 연결선 32">
-            <a:extLst>
-              <a:ext uri="{FF2B5EF4-FFF2-40B4-BE49-F238E27FC236}">
-                <a16:creationId xmlns:a16="http://schemas.microsoft.com/office/drawing/2014/main" id="{67776A77-90D5-4A5D-9BFD-CC22E8FE9400}"/>
+          <p:cNvPr id="67" name="직선 연결선 66">
+            <a:extLst>
+              <a:ext uri="{FF2B5EF4-FFF2-40B4-BE49-F238E27FC236}">
+                <a16:creationId xmlns:a16="http://schemas.microsoft.com/office/drawing/2014/main" xmlns="" id="{CB2B6728-0052-4045-9A24-C5B33000843D}"/>
               </a:ext>
             </a:extLst>
           </p:cNvPr>
           <p:cNvCxnSpPr>
             <a:cxnSpLocks/>
-            <a:stCxn id="79" idx="3"/>
-            <a:endCxn id="32" idx="1"/>
+            <a:stCxn id="57" idx="0"/>
+            <a:endCxn id="55" idx="2"/>
           </p:cNvCxnSpPr>
           <p:nvPr/>
         </p:nvCxnSpPr>
         <p:spPr>
-          <a:xfrm>
-            <a:off x="6516216" y="3978919"/>
-            <a:ext cx="614319" cy="0"/>
-          </a:xfrm>
-          <a:prstGeom prst="line">
-            <a:avLst/>
-          </a:prstGeom>
-          <a:ln w="28575">
-            <a:solidFill>
-              <a:schemeClr val="tx1"/>
-            </a:solidFill>
-            <a:headEnd type="none" w="med" len="med"/>
-            <a:tailEnd type="none" w="med" len="med"/>
-          </a:ln>
-        </p:spPr>
-        <p:style>
-          <a:lnRef idx="1">
-            <a:schemeClr val="accent1"/>
-          </a:lnRef>
-          <a:fillRef idx="0">
-            <a:schemeClr val="accent1"/>
-          </a:fillRef>
-          <a:effectRef idx="0">
-            <a:schemeClr val="accent1"/>
-          </a:effectRef>
-          <a:fontRef idx="minor">
-            <a:schemeClr val="tx1"/>
-          </a:fontRef>
-        </p:style>
-      </p:cxnSp>
-      <p:cxnSp>
-        <p:nvCxnSpPr>
-          <p:cNvPr id="38" name="직선 연결선 37">
-            <a:extLst>
-              <a:ext uri="{FF2B5EF4-FFF2-40B4-BE49-F238E27FC236}">
-                <a16:creationId xmlns:a16="http://schemas.microsoft.com/office/drawing/2014/main" id="{F87DACCD-4751-4C34-A0D9-ABD1B52FDFDF}"/>
-              </a:ext>
-            </a:extLst>
-          </p:cNvPr>
-          <p:cNvCxnSpPr>
-            <a:cxnSpLocks/>
-            <a:stCxn id="32" idx="0"/>
-            <a:endCxn id="95" idx="2"/>
-          </p:cNvCxnSpPr>
-          <p:nvPr/>
-        </p:nvCxnSpPr>
-        <p:spPr>
           <a:xfrm flipV="1">
-            <a:off x="7799295" y="3366960"/>
-            <a:ext cx="0" cy="333274"/>
+            <a:off x="7812360" y="2250727"/>
+            <a:ext cx="0" cy="1224686"/>
           </a:xfrm>
           <a:prstGeom prst="line">
             <a:avLst/>
@@ -7951,10 +7710,543 @@
           </a:fontRef>
         </p:style>
       </p:cxnSp>
+      <p:sp>
+        <p:nvSpPr>
+          <p:cNvPr id="51" name="모서리가 둥근 직사각형 2">
+            <a:extLst>
+              <a:ext uri="{FF2B5EF4-FFF2-40B4-BE49-F238E27FC236}">
+                <a16:creationId xmlns:a16="http://schemas.microsoft.com/office/drawing/2014/main" xmlns="" id="{BBCE1F22-5D32-4F2A-AF6B-E04B9E556531}"/>
+              </a:ext>
+            </a:extLst>
+          </p:cNvPr>
+          <p:cNvSpPr/>
+          <p:nvPr/>
+        </p:nvSpPr>
+        <p:spPr>
+          <a:xfrm>
+            <a:off x="4911352" y="2581699"/>
+            <a:ext cx="1337520" cy="557370"/>
+          </a:xfrm>
+          <a:prstGeom prst="roundRect">
+            <a:avLst>
+              <a:gd name="adj" fmla="val 9458"/>
+            </a:avLst>
+          </a:prstGeom>
+        </p:spPr>
+        <p:style>
+          <a:lnRef idx="2">
+            <a:schemeClr val="dk1"/>
+          </a:lnRef>
+          <a:fillRef idx="1">
+            <a:schemeClr val="lt1"/>
+          </a:fillRef>
+          <a:effectRef idx="0">
+            <a:schemeClr val="dk1"/>
+          </a:effectRef>
+          <a:fontRef idx="minor">
+            <a:schemeClr val="dk1"/>
+          </a:fontRef>
+        </p:style>
+        <p:txBody>
+          <a:bodyPr rtlCol="0" anchor="ctr"/>
+          <a:lstStyle/>
+          <a:p>
+            <a:pPr algn="ctr"/>
+            <a:r>
+              <a:rPr lang="en-US" altLang="ko-KR" sz="1600" dirty="0" err="1" smtClean="0"/>
+              <a:t>DNAT</a:t>
+            </a:r>
+            <a:endParaRPr lang="ko-KR" altLang="en-US" sz="1600" dirty="0"/>
+          </a:p>
+        </p:txBody>
+      </p:sp>
+      <p:sp>
+        <p:nvSpPr>
+          <p:cNvPr id="56" name="모서리가 둥근 직사각형 2">
+            <a:extLst>
+              <a:ext uri="{FF2B5EF4-FFF2-40B4-BE49-F238E27FC236}">
+                <a16:creationId xmlns:a16="http://schemas.microsoft.com/office/drawing/2014/main" xmlns="" id="{7B427835-1EF2-4843-87E4-DAEC2D835DD7}"/>
+              </a:ext>
+            </a:extLst>
+          </p:cNvPr>
+          <p:cNvSpPr/>
+          <p:nvPr/>
+        </p:nvSpPr>
+        <p:spPr>
+          <a:xfrm>
+            <a:off x="7143600" y="2581699"/>
+            <a:ext cx="1337520" cy="557370"/>
+          </a:xfrm>
+          <a:prstGeom prst="roundRect">
+            <a:avLst>
+              <a:gd name="adj" fmla="val 9458"/>
+            </a:avLst>
+          </a:prstGeom>
+        </p:spPr>
+        <p:style>
+          <a:lnRef idx="2">
+            <a:schemeClr val="dk1"/>
+          </a:lnRef>
+          <a:fillRef idx="1">
+            <a:schemeClr val="lt1"/>
+          </a:fillRef>
+          <a:effectRef idx="0">
+            <a:schemeClr val="dk1"/>
+          </a:effectRef>
+          <a:fontRef idx="minor">
+            <a:schemeClr val="dk1"/>
+          </a:fontRef>
+        </p:style>
+        <p:txBody>
+          <a:bodyPr rtlCol="0" anchor="ctr"/>
+          <a:lstStyle/>
+          <a:p>
+            <a:pPr algn="ctr"/>
+            <a:r>
+              <a:rPr lang="en-US" altLang="ko-KR" sz="1600" dirty="0" err="1" smtClean="0"/>
+              <a:t>SNAT</a:t>
+            </a:r>
+            <a:endParaRPr lang="ko-KR" altLang="en-US" sz="1600" dirty="0"/>
+          </a:p>
+        </p:txBody>
+      </p:sp>
+      <p:sp>
+        <p:nvSpPr>
+          <p:cNvPr id="70" name="타원 69">
+            <a:extLst>
+              <a:ext uri="{FF2B5EF4-FFF2-40B4-BE49-F238E27FC236}">
+                <a16:creationId xmlns:a16="http://schemas.microsoft.com/office/drawing/2014/main" xmlns="" id="{DBD8459A-F600-48EC-8F12-D62AB140A2DB}"/>
+              </a:ext>
+            </a:extLst>
+          </p:cNvPr>
+          <p:cNvSpPr/>
+          <p:nvPr/>
+        </p:nvSpPr>
+        <p:spPr>
+          <a:xfrm>
+            <a:off x="4513058" y="1420748"/>
+            <a:ext cx="288032" cy="288032"/>
+          </a:xfrm>
+          <a:prstGeom prst="ellipse">
+            <a:avLst/>
+          </a:prstGeom>
+        </p:spPr>
+        <p:style>
+          <a:lnRef idx="2">
+            <a:schemeClr val="dk1"/>
+          </a:lnRef>
+          <a:fillRef idx="1">
+            <a:schemeClr val="lt1"/>
+          </a:fillRef>
+          <a:effectRef idx="0">
+            <a:schemeClr val="dk1"/>
+          </a:effectRef>
+          <a:fontRef idx="minor">
+            <a:schemeClr val="dk1"/>
+          </a:fontRef>
+        </p:style>
+        <p:txBody>
+          <a:bodyPr rtlCol="0" anchor="ctr"/>
+          <a:lstStyle/>
+          <a:p>
+            <a:pPr algn="ctr"/>
+            <a:r>
+              <a:rPr lang="en-US" altLang="ko-KR"/>
+              <a:t>1</a:t>
+            </a:r>
+            <a:endParaRPr lang="ko-KR" altLang="en-US"/>
+          </a:p>
+        </p:txBody>
+      </p:sp>
+      <p:sp>
+        <p:nvSpPr>
+          <p:cNvPr id="71" name="타원 70">
+            <a:extLst>
+              <a:ext uri="{FF2B5EF4-FFF2-40B4-BE49-F238E27FC236}">
+                <a16:creationId xmlns:a16="http://schemas.microsoft.com/office/drawing/2014/main" xmlns="" id="{D6273614-DD0F-4406-80D0-9DC6655D1398}"/>
+              </a:ext>
+            </a:extLst>
+          </p:cNvPr>
+          <p:cNvSpPr/>
+          <p:nvPr/>
+        </p:nvSpPr>
+        <p:spPr>
+          <a:xfrm>
+            <a:off x="4513058" y="3331397"/>
+            <a:ext cx="288032" cy="288032"/>
+          </a:xfrm>
+          <a:prstGeom prst="ellipse">
+            <a:avLst/>
+          </a:prstGeom>
+        </p:spPr>
+        <p:style>
+          <a:lnRef idx="2">
+            <a:schemeClr val="dk1"/>
+          </a:lnRef>
+          <a:fillRef idx="1">
+            <a:schemeClr val="lt1"/>
+          </a:fillRef>
+          <a:effectRef idx="0">
+            <a:schemeClr val="dk1"/>
+          </a:effectRef>
+          <a:fontRef idx="minor">
+            <a:schemeClr val="dk1"/>
+          </a:fontRef>
+        </p:style>
+        <p:txBody>
+          <a:bodyPr rtlCol="0" anchor="ctr"/>
+          <a:lstStyle/>
+          <a:p>
+            <a:pPr algn="ctr"/>
+            <a:r>
+              <a:rPr lang="en-US" altLang="ko-KR"/>
+              <a:t>2</a:t>
+            </a:r>
+            <a:endParaRPr lang="ko-KR" altLang="en-US"/>
+          </a:p>
+        </p:txBody>
+      </p:sp>
+      <p:sp>
+        <p:nvSpPr>
+          <p:cNvPr id="72" name="타원 71">
+            <a:extLst>
+              <a:ext uri="{FF2B5EF4-FFF2-40B4-BE49-F238E27FC236}">
+                <a16:creationId xmlns:a16="http://schemas.microsoft.com/office/drawing/2014/main" xmlns="" id="{56E9C4C8-C696-4704-A0C7-7631B84DC7A6}"/>
+              </a:ext>
+            </a:extLst>
+          </p:cNvPr>
+          <p:cNvSpPr/>
+          <p:nvPr/>
+        </p:nvSpPr>
+        <p:spPr>
+          <a:xfrm>
+            <a:off x="6745305" y="3331397"/>
+            <a:ext cx="288032" cy="288032"/>
+          </a:xfrm>
+          <a:prstGeom prst="ellipse">
+            <a:avLst/>
+          </a:prstGeom>
+        </p:spPr>
+        <p:style>
+          <a:lnRef idx="2">
+            <a:schemeClr val="dk1"/>
+          </a:lnRef>
+          <a:fillRef idx="1">
+            <a:schemeClr val="lt1"/>
+          </a:fillRef>
+          <a:effectRef idx="0">
+            <a:schemeClr val="dk1"/>
+          </a:effectRef>
+          <a:fontRef idx="minor">
+            <a:schemeClr val="dk1"/>
+          </a:fontRef>
+        </p:style>
+        <p:txBody>
+          <a:bodyPr rtlCol="0" anchor="ctr"/>
+          <a:lstStyle/>
+          <a:p>
+            <a:pPr algn="ctr"/>
+            <a:r>
+              <a:rPr lang="en-US" altLang="ko-KR"/>
+              <a:t>3</a:t>
+            </a:r>
+            <a:endParaRPr lang="ko-KR" altLang="en-US"/>
+          </a:p>
+        </p:txBody>
+      </p:sp>
+      <p:sp>
+        <p:nvSpPr>
+          <p:cNvPr id="73" name="타원 72">
+            <a:extLst>
+              <a:ext uri="{FF2B5EF4-FFF2-40B4-BE49-F238E27FC236}">
+                <a16:creationId xmlns:a16="http://schemas.microsoft.com/office/drawing/2014/main" xmlns="" id="{1524E260-1219-4205-8751-153A76F8F7C1}"/>
+              </a:ext>
+            </a:extLst>
+          </p:cNvPr>
+          <p:cNvSpPr/>
+          <p:nvPr/>
+        </p:nvSpPr>
+        <p:spPr>
+          <a:xfrm>
+            <a:off x="6745305" y="1419622"/>
+            <a:ext cx="288032" cy="288032"/>
+          </a:xfrm>
+          <a:prstGeom prst="ellipse">
+            <a:avLst/>
+          </a:prstGeom>
+        </p:spPr>
+        <p:style>
+          <a:lnRef idx="2">
+            <a:schemeClr val="dk1"/>
+          </a:lnRef>
+          <a:fillRef idx="1">
+            <a:schemeClr val="lt1"/>
+          </a:fillRef>
+          <a:effectRef idx="0">
+            <a:schemeClr val="dk1"/>
+          </a:effectRef>
+          <a:fontRef idx="minor">
+            <a:schemeClr val="dk1"/>
+          </a:fontRef>
+        </p:style>
+        <p:txBody>
+          <a:bodyPr rtlCol="0" anchor="ctr"/>
+          <a:lstStyle/>
+          <a:p>
+            <a:pPr algn="ctr"/>
+            <a:r>
+              <a:rPr lang="en-US" altLang="ko-KR"/>
+              <a:t>4</a:t>
+            </a:r>
+            <a:endParaRPr lang="ko-KR" altLang="en-US"/>
+          </a:p>
+        </p:txBody>
+      </p:sp>
+      <p:sp>
+        <p:nvSpPr>
+          <p:cNvPr id="81" name="모서리가 둥근 직사각형 2">
+            <a:extLst>
+              <a:ext uri="{FF2B5EF4-FFF2-40B4-BE49-F238E27FC236}">
+                <a16:creationId xmlns:a16="http://schemas.microsoft.com/office/drawing/2014/main" xmlns="" id="{AFB69950-68B0-473C-955E-3462CC086FC3}"/>
+              </a:ext>
+            </a:extLst>
+          </p:cNvPr>
+          <p:cNvSpPr/>
+          <p:nvPr/>
+        </p:nvSpPr>
+        <p:spPr>
+          <a:xfrm>
+            <a:off x="1066358" y="4115103"/>
+            <a:ext cx="1561564" cy="904919"/>
+          </a:xfrm>
+          <a:prstGeom prst="roundRect">
+            <a:avLst>
+              <a:gd name="adj" fmla="val 9458"/>
+            </a:avLst>
+          </a:prstGeom>
+        </p:spPr>
+        <p:style>
+          <a:lnRef idx="2">
+            <a:schemeClr val="dk1"/>
+          </a:lnRef>
+          <a:fillRef idx="1">
+            <a:schemeClr val="lt1"/>
+          </a:fillRef>
+          <a:effectRef idx="0">
+            <a:schemeClr val="dk1"/>
+          </a:effectRef>
+          <a:fontRef idx="minor">
+            <a:schemeClr val="dk1"/>
+          </a:fontRef>
+        </p:style>
+        <p:txBody>
+          <a:bodyPr rtlCol="0" anchor="ctr"/>
+          <a:lstStyle/>
+          <a:p>
+            <a:pPr algn="ctr"/>
+            <a:r>
+              <a:rPr lang="en-US" altLang="ko-KR" sz="1600" dirty="0"/>
+              <a:t>Server A</a:t>
+            </a:r>
+          </a:p>
+          <a:p>
+            <a:pPr algn="ctr"/>
+            <a:r>
+              <a:rPr lang="en-US" altLang="ko-KR" sz="1400" dirty="0" smtClean="0"/>
+              <a:t>IP-2.2.2.10</a:t>
+            </a:r>
+          </a:p>
+          <a:p>
+            <a:pPr algn="ctr"/>
+            <a:r>
+              <a:rPr lang="en-US" altLang="ko-KR" sz="1400" dirty="0" smtClean="0"/>
+              <a:t>Default </a:t>
+            </a:r>
+            <a:r>
+              <a:rPr lang="en-US" altLang="ko-KR" sz="1400" dirty="0" err="1" smtClean="0"/>
+              <a:t>GW</a:t>
+            </a:r>
+            <a:r>
+              <a:rPr lang="en-US" altLang="ko-KR" sz="1400" dirty="0" smtClean="0"/>
+              <a:t>- 2.2.2.5</a:t>
+            </a:r>
+            <a:endParaRPr lang="en-US" altLang="ko-KR" sz="1400" dirty="0"/>
+          </a:p>
+        </p:txBody>
+      </p:sp>
+      <p:sp>
+        <p:nvSpPr>
+          <p:cNvPr id="83" name="모서리가 둥근 직사각형 2">
+            <a:extLst>
+              <a:ext uri="{FF2B5EF4-FFF2-40B4-BE49-F238E27FC236}">
+                <a16:creationId xmlns:a16="http://schemas.microsoft.com/office/drawing/2014/main" xmlns="" id="{4049B3CA-B289-42C7-882F-5A4083100CFE}"/>
+              </a:ext>
+            </a:extLst>
+          </p:cNvPr>
+          <p:cNvSpPr/>
+          <p:nvPr/>
+        </p:nvSpPr>
+        <p:spPr>
+          <a:xfrm>
+            <a:off x="2866420" y="4115103"/>
+            <a:ext cx="1561564" cy="904919"/>
+          </a:xfrm>
+          <a:prstGeom prst="roundRect">
+            <a:avLst>
+              <a:gd name="adj" fmla="val 9458"/>
+            </a:avLst>
+          </a:prstGeom>
+        </p:spPr>
+        <p:style>
+          <a:lnRef idx="2">
+            <a:schemeClr val="dk1"/>
+          </a:lnRef>
+          <a:fillRef idx="1">
+            <a:schemeClr val="lt1"/>
+          </a:fillRef>
+          <a:effectRef idx="0">
+            <a:schemeClr val="dk1"/>
+          </a:effectRef>
+          <a:fontRef idx="minor">
+            <a:schemeClr val="dk1"/>
+          </a:fontRef>
+        </p:style>
+        <p:txBody>
+          <a:bodyPr rtlCol="0" anchor="ctr"/>
+          <a:lstStyle/>
+          <a:p>
+            <a:pPr algn="ctr"/>
+            <a:r>
+              <a:rPr lang="en-US" altLang="ko-KR" sz="1600" dirty="0"/>
+              <a:t>Server B</a:t>
+            </a:r>
+          </a:p>
+          <a:p>
+            <a:pPr algn="ctr"/>
+            <a:r>
+              <a:rPr lang="en-US" altLang="ko-KR" sz="1400" dirty="0" smtClean="0"/>
+              <a:t>IP-2.2.2.20</a:t>
+            </a:r>
+          </a:p>
+          <a:p>
+            <a:pPr algn="ctr"/>
+            <a:r>
+              <a:rPr lang="en-US" altLang="ko-KR" sz="1400" dirty="0"/>
+              <a:t>Default </a:t>
+            </a:r>
+            <a:r>
+              <a:rPr lang="en-US" altLang="ko-KR" sz="1400" dirty="0" err="1"/>
+              <a:t>GW</a:t>
+            </a:r>
+            <a:r>
+              <a:rPr lang="en-US" altLang="ko-KR" sz="1400" dirty="0"/>
+              <a:t>- </a:t>
+            </a:r>
+            <a:r>
+              <a:rPr lang="en-US" altLang="ko-KR" sz="1400" dirty="0" smtClean="0"/>
+              <a:t>2.2.2.5</a:t>
+            </a:r>
+            <a:endParaRPr lang="en-US" altLang="ko-KR" sz="1400" dirty="0"/>
+          </a:p>
+        </p:txBody>
+      </p:sp>
+      <p:sp>
+        <p:nvSpPr>
+          <p:cNvPr id="42" name="타원 41">
+            <a:extLst>
+              <a:ext uri="{FF2B5EF4-FFF2-40B4-BE49-F238E27FC236}">
+                <a16:creationId xmlns:a16="http://schemas.microsoft.com/office/drawing/2014/main" xmlns="" id="{67E205F5-100A-4787-A0AC-5FBCBE2BB09D}"/>
+              </a:ext>
+            </a:extLst>
+          </p:cNvPr>
+          <p:cNvSpPr/>
+          <p:nvPr/>
+        </p:nvSpPr>
+        <p:spPr>
+          <a:xfrm>
+            <a:off x="3419256" y="3382532"/>
+            <a:ext cx="288032" cy="288032"/>
+          </a:xfrm>
+          <a:prstGeom prst="ellipse">
+            <a:avLst/>
+          </a:prstGeom>
+        </p:spPr>
+        <p:style>
+          <a:lnRef idx="2">
+            <a:schemeClr val="dk1"/>
+          </a:lnRef>
+          <a:fillRef idx="1">
+            <a:schemeClr val="lt1"/>
+          </a:fillRef>
+          <a:effectRef idx="0">
+            <a:schemeClr val="dk1"/>
+          </a:effectRef>
+          <a:fontRef idx="minor">
+            <a:schemeClr val="dk1"/>
+          </a:fontRef>
+        </p:style>
+        <p:txBody>
+          <a:bodyPr rtlCol="0" anchor="ctr"/>
+          <a:lstStyle/>
+          <a:p>
+            <a:pPr algn="ctr"/>
+            <a:r>
+              <a:rPr lang="en-US" altLang="ko-KR"/>
+              <a:t>3</a:t>
+            </a:r>
+            <a:endParaRPr lang="ko-KR" altLang="en-US"/>
+          </a:p>
+        </p:txBody>
+      </p:sp>
+      <p:cxnSp>
+        <p:nvCxnSpPr>
+          <p:cNvPr id="41" name="직선 연결선 40">
+            <a:extLst>
+              <a:ext uri="{FF2B5EF4-FFF2-40B4-BE49-F238E27FC236}">
+                <a16:creationId xmlns:a16="http://schemas.microsoft.com/office/drawing/2014/main" xmlns="" id="{5176A2F4-3BBE-4E6E-8ED5-A891A3CB1C7C}"/>
+              </a:ext>
+            </a:extLst>
+          </p:cNvPr>
+          <p:cNvCxnSpPr>
+            <a:cxnSpLocks/>
+          </p:cNvCxnSpPr>
+          <p:nvPr/>
+        </p:nvCxnSpPr>
+        <p:spPr>
+          <a:xfrm>
+            <a:off x="6516216" y="3809642"/>
+            <a:ext cx="360041" cy="0"/>
+          </a:xfrm>
+          <a:prstGeom prst="line">
+            <a:avLst/>
+          </a:prstGeom>
+          <a:ln w="28575">
+            <a:solidFill>
+              <a:schemeClr val="tx1"/>
+            </a:solidFill>
+            <a:headEnd type="none" w="med" len="med"/>
+            <a:tailEnd type="arrow" w="med" len="med"/>
+          </a:ln>
+        </p:spPr>
+        <p:style>
+          <a:lnRef idx="1">
+            <a:schemeClr val="accent1"/>
+          </a:lnRef>
+          <a:fillRef idx="0">
+            <a:schemeClr val="accent1"/>
+          </a:fillRef>
+          <a:effectRef idx="0">
+            <a:schemeClr val="accent1"/>
+          </a:effectRef>
+          <a:fontRef idx="minor">
+            <a:schemeClr val="tx1"/>
+          </a:fontRef>
+        </p:style>
+      </p:cxnSp>
     </p:spTree>
     <p:extLst>
       <p:ext uri="{BB962C8B-B14F-4D97-AF65-F5344CB8AC3E}">
-        <p14:creationId xmlns:p14="http://schemas.microsoft.com/office/powerpoint/2010/main" val="413218741"/>
+        <p14:creationId xmlns:p14="http://schemas.microsoft.com/office/powerpoint/2010/main" val="2215554052"/>
       </p:ext>
     </p:extLst>
   </p:cSld>
@@ -7993,7 +8285,7 @@
         </p:nvSpPr>
         <p:spPr>
           <a:xfrm>
-            <a:off x="543933" y="-20538"/>
+            <a:off x="446856" y="-20538"/>
             <a:ext cx="8229600" cy="857250"/>
           </a:xfrm>
         </p:spPr>
@@ -8003,7 +8295,7 @@
           <a:p>
             <a:r>
               <a:rPr lang="en-US" altLang="ko-KR"/>
-              <a:t>SLB – L3DSR - DSCP</a:t>
+              <a:t>SLB – L2DSR</a:t>
             </a:r>
             <a:endParaRPr lang="ko-KR" altLang="en-US"/>
           </a:p>
@@ -8069,7 +8361,7 @@
           <p:cNvPr id="11" name="모서리가 둥근 직사각형 2">
             <a:extLst>
               <a:ext uri="{FF2B5EF4-FFF2-40B4-BE49-F238E27FC236}">
-                <a16:creationId xmlns:a16="http://schemas.microsoft.com/office/drawing/2014/main" id="{16A86181-839F-4D4B-9E21-E84981D9E8F2}"/>
+                <a16:creationId xmlns:a16="http://schemas.microsoft.com/office/drawing/2014/main" xmlns="" id="{16A86181-839F-4D4B-9E21-E84981D9E8F2}"/>
               </a:ext>
             </a:extLst>
           </p:cNvPr>
@@ -8107,9 +8399,17 @@
           <a:p>
             <a:pPr algn="ctr"/>
             <a:r>
-              <a:rPr lang="en-US" altLang="ko-KR" sz="1600"/>
-              <a:t>Router</a:t>
-            </a:r>
+              <a:rPr lang="en-US" altLang="ko-KR" sz="1600" dirty="0"/>
+              <a:t>Router (Gateway)</a:t>
+            </a:r>
+          </a:p>
+          <a:p>
+            <a:pPr algn="ctr"/>
+            <a:r>
+              <a:rPr lang="en-US" altLang="ko-KR" sz="1600" dirty="0"/>
+              <a:t>MAC-Z</a:t>
+            </a:r>
+            <a:endParaRPr lang="ko-KR" altLang="en-US" sz="1600" dirty="0"/>
           </a:p>
         </p:txBody>
       </p:sp>
@@ -8118,7 +8418,7 @@
           <p:cNvPr id="5" name="직선 연결선 4">
             <a:extLst>
               <a:ext uri="{FF2B5EF4-FFF2-40B4-BE49-F238E27FC236}">
-                <a16:creationId xmlns:a16="http://schemas.microsoft.com/office/drawing/2014/main" id="{06BA9E35-AF4F-4861-AF32-930396FA6E06}"/>
+                <a16:creationId xmlns:a16="http://schemas.microsoft.com/office/drawing/2014/main" xmlns="" id="{06BA9E35-AF4F-4861-AF32-930396FA6E06}"/>
               </a:ext>
             </a:extLst>
           </p:cNvPr>
@@ -8163,7 +8463,7 @@
           <p:cNvPr id="17" name="직선 연결선 16">
             <a:extLst>
               <a:ext uri="{FF2B5EF4-FFF2-40B4-BE49-F238E27FC236}">
-                <a16:creationId xmlns:a16="http://schemas.microsoft.com/office/drawing/2014/main" id="{C1FC7741-B395-41FE-83B5-2FD70DED6FD1}"/>
+                <a16:creationId xmlns:a16="http://schemas.microsoft.com/office/drawing/2014/main" xmlns="" id="{C1FC7741-B395-41FE-83B5-2FD70DED6FD1}"/>
               </a:ext>
             </a:extLst>
           </p:cNvPr>
@@ -8208,7 +8508,7 @@
           <p:cNvPr id="22" name="직선 연결선 21">
             <a:extLst>
               <a:ext uri="{FF2B5EF4-FFF2-40B4-BE49-F238E27FC236}">
-                <a16:creationId xmlns:a16="http://schemas.microsoft.com/office/drawing/2014/main" id="{415BEB9E-09A4-4964-BEF2-5F08CC228174}"/>
+                <a16:creationId xmlns:a16="http://schemas.microsoft.com/office/drawing/2014/main" xmlns="" id="{415BEB9E-09A4-4964-BEF2-5F08CC228174}"/>
               </a:ext>
             </a:extLst>
           </p:cNvPr>
@@ -8253,7 +8553,7 @@
           <p:cNvPr id="13" name="모서리가 둥근 직사각형 2">
             <a:extLst>
               <a:ext uri="{FF2B5EF4-FFF2-40B4-BE49-F238E27FC236}">
-                <a16:creationId xmlns:a16="http://schemas.microsoft.com/office/drawing/2014/main" id="{B4D9F552-13FB-4506-AB41-D9127D4AC995}"/>
+                <a16:creationId xmlns:a16="http://schemas.microsoft.com/office/drawing/2014/main" xmlns="" id="{B4D9F552-13FB-4506-AB41-D9127D4AC995}"/>
               </a:ext>
             </a:extLst>
           </p:cNvPr>
@@ -8306,7 +8606,7 @@
             <a:pPr algn="ctr"/>
             <a:r>
               <a:rPr lang="en-US" altLang="ko-KR" sz="1400"/>
-              <a:t>VIP-2.2.2.6</a:t>
+              <a:t>MAC-A</a:t>
             </a:r>
             <a:endParaRPr lang="ko-KR" altLang="en-US" sz="1400"/>
           </a:p>
@@ -8317,7 +8617,7 @@
           <p:cNvPr id="16" name="직선 연결선 15">
             <a:extLst>
               <a:ext uri="{FF2B5EF4-FFF2-40B4-BE49-F238E27FC236}">
-                <a16:creationId xmlns:a16="http://schemas.microsoft.com/office/drawing/2014/main" id="{A8F8D77A-3187-4AF4-AD2E-FB4918FFFAF2}"/>
+                <a16:creationId xmlns:a16="http://schemas.microsoft.com/office/drawing/2014/main" xmlns="" id="{A8F8D77A-3187-4AF4-AD2E-FB4918FFFAF2}"/>
               </a:ext>
             </a:extLst>
           </p:cNvPr>
@@ -8362,7 +8662,7 @@
           <p:cNvPr id="36" name="원호 35">
             <a:extLst>
               <a:ext uri="{FF2B5EF4-FFF2-40B4-BE49-F238E27FC236}">
-                <a16:creationId xmlns:a16="http://schemas.microsoft.com/office/drawing/2014/main" id="{8067F50F-2B56-41FA-BBBD-DA466ADB1A4C}"/>
+                <a16:creationId xmlns:a16="http://schemas.microsoft.com/office/drawing/2014/main" xmlns="" id="{8067F50F-2B56-41FA-BBBD-DA466ADB1A4C}"/>
               </a:ext>
             </a:extLst>
           </p:cNvPr>
@@ -8413,7 +8713,7 @@
           <p:cNvPr id="35" name="원호 34">
             <a:extLst>
               <a:ext uri="{FF2B5EF4-FFF2-40B4-BE49-F238E27FC236}">
-                <a16:creationId xmlns:a16="http://schemas.microsoft.com/office/drawing/2014/main" id="{559A272C-6A19-4942-B370-03E6B28031A5}"/>
+                <a16:creationId xmlns:a16="http://schemas.microsoft.com/office/drawing/2014/main" xmlns="" id="{559A272C-6A19-4942-B370-03E6B28031A5}"/>
               </a:ext>
             </a:extLst>
           </p:cNvPr>
@@ -8464,7 +8764,7 @@
           <p:cNvPr id="37" name="원호 36">
             <a:extLst>
               <a:ext uri="{FF2B5EF4-FFF2-40B4-BE49-F238E27FC236}">
-                <a16:creationId xmlns:a16="http://schemas.microsoft.com/office/drawing/2014/main" id="{674BE5AF-DA0B-4BB3-9C00-B5639F54D83D}"/>
+                <a16:creationId xmlns:a16="http://schemas.microsoft.com/office/drawing/2014/main" xmlns="" id="{674BE5AF-DA0B-4BB3-9C00-B5639F54D83D}"/>
               </a:ext>
             </a:extLst>
           </p:cNvPr>
@@ -8518,7 +8818,7 @@
           <p:cNvPr id="39" name="타원 38">
             <a:extLst>
               <a:ext uri="{FF2B5EF4-FFF2-40B4-BE49-F238E27FC236}">
-                <a16:creationId xmlns:a16="http://schemas.microsoft.com/office/drawing/2014/main" id="{A99570B1-7DB4-4E43-A58E-57058CA0F54A}"/>
+                <a16:creationId xmlns:a16="http://schemas.microsoft.com/office/drawing/2014/main" xmlns="" id="{A99570B1-7DB4-4E43-A58E-57058CA0F54A}"/>
               </a:ext>
             </a:extLst>
           </p:cNvPr>
@@ -8566,7 +8866,7 @@
           <p:cNvPr id="40" name="타원 39">
             <a:extLst>
               <a:ext uri="{FF2B5EF4-FFF2-40B4-BE49-F238E27FC236}">
-                <a16:creationId xmlns:a16="http://schemas.microsoft.com/office/drawing/2014/main" id="{0F754A08-11C5-4F1A-B637-06012293F1C0}"/>
+                <a16:creationId xmlns:a16="http://schemas.microsoft.com/office/drawing/2014/main" xmlns="" id="{0F754A08-11C5-4F1A-B637-06012293F1C0}"/>
               </a:ext>
             </a:extLst>
           </p:cNvPr>
@@ -8614,7 +8914,7 @@
           <p:cNvPr id="42" name="타원 41">
             <a:extLst>
               <a:ext uri="{FF2B5EF4-FFF2-40B4-BE49-F238E27FC236}">
-                <a16:creationId xmlns:a16="http://schemas.microsoft.com/office/drawing/2014/main" id="{67E205F5-100A-4787-A0AC-5FBCBE2BB09D}"/>
+                <a16:creationId xmlns:a16="http://schemas.microsoft.com/office/drawing/2014/main" xmlns="" id="{67E205F5-100A-4787-A0AC-5FBCBE2BB09D}"/>
               </a:ext>
             </a:extLst>
           </p:cNvPr>
@@ -8662,7 +8962,7 @@
           <p:cNvPr id="81" name="모서리가 둥근 직사각형 2">
             <a:extLst>
               <a:ext uri="{FF2B5EF4-FFF2-40B4-BE49-F238E27FC236}">
-                <a16:creationId xmlns:a16="http://schemas.microsoft.com/office/drawing/2014/main" id="{AFB69950-68B0-473C-955E-3462CC086FC3}"/>
+                <a16:creationId xmlns:a16="http://schemas.microsoft.com/office/drawing/2014/main" xmlns="" id="{AFB69950-68B0-473C-955E-3462CC086FC3}"/>
               </a:ext>
             </a:extLst>
           </p:cNvPr>
@@ -8708,7 +9008,14 @@
             <a:pPr algn="ctr"/>
             <a:r>
               <a:rPr lang="en-US" altLang="ko-KR" sz="1400"/>
-              <a:t>IP-3.3.3.10</a:t>
+              <a:t>IP-2.2.2.10</a:t>
+            </a:r>
+          </a:p>
+          <a:p>
+            <a:pPr algn="ctr"/>
+            <a:r>
+              <a:rPr lang="en-US" altLang="ko-KR" sz="1400"/>
+              <a:t>MAC-B</a:t>
             </a:r>
           </a:p>
           <a:p>
@@ -8718,13 +9025,6 @@
               <a:t>Lo-2.2.2.5</a:t>
             </a:r>
           </a:p>
-          <a:p>
-            <a:pPr algn="ctr"/>
-            <a:r>
-              <a:rPr lang="en-US" altLang="ko-KR" sz="1400"/>
-              <a:t>Lo-2.2.2.6</a:t>
-            </a:r>
-          </a:p>
         </p:txBody>
       </p:sp>
       <p:sp>
@@ -8732,7 +9032,7 @@
           <p:cNvPr id="83" name="모서리가 둥근 직사각형 2">
             <a:extLst>
               <a:ext uri="{FF2B5EF4-FFF2-40B4-BE49-F238E27FC236}">
-                <a16:creationId xmlns:a16="http://schemas.microsoft.com/office/drawing/2014/main" id="{4049B3CA-B289-42C7-882F-5A4083100CFE}"/>
+                <a16:creationId xmlns:a16="http://schemas.microsoft.com/office/drawing/2014/main" xmlns="" id="{4049B3CA-B289-42C7-882F-5A4083100CFE}"/>
               </a:ext>
             </a:extLst>
           </p:cNvPr>
@@ -8778,22 +9078,23 @@
             <a:pPr algn="ctr"/>
             <a:r>
               <a:rPr lang="en-US" altLang="ko-KR" sz="1400"/>
-              <a:t>IP-3.3.3.20</a:t>
-            </a:r>
-          </a:p>
-          <a:p>
-            <a:pPr algn="ctr"/>
+              <a:t>IP-2.2.2.20</a:t>
+            </a:r>
+          </a:p>
+          <a:p>
+            <a:pPr algn="ctr"/>
+            <a:r>
+              <a:rPr lang="en-US" altLang="ko-KR" sz="1400"/>
+              <a:t>MAC-C</a:t>
+            </a:r>
+            <a:br>
+              <a:rPr lang="en-US" altLang="ko-KR" sz="1400"/>
+            </a:br>
             <a:r>
               <a:rPr lang="en-US" altLang="ko-KR" sz="1400"/>
               <a:t>Lo-2.2.2.5</a:t>
             </a:r>
-          </a:p>
-          <a:p>
-            <a:pPr algn="ctr"/>
-            <a:r>
-              <a:rPr lang="en-US" altLang="ko-KR" sz="1400"/>
-              <a:t>Lo-2.2.2.6</a:t>
-            </a:r>
+            <a:endParaRPr lang="ko-KR" altLang="en-US" sz="1400"/>
           </a:p>
         </p:txBody>
       </p:sp>
@@ -8802,7 +9103,7 @@
           <p:cNvPr id="41" name="TextBox 40">
             <a:extLst>
               <a:ext uri="{FF2B5EF4-FFF2-40B4-BE49-F238E27FC236}">
-                <a16:creationId xmlns:a16="http://schemas.microsoft.com/office/drawing/2014/main" id="{4C3440A4-D1A8-4C91-83F5-0ECB9206DE21}"/>
+                <a16:creationId xmlns:a16="http://schemas.microsoft.com/office/drawing/2014/main" xmlns="" id="{4C3440A4-D1A8-4C91-83F5-0ECB9206DE21}"/>
               </a:ext>
             </a:extLst>
           </p:cNvPr>
@@ -8841,7 +9142,7 @@
             <a:pPr algn="ctr"/>
             <a:r>
               <a:rPr lang="en-US" altLang="ko-KR" sz="1600"/>
-              <a:t>DSCP-</a:t>
+              <a:t>Dst Mac-</a:t>
             </a:r>
             <a:r>
               <a:rPr lang="en-US" altLang="ko-KR" sz="1600">
@@ -8849,7 +9150,7 @@
                   <a:srgbClr val="C00000"/>
                 </a:solidFill>
               </a:rPr>
-              <a:t>0x1</a:t>
+              <a:t>C</a:t>
             </a:r>
             <a:endParaRPr lang="ko-KR" altLang="en-US" sz="1600">
               <a:solidFill>
@@ -8864,7 +9165,7 @@
           <p:cNvPr id="76" name="TextBox 75">
             <a:extLst>
               <a:ext uri="{FF2B5EF4-FFF2-40B4-BE49-F238E27FC236}">
-                <a16:creationId xmlns:a16="http://schemas.microsoft.com/office/drawing/2014/main" id="{18737A61-C97F-4007-88AC-84327006DBB3}"/>
+                <a16:creationId xmlns:a16="http://schemas.microsoft.com/office/drawing/2014/main" xmlns="" id="{18737A61-C97F-4007-88AC-84327006DBB3}"/>
               </a:ext>
             </a:extLst>
           </p:cNvPr>
@@ -8914,7 +9215,7 @@
           <p:cNvPr id="77" name="TextBox 76">
             <a:extLst>
               <a:ext uri="{FF2B5EF4-FFF2-40B4-BE49-F238E27FC236}">
-                <a16:creationId xmlns:a16="http://schemas.microsoft.com/office/drawing/2014/main" id="{E40393A5-6DBA-43CE-874F-E1772FFA3982}"/>
+                <a16:creationId xmlns:a16="http://schemas.microsoft.com/office/drawing/2014/main" xmlns="" id="{E40393A5-6DBA-43CE-874F-E1772FFA3982}"/>
               </a:ext>
             </a:extLst>
           </p:cNvPr>
@@ -8953,7 +9254,7 @@
             <a:pPr algn="ctr"/>
             <a:r>
               <a:rPr lang="en-US" altLang="ko-KR" sz="1600"/>
-              <a:t>DSCP-0x0</a:t>
+              <a:t>Dst Mac-A</a:t>
             </a:r>
             <a:endParaRPr lang="ko-KR" altLang="en-US" sz="1600">
               <a:solidFill>
@@ -8968,7 +9269,7 @@
           <p:cNvPr id="78" name="TextBox 77">
             <a:extLst>
               <a:ext uri="{FF2B5EF4-FFF2-40B4-BE49-F238E27FC236}">
-                <a16:creationId xmlns:a16="http://schemas.microsoft.com/office/drawing/2014/main" id="{09BA3111-575F-4009-B382-09BA499B5802}"/>
+                <a16:creationId xmlns:a16="http://schemas.microsoft.com/office/drawing/2014/main" xmlns="" id="{09BA3111-575F-4009-B382-09BA499B5802}"/>
               </a:ext>
             </a:extLst>
           </p:cNvPr>
@@ -9018,7 +9319,7 @@
           <p:cNvPr id="79" name="TextBox 78">
             <a:extLst>
               <a:ext uri="{FF2B5EF4-FFF2-40B4-BE49-F238E27FC236}">
-                <a16:creationId xmlns:a16="http://schemas.microsoft.com/office/drawing/2014/main" id="{2D7B5FF1-C977-4E6E-969B-D9F212AD8C35}"/>
+                <a16:creationId xmlns:a16="http://schemas.microsoft.com/office/drawing/2014/main" xmlns="" id="{2D7B5FF1-C977-4E6E-969B-D9F212AD8C35}"/>
               </a:ext>
             </a:extLst>
           </p:cNvPr>
@@ -9061,21 +9362,113 @@
                   <a:schemeClr val="tx1"/>
                 </a:solidFill>
               </a:rPr>
-              <a:t>Dst-</a:t>
-            </a:r>
-            <a:r>
-              <a:rPr lang="en-US" altLang="ko-KR" sz="1600">
-                <a:solidFill>
-                  <a:srgbClr val="C00000"/>
-                </a:solidFill>
-              </a:rPr>
-              <a:t>3.3.3.20</a:t>
+              <a:t>Dst-2.2.2.5</a:t>
             </a:r>
             <a:endParaRPr lang="ko-KR" altLang="en-US" sz="1600">
               <a:solidFill>
-                <a:srgbClr val="C00000"/>
+                <a:schemeClr val="tx1"/>
               </a:solidFill>
             </a:endParaRPr>
+          </a:p>
+        </p:txBody>
+      </p:sp>
+      <p:sp>
+        <p:nvSpPr>
+          <p:cNvPr id="84" name="TextBox 83">
+            <a:extLst>
+              <a:ext uri="{FF2B5EF4-FFF2-40B4-BE49-F238E27FC236}">
+                <a16:creationId xmlns:a16="http://schemas.microsoft.com/office/drawing/2014/main" xmlns="" id="{1277CF05-657E-44FE-AA96-41D96DFBBB7A}"/>
+              </a:ext>
+            </a:extLst>
+          </p:cNvPr>
+          <p:cNvSpPr txBox="1"/>
+          <p:nvPr/>
+        </p:nvSpPr>
+        <p:spPr>
+          <a:xfrm>
+            <a:off x="6863191" y="2355726"/>
+            <a:ext cx="1872208" cy="338554"/>
+          </a:xfrm>
+          <a:prstGeom prst="rect">
+            <a:avLst/>
+          </a:prstGeom>
+        </p:spPr>
+        <p:style>
+          <a:lnRef idx="2">
+            <a:schemeClr val="dk1"/>
+          </a:lnRef>
+          <a:fillRef idx="1">
+            <a:schemeClr val="lt1"/>
+          </a:fillRef>
+          <a:effectRef idx="0">
+            <a:schemeClr val="dk1"/>
+          </a:effectRef>
+          <a:fontRef idx="minor">
+            <a:schemeClr val="dk1"/>
+          </a:fontRef>
+        </p:style>
+        <p:txBody>
+          <a:bodyPr wrap="square" rtlCol="0">
+            <a:spAutoFit/>
+          </a:bodyPr>
+          <a:lstStyle/>
+          <a:p>
+            <a:pPr algn="ctr"/>
+            <a:r>
+              <a:rPr lang="en-US" altLang="ko-KR" sz="1600"/>
+              <a:t>Src-2.2.2.5</a:t>
+            </a:r>
+            <a:endParaRPr lang="ko-KR" altLang="en-US" sz="1600"/>
+          </a:p>
+        </p:txBody>
+      </p:sp>
+      <p:sp>
+        <p:nvSpPr>
+          <p:cNvPr id="85" name="TextBox 84">
+            <a:extLst>
+              <a:ext uri="{FF2B5EF4-FFF2-40B4-BE49-F238E27FC236}">
+                <a16:creationId xmlns:a16="http://schemas.microsoft.com/office/drawing/2014/main" xmlns="" id="{5363E6C1-54E1-4304-816F-119F3FE5E191}"/>
+              </a:ext>
+            </a:extLst>
+          </p:cNvPr>
+          <p:cNvSpPr txBox="1"/>
+          <p:nvPr/>
+        </p:nvSpPr>
+        <p:spPr>
+          <a:xfrm>
+            <a:off x="6863191" y="2689955"/>
+            <a:ext cx="1872208" cy="338554"/>
+          </a:xfrm>
+          <a:prstGeom prst="rect">
+            <a:avLst/>
+          </a:prstGeom>
+        </p:spPr>
+        <p:style>
+          <a:lnRef idx="2">
+            <a:schemeClr val="dk1"/>
+          </a:lnRef>
+          <a:fillRef idx="1">
+            <a:schemeClr val="lt1"/>
+          </a:fillRef>
+          <a:effectRef idx="0">
+            <a:schemeClr val="dk1"/>
+          </a:effectRef>
+          <a:fontRef idx="minor">
+            <a:schemeClr val="dk1"/>
+          </a:fontRef>
+        </p:style>
+        <p:txBody>
+          <a:bodyPr wrap="square" rtlCol="0">
+            <a:spAutoFit/>
+          </a:bodyPr>
+          <a:lstStyle/>
+          <a:p>
+            <a:pPr algn="ctr"/>
+            <a:r>
+              <a:rPr lang="en-US" altLang="ko-KR" sz="1600"/>
+              <a:t>Dst-1.1.1.10</a:t>
+            </a:r>
+            <a:endParaRPr lang="ko-KR" altLang="en-US" sz="1600"/>
           </a:p>
         </p:txBody>
       </p:sp>
@@ -9084,7 +9477,7 @@
           <p:cNvPr id="86" name="직선 연결선 85">
             <a:extLst>
               <a:ext uri="{FF2B5EF4-FFF2-40B4-BE49-F238E27FC236}">
-                <a16:creationId xmlns:a16="http://schemas.microsoft.com/office/drawing/2014/main" id="{1479DC70-7E2D-41D8-A0FD-CF6869060283}"/>
+                <a16:creationId xmlns:a16="http://schemas.microsoft.com/office/drawing/2014/main" xmlns="" id="{1479DC70-7E2D-41D8-A0FD-CF6869060283}"/>
               </a:ext>
             </a:extLst>
           </p:cNvPr>
@@ -9131,7 +9524,7 @@
           <p:cNvPr id="88" name="모서리가 둥근 직사각형 2">
             <a:extLst>
               <a:ext uri="{FF2B5EF4-FFF2-40B4-BE49-F238E27FC236}">
-                <a16:creationId xmlns:a16="http://schemas.microsoft.com/office/drawing/2014/main" id="{F0ADCA8D-2691-43F9-8EFE-AF92F2B41A98}"/>
+                <a16:creationId xmlns:a16="http://schemas.microsoft.com/office/drawing/2014/main" xmlns="" id="{F0ADCA8D-2691-43F9-8EFE-AF92F2B41A98}"/>
               </a:ext>
             </a:extLst>
           </p:cNvPr>
@@ -9140,8 +9533,8 @@
         </p:nvSpPr>
         <p:spPr>
           <a:xfrm>
-            <a:off x="4730611" y="2581699"/>
-            <a:ext cx="1699002" cy="557370"/>
+            <a:off x="4911352" y="2581699"/>
+            <a:ext cx="1337520" cy="557370"/>
           </a:xfrm>
           <a:prstGeom prst="roundRect">
             <a:avLst>
@@ -9170,7 +9563,7 @@
             <a:pPr algn="ctr"/>
             <a:r>
               <a:rPr lang="en-US" altLang="ko-KR" sz="1600"/>
-              <a:t>Dst IP, DSCP</a:t>
+              <a:t>Dst Mac</a:t>
             </a:r>
           </a:p>
           <a:p>
@@ -9188,7 +9581,7 @@
           <p:cNvPr id="91" name="타원 90">
             <a:extLst>
               <a:ext uri="{FF2B5EF4-FFF2-40B4-BE49-F238E27FC236}">
-                <a16:creationId xmlns:a16="http://schemas.microsoft.com/office/drawing/2014/main" id="{100ECB68-8B92-4374-83D7-18F2E62BD20D}"/>
+                <a16:creationId xmlns:a16="http://schemas.microsoft.com/office/drawing/2014/main" xmlns="" id="{100ECB68-8B92-4374-83D7-18F2E62BD20D}"/>
               </a:ext>
             </a:extLst>
           </p:cNvPr>
@@ -9233,10 +9626,58 @@
       </p:sp>
       <p:sp>
         <p:nvSpPr>
+          <p:cNvPr id="92" name="타원 91">
+            <a:extLst>
+              <a:ext uri="{FF2B5EF4-FFF2-40B4-BE49-F238E27FC236}">
+                <a16:creationId xmlns:a16="http://schemas.microsoft.com/office/drawing/2014/main" xmlns="" id="{55B287E1-3B34-4F48-99CF-D33FDB0167DB}"/>
+              </a:ext>
+            </a:extLst>
+          </p:cNvPr>
+          <p:cNvSpPr/>
+          <p:nvPr/>
+        </p:nvSpPr>
+        <p:spPr>
+          <a:xfrm>
+            <a:off x="6732240" y="2211710"/>
+            <a:ext cx="288032" cy="288032"/>
+          </a:xfrm>
+          <a:prstGeom prst="ellipse">
+            <a:avLst/>
+          </a:prstGeom>
+        </p:spPr>
+        <p:style>
+          <a:lnRef idx="2">
+            <a:schemeClr val="dk1"/>
+          </a:lnRef>
+          <a:fillRef idx="1">
+            <a:schemeClr val="lt1"/>
+          </a:fillRef>
+          <a:effectRef idx="0">
+            <a:schemeClr val="dk1"/>
+          </a:effectRef>
+          <a:fontRef idx="minor">
+            <a:schemeClr val="dk1"/>
+          </a:fontRef>
+        </p:style>
+        <p:txBody>
+          <a:bodyPr rtlCol="0" anchor="ctr"/>
+          <a:lstStyle/>
+          <a:p>
+            <a:pPr algn="ctr"/>
+            <a:r>
+              <a:rPr lang="en-US" altLang="ko-KR"/>
+              <a:t>3</a:t>
+            </a:r>
+            <a:endParaRPr lang="ko-KR" altLang="en-US"/>
+          </a:p>
+        </p:txBody>
+      </p:sp>
+      <p:sp>
+        <p:nvSpPr>
           <p:cNvPr id="94" name="TextBox 93">
             <a:extLst>
               <a:ext uri="{FF2B5EF4-FFF2-40B4-BE49-F238E27FC236}">
-                <a16:creationId xmlns:a16="http://schemas.microsoft.com/office/drawing/2014/main" id="{490AE2BF-BD19-4E22-BF0D-20653C11CBAE}"/>
+                <a16:creationId xmlns:a16="http://schemas.microsoft.com/office/drawing/2014/main" xmlns="" id="{490AE2BF-BD19-4E22-BF0D-20653C11CBAE}"/>
               </a:ext>
             </a:extLst>
           </p:cNvPr>
@@ -9286,7 +9727,7 @@
           <p:cNvPr id="90" name="타원 89">
             <a:extLst>
               <a:ext uri="{FF2B5EF4-FFF2-40B4-BE49-F238E27FC236}">
-                <a16:creationId xmlns:a16="http://schemas.microsoft.com/office/drawing/2014/main" id="{46645BF3-91D4-488D-91F7-E23D8E751ED0}"/>
+                <a16:creationId xmlns:a16="http://schemas.microsoft.com/office/drawing/2014/main" xmlns="" id="{46645BF3-91D4-488D-91F7-E23D8E751ED0}"/>
               </a:ext>
             </a:extLst>
           </p:cNvPr>
@@ -9331,77 +9772,10 @@
       </p:sp>
       <p:sp>
         <p:nvSpPr>
-          <p:cNvPr id="34" name="모서리가 둥근 직사각형 2">
-            <a:extLst>
-              <a:ext uri="{FF2B5EF4-FFF2-40B4-BE49-F238E27FC236}">
-                <a16:creationId xmlns:a16="http://schemas.microsoft.com/office/drawing/2014/main" id="{4FB59714-732C-4DC0-848C-5E32F3B4EECA}"/>
-              </a:ext>
-            </a:extLst>
-          </p:cNvPr>
-          <p:cNvSpPr/>
-          <p:nvPr/>
-        </p:nvSpPr>
-        <p:spPr>
-          <a:xfrm>
-            <a:off x="271008" y="1244420"/>
-            <a:ext cx="1420672" cy="823274"/>
-          </a:xfrm>
-          <a:prstGeom prst="roundRect">
-            <a:avLst>
-              <a:gd name="adj" fmla="val 0"/>
-            </a:avLst>
-          </a:prstGeom>
-          <a:ln>
-            <a:prstDash val="dash"/>
-          </a:ln>
-        </p:spPr>
-        <p:style>
-          <a:lnRef idx="2">
-            <a:schemeClr val="dk1"/>
-          </a:lnRef>
-          <a:fillRef idx="1">
-            <a:schemeClr val="lt1"/>
-          </a:fillRef>
-          <a:effectRef idx="0">
-            <a:schemeClr val="dk1"/>
-          </a:effectRef>
-          <a:fontRef idx="minor">
-            <a:schemeClr val="dk1"/>
-          </a:fontRef>
-        </p:style>
-        <p:txBody>
-          <a:bodyPr rtlCol="0" anchor="ctr"/>
-          <a:lstStyle/>
-          <a:p>
-            <a:pPr algn="ctr"/>
-            <a:r>
-              <a:rPr lang="en-US" altLang="ko-KR" sz="1400"/>
-              <a:t>DSCP    VIP</a:t>
-            </a:r>
-          </a:p>
-          <a:p>
-            <a:pPr algn="ctr"/>
-            <a:r>
-              <a:rPr lang="en-US" altLang="ko-KR" sz="1400"/>
-              <a:t>   0x1   2.2.2.5</a:t>
-            </a:r>
-          </a:p>
-          <a:p>
-            <a:pPr algn="ctr"/>
-            <a:r>
-              <a:rPr lang="en-US" altLang="ko-KR" sz="1400"/>
-              <a:t>   0x2   2.2.2.6</a:t>
-            </a:r>
-            <a:endParaRPr lang="en-US" altLang="ko-KR" sz="1200"/>
-          </a:p>
-        </p:txBody>
-      </p:sp>
-      <p:sp>
-        <p:nvSpPr>
-          <p:cNvPr id="38" name="TextBox 37">
-            <a:extLst>
-              <a:ext uri="{FF2B5EF4-FFF2-40B4-BE49-F238E27FC236}">
-                <a16:creationId xmlns:a16="http://schemas.microsoft.com/office/drawing/2014/main" id="{BEE9224B-F1C0-4CFD-8591-94B65335CACC}"/>
+          <p:cNvPr id="95" name="TextBox 94">
+            <a:extLst>
+              <a:ext uri="{FF2B5EF4-FFF2-40B4-BE49-F238E27FC236}">
+                <a16:creationId xmlns:a16="http://schemas.microsoft.com/office/drawing/2014/main" xmlns="" id="{E0A80242-CFDC-44FC-B115-15AE76CA22ED}"/>
               </a:ext>
             </a:extLst>
           </p:cNvPr>
@@ -9410,7 +9784,7 @@
         </p:nvSpPr>
         <p:spPr>
           <a:xfrm>
-            <a:off x="6863190" y="3028406"/>
+            <a:off x="6863191" y="3028406"/>
             <a:ext cx="1872208" cy="338554"/>
           </a:xfrm>
           <a:prstGeom prst="rect">
@@ -9439,16 +9813,12 @@
           <a:p>
             <a:pPr algn="ctr"/>
             <a:r>
-              <a:rPr lang="en-US" altLang="ko-KR" sz="1600">
-                <a:solidFill>
-                  <a:schemeClr val="tx1"/>
-                </a:solidFill>
-              </a:rPr>
-              <a:t>DSCP-0x0</a:t>
+              <a:rPr lang="en-US" altLang="ko-KR" sz="1600"/>
+              <a:t>Dst Mac-Z</a:t>
             </a:r>
             <a:endParaRPr lang="ko-KR" altLang="en-US" sz="1600">
               <a:solidFill>
-                <a:schemeClr val="tx1"/>
+                <a:srgbClr val="C00000"/>
               </a:solidFill>
             </a:endParaRPr>
           </a:p>
@@ -9456,23 +9826,25 @@
       </p:sp>
       <p:sp>
         <p:nvSpPr>
-          <p:cNvPr id="45" name="TextBox 44">
-            <a:extLst>
-              <a:ext uri="{FF2B5EF4-FFF2-40B4-BE49-F238E27FC236}">
-                <a16:creationId xmlns:a16="http://schemas.microsoft.com/office/drawing/2014/main" id="{331764E4-B047-4B67-8F18-BBABEB5AB761}"/>
-              </a:ext>
-            </a:extLst>
-          </p:cNvPr>
-          <p:cNvSpPr txBox="1"/>
-          <p:nvPr/>
-        </p:nvSpPr>
-        <p:spPr>
-          <a:xfrm>
-            <a:off x="6863190" y="2355726"/>
-            <a:ext cx="1872208" cy="338554"/>
-          </a:xfrm>
-          <a:prstGeom prst="rect">
-            <a:avLst/>
+          <p:cNvPr id="32" name="모서리가 둥근 직사각형 2">
+            <a:extLst>
+              <a:ext uri="{FF2B5EF4-FFF2-40B4-BE49-F238E27FC236}">
+                <a16:creationId xmlns:a16="http://schemas.microsoft.com/office/drawing/2014/main" xmlns="" id="{E51522A5-E012-4BA0-9E45-BE5FAA283D52}"/>
+              </a:ext>
+            </a:extLst>
+          </p:cNvPr>
+          <p:cNvSpPr/>
+          <p:nvPr/>
+        </p:nvSpPr>
+        <p:spPr>
+          <a:xfrm>
+            <a:off x="7130535" y="3700234"/>
+            <a:ext cx="1337520" cy="557370"/>
+          </a:xfrm>
+          <a:prstGeom prst="roundRect">
+            <a:avLst>
+              <a:gd name="adj" fmla="val 9458"/>
+            </a:avLst>
           </a:prstGeom>
         </p:spPr>
         <p:style>
@@ -9490,150 +9862,45 @@
           </a:fontRef>
         </p:style>
         <p:txBody>
-          <a:bodyPr wrap="square" rtlCol="0">
-            <a:spAutoFit/>
-          </a:bodyPr>
+          <a:bodyPr rtlCol="0" anchor="ctr"/>
           <a:lstStyle/>
           <a:p>
             <a:pPr algn="ctr"/>
             <a:r>
               <a:rPr lang="en-US" altLang="ko-KR" sz="1600"/>
-              <a:t>Src-2.2.2.5</a:t>
+              <a:t>Src IP</a:t>
+            </a:r>
+          </a:p>
+          <a:p>
+            <a:pPr algn="ctr"/>
+            <a:r>
+              <a:rPr lang="en-US" altLang="ko-KR" sz="1600"/>
+              <a:t>Translation</a:t>
             </a:r>
             <a:endParaRPr lang="ko-KR" altLang="en-US" sz="1600"/>
-          </a:p>
-        </p:txBody>
-      </p:sp>
-      <p:sp>
-        <p:nvSpPr>
-          <p:cNvPr id="46" name="TextBox 45">
-            <a:extLst>
-              <a:ext uri="{FF2B5EF4-FFF2-40B4-BE49-F238E27FC236}">
-                <a16:creationId xmlns:a16="http://schemas.microsoft.com/office/drawing/2014/main" id="{EE9DB8FF-7A3D-4A4E-AABA-9743C1E64FE8}"/>
-              </a:ext>
-            </a:extLst>
-          </p:cNvPr>
-          <p:cNvSpPr txBox="1"/>
-          <p:nvPr/>
-        </p:nvSpPr>
-        <p:spPr>
-          <a:xfrm>
-            <a:off x="6863190" y="2689955"/>
-            <a:ext cx="1872208" cy="338554"/>
-          </a:xfrm>
-          <a:prstGeom prst="rect">
-            <a:avLst/>
-          </a:prstGeom>
-        </p:spPr>
-        <p:style>
-          <a:lnRef idx="2">
-            <a:schemeClr val="dk1"/>
-          </a:lnRef>
-          <a:fillRef idx="1">
-            <a:schemeClr val="lt1"/>
-          </a:fillRef>
-          <a:effectRef idx="0">
-            <a:schemeClr val="dk1"/>
-          </a:effectRef>
-          <a:fontRef idx="minor">
-            <a:schemeClr val="dk1"/>
-          </a:fontRef>
-        </p:style>
-        <p:txBody>
-          <a:bodyPr wrap="square" rtlCol="0">
-            <a:spAutoFit/>
-          </a:bodyPr>
-          <a:lstStyle/>
-          <a:p>
-            <a:pPr algn="ctr"/>
-            <a:r>
-              <a:rPr lang="en-US" altLang="ko-KR" sz="1600">
-                <a:solidFill>
-                  <a:schemeClr val="tx1"/>
-                </a:solidFill>
-              </a:rPr>
-              <a:t>Dst-</a:t>
-            </a:r>
-            <a:r>
-              <a:rPr lang="en-US" altLang="ko-KR" sz="1600"/>
-              <a:t>1.1.1.10</a:t>
-            </a:r>
-            <a:endParaRPr lang="ko-KR" altLang="en-US" sz="1600">
-              <a:solidFill>
-                <a:schemeClr val="tx1"/>
-              </a:solidFill>
-            </a:endParaRPr>
-          </a:p>
-        </p:txBody>
-      </p:sp>
-      <p:sp>
-        <p:nvSpPr>
-          <p:cNvPr id="49" name="타원 48">
-            <a:extLst>
-              <a:ext uri="{FF2B5EF4-FFF2-40B4-BE49-F238E27FC236}">
-                <a16:creationId xmlns:a16="http://schemas.microsoft.com/office/drawing/2014/main" id="{FB822E29-2654-468A-ACFC-00B7DEB0EE00}"/>
-              </a:ext>
-            </a:extLst>
-          </p:cNvPr>
-          <p:cNvSpPr/>
-          <p:nvPr/>
-        </p:nvSpPr>
-        <p:spPr>
-          <a:xfrm>
-            <a:off x="6732240" y="2211710"/>
-            <a:ext cx="288032" cy="288032"/>
-          </a:xfrm>
-          <a:prstGeom prst="ellipse">
-            <a:avLst/>
-          </a:prstGeom>
-        </p:spPr>
-        <p:style>
-          <a:lnRef idx="2">
-            <a:schemeClr val="dk1"/>
-          </a:lnRef>
-          <a:fillRef idx="1">
-            <a:schemeClr val="lt1"/>
-          </a:fillRef>
-          <a:effectRef idx="0">
-            <a:schemeClr val="dk1"/>
-          </a:effectRef>
-          <a:fontRef idx="minor">
-            <a:schemeClr val="dk1"/>
-          </a:fontRef>
-        </p:style>
-        <p:txBody>
-          <a:bodyPr rtlCol="0" anchor="ctr"/>
-          <a:lstStyle/>
-          <a:p>
-            <a:pPr algn="ctr"/>
-            <a:r>
-              <a:rPr lang="en-US" altLang="ko-KR"/>
-              <a:t>3</a:t>
-            </a:r>
-            <a:endParaRPr lang="ko-KR" altLang="en-US"/>
           </a:p>
         </p:txBody>
       </p:sp>
       <p:cxnSp>
         <p:nvCxnSpPr>
-          <p:cNvPr id="43" name="직선 연결선 42">
-            <a:extLst>
-              <a:ext uri="{FF2B5EF4-FFF2-40B4-BE49-F238E27FC236}">
-                <a16:creationId xmlns:a16="http://schemas.microsoft.com/office/drawing/2014/main" id="{FBC15674-B949-44ED-9364-6EC750AF2282}"/>
+          <p:cNvPr id="33" name="직선 연결선 32">
+            <a:extLst>
+              <a:ext uri="{FF2B5EF4-FFF2-40B4-BE49-F238E27FC236}">
+                <a16:creationId xmlns:a16="http://schemas.microsoft.com/office/drawing/2014/main" xmlns="" id="{67776A77-90D5-4A5D-9BFD-CC22E8FE9400}"/>
               </a:ext>
             </a:extLst>
           </p:cNvPr>
           <p:cNvCxnSpPr>
             <a:cxnSpLocks/>
             <a:stCxn id="79" idx="3"/>
-            <a:endCxn id="47" idx="1"/>
+            <a:endCxn id="32" idx="1"/>
           </p:cNvCxnSpPr>
           <p:nvPr/>
         </p:nvCxnSpPr>
         <p:spPr>
           <a:xfrm>
             <a:off x="6516216" y="3978919"/>
-            <a:ext cx="443614" cy="0"/>
+            <a:ext cx="614319" cy="0"/>
           </a:xfrm>
           <a:prstGeom prst="line">
             <a:avLst/>
@@ -9663,15 +9930,17 @@
       </p:cxnSp>
       <p:cxnSp>
         <p:nvCxnSpPr>
-          <p:cNvPr id="44" name="직선 연결선 43">
-            <a:extLst>
-              <a:ext uri="{FF2B5EF4-FFF2-40B4-BE49-F238E27FC236}">
-                <a16:creationId xmlns:a16="http://schemas.microsoft.com/office/drawing/2014/main" id="{41DD8F28-4F46-4B5C-AD22-377DE3377C85}"/>
+          <p:cNvPr id="38" name="직선 연결선 37">
+            <a:extLst>
+              <a:ext uri="{FF2B5EF4-FFF2-40B4-BE49-F238E27FC236}">
+                <a16:creationId xmlns:a16="http://schemas.microsoft.com/office/drawing/2014/main" xmlns="" id="{F87DACCD-4751-4C34-A0D9-ABD1B52FDFDF}"/>
               </a:ext>
             </a:extLst>
           </p:cNvPr>
           <p:cNvCxnSpPr>
             <a:cxnSpLocks/>
+            <a:stCxn id="32" idx="0"/>
+            <a:endCxn id="95" idx="2"/>
           </p:cNvCxnSpPr>
           <p:nvPr/>
         </p:nvCxnSpPr>
@@ -9706,67 +9975,10 @@
           </a:fontRef>
         </p:style>
       </p:cxnSp>
-      <p:sp>
-        <p:nvSpPr>
-          <p:cNvPr id="47" name="모서리가 둥근 직사각형 2">
-            <a:extLst>
-              <a:ext uri="{FF2B5EF4-FFF2-40B4-BE49-F238E27FC236}">
-                <a16:creationId xmlns:a16="http://schemas.microsoft.com/office/drawing/2014/main" id="{CCC2D16E-9EDF-49D6-BCC6-F40BCCC7A387}"/>
-              </a:ext>
-            </a:extLst>
-          </p:cNvPr>
-          <p:cNvSpPr/>
-          <p:nvPr/>
-        </p:nvSpPr>
-        <p:spPr>
-          <a:xfrm>
-            <a:off x="6959830" y="3700234"/>
-            <a:ext cx="1699002" cy="557370"/>
-          </a:xfrm>
-          <a:prstGeom prst="roundRect">
-            <a:avLst>
-              <a:gd name="adj" fmla="val 9458"/>
-            </a:avLst>
-          </a:prstGeom>
-        </p:spPr>
-        <p:style>
-          <a:lnRef idx="2">
-            <a:schemeClr val="dk1"/>
-          </a:lnRef>
-          <a:fillRef idx="1">
-            <a:schemeClr val="lt1"/>
-          </a:fillRef>
-          <a:effectRef idx="0">
-            <a:schemeClr val="dk1"/>
-          </a:effectRef>
-          <a:fontRef idx="minor">
-            <a:schemeClr val="dk1"/>
-          </a:fontRef>
-        </p:style>
-        <p:txBody>
-          <a:bodyPr rtlCol="0" anchor="ctr"/>
-          <a:lstStyle/>
-          <a:p>
-            <a:pPr algn="ctr"/>
-            <a:r>
-              <a:rPr lang="en-US" altLang="ko-KR" sz="1600"/>
-              <a:t>Src IP, DSCP</a:t>
-            </a:r>
-          </a:p>
-          <a:p>
-            <a:pPr algn="ctr"/>
-            <a:r>
-              <a:rPr lang="en-US" altLang="ko-KR" sz="1600"/>
-              <a:t>Translation</a:t>
-            </a:r>
-            <a:endParaRPr lang="ko-KR" altLang="en-US" sz="1600"/>
-          </a:p>
-        </p:txBody>
-      </p:sp>
     </p:spTree>
     <p:extLst>
       <p:ext uri="{BB962C8B-B14F-4D97-AF65-F5344CB8AC3E}">
-        <p14:creationId xmlns:p14="http://schemas.microsoft.com/office/powerpoint/2010/main" val="3998874260"/>
+        <p14:creationId xmlns:p14="http://schemas.microsoft.com/office/powerpoint/2010/main" val="413218741"/>
       </p:ext>
     </p:extLst>
   </p:cSld>
@@ -9815,7 +10027,7 @@
           <a:p>
             <a:r>
               <a:rPr lang="en-US" altLang="ko-KR"/>
-              <a:t>SLB – L3DSR - Tunnel</a:t>
+              <a:t>SLB – L3DSR - DSCP</a:t>
             </a:r>
             <a:endParaRPr lang="ko-KR" altLang="en-US"/>
           </a:p>
@@ -9881,7 +10093,7 @@
           <p:cNvPr id="11" name="모서리가 둥근 직사각형 2">
             <a:extLst>
               <a:ext uri="{FF2B5EF4-FFF2-40B4-BE49-F238E27FC236}">
-                <a16:creationId xmlns:a16="http://schemas.microsoft.com/office/drawing/2014/main" id="{16A86181-839F-4D4B-9E21-E84981D9E8F2}"/>
+                <a16:creationId xmlns:a16="http://schemas.microsoft.com/office/drawing/2014/main" xmlns="" id="{16A86181-839F-4D4B-9E21-E84981D9E8F2}"/>
               </a:ext>
             </a:extLst>
           </p:cNvPr>
@@ -9930,7 +10142,7 @@
           <p:cNvPr id="5" name="직선 연결선 4">
             <a:extLst>
               <a:ext uri="{FF2B5EF4-FFF2-40B4-BE49-F238E27FC236}">
-                <a16:creationId xmlns:a16="http://schemas.microsoft.com/office/drawing/2014/main" id="{06BA9E35-AF4F-4861-AF32-930396FA6E06}"/>
+                <a16:creationId xmlns:a16="http://schemas.microsoft.com/office/drawing/2014/main" xmlns="" id="{06BA9E35-AF4F-4861-AF32-930396FA6E06}"/>
               </a:ext>
             </a:extLst>
           </p:cNvPr>
@@ -9975,7 +10187,7 @@
           <p:cNvPr id="17" name="직선 연결선 16">
             <a:extLst>
               <a:ext uri="{FF2B5EF4-FFF2-40B4-BE49-F238E27FC236}">
-                <a16:creationId xmlns:a16="http://schemas.microsoft.com/office/drawing/2014/main" id="{C1FC7741-B395-41FE-83B5-2FD70DED6FD1}"/>
+                <a16:creationId xmlns:a16="http://schemas.microsoft.com/office/drawing/2014/main" xmlns="" id="{C1FC7741-B395-41FE-83B5-2FD70DED6FD1}"/>
               </a:ext>
             </a:extLst>
           </p:cNvPr>
@@ -10020,7 +10232,7 @@
           <p:cNvPr id="22" name="직선 연결선 21">
             <a:extLst>
               <a:ext uri="{FF2B5EF4-FFF2-40B4-BE49-F238E27FC236}">
-                <a16:creationId xmlns:a16="http://schemas.microsoft.com/office/drawing/2014/main" id="{415BEB9E-09A4-4964-BEF2-5F08CC228174}"/>
+                <a16:creationId xmlns:a16="http://schemas.microsoft.com/office/drawing/2014/main" xmlns="" id="{415BEB9E-09A4-4964-BEF2-5F08CC228174}"/>
               </a:ext>
             </a:extLst>
           </p:cNvPr>
@@ -10065,7 +10277,7 @@
           <p:cNvPr id="13" name="모서리가 둥근 직사각형 2">
             <a:extLst>
               <a:ext uri="{FF2B5EF4-FFF2-40B4-BE49-F238E27FC236}">
-                <a16:creationId xmlns:a16="http://schemas.microsoft.com/office/drawing/2014/main" id="{B4D9F552-13FB-4506-AB41-D9127D4AC995}"/>
+                <a16:creationId xmlns:a16="http://schemas.microsoft.com/office/drawing/2014/main" xmlns="" id="{B4D9F552-13FB-4506-AB41-D9127D4AC995}"/>
               </a:ext>
             </a:extLst>
           </p:cNvPr>
@@ -10129,7 +10341,7 @@
           <p:cNvPr id="16" name="직선 연결선 15">
             <a:extLst>
               <a:ext uri="{FF2B5EF4-FFF2-40B4-BE49-F238E27FC236}">
-                <a16:creationId xmlns:a16="http://schemas.microsoft.com/office/drawing/2014/main" id="{A8F8D77A-3187-4AF4-AD2E-FB4918FFFAF2}"/>
+                <a16:creationId xmlns:a16="http://schemas.microsoft.com/office/drawing/2014/main" xmlns="" id="{A8F8D77A-3187-4AF4-AD2E-FB4918FFFAF2}"/>
               </a:ext>
             </a:extLst>
           </p:cNvPr>
@@ -10171,10 +10383,61 @@
       </p:cxnSp>
       <p:sp>
         <p:nvSpPr>
+          <p:cNvPr id="36" name="원호 35">
+            <a:extLst>
+              <a:ext uri="{FF2B5EF4-FFF2-40B4-BE49-F238E27FC236}">
+                <a16:creationId xmlns:a16="http://schemas.microsoft.com/office/drawing/2014/main" xmlns="" id="{8067F50F-2B56-41FA-BBBD-DA466ADB1A4C}"/>
+              </a:ext>
+            </a:extLst>
+          </p:cNvPr>
+          <p:cNvSpPr/>
+          <p:nvPr/>
+        </p:nvSpPr>
+        <p:spPr>
+          <a:xfrm rot="16200000" flipV="1">
+            <a:off x="652996" y="2490680"/>
+            <a:ext cx="2191825" cy="3298906"/>
+          </a:xfrm>
+          <a:prstGeom prst="arc">
+            <a:avLst/>
+          </a:prstGeom>
+          <a:ln w="28575">
+            <a:solidFill>
+              <a:srgbClr val="C00000"/>
+            </a:solidFill>
+            <a:headEnd type="arrow" w="med" len="med"/>
+            <a:tailEnd type="none" w="med" len="med"/>
+          </a:ln>
+        </p:spPr>
+        <p:style>
+          <a:lnRef idx="1">
+            <a:schemeClr val="accent1"/>
+          </a:lnRef>
+          <a:fillRef idx="0">
+            <a:schemeClr val="accent1"/>
+          </a:fillRef>
+          <a:effectRef idx="0">
+            <a:schemeClr val="accent1"/>
+          </a:effectRef>
+          <a:fontRef idx="minor">
+            <a:schemeClr val="tx1"/>
+          </a:fontRef>
+        </p:style>
+        <p:txBody>
+          <a:bodyPr rtlCol="0" anchor="ctr"/>
+          <a:lstStyle/>
+          <a:p>
+            <a:pPr algn="ctr"/>
+            <a:endParaRPr lang="ko-KR" altLang="en-US"/>
+          </a:p>
+        </p:txBody>
+      </p:sp>
+      <p:sp>
+        <p:nvSpPr>
           <p:cNvPr id="35" name="원호 34">
             <a:extLst>
               <a:ext uri="{FF2B5EF4-FFF2-40B4-BE49-F238E27FC236}">
-                <a16:creationId xmlns:a16="http://schemas.microsoft.com/office/drawing/2014/main" id="{559A272C-6A19-4942-B370-03E6B28031A5}"/>
+                <a16:creationId xmlns:a16="http://schemas.microsoft.com/office/drawing/2014/main" xmlns="" id="{559A272C-6A19-4942-B370-03E6B28031A5}"/>
               </a:ext>
             </a:extLst>
           </p:cNvPr>
@@ -10222,10 +10485,64 @@
       </p:sp>
       <p:sp>
         <p:nvSpPr>
+          <p:cNvPr id="37" name="원호 36">
+            <a:extLst>
+              <a:ext uri="{FF2B5EF4-FFF2-40B4-BE49-F238E27FC236}">
+                <a16:creationId xmlns:a16="http://schemas.microsoft.com/office/drawing/2014/main" xmlns="" id="{674BE5AF-DA0B-4BB3-9C00-B5639F54D83D}"/>
+              </a:ext>
+            </a:extLst>
+          </p:cNvPr>
+          <p:cNvSpPr/>
+          <p:nvPr/>
+        </p:nvSpPr>
+        <p:spPr>
+          <a:xfrm rot="10800000">
+            <a:off x="3041113" y="-787224"/>
+            <a:ext cx="2404522" cy="5045282"/>
+          </a:xfrm>
+          <a:prstGeom prst="arc">
+            <a:avLst>
+              <a:gd name="adj1" fmla="val 16777217"/>
+              <a:gd name="adj2" fmla="val 251780"/>
+            </a:avLst>
+          </a:prstGeom>
+          <a:ln w="28575">
+            <a:solidFill>
+              <a:srgbClr val="C00000"/>
+            </a:solidFill>
+            <a:headEnd type="none" w="med" len="med"/>
+            <a:tailEnd type="arrow" w="med" len="med"/>
+          </a:ln>
+        </p:spPr>
+        <p:style>
+          <a:lnRef idx="1">
+            <a:schemeClr val="accent1"/>
+          </a:lnRef>
+          <a:fillRef idx="0">
+            <a:schemeClr val="accent1"/>
+          </a:fillRef>
+          <a:effectRef idx="0">
+            <a:schemeClr val="accent1"/>
+          </a:effectRef>
+          <a:fontRef idx="minor">
+            <a:schemeClr val="tx1"/>
+          </a:fontRef>
+        </p:style>
+        <p:txBody>
+          <a:bodyPr rtlCol="0" anchor="ctr"/>
+          <a:lstStyle/>
+          <a:p>
+            <a:pPr algn="ctr"/>
+            <a:endParaRPr lang="ko-KR" altLang="en-US"/>
+          </a:p>
+        </p:txBody>
+      </p:sp>
+      <p:sp>
+        <p:nvSpPr>
           <p:cNvPr id="39" name="타원 38">
             <a:extLst>
               <a:ext uri="{FF2B5EF4-FFF2-40B4-BE49-F238E27FC236}">
-                <a16:creationId xmlns:a16="http://schemas.microsoft.com/office/drawing/2014/main" id="{A99570B1-7DB4-4E43-A58E-57058CA0F54A}"/>
+                <a16:creationId xmlns:a16="http://schemas.microsoft.com/office/drawing/2014/main" xmlns="" id="{A99570B1-7DB4-4E43-A58E-57058CA0F54A}"/>
               </a:ext>
             </a:extLst>
           </p:cNvPr>
@@ -10270,10 +10587,106 @@
       </p:sp>
       <p:sp>
         <p:nvSpPr>
+          <p:cNvPr id="40" name="타원 39">
+            <a:extLst>
+              <a:ext uri="{FF2B5EF4-FFF2-40B4-BE49-F238E27FC236}">
+                <a16:creationId xmlns:a16="http://schemas.microsoft.com/office/drawing/2014/main" xmlns="" id="{0F754A08-11C5-4F1A-B637-06012293F1C0}"/>
+              </a:ext>
+            </a:extLst>
+          </p:cNvPr>
+          <p:cNvSpPr/>
+          <p:nvPr/>
+        </p:nvSpPr>
+        <p:spPr>
+          <a:xfrm>
+            <a:off x="2835761" y="3291830"/>
+            <a:ext cx="288032" cy="288032"/>
+          </a:xfrm>
+          <a:prstGeom prst="ellipse">
+            <a:avLst/>
+          </a:prstGeom>
+        </p:spPr>
+        <p:style>
+          <a:lnRef idx="2">
+            <a:schemeClr val="dk1"/>
+          </a:lnRef>
+          <a:fillRef idx="1">
+            <a:schemeClr val="lt1"/>
+          </a:fillRef>
+          <a:effectRef idx="0">
+            <a:schemeClr val="dk1"/>
+          </a:effectRef>
+          <a:fontRef idx="minor">
+            <a:schemeClr val="dk1"/>
+          </a:fontRef>
+        </p:style>
+        <p:txBody>
+          <a:bodyPr rtlCol="0" anchor="ctr"/>
+          <a:lstStyle/>
+          <a:p>
+            <a:pPr algn="ctr"/>
+            <a:r>
+              <a:rPr lang="en-US" altLang="ko-KR"/>
+              <a:t>2</a:t>
+            </a:r>
+            <a:endParaRPr lang="ko-KR" altLang="en-US"/>
+          </a:p>
+        </p:txBody>
+      </p:sp>
+      <p:sp>
+        <p:nvSpPr>
+          <p:cNvPr id="42" name="타원 41">
+            <a:extLst>
+              <a:ext uri="{FF2B5EF4-FFF2-40B4-BE49-F238E27FC236}">
+                <a16:creationId xmlns:a16="http://schemas.microsoft.com/office/drawing/2014/main" xmlns="" id="{67E205F5-100A-4787-A0AC-5FBCBE2BB09D}"/>
+              </a:ext>
+            </a:extLst>
+          </p:cNvPr>
+          <p:cNvSpPr/>
+          <p:nvPr/>
+        </p:nvSpPr>
+        <p:spPr>
+          <a:xfrm>
+            <a:off x="3491880" y="3723878"/>
+            <a:ext cx="288032" cy="288032"/>
+          </a:xfrm>
+          <a:prstGeom prst="ellipse">
+            <a:avLst/>
+          </a:prstGeom>
+        </p:spPr>
+        <p:style>
+          <a:lnRef idx="2">
+            <a:schemeClr val="dk1"/>
+          </a:lnRef>
+          <a:fillRef idx="1">
+            <a:schemeClr val="lt1"/>
+          </a:fillRef>
+          <a:effectRef idx="0">
+            <a:schemeClr val="dk1"/>
+          </a:effectRef>
+          <a:fontRef idx="minor">
+            <a:schemeClr val="dk1"/>
+          </a:fontRef>
+        </p:style>
+        <p:txBody>
+          <a:bodyPr rtlCol="0" anchor="ctr"/>
+          <a:lstStyle/>
+          <a:p>
+            <a:pPr algn="ctr"/>
+            <a:r>
+              <a:rPr lang="en-US" altLang="ko-KR"/>
+              <a:t>3</a:t>
+            </a:r>
+            <a:endParaRPr lang="ko-KR" altLang="en-US"/>
+          </a:p>
+        </p:txBody>
+      </p:sp>
+      <p:sp>
+        <p:nvSpPr>
           <p:cNvPr id="81" name="모서리가 둥근 직사각형 2">
             <a:extLst>
               <a:ext uri="{FF2B5EF4-FFF2-40B4-BE49-F238E27FC236}">
-                <a16:creationId xmlns:a16="http://schemas.microsoft.com/office/drawing/2014/main" id="{AFB69950-68B0-473C-955E-3462CC086FC3}"/>
+                <a16:creationId xmlns:a16="http://schemas.microsoft.com/office/drawing/2014/main" xmlns="" id="{AFB69950-68B0-473C-955E-3462CC086FC3}"/>
               </a:ext>
             </a:extLst>
           </p:cNvPr>
@@ -10343,7 +10756,7 @@
           <p:cNvPr id="83" name="모서리가 둥근 직사각형 2">
             <a:extLst>
               <a:ext uri="{FF2B5EF4-FFF2-40B4-BE49-F238E27FC236}">
-                <a16:creationId xmlns:a16="http://schemas.microsoft.com/office/drawing/2014/main" id="{4049B3CA-B289-42C7-882F-5A4083100CFE}"/>
+                <a16:creationId xmlns:a16="http://schemas.microsoft.com/office/drawing/2014/main" xmlns="" id="{4049B3CA-B289-42C7-882F-5A4083100CFE}"/>
               </a:ext>
             </a:extLst>
           </p:cNvPr>
@@ -10413,7 +10826,7 @@
           <p:cNvPr id="41" name="TextBox 40">
             <a:extLst>
               <a:ext uri="{FF2B5EF4-FFF2-40B4-BE49-F238E27FC236}">
-                <a16:creationId xmlns:a16="http://schemas.microsoft.com/office/drawing/2014/main" id="{4C3440A4-D1A8-4C91-83F5-0ECB9206DE21}"/>
+                <a16:creationId xmlns:a16="http://schemas.microsoft.com/office/drawing/2014/main" xmlns="" id="{4C3440A4-D1A8-4C91-83F5-0ECB9206DE21}"/>
               </a:ext>
             </a:extLst>
           </p:cNvPr>
@@ -10422,8 +10835,8 @@
         </p:nvSpPr>
         <p:spPr>
           <a:xfrm>
-            <a:off x="4657074" y="3703613"/>
-            <a:ext cx="2160240" cy="338554"/>
+            <a:off x="4644008" y="4148093"/>
+            <a:ext cx="1872208" cy="338554"/>
           </a:xfrm>
           <a:prstGeom prst="rect">
             <a:avLst/>
@@ -10450,13 +10863,17 @@
           <a:lstStyle/>
           <a:p>
             <a:pPr algn="ctr"/>
+            <a:r>
+              <a:rPr lang="en-US" altLang="ko-KR" sz="1600"/>
+              <a:t>DSCP-</a:t>
+            </a:r>
             <a:r>
               <a:rPr lang="en-US" altLang="ko-KR" sz="1600">
                 <a:solidFill>
                   <a:srgbClr val="C00000"/>
                 </a:solidFill>
               </a:rPr>
-              <a:t>Tunnel-Green</a:t>
+              <a:t>0x1</a:t>
             </a:r>
             <a:endParaRPr lang="ko-KR" altLang="en-US" sz="1600">
               <a:solidFill>
@@ -10471,7 +10888,7 @@
           <p:cNvPr id="76" name="TextBox 75">
             <a:extLst>
               <a:ext uri="{FF2B5EF4-FFF2-40B4-BE49-F238E27FC236}">
-                <a16:creationId xmlns:a16="http://schemas.microsoft.com/office/drawing/2014/main" id="{18737A61-C97F-4007-88AC-84327006DBB3}"/>
+                <a16:creationId xmlns:a16="http://schemas.microsoft.com/office/drawing/2014/main" xmlns="" id="{18737A61-C97F-4007-88AC-84327006DBB3}"/>
               </a:ext>
             </a:extLst>
           </p:cNvPr>
@@ -10480,7 +10897,7 @@
         </p:nvSpPr>
         <p:spPr>
           <a:xfrm>
-            <a:off x="4801090" y="1467796"/>
+            <a:off x="4644008" y="1577944"/>
             <a:ext cx="1872208" cy="338554"/>
           </a:xfrm>
           <a:prstGeom prst="rect">
@@ -10518,10 +10935,10 @@
       </p:sp>
       <p:sp>
         <p:nvSpPr>
-          <p:cNvPr id="78" name="TextBox 77">
-            <a:extLst>
-              <a:ext uri="{FF2B5EF4-FFF2-40B4-BE49-F238E27FC236}">
-                <a16:creationId xmlns:a16="http://schemas.microsoft.com/office/drawing/2014/main" id="{09BA3111-575F-4009-B382-09BA499B5802}"/>
+          <p:cNvPr id="77" name="TextBox 76">
+            <a:extLst>
+              <a:ext uri="{FF2B5EF4-FFF2-40B4-BE49-F238E27FC236}">
+                <a16:creationId xmlns:a16="http://schemas.microsoft.com/office/drawing/2014/main" xmlns="" id="{E40393A5-6DBA-43CE-874F-E1772FFA3982}"/>
               </a:ext>
             </a:extLst>
           </p:cNvPr>
@@ -10530,8 +10947,8 @@
         </p:nvSpPr>
         <p:spPr>
           <a:xfrm>
-            <a:off x="4657074" y="3030933"/>
-            <a:ext cx="2160240" cy="338554"/>
+            <a:off x="4644008" y="1912173"/>
+            <a:ext cx="1872208" cy="338554"/>
           </a:xfrm>
           <a:prstGeom prst="rect">
             <a:avLst/>
@@ -10558,13 +10975,125 @@
           <a:lstStyle/>
           <a:p>
             <a:pPr algn="ctr"/>
+            <a:r>
+              <a:rPr lang="en-US" altLang="ko-KR" sz="1600"/>
+              <a:t>DSCP-0x0</a:t>
+            </a:r>
+            <a:endParaRPr lang="ko-KR" altLang="en-US" sz="1600">
+              <a:solidFill>
+                <a:srgbClr val="C00000"/>
+              </a:solidFill>
+            </a:endParaRPr>
+          </a:p>
+        </p:txBody>
+      </p:sp>
+      <p:sp>
+        <p:nvSpPr>
+          <p:cNvPr id="78" name="TextBox 77">
+            <a:extLst>
+              <a:ext uri="{FF2B5EF4-FFF2-40B4-BE49-F238E27FC236}">
+                <a16:creationId xmlns:a16="http://schemas.microsoft.com/office/drawing/2014/main" xmlns="" id="{09BA3111-575F-4009-B382-09BA499B5802}"/>
+              </a:ext>
+            </a:extLst>
+          </p:cNvPr>
+          <p:cNvSpPr txBox="1"/>
+          <p:nvPr/>
+        </p:nvSpPr>
+        <p:spPr>
+          <a:xfrm>
+            <a:off x="4644008" y="3475413"/>
+            <a:ext cx="1872208" cy="338554"/>
+          </a:xfrm>
+          <a:prstGeom prst="rect">
+            <a:avLst/>
+          </a:prstGeom>
+        </p:spPr>
+        <p:style>
+          <a:lnRef idx="2">
+            <a:schemeClr val="dk1"/>
+          </a:lnRef>
+          <a:fillRef idx="1">
+            <a:schemeClr val="lt1"/>
+          </a:fillRef>
+          <a:effectRef idx="0">
+            <a:schemeClr val="dk1"/>
+          </a:effectRef>
+          <a:fontRef idx="minor">
+            <a:schemeClr val="dk1"/>
+          </a:fontRef>
+        </p:style>
+        <p:txBody>
+          <a:bodyPr wrap="square" rtlCol="0">
+            <a:spAutoFit/>
+          </a:bodyPr>
+          <a:lstStyle/>
+          <a:p>
+            <a:pPr algn="ctr"/>
+            <a:r>
+              <a:rPr lang="en-US" altLang="ko-KR" sz="1600"/>
+              <a:t>Src-1.1.1.10</a:t>
+            </a:r>
+            <a:endParaRPr lang="ko-KR" altLang="en-US" sz="1600"/>
+          </a:p>
+        </p:txBody>
+      </p:sp>
+      <p:sp>
+        <p:nvSpPr>
+          <p:cNvPr id="79" name="TextBox 78">
+            <a:extLst>
+              <a:ext uri="{FF2B5EF4-FFF2-40B4-BE49-F238E27FC236}">
+                <a16:creationId xmlns:a16="http://schemas.microsoft.com/office/drawing/2014/main" xmlns="" id="{2D7B5FF1-C977-4E6E-969B-D9F212AD8C35}"/>
+              </a:ext>
+            </a:extLst>
+          </p:cNvPr>
+          <p:cNvSpPr txBox="1"/>
+          <p:nvPr/>
+        </p:nvSpPr>
+        <p:spPr>
+          <a:xfrm>
+            <a:off x="4644008" y="3809642"/>
+            <a:ext cx="1872208" cy="338554"/>
+          </a:xfrm>
+          <a:prstGeom prst="rect">
+            <a:avLst/>
+          </a:prstGeom>
+        </p:spPr>
+        <p:style>
+          <a:lnRef idx="2">
+            <a:schemeClr val="dk1"/>
+          </a:lnRef>
+          <a:fillRef idx="1">
+            <a:schemeClr val="lt1"/>
+          </a:fillRef>
+          <a:effectRef idx="0">
+            <a:schemeClr val="dk1"/>
+          </a:effectRef>
+          <a:fontRef idx="minor">
+            <a:schemeClr val="dk1"/>
+          </a:fontRef>
+        </p:style>
+        <p:txBody>
+          <a:bodyPr wrap="square" rtlCol="0">
+            <a:spAutoFit/>
+          </a:bodyPr>
+          <a:lstStyle/>
+          <a:p>
+            <a:pPr algn="ctr"/>
+            <a:r>
+              <a:rPr lang="en-US" altLang="ko-KR" sz="1600">
+                <a:solidFill>
+                  <a:schemeClr val="tx1"/>
+                </a:solidFill>
+              </a:rPr>
+              <a:t>Dst-</a:t>
+            </a:r>
             <a:r>
               <a:rPr lang="en-US" altLang="ko-KR" sz="1600">
                 <a:solidFill>
                   <a:srgbClr val="C00000"/>
                 </a:solidFill>
               </a:rPr>
-              <a:t>Outer / Src-X.X.X.X</a:t>
+              <a:t>3.3.3.20</a:t>
             </a:r>
             <a:endParaRPr lang="ko-KR" altLang="en-US" sz="1600">
               <a:solidFill>
@@ -10574,82 +11103,25 @@
           </a:p>
         </p:txBody>
       </p:sp>
-      <p:sp>
-        <p:nvSpPr>
-          <p:cNvPr id="79" name="TextBox 78">
-            <a:extLst>
-              <a:ext uri="{FF2B5EF4-FFF2-40B4-BE49-F238E27FC236}">
-                <a16:creationId xmlns:a16="http://schemas.microsoft.com/office/drawing/2014/main" id="{2D7B5FF1-C977-4E6E-969B-D9F212AD8C35}"/>
-              </a:ext>
-            </a:extLst>
-          </p:cNvPr>
-          <p:cNvSpPr txBox="1"/>
-          <p:nvPr/>
-        </p:nvSpPr>
-        <p:spPr>
-          <a:xfrm>
-            <a:off x="4657074" y="3365162"/>
-            <a:ext cx="2160240" cy="338554"/>
-          </a:xfrm>
-          <a:prstGeom prst="rect">
-            <a:avLst/>
-          </a:prstGeom>
-        </p:spPr>
-        <p:style>
-          <a:lnRef idx="2">
-            <a:schemeClr val="dk1"/>
-          </a:lnRef>
-          <a:fillRef idx="1">
-            <a:schemeClr val="lt1"/>
-          </a:fillRef>
-          <a:effectRef idx="0">
-            <a:schemeClr val="dk1"/>
-          </a:effectRef>
-          <a:fontRef idx="minor">
-            <a:schemeClr val="dk1"/>
-          </a:fontRef>
-        </p:style>
-        <p:txBody>
-          <a:bodyPr wrap="square" rtlCol="0">
-            <a:spAutoFit/>
-          </a:bodyPr>
-          <a:lstStyle/>
-          <a:p>
-            <a:pPr algn="ctr"/>
-            <a:r>
-              <a:rPr lang="en-US" altLang="ko-KR" sz="1600">
-                <a:solidFill>
-                  <a:srgbClr val="C00000"/>
-                </a:solidFill>
-              </a:rPr>
-              <a:t>Outer / Dst-X.X.X.X</a:t>
-            </a:r>
-            <a:endParaRPr lang="ko-KR" altLang="en-US" sz="1600">
-              <a:solidFill>
-                <a:srgbClr val="C00000"/>
-              </a:solidFill>
-            </a:endParaRPr>
-          </a:p>
-        </p:txBody>
-      </p:sp>
       <p:cxnSp>
         <p:nvCxnSpPr>
           <p:cNvPr id="86" name="직선 연결선 85">
             <a:extLst>
               <a:ext uri="{FF2B5EF4-FFF2-40B4-BE49-F238E27FC236}">
-                <a16:creationId xmlns:a16="http://schemas.microsoft.com/office/drawing/2014/main" id="{1479DC70-7E2D-41D8-A0FD-CF6869060283}"/>
+                <a16:creationId xmlns:a16="http://schemas.microsoft.com/office/drawing/2014/main" xmlns="" id="{1479DC70-7E2D-41D8-A0FD-CF6869060283}"/>
               </a:ext>
             </a:extLst>
           </p:cNvPr>
           <p:cNvCxnSpPr>
             <a:cxnSpLocks/>
+            <a:stCxn id="77" idx="2"/>
             <a:endCxn id="78" idx="0"/>
           </p:cNvCxnSpPr>
           <p:nvPr/>
         </p:nvCxnSpPr>
         <p:spPr>
           <a:xfrm>
-            <a:off x="5737194" y="1806247"/>
+            <a:off x="5580112" y="2250727"/>
             <a:ext cx="0" cy="1224686"/>
           </a:xfrm>
           <a:prstGeom prst="line">
@@ -10683,7 +11155,7 @@
           <p:cNvPr id="88" name="모서리가 둥근 직사각형 2">
             <a:extLst>
               <a:ext uri="{FF2B5EF4-FFF2-40B4-BE49-F238E27FC236}">
-                <a16:creationId xmlns:a16="http://schemas.microsoft.com/office/drawing/2014/main" id="{F0ADCA8D-2691-43F9-8EFE-AF92F2B41A98}"/>
+                <a16:creationId xmlns:a16="http://schemas.microsoft.com/office/drawing/2014/main" xmlns="" id="{F0ADCA8D-2691-43F9-8EFE-AF92F2B41A98}"/>
               </a:ext>
             </a:extLst>
           </p:cNvPr>
@@ -10692,8 +11164,8 @@
         </p:nvSpPr>
         <p:spPr>
           <a:xfrm>
-            <a:off x="4958172" y="2137219"/>
-            <a:ext cx="1558044" cy="557370"/>
+            <a:off x="4730611" y="2581699"/>
+            <a:ext cx="1699002" cy="557370"/>
           </a:xfrm>
           <a:prstGeom prst="roundRect">
             <a:avLst>
@@ -10722,7 +11194,14 @@
             <a:pPr algn="ctr"/>
             <a:r>
               <a:rPr lang="en-US" altLang="ko-KR" sz="1600"/>
-              <a:t>Encapsulation</a:t>
+              <a:t>Dst IP, DSCP</a:t>
+            </a:r>
+          </a:p>
+          <a:p>
+            <a:pPr algn="ctr"/>
+            <a:r>
+              <a:rPr lang="en-US" altLang="ko-KR" sz="1600"/>
+              <a:t>Translation</a:t>
             </a:r>
             <a:endParaRPr lang="ko-KR" altLang="en-US" sz="1600"/>
           </a:p>
@@ -10733,7 +11212,7 @@
           <p:cNvPr id="91" name="타원 90">
             <a:extLst>
               <a:ext uri="{FF2B5EF4-FFF2-40B4-BE49-F238E27FC236}">
-                <a16:creationId xmlns:a16="http://schemas.microsoft.com/office/drawing/2014/main" id="{100ECB68-8B92-4374-83D7-18F2E62BD20D}"/>
+                <a16:creationId xmlns:a16="http://schemas.microsoft.com/office/drawing/2014/main" xmlns="" id="{100ECB68-8B92-4374-83D7-18F2E62BD20D}"/>
               </a:ext>
             </a:extLst>
           </p:cNvPr>
@@ -10742,7 +11221,7 @@
         </p:nvSpPr>
         <p:spPr>
           <a:xfrm>
-            <a:off x="4509042" y="2886367"/>
+            <a:off x="4513058" y="3331397"/>
             <a:ext cx="288032" cy="288032"/>
           </a:xfrm>
           <a:prstGeom prst="ellipse">
@@ -10781,7 +11260,7 @@
           <p:cNvPr id="94" name="TextBox 93">
             <a:extLst>
               <a:ext uri="{FF2B5EF4-FFF2-40B4-BE49-F238E27FC236}">
-                <a16:creationId xmlns:a16="http://schemas.microsoft.com/office/drawing/2014/main" id="{490AE2BF-BD19-4E22-BF0D-20653C11CBAE}"/>
+                <a16:creationId xmlns:a16="http://schemas.microsoft.com/office/drawing/2014/main" xmlns="" id="{490AE2BF-BD19-4E22-BF0D-20653C11CBAE}"/>
               </a:ext>
             </a:extLst>
           </p:cNvPr>
@@ -10790,7 +11269,7 @@
         </p:nvSpPr>
         <p:spPr>
           <a:xfrm>
-            <a:off x="4801090" y="1136927"/>
+            <a:off x="4644008" y="1239390"/>
             <a:ext cx="1872208" cy="338554"/>
           </a:xfrm>
           <a:prstGeom prst="rect">
@@ -10831,7 +11310,7 @@
           <p:cNvPr id="90" name="타원 89">
             <a:extLst>
               <a:ext uri="{FF2B5EF4-FFF2-40B4-BE49-F238E27FC236}">
-                <a16:creationId xmlns:a16="http://schemas.microsoft.com/office/drawing/2014/main" id="{46645BF3-91D4-488D-91F7-E23D8E751ED0}"/>
+                <a16:creationId xmlns:a16="http://schemas.microsoft.com/office/drawing/2014/main" xmlns="" id="{46645BF3-91D4-488D-91F7-E23D8E751ED0}"/>
               </a:ext>
             </a:extLst>
           </p:cNvPr>
@@ -10840,7 +11319,7 @@
         </p:nvSpPr>
         <p:spPr>
           <a:xfrm>
-            <a:off x="4670140" y="987574"/>
+            <a:off x="4513058" y="1097722"/>
             <a:ext cx="288032" cy="288032"/>
           </a:xfrm>
           <a:prstGeom prst="ellipse">
@@ -10879,7 +11358,7 @@
           <p:cNvPr id="34" name="모서리가 둥근 직사각형 2">
             <a:extLst>
               <a:ext uri="{FF2B5EF4-FFF2-40B4-BE49-F238E27FC236}">
-                <a16:creationId xmlns:a16="http://schemas.microsoft.com/office/drawing/2014/main" id="{4FB59714-732C-4DC0-848C-5E32F3B4EECA}"/>
+                <a16:creationId xmlns:a16="http://schemas.microsoft.com/office/drawing/2014/main" xmlns="" id="{4FB59714-732C-4DC0-848C-5E32F3B4EECA}"/>
               </a:ext>
             </a:extLst>
           </p:cNvPr>
@@ -10888,8 +11367,8 @@
         </p:nvSpPr>
         <p:spPr>
           <a:xfrm>
-            <a:off x="194077" y="1275606"/>
-            <a:ext cx="1528920" cy="823274"/>
+            <a:off x="271008" y="1244420"/>
+            <a:ext cx="1420672" cy="823274"/>
           </a:xfrm>
           <a:prstGeom prst="roundRect">
             <a:avLst>
@@ -10921,21 +11400,21 @@
             <a:pPr algn="ctr"/>
             <a:r>
               <a:rPr lang="en-US" altLang="ko-KR" sz="1400"/>
-              <a:t>Tunnel    VIP</a:t>
+              <a:t>DSCP    VIP</a:t>
             </a:r>
           </a:p>
           <a:p>
             <a:pPr algn="ctr"/>
             <a:r>
               <a:rPr lang="en-US" altLang="ko-KR" sz="1400"/>
-              <a:t>  Green  2.2.2.5</a:t>
+              <a:t>   0x1   2.2.2.5</a:t>
             </a:r>
           </a:p>
           <a:p>
             <a:pPr algn="ctr"/>
             <a:r>
               <a:rPr lang="en-US" altLang="ko-KR" sz="1400"/>
-              <a:t>  Yellow  2.2.2.6</a:t>
+              <a:t>   0x2   2.2.2.6</a:t>
             </a:r>
             <a:endParaRPr lang="en-US" altLang="ko-KR" sz="1200"/>
           </a:p>
@@ -10943,10 +11422,10 @@
       </p:sp>
       <p:sp>
         <p:nvSpPr>
-          <p:cNvPr id="45" name="TextBox 44">
-            <a:extLst>
-              <a:ext uri="{FF2B5EF4-FFF2-40B4-BE49-F238E27FC236}">
-                <a16:creationId xmlns:a16="http://schemas.microsoft.com/office/drawing/2014/main" id="{331764E4-B047-4B67-8F18-BBABEB5AB761}"/>
+          <p:cNvPr id="38" name="TextBox 37">
+            <a:extLst>
+              <a:ext uri="{FF2B5EF4-FFF2-40B4-BE49-F238E27FC236}">
+                <a16:creationId xmlns:a16="http://schemas.microsoft.com/office/drawing/2014/main" xmlns="" id="{BEE9224B-F1C0-4CFD-8591-94B65335CACC}"/>
               </a:ext>
             </a:extLst>
           </p:cNvPr>
@@ -10955,7 +11434,7 @@
         </p:nvSpPr>
         <p:spPr>
           <a:xfrm>
-            <a:off x="7020272" y="2067694"/>
+            <a:off x="6863190" y="3028406"/>
             <a:ext cx="1872208" cy="338554"/>
           </a:xfrm>
           <a:prstGeom prst="rect">
@@ -10984,6 +11463,64 @@
           <a:p>
             <a:pPr algn="ctr"/>
             <a:r>
+              <a:rPr lang="en-US" altLang="ko-KR" sz="1600">
+                <a:solidFill>
+                  <a:schemeClr val="tx1"/>
+                </a:solidFill>
+              </a:rPr>
+              <a:t>DSCP-0x0</a:t>
+            </a:r>
+            <a:endParaRPr lang="ko-KR" altLang="en-US" sz="1600">
+              <a:solidFill>
+                <a:schemeClr val="tx1"/>
+              </a:solidFill>
+            </a:endParaRPr>
+          </a:p>
+        </p:txBody>
+      </p:sp>
+      <p:sp>
+        <p:nvSpPr>
+          <p:cNvPr id="45" name="TextBox 44">
+            <a:extLst>
+              <a:ext uri="{FF2B5EF4-FFF2-40B4-BE49-F238E27FC236}">
+                <a16:creationId xmlns:a16="http://schemas.microsoft.com/office/drawing/2014/main" xmlns="" id="{331764E4-B047-4B67-8F18-BBABEB5AB761}"/>
+              </a:ext>
+            </a:extLst>
+          </p:cNvPr>
+          <p:cNvSpPr txBox="1"/>
+          <p:nvPr/>
+        </p:nvSpPr>
+        <p:spPr>
+          <a:xfrm>
+            <a:off x="6863190" y="2355726"/>
+            <a:ext cx="1872208" cy="338554"/>
+          </a:xfrm>
+          <a:prstGeom prst="rect">
+            <a:avLst/>
+          </a:prstGeom>
+        </p:spPr>
+        <p:style>
+          <a:lnRef idx="2">
+            <a:schemeClr val="dk1"/>
+          </a:lnRef>
+          <a:fillRef idx="1">
+            <a:schemeClr val="lt1"/>
+          </a:fillRef>
+          <a:effectRef idx="0">
+            <a:schemeClr val="dk1"/>
+          </a:effectRef>
+          <a:fontRef idx="minor">
+            <a:schemeClr val="dk1"/>
+          </a:fontRef>
+        </p:style>
+        <p:txBody>
+          <a:bodyPr wrap="square" rtlCol="0">
+            <a:spAutoFit/>
+          </a:bodyPr>
+          <a:lstStyle/>
+          <a:p>
+            <a:pPr algn="ctr"/>
+            <a:r>
               <a:rPr lang="en-US" altLang="ko-KR" sz="1600"/>
               <a:t>Src-2.2.2.5</a:t>
             </a:r>
@@ -10996,7 +11533,7 @@
           <p:cNvPr id="46" name="TextBox 45">
             <a:extLst>
               <a:ext uri="{FF2B5EF4-FFF2-40B4-BE49-F238E27FC236}">
-                <a16:creationId xmlns:a16="http://schemas.microsoft.com/office/drawing/2014/main" id="{EE9DB8FF-7A3D-4A4E-AABA-9743C1E64FE8}"/>
+                <a16:creationId xmlns:a16="http://schemas.microsoft.com/office/drawing/2014/main" xmlns="" id="{EE9DB8FF-7A3D-4A4E-AABA-9743C1E64FE8}"/>
               </a:ext>
             </a:extLst>
           </p:cNvPr>
@@ -11005,7 +11542,7 @@
         </p:nvSpPr>
         <p:spPr>
           <a:xfrm>
-            <a:off x="7020272" y="2401923"/>
+            <a:off x="6863190" y="2689955"/>
             <a:ext cx="1872208" cy="338554"/>
           </a:xfrm>
           <a:prstGeom prst="rect">
@@ -11058,7 +11595,7 @@
           <p:cNvPr id="49" name="타원 48">
             <a:extLst>
               <a:ext uri="{FF2B5EF4-FFF2-40B4-BE49-F238E27FC236}">
-                <a16:creationId xmlns:a16="http://schemas.microsoft.com/office/drawing/2014/main" id="{FB822E29-2654-468A-ACFC-00B7DEB0EE00}"/>
+                <a16:creationId xmlns:a16="http://schemas.microsoft.com/office/drawing/2014/main" xmlns="" id="{FB822E29-2654-468A-ACFC-00B7DEB0EE00}"/>
               </a:ext>
             </a:extLst>
           </p:cNvPr>
@@ -11067,7 +11604,7 @@
         </p:nvSpPr>
         <p:spPr>
           <a:xfrm>
-            <a:off x="6889322" y="1923678"/>
+            <a:off x="6732240" y="2211710"/>
             <a:ext cx="288032" cy="288032"/>
           </a:xfrm>
           <a:prstGeom prst="ellipse">
@@ -11101,561 +11638,26 @@
           </a:p>
         </p:txBody>
       </p:sp>
-      <p:sp>
-        <p:nvSpPr>
-          <p:cNvPr id="4" name="원통형 3">
-            <a:extLst>
-              <a:ext uri="{FF2B5EF4-FFF2-40B4-BE49-F238E27FC236}">
-                <a16:creationId xmlns:a16="http://schemas.microsoft.com/office/drawing/2014/main" id="{54DEECD0-043A-459E-85BC-C218948BA83F}"/>
-              </a:ext>
-            </a:extLst>
-          </p:cNvPr>
-          <p:cNvSpPr/>
-          <p:nvPr/>
-        </p:nvSpPr>
-        <p:spPr>
-          <a:xfrm rot="19297324">
-            <a:off x="1288145" y="3048809"/>
-            <a:ext cx="145852" cy="1193028"/>
-          </a:xfrm>
-          <a:prstGeom prst="can">
-            <a:avLst/>
-          </a:prstGeom>
-        </p:spPr>
-        <p:style>
-          <a:lnRef idx="2">
-            <a:schemeClr val="accent3">
-              <a:shade val="50000"/>
-            </a:schemeClr>
-          </a:lnRef>
-          <a:fillRef idx="1">
-            <a:schemeClr val="accent3"/>
-          </a:fillRef>
-          <a:effectRef idx="0">
-            <a:schemeClr val="accent3"/>
-          </a:effectRef>
-          <a:fontRef idx="minor">
-            <a:schemeClr val="lt1"/>
-          </a:fontRef>
-        </p:style>
-        <p:txBody>
-          <a:bodyPr rtlCol="0" anchor="ctr"/>
-          <a:lstStyle/>
-          <a:p>
-            <a:pPr algn="ctr"/>
-            <a:endParaRPr lang="ko-KR" altLang="en-US"/>
-          </a:p>
-        </p:txBody>
-      </p:sp>
-      <p:sp>
-        <p:nvSpPr>
-          <p:cNvPr id="43" name="원통형 42">
-            <a:extLst>
-              <a:ext uri="{FF2B5EF4-FFF2-40B4-BE49-F238E27FC236}">
-                <a16:creationId xmlns:a16="http://schemas.microsoft.com/office/drawing/2014/main" id="{EC086770-0CC0-4514-B96C-CE82E68E3CF0}"/>
-              </a:ext>
-            </a:extLst>
-          </p:cNvPr>
-          <p:cNvSpPr/>
-          <p:nvPr/>
-        </p:nvSpPr>
-        <p:spPr>
-          <a:xfrm rot="19297324">
-            <a:off x="1499644" y="3048809"/>
-            <a:ext cx="145852" cy="1193028"/>
-          </a:xfrm>
-          <a:prstGeom prst="can">
-            <a:avLst/>
-          </a:prstGeom>
-        </p:spPr>
-        <p:style>
-          <a:lnRef idx="2">
-            <a:schemeClr val="accent6">
-              <a:shade val="50000"/>
-            </a:schemeClr>
-          </a:lnRef>
-          <a:fillRef idx="1">
-            <a:schemeClr val="accent6"/>
-          </a:fillRef>
-          <a:effectRef idx="0">
-            <a:schemeClr val="accent6"/>
-          </a:effectRef>
-          <a:fontRef idx="minor">
-            <a:schemeClr val="lt1"/>
-          </a:fontRef>
-        </p:style>
-        <p:txBody>
-          <a:bodyPr rtlCol="0" anchor="ctr"/>
-          <a:lstStyle/>
-          <a:p>
-            <a:pPr algn="ctr"/>
-            <a:endParaRPr lang="ko-KR" altLang="en-US"/>
-          </a:p>
-        </p:txBody>
-      </p:sp>
-      <p:sp>
-        <p:nvSpPr>
-          <p:cNvPr id="44" name="원통형 43">
-            <a:extLst>
-              <a:ext uri="{FF2B5EF4-FFF2-40B4-BE49-F238E27FC236}">
-                <a16:creationId xmlns:a16="http://schemas.microsoft.com/office/drawing/2014/main" id="{28328395-AB82-4A07-AB48-C2AC7F2122ED}"/>
-              </a:ext>
-            </a:extLst>
-          </p:cNvPr>
-          <p:cNvSpPr/>
-          <p:nvPr/>
-        </p:nvSpPr>
-        <p:spPr>
-          <a:xfrm rot="17687049">
-            <a:off x="2357646" y="2538696"/>
-            <a:ext cx="138738" cy="2190317"/>
-          </a:xfrm>
-          <a:prstGeom prst="can">
-            <a:avLst/>
-          </a:prstGeom>
-        </p:spPr>
-        <p:style>
-          <a:lnRef idx="2">
-            <a:schemeClr val="accent3">
-              <a:shade val="50000"/>
-            </a:schemeClr>
-          </a:lnRef>
-          <a:fillRef idx="1">
-            <a:schemeClr val="accent3"/>
-          </a:fillRef>
-          <a:effectRef idx="0">
-            <a:schemeClr val="accent3"/>
-          </a:effectRef>
-          <a:fontRef idx="minor">
-            <a:schemeClr val="lt1"/>
-          </a:fontRef>
-        </p:style>
-        <p:txBody>
-          <a:bodyPr rtlCol="0" anchor="ctr"/>
-          <a:lstStyle/>
-          <a:p>
-            <a:pPr algn="ctr"/>
-            <a:endParaRPr lang="ko-KR" altLang="en-US"/>
-          </a:p>
-        </p:txBody>
-      </p:sp>
-      <p:sp>
-        <p:nvSpPr>
-          <p:cNvPr id="47" name="원통형 46">
-            <a:extLst>
-              <a:ext uri="{FF2B5EF4-FFF2-40B4-BE49-F238E27FC236}">
-                <a16:creationId xmlns:a16="http://schemas.microsoft.com/office/drawing/2014/main" id="{FD0F6616-1B79-44B7-A319-BAF53BE51FFC}"/>
-              </a:ext>
-            </a:extLst>
-          </p:cNvPr>
-          <p:cNvSpPr/>
-          <p:nvPr/>
-        </p:nvSpPr>
-        <p:spPr>
-          <a:xfrm rot="17687049">
-            <a:off x="2696226" y="2538697"/>
-            <a:ext cx="138738" cy="2190317"/>
-          </a:xfrm>
-          <a:prstGeom prst="can">
-            <a:avLst/>
-          </a:prstGeom>
-        </p:spPr>
-        <p:style>
-          <a:lnRef idx="2">
-            <a:schemeClr val="accent6">
-              <a:shade val="50000"/>
-            </a:schemeClr>
-          </a:lnRef>
-          <a:fillRef idx="1">
-            <a:schemeClr val="accent6"/>
-          </a:fillRef>
-          <a:effectRef idx="0">
-            <a:schemeClr val="accent6"/>
-          </a:effectRef>
-          <a:fontRef idx="minor">
-            <a:schemeClr val="lt1"/>
-          </a:fontRef>
-        </p:style>
-        <p:txBody>
-          <a:bodyPr rtlCol="0" anchor="ctr"/>
-          <a:lstStyle/>
-          <a:p>
-            <a:pPr algn="ctr"/>
-            <a:endParaRPr lang="ko-KR" altLang="en-US"/>
-          </a:p>
-        </p:txBody>
-      </p:sp>
-      <p:sp>
-        <p:nvSpPr>
-          <p:cNvPr id="36" name="원호 35">
-            <a:extLst>
-              <a:ext uri="{FF2B5EF4-FFF2-40B4-BE49-F238E27FC236}">
-                <a16:creationId xmlns:a16="http://schemas.microsoft.com/office/drawing/2014/main" id="{8067F50F-2B56-41FA-BBBD-DA466ADB1A4C}"/>
-              </a:ext>
-            </a:extLst>
-          </p:cNvPr>
-          <p:cNvSpPr/>
-          <p:nvPr/>
-        </p:nvSpPr>
-        <p:spPr>
-          <a:xfrm rot="16200000" flipV="1">
-            <a:off x="652996" y="2490680"/>
-            <a:ext cx="2191825" cy="3298906"/>
-          </a:xfrm>
-          <a:prstGeom prst="arc">
-            <a:avLst/>
-          </a:prstGeom>
-          <a:ln w="28575">
-            <a:solidFill>
-              <a:srgbClr val="C00000"/>
-            </a:solidFill>
-            <a:headEnd type="arrow" w="med" len="med"/>
-            <a:tailEnd type="none" w="med" len="med"/>
-          </a:ln>
-        </p:spPr>
-        <p:style>
-          <a:lnRef idx="1">
-            <a:schemeClr val="accent1"/>
-          </a:lnRef>
-          <a:fillRef idx="0">
-            <a:schemeClr val="accent1"/>
-          </a:fillRef>
-          <a:effectRef idx="0">
-            <a:schemeClr val="accent1"/>
-          </a:effectRef>
-          <a:fontRef idx="minor">
-            <a:schemeClr val="tx1"/>
-          </a:fontRef>
-        </p:style>
-        <p:txBody>
-          <a:bodyPr rtlCol="0" anchor="ctr"/>
-          <a:lstStyle/>
-          <a:p>
-            <a:pPr algn="ctr"/>
-            <a:endParaRPr lang="ko-KR" altLang="en-US"/>
-          </a:p>
-        </p:txBody>
-      </p:sp>
-      <p:sp>
-        <p:nvSpPr>
-          <p:cNvPr id="40" name="타원 39">
-            <a:extLst>
-              <a:ext uri="{FF2B5EF4-FFF2-40B4-BE49-F238E27FC236}">
-                <a16:creationId xmlns:a16="http://schemas.microsoft.com/office/drawing/2014/main" id="{0F754A08-11C5-4F1A-B637-06012293F1C0}"/>
-              </a:ext>
-            </a:extLst>
-          </p:cNvPr>
-          <p:cNvSpPr/>
-          <p:nvPr/>
-        </p:nvSpPr>
-        <p:spPr>
-          <a:xfrm>
-            <a:off x="2835761" y="3291830"/>
-            <a:ext cx="288032" cy="288032"/>
-          </a:xfrm>
-          <a:prstGeom prst="ellipse">
-            <a:avLst/>
-          </a:prstGeom>
-        </p:spPr>
-        <p:style>
-          <a:lnRef idx="2">
-            <a:schemeClr val="dk1"/>
-          </a:lnRef>
-          <a:fillRef idx="1">
-            <a:schemeClr val="lt1"/>
-          </a:fillRef>
-          <a:effectRef idx="0">
-            <a:schemeClr val="dk1"/>
-          </a:effectRef>
-          <a:fontRef idx="minor">
-            <a:schemeClr val="dk1"/>
-          </a:fontRef>
-        </p:style>
-        <p:txBody>
-          <a:bodyPr rtlCol="0" anchor="ctr"/>
-          <a:lstStyle/>
-          <a:p>
-            <a:pPr algn="ctr"/>
-            <a:r>
-              <a:rPr lang="en-US" altLang="ko-KR"/>
-              <a:t>2</a:t>
-            </a:r>
-            <a:endParaRPr lang="ko-KR" altLang="en-US"/>
-          </a:p>
-        </p:txBody>
-      </p:sp>
-      <p:sp>
-        <p:nvSpPr>
-          <p:cNvPr id="37" name="원호 36">
-            <a:extLst>
-              <a:ext uri="{FF2B5EF4-FFF2-40B4-BE49-F238E27FC236}">
-                <a16:creationId xmlns:a16="http://schemas.microsoft.com/office/drawing/2014/main" id="{674BE5AF-DA0B-4BB3-9C00-B5639F54D83D}"/>
-              </a:ext>
-            </a:extLst>
-          </p:cNvPr>
-          <p:cNvSpPr/>
-          <p:nvPr/>
-        </p:nvSpPr>
-        <p:spPr>
-          <a:xfrm rot="10800000">
-            <a:off x="3041113" y="-787224"/>
-            <a:ext cx="2404522" cy="5045282"/>
-          </a:xfrm>
-          <a:prstGeom prst="arc">
-            <a:avLst>
-              <a:gd name="adj1" fmla="val 16777217"/>
-              <a:gd name="adj2" fmla="val 251780"/>
-            </a:avLst>
-          </a:prstGeom>
-          <a:ln w="28575">
-            <a:solidFill>
-              <a:srgbClr val="C00000"/>
-            </a:solidFill>
-            <a:headEnd type="none" w="med" len="med"/>
-            <a:tailEnd type="arrow" w="med" len="med"/>
-          </a:ln>
-        </p:spPr>
-        <p:style>
-          <a:lnRef idx="1">
-            <a:schemeClr val="accent1"/>
-          </a:lnRef>
-          <a:fillRef idx="0">
-            <a:schemeClr val="accent1"/>
-          </a:fillRef>
-          <a:effectRef idx="0">
-            <a:schemeClr val="accent1"/>
-          </a:effectRef>
-          <a:fontRef idx="minor">
-            <a:schemeClr val="tx1"/>
-          </a:fontRef>
-        </p:style>
-        <p:txBody>
-          <a:bodyPr rtlCol="0" anchor="ctr"/>
-          <a:lstStyle/>
-          <a:p>
-            <a:pPr algn="ctr"/>
-            <a:endParaRPr lang="ko-KR" altLang="en-US"/>
-          </a:p>
-        </p:txBody>
-      </p:sp>
-      <p:sp>
-        <p:nvSpPr>
-          <p:cNvPr id="42" name="타원 41">
-            <a:extLst>
-              <a:ext uri="{FF2B5EF4-FFF2-40B4-BE49-F238E27FC236}">
-                <a16:creationId xmlns:a16="http://schemas.microsoft.com/office/drawing/2014/main" id="{67E205F5-100A-4787-A0AC-5FBCBE2BB09D}"/>
-              </a:ext>
-            </a:extLst>
-          </p:cNvPr>
-          <p:cNvSpPr/>
-          <p:nvPr/>
-        </p:nvSpPr>
-        <p:spPr>
-          <a:xfrm>
-            <a:off x="3347864" y="3507854"/>
-            <a:ext cx="288032" cy="288032"/>
-          </a:xfrm>
-          <a:prstGeom prst="ellipse">
-            <a:avLst/>
-          </a:prstGeom>
-        </p:spPr>
-        <p:style>
-          <a:lnRef idx="2">
-            <a:schemeClr val="dk1"/>
-          </a:lnRef>
-          <a:fillRef idx="1">
-            <a:schemeClr val="lt1"/>
-          </a:fillRef>
-          <a:effectRef idx="0">
-            <a:schemeClr val="dk1"/>
-          </a:effectRef>
-          <a:fontRef idx="minor">
-            <a:schemeClr val="dk1"/>
-          </a:fontRef>
-        </p:style>
-        <p:txBody>
-          <a:bodyPr rtlCol="0" anchor="ctr"/>
-          <a:lstStyle/>
-          <a:p>
-            <a:pPr algn="ctr"/>
-            <a:r>
-              <a:rPr lang="en-US" altLang="ko-KR"/>
-              <a:t>3</a:t>
-            </a:r>
-            <a:endParaRPr lang="ko-KR" altLang="en-US"/>
-          </a:p>
-        </p:txBody>
-      </p:sp>
-      <p:sp>
-        <p:nvSpPr>
-          <p:cNvPr id="52" name="TextBox 51">
-            <a:extLst>
-              <a:ext uri="{FF2B5EF4-FFF2-40B4-BE49-F238E27FC236}">
-                <a16:creationId xmlns:a16="http://schemas.microsoft.com/office/drawing/2014/main" id="{F1E234E3-BC54-47E9-8BD7-5D5B727EB448}"/>
-              </a:ext>
-            </a:extLst>
-          </p:cNvPr>
-          <p:cNvSpPr txBox="1"/>
-          <p:nvPr/>
-        </p:nvSpPr>
-        <p:spPr>
-          <a:xfrm>
-            <a:off x="4657074" y="4369910"/>
-            <a:ext cx="2160240" cy="338554"/>
-          </a:xfrm>
-          <a:prstGeom prst="rect">
-            <a:avLst/>
-          </a:prstGeom>
-        </p:spPr>
-        <p:style>
-          <a:lnRef idx="2">
-            <a:schemeClr val="dk1"/>
-          </a:lnRef>
-          <a:fillRef idx="1">
-            <a:schemeClr val="lt1"/>
-          </a:fillRef>
-          <a:effectRef idx="0">
-            <a:schemeClr val="dk1"/>
-          </a:effectRef>
-          <a:fontRef idx="minor">
-            <a:schemeClr val="dk1"/>
-          </a:fontRef>
-        </p:style>
-        <p:txBody>
-          <a:bodyPr wrap="square" rtlCol="0">
-            <a:spAutoFit/>
-          </a:bodyPr>
-          <a:lstStyle/>
-          <a:p>
-            <a:pPr algn="ctr"/>
-            <a:r>
-              <a:rPr lang="en-US" altLang="ko-KR" sz="1600"/>
-              <a:t>Inner / Dst-2.2.2.5</a:t>
-            </a:r>
-            <a:endParaRPr lang="ko-KR" altLang="en-US" sz="1600"/>
-          </a:p>
-        </p:txBody>
-      </p:sp>
-      <p:sp>
-        <p:nvSpPr>
-          <p:cNvPr id="53" name="TextBox 52">
-            <a:extLst>
-              <a:ext uri="{FF2B5EF4-FFF2-40B4-BE49-F238E27FC236}">
-                <a16:creationId xmlns:a16="http://schemas.microsoft.com/office/drawing/2014/main" id="{C2EBF650-D91E-4A57-A626-E13B2AAACE37}"/>
-              </a:ext>
-            </a:extLst>
-          </p:cNvPr>
-          <p:cNvSpPr txBox="1"/>
-          <p:nvPr/>
-        </p:nvSpPr>
-        <p:spPr>
-          <a:xfrm>
-            <a:off x="4657074" y="4039041"/>
-            <a:ext cx="2160240" cy="338554"/>
-          </a:xfrm>
-          <a:prstGeom prst="rect">
-            <a:avLst/>
-          </a:prstGeom>
-        </p:spPr>
-        <p:style>
-          <a:lnRef idx="2">
-            <a:schemeClr val="dk1"/>
-          </a:lnRef>
-          <a:fillRef idx="1">
-            <a:schemeClr val="lt1"/>
-          </a:fillRef>
-          <a:effectRef idx="0">
-            <a:schemeClr val="dk1"/>
-          </a:effectRef>
-          <a:fontRef idx="minor">
-            <a:schemeClr val="dk1"/>
-          </a:fontRef>
-        </p:style>
-        <p:txBody>
-          <a:bodyPr wrap="square" rtlCol="0">
-            <a:spAutoFit/>
-          </a:bodyPr>
-          <a:lstStyle/>
-          <a:p>
-            <a:pPr algn="ctr"/>
-            <a:r>
-              <a:rPr lang="en-US" altLang="ko-KR" sz="1600"/>
-              <a:t>Inner / Src-1.1.1.10</a:t>
-            </a:r>
-            <a:endParaRPr lang="ko-KR" altLang="en-US" sz="1600"/>
-          </a:p>
-        </p:txBody>
-      </p:sp>
-      <p:sp>
-        <p:nvSpPr>
-          <p:cNvPr id="38" name="모서리가 둥근 직사각형 2">
-            <a:extLst>
-              <a:ext uri="{FF2B5EF4-FFF2-40B4-BE49-F238E27FC236}">
-                <a16:creationId xmlns:a16="http://schemas.microsoft.com/office/drawing/2014/main" id="{F9FB6DDA-AF18-42FF-BB77-0E3C63795EF8}"/>
-              </a:ext>
-            </a:extLst>
-          </p:cNvPr>
-          <p:cNvSpPr/>
-          <p:nvPr/>
-        </p:nvSpPr>
-        <p:spPr>
-          <a:xfrm>
-            <a:off x="7177354" y="3590392"/>
-            <a:ext cx="1558044" cy="557370"/>
-          </a:xfrm>
-          <a:prstGeom prst="roundRect">
-            <a:avLst>
-              <a:gd name="adj" fmla="val 9458"/>
-            </a:avLst>
-          </a:prstGeom>
-        </p:spPr>
-        <p:style>
-          <a:lnRef idx="2">
-            <a:schemeClr val="dk1"/>
-          </a:lnRef>
-          <a:fillRef idx="1">
-            <a:schemeClr val="lt1"/>
-          </a:fillRef>
-          <a:effectRef idx="0">
-            <a:schemeClr val="dk1"/>
-          </a:effectRef>
-          <a:fontRef idx="minor">
-            <a:schemeClr val="dk1"/>
-          </a:fontRef>
-        </p:style>
-        <p:txBody>
-          <a:bodyPr rtlCol="0" anchor="ctr"/>
-          <a:lstStyle/>
-          <a:p>
-            <a:pPr algn="ctr"/>
-            <a:r>
-              <a:rPr lang="en-US" altLang="ko-KR" sz="1600"/>
-              <a:t>Decapsulation</a:t>
-            </a:r>
-            <a:endParaRPr lang="ko-KR" altLang="en-US" sz="1600"/>
-          </a:p>
-        </p:txBody>
-      </p:sp>
       <p:cxnSp>
         <p:nvCxnSpPr>
-          <p:cNvPr id="50" name="직선 연결선 49">
-            <a:extLst>
-              <a:ext uri="{FF2B5EF4-FFF2-40B4-BE49-F238E27FC236}">
-                <a16:creationId xmlns:a16="http://schemas.microsoft.com/office/drawing/2014/main" id="{84800F0F-DE2B-49B8-BB43-F672CF1AC493}"/>
+          <p:cNvPr id="43" name="직선 연결선 42">
+            <a:extLst>
+              <a:ext uri="{FF2B5EF4-FFF2-40B4-BE49-F238E27FC236}">
+                <a16:creationId xmlns:a16="http://schemas.microsoft.com/office/drawing/2014/main" xmlns="" id="{FBC15674-B949-44ED-9364-6EC750AF2282}"/>
               </a:ext>
             </a:extLst>
           </p:cNvPr>
           <p:cNvCxnSpPr>
             <a:cxnSpLocks/>
-            <a:stCxn id="41" idx="3"/>
-            <a:endCxn id="38" idx="1"/>
+            <a:stCxn id="79" idx="3"/>
+            <a:endCxn id="47" idx="1"/>
           </p:cNvCxnSpPr>
           <p:nvPr/>
         </p:nvCxnSpPr>
         <p:spPr>
-          <a:xfrm flipV="1">
-            <a:off x="6817314" y="3869077"/>
-            <a:ext cx="360040" cy="3813"/>
+          <a:xfrm>
+            <a:off x="6516216" y="3978919"/>
+            <a:ext cx="443614" cy="0"/>
           </a:xfrm>
           <a:prstGeom prst="line">
             <a:avLst/>
@@ -11685,24 +11687,22 @@
       </p:cxnSp>
       <p:cxnSp>
         <p:nvCxnSpPr>
-          <p:cNvPr id="51" name="직선 연결선 50">
-            <a:extLst>
-              <a:ext uri="{FF2B5EF4-FFF2-40B4-BE49-F238E27FC236}">
-                <a16:creationId xmlns:a16="http://schemas.microsoft.com/office/drawing/2014/main" id="{D52C08BB-5AAA-45F9-94F4-8FFAEC0AB76B}"/>
+          <p:cNvPr id="44" name="직선 연결선 43">
+            <a:extLst>
+              <a:ext uri="{FF2B5EF4-FFF2-40B4-BE49-F238E27FC236}">
+                <a16:creationId xmlns:a16="http://schemas.microsoft.com/office/drawing/2014/main" xmlns="" id="{41DD8F28-4F46-4B5C-AD22-377DE3377C85}"/>
               </a:ext>
             </a:extLst>
           </p:cNvPr>
           <p:cNvCxnSpPr>
             <a:cxnSpLocks/>
-            <a:stCxn id="38" idx="0"/>
-            <a:endCxn id="46" idx="2"/>
           </p:cNvCxnSpPr>
           <p:nvPr/>
         </p:nvCxnSpPr>
         <p:spPr>
           <a:xfrm flipV="1">
-            <a:off x="7956376" y="2740477"/>
-            <a:ext cx="0" cy="849915"/>
+            <a:off x="7799295" y="3366960"/>
+            <a:ext cx="0" cy="333274"/>
           </a:xfrm>
           <a:prstGeom prst="line">
             <a:avLst/>
@@ -11730,10 +11730,67 @@
           </a:fontRef>
         </p:style>
       </p:cxnSp>
+      <p:sp>
+        <p:nvSpPr>
+          <p:cNvPr id="47" name="모서리가 둥근 직사각형 2">
+            <a:extLst>
+              <a:ext uri="{FF2B5EF4-FFF2-40B4-BE49-F238E27FC236}">
+                <a16:creationId xmlns:a16="http://schemas.microsoft.com/office/drawing/2014/main" xmlns="" id="{CCC2D16E-9EDF-49D6-BCC6-F40BCCC7A387}"/>
+              </a:ext>
+            </a:extLst>
+          </p:cNvPr>
+          <p:cNvSpPr/>
+          <p:nvPr/>
+        </p:nvSpPr>
+        <p:spPr>
+          <a:xfrm>
+            <a:off x="6959830" y="3700234"/>
+            <a:ext cx="1699002" cy="557370"/>
+          </a:xfrm>
+          <a:prstGeom prst="roundRect">
+            <a:avLst>
+              <a:gd name="adj" fmla="val 9458"/>
+            </a:avLst>
+          </a:prstGeom>
+        </p:spPr>
+        <p:style>
+          <a:lnRef idx="2">
+            <a:schemeClr val="dk1"/>
+          </a:lnRef>
+          <a:fillRef idx="1">
+            <a:schemeClr val="lt1"/>
+          </a:fillRef>
+          <a:effectRef idx="0">
+            <a:schemeClr val="dk1"/>
+          </a:effectRef>
+          <a:fontRef idx="minor">
+            <a:schemeClr val="dk1"/>
+          </a:fontRef>
+        </p:style>
+        <p:txBody>
+          <a:bodyPr rtlCol="0" anchor="ctr"/>
+          <a:lstStyle/>
+          <a:p>
+            <a:pPr algn="ctr"/>
+            <a:r>
+              <a:rPr lang="en-US" altLang="ko-KR" sz="1600"/>
+              <a:t>Src IP, DSCP</a:t>
+            </a:r>
+          </a:p>
+          <a:p>
+            <a:pPr algn="ctr"/>
+            <a:r>
+              <a:rPr lang="en-US" altLang="ko-KR" sz="1600"/>
+              <a:t>Translation</a:t>
+            </a:r>
+            <a:endParaRPr lang="ko-KR" altLang="en-US" sz="1600"/>
+          </a:p>
+        </p:txBody>
+      </p:sp>
     </p:spTree>
     <p:extLst>
       <p:ext uri="{BB962C8B-B14F-4D97-AF65-F5344CB8AC3E}">
-        <p14:creationId xmlns:p14="http://schemas.microsoft.com/office/powerpoint/2010/main" val="3020194679"/>
+        <p14:creationId xmlns:p14="http://schemas.microsoft.com/office/powerpoint/2010/main" val="3998874260"/>
       </p:ext>
     </p:extLst>
   </p:cSld>
@@ -11772,7 +11829,7 @@
         </p:nvSpPr>
         <p:spPr>
           <a:xfrm>
-            <a:off x="565354" y="24473"/>
+            <a:off x="543933" y="-20538"/>
             <a:ext cx="8229600" cy="857250"/>
           </a:xfrm>
         </p:spPr>
@@ -11782,7 +11839,7 @@
           <a:p>
             <a:r>
               <a:rPr lang="en-US" altLang="ko-KR"/>
-              <a:t>GSLB</a:t>
+              <a:t>SLB – L3DSR - Tunnel</a:t>
             </a:r>
             <a:endParaRPr lang="ko-KR" altLang="en-US"/>
           </a:p>
@@ -11790,19 +11847,13 @@
       </p:sp>
       <p:sp>
         <p:nvSpPr>
-          <p:cNvPr id="39" name="모서리가 둥근 직사각형 2">
-            <a:extLst>
-              <a:ext uri="{FF2B5EF4-FFF2-40B4-BE49-F238E27FC236}">
-                <a16:creationId xmlns:a16="http://schemas.microsoft.com/office/drawing/2014/main" id="{3FACEA3B-E1E9-4B4E-BFA4-60148700E70B}"/>
-              </a:ext>
-            </a:extLst>
-          </p:cNvPr>
+          <p:cNvPr id="3" name="모서리가 둥근 직사각형 2"/>
           <p:cNvSpPr/>
           <p:nvPr/>
         </p:nvSpPr>
         <p:spPr>
           <a:xfrm>
-            <a:off x="1883074" y="915566"/>
+            <a:off x="1996431" y="915566"/>
             <a:ext cx="1561566" cy="738774"/>
           </a:xfrm>
           <a:prstGeom prst="roundRect">
@@ -11832,7 +11883,18 @@
             <a:pPr algn="ctr"/>
             <a:r>
               <a:rPr lang="en-US" altLang="ko-KR" sz="1600"/>
-              <a:t>Client </a:t>
+              <a:t>Client</a:t>
+            </a:r>
+          </a:p>
+          <a:p>
+            <a:pPr algn="ctr"/>
+            <a:r>
+              <a:rPr lang="en-US" altLang="ko-KR" sz="1400"/>
+              <a:t>IP-1.1.1.10</a:t>
+            </a:r>
+            <a:r>
+              <a:rPr lang="en-US" altLang="ko-KR" sz="1600"/>
+              <a:t> </a:t>
             </a:r>
             <a:endParaRPr lang="ko-KR" altLang="en-US" sz="1600"/>
           </a:p>
@@ -11840,10 +11902,10 @@
       </p:sp>
       <p:sp>
         <p:nvSpPr>
-          <p:cNvPr id="40" name="모서리가 둥근 직사각형 2">
-            <a:extLst>
-              <a:ext uri="{FF2B5EF4-FFF2-40B4-BE49-F238E27FC236}">
-                <a16:creationId xmlns:a16="http://schemas.microsoft.com/office/drawing/2014/main" id="{14682E79-684D-45C3-85CF-9EB65A444CB3}"/>
+          <p:cNvPr id="11" name="모서리가 둥근 직사각형 2">
+            <a:extLst>
+              <a:ext uri="{FF2B5EF4-FFF2-40B4-BE49-F238E27FC236}">
+                <a16:creationId xmlns:a16="http://schemas.microsoft.com/office/drawing/2014/main" xmlns="" id="{16A86181-839F-4D4B-9E21-E84981D9E8F2}"/>
               </a:ext>
             </a:extLst>
           </p:cNvPr>
@@ -11852,7 +11914,7 @@
         </p:nvSpPr>
         <p:spPr>
           <a:xfrm>
-            <a:off x="1943777" y="2427734"/>
+            <a:off x="2057134" y="2427734"/>
             <a:ext cx="1440160" cy="738774"/>
           </a:xfrm>
           <a:prstGeom prst="roundRect">
@@ -11884,29 +11946,28 @@
               <a:rPr lang="en-US" altLang="ko-KR" sz="1600"/>
               <a:t>Router</a:t>
             </a:r>
-            <a:endParaRPr lang="ko-KR" altLang="en-US" sz="1600"/>
           </a:p>
         </p:txBody>
       </p:sp>
       <p:cxnSp>
         <p:nvCxnSpPr>
-          <p:cNvPr id="41" name="직선 연결선 40">
-            <a:extLst>
-              <a:ext uri="{FF2B5EF4-FFF2-40B4-BE49-F238E27FC236}">
-                <a16:creationId xmlns:a16="http://schemas.microsoft.com/office/drawing/2014/main" id="{5DB67DE1-35B8-4627-AB7C-D4D865958833}"/>
+          <p:cNvPr id="5" name="직선 연결선 4">
+            <a:extLst>
+              <a:ext uri="{FF2B5EF4-FFF2-40B4-BE49-F238E27FC236}">
+                <a16:creationId xmlns:a16="http://schemas.microsoft.com/office/drawing/2014/main" xmlns="" id="{06BA9E35-AF4F-4861-AF32-930396FA6E06}"/>
               </a:ext>
             </a:extLst>
           </p:cNvPr>
           <p:cNvCxnSpPr>
             <a:cxnSpLocks/>
-            <a:stCxn id="39" idx="2"/>
-            <a:endCxn id="40" idx="0"/>
+            <a:stCxn id="3" idx="2"/>
+            <a:endCxn id="11" idx="0"/>
           </p:cNvCxnSpPr>
           <p:nvPr/>
         </p:nvCxnSpPr>
         <p:spPr>
           <a:xfrm>
-            <a:off x="2663857" y="1654340"/>
+            <a:off x="2777214" y="1654340"/>
             <a:ext cx="0" cy="773394"/>
           </a:xfrm>
           <a:prstGeom prst="line">
@@ -11935,23 +11996,24 @@
       </p:cxnSp>
       <p:cxnSp>
         <p:nvCxnSpPr>
-          <p:cNvPr id="42" name="직선 연결선 41">
-            <a:extLst>
-              <a:ext uri="{FF2B5EF4-FFF2-40B4-BE49-F238E27FC236}">
-                <a16:creationId xmlns:a16="http://schemas.microsoft.com/office/drawing/2014/main" id="{4002D6E0-DA77-4BEE-B73E-A07CB371352D}"/>
+          <p:cNvPr id="17" name="직선 연결선 16">
+            <a:extLst>
+              <a:ext uri="{FF2B5EF4-FFF2-40B4-BE49-F238E27FC236}">
+                <a16:creationId xmlns:a16="http://schemas.microsoft.com/office/drawing/2014/main" xmlns="" id="{C1FC7741-B395-41FE-83B5-2FD70DED6FD1}"/>
               </a:ext>
             </a:extLst>
           </p:cNvPr>
           <p:cNvCxnSpPr>
             <a:cxnSpLocks/>
-            <a:stCxn id="40" idx="2"/>
+            <a:stCxn id="11" idx="2"/>
+            <a:endCxn id="81" idx="0"/>
           </p:cNvCxnSpPr>
           <p:nvPr/>
         </p:nvCxnSpPr>
         <p:spPr>
           <a:xfrm flipH="1">
-            <a:off x="861502" y="3166508"/>
-            <a:ext cx="1802355" cy="989418"/>
+            <a:off x="1847140" y="3166508"/>
+            <a:ext cx="930074" cy="948595"/>
           </a:xfrm>
           <a:prstGeom prst="line">
             <a:avLst/>
@@ -11979,23 +12041,24 @@
       </p:cxnSp>
       <p:cxnSp>
         <p:nvCxnSpPr>
-          <p:cNvPr id="43" name="직선 연결선 42">
-            <a:extLst>
-              <a:ext uri="{FF2B5EF4-FFF2-40B4-BE49-F238E27FC236}">
-                <a16:creationId xmlns:a16="http://schemas.microsoft.com/office/drawing/2014/main" id="{E8A5CF1F-15A1-4EBA-A8C3-595652BD15C5}"/>
+          <p:cNvPr id="22" name="직선 연결선 21">
+            <a:extLst>
+              <a:ext uri="{FF2B5EF4-FFF2-40B4-BE49-F238E27FC236}">
+                <a16:creationId xmlns:a16="http://schemas.microsoft.com/office/drawing/2014/main" xmlns="" id="{415BEB9E-09A4-4964-BEF2-5F08CC228174}"/>
               </a:ext>
             </a:extLst>
           </p:cNvPr>
           <p:cNvCxnSpPr>
             <a:cxnSpLocks/>
-            <a:stCxn id="40" idx="2"/>
+            <a:stCxn id="11" idx="2"/>
+            <a:endCxn id="83" idx="0"/>
           </p:cNvCxnSpPr>
           <p:nvPr/>
         </p:nvCxnSpPr>
         <p:spPr>
           <a:xfrm>
-            <a:off x="2663857" y="3166508"/>
-            <a:ext cx="1" cy="989418"/>
+            <a:off x="2777214" y="3166508"/>
+            <a:ext cx="869988" cy="948595"/>
           </a:xfrm>
           <a:prstGeom prst="line">
             <a:avLst/>
@@ -12021,26 +12084,90 @@
           </a:fontRef>
         </p:style>
       </p:cxnSp>
+      <p:sp>
+        <p:nvSpPr>
+          <p:cNvPr id="13" name="모서리가 둥근 직사각형 2">
+            <a:extLst>
+              <a:ext uri="{FF2B5EF4-FFF2-40B4-BE49-F238E27FC236}">
+                <a16:creationId xmlns:a16="http://schemas.microsoft.com/office/drawing/2014/main" xmlns="" id="{B4D9F552-13FB-4506-AB41-D9127D4AC995}"/>
+              </a:ext>
+            </a:extLst>
+          </p:cNvPr>
+          <p:cNvSpPr/>
+          <p:nvPr/>
+        </p:nvSpPr>
+        <p:spPr>
+          <a:xfrm>
+            <a:off x="194077" y="2427734"/>
+            <a:ext cx="1561564" cy="738774"/>
+          </a:xfrm>
+          <a:prstGeom prst="roundRect">
+            <a:avLst>
+              <a:gd name="adj" fmla="val 9458"/>
+            </a:avLst>
+          </a:prstGeom>
+        </p:spPr>
+        <p:style>
+          <a:lnRef idx="2">
+            <a:schemeClr val="dk1"/>
+          </a:lnRef>
+          <a:fillRef idx="1">
+            <a:schemeClr val="lt1"/>
+          </a:fillRef>
+          <a:effectRef idx="0">
+            <a:schemeClr val="dk1"/>
+          </a:effectRef>
+          <a:fontRef idx="minor">
+            <a:schemeClr val="dk1"/>
+          </a:fontRef>
+        </p:style>
+        <p:txBody>
+          <a:bodyPr rtlCol="0" anchor="ctr"/>
+          <a:lstStyle/>
+          <a:p>
+            <a:pPr algn="ctr"/>
+            <a:r>
+              <a:rPr lang="en-US" altLang="ko-KR" sz="1600"/>
+              <a:t>LB </a:t>
+            </a:r>
+          </a:p>
+          <a:p>
+            <a:pPr algn="ctr"/>
+            <a:r>
+              <a:rPr lang="en-US" altLang="ko-KR" sz="1400"/>
+              <a:t>VIP-2.2.2.5</a:t>
+            </a:r>
+          </a:p>
+          <a:p>
+            <a:pPr algn="ctr"/>
+            <a:r>
+              <a:rPr lang="en-US" altLang="ko-KR" sz="1400"/>
+              <a:t>VIP-2.2.2.6</a:t>
+            </a:r>
+            <a:endParaRPr lang="ko-KR" altLang="en-US" sz="1400"/>
+          </a:p>
+        </p:txBody>
+      </p:sp>
       <p:cxnSp>
         <p:nvCxnSpPr>
-          <p:cNvPr id="44" name="직선 연결선 43">
-            <a:extLst>
-              <a:ext uri="{FF2B5EF4-FFF2-40B4-BE49-F238E27FC236}">
-                <a16:creationId xmlns:a16="http://schemas.microsoft.com/office/drawing/2014/main" id="{FD038D8D-A7F4-46DD-91C7-5C969EBD3218}"/>
+          <p:cNvPr id="16" name="직선 연결선 15">
+            <a:extLst>
+              <a:ext uri="{FF2B5EF4-FFF2-40B4-BE49-F238E27FC236}">
+                <a16:creationId xmlns:a16="http://schemas.microsoft.com/office/drawing/2014/main" xmlns="" id="{A8F8D77A-3187-4AF4-AD2E-FB4918FFFAF2}"/>
               </a:ext>
             </a:extLst>
           </p:cNvPr>
           <p:cNvCxnSpPr>
             <a:cxnSpLocks/>
-            <a:stCxn id="45" idx="3"/>
-            <a:endCxn id="19" idx="1"/>
+            <a:stCxn id="13" idx="3"/>
+            <a:endCxn id="11" idx="1"/>
           </p:cNvCxnSpPr>
           <p:nvPr/>
         </p:nvCxnSpPr>
         <p:spPr>
-          <a:xfrm flipV="1">
-            <a:off x="5292080" y="1572985"/>
-            <a:ext cx="742692" cy="1224136"/>
+          <a:xfrm>
+            <a:off x="1755641" y="2797121"/>
+            <a:ext cx="301493" cy="0"/>
           </a:xfrm>
           <a:prstGeom prst="line">
             <a:avLst/>
@@ -12068,10 +12195,10 @@
       </p:cxnSp>
       <p:sp>
         <p:nvSpPr>
-          <p:cNvPr id="45" name="모서리가 둥근 직사각형 2">
-            <a:extLst>
-              <a:ext uri="{FF2B5EF4-FFF2-40B4-BE49-F238E27FC236}">
-                <a16:creationId xmlns:a16="http://schemas.microsoft.com/office/drawing/2014/main" id="{A0C4DDCC-1850-451C-9AB1-865607237A8B}"/>
+          <p:cNvPr id="35" name="원호 34">
+            <a:extLst>
+              <a:ext uri="{FF2B5EF4-FFF2-40B4-BE49-F238E27FC236}">
+                <a16:creationId xmlns:a16="http://schemas.microsoft.com/office/drawing/2014/main" xmlns="" id="{559A272C-6A19-4942-B370-03E6B28031A5}"/>
               </a:ext>
             </a:extLst>
           </p:cNvPr>
@@ -12079,606 +12206,11 @@
           <p:nvPr/>
         </p:nvSpPr>
         <p:spPr>
-          <a:xfrm>
-            <a:off x="3730516" y="2427734"/>
-            <a:ext cx="1561564" cy="738774"/>
-          </a:xfrm>
-          <a:prstGeom prst="roundRect">
-            <a:avLst>
-              <a:gd name="adj" fmla="val 9458"/>
-            </a:avLst>
-          </a:prstGeom>
-        </p:spPr>
-        <p:style>
-          <a:lnRef idx="2">
-            <a:schemeClr val="dk1"/>
-          </a:lnRef>
-          <a:fillRef idx="1">
-            <a:schemeClr val="lt1"/>
-          </a:fillRef>
-          <a:effectRef idx="0">
-            <a:schemeClr val="dk1"/>
-          </a:effectRef>
-          <a:fontRef idx="minor">
-            <a:schemeClr val="dk1"/>
-          </a:fontRef>
-        </p:style>
-        <p:txBody>
-          <a:bodyPr rtlCol="0" anchor="ctr"/>
-          <a:lstStyle/>
-          <a:p>
-            <a:pPr algn="ctr"/>
-            <a:r>
-              <a:rPr lang="en-US" altLang="ko-KR" sz="1600"/>
-              <a:t>Local</a:t>
-            </a:r>
-          </a:p>
-          <a:p>
-            <a:pPr algn="ctr"/>
-            <a:r>
-              <a:rPr lang="en-US" altLang="ko-KR" sz="1600"/>
-              <a:t>DNS</a:t>
-            </a:r>
-          </a:p>
-        </p:txBody>
-      </p:sp>
-      <p:cxnSp>
-        <p:nvCxnSpPr>
-          <p:cNvPr id="46" name="직선 연결선 45">
-            <a:extLst>
-              <a:ext uri="{FF2B5EF4-FFF2-40B4-BE49-F238E27FC236}">
-                <a16:creationId xmlns:a16="http://schemas.microsoft.com/office/drawing/2014/main" id="{73742E84-76EA-4653-877D-2353837B63BF}"/>
-              </a:ext>
-            </a:extLst>
-          </p:cNvPr>
-          <p:cNvCxnSpPr>
-            <a:cxnSpLocks/>
-            <a:stCxn id="45" idx="1"/>
-            <a:endCxn id="40" idx="3"/>
-          </p:cNvCxnSpPr>
-          <p:nvPr/>
-        </p:nvCxnSpPr>
-        <p:spPr>
-          <a:xfrm flipH="1">
-            <a:off x="3383937" y="2797121"/>
-            <a:ext cx="346579" cy="0"/>
-          </a:xfrm>
-          <a:prstGeom prst="line">
-            <a:avLst/>
-          </a:prstGeom>
-          <a:ln w="28575">
-            <a:solidFill>
-              <a:schemeClr val="tx1"/>
-            </a:solidFill>
-          </a:ln>
-        </p:spPr>
-        <p:style>
-          <a:lnRef idx="1">
-            <a:schemeClr val="accent1"/>
-          </a:lnRef>
-          <a:fillRef idx="0">
-            <a:schemeClr val="accent1"/>
-          </a:fillRef>
-          <a:effectRef idx="0">
-            <a:schemeClr val="accent1"/>
-          </a:effectRef>
-          <a:fontRef idx="minor">
-            <a:schemeClr val="tx1"/>
-          </a:fontRef>
-        </p:style>
-      </p:cxnSp>
-      <p:sp>
-        <p:nvSpPr>
-          <p:cNvPr id="64" name="모서리가 둥근 직사각형 2">
-            <a:extLst>
-              <a:ext uri="{FF2B5EF4-FFF2-40B4-BE49-F238E27FC236}">
-                <a16:creationId xmlns:a16="http://schemas.microsoft.com/office/drawing/2014/main" id="{CF16E594-3D76-4682-877C-99D9E6F89060}"/>
-              </a:ext>
-            </a:extLst>
-          </p:cNvPr>
-          <p:cNvSpPr/>
-          <p:nvPr/>
-        </p:nvSpPr>
-        <p:spPr>
-          <a:xfrm>
-            <a:off x="83014" y="4155925"/>
-            <a:ext cx="1561564" cy="904919"/>
-          </a:xfrm>
-          <a:prstGeom prst="roundRect">
-            <a:avLst>
-              <a:gd name="adj" fmla="val 9458"/>
-            </a:avLst>
-          </a:prstGeom>
-        </p:spPr>
-        <p:style>
-          <a:lnRef idx="2">
-            <a:schemeClr val="dk1"/>
-          </a:lnRef>
-          <a:fillRef idx="1">
-            <a:schemeClr val="lt1"/>
-          </a:fillRef>
-          <a:effectRef idx="0">
-            <a:schemeClr val="dk1"/>
-          </a:effectRef>
-          <a:fontRef idx="minor">
-            <a:schemeClr val="dk1"/>
-          </a:fontRef>
-        </p:style>
-        <p:txBody>
-          <a:bodyPr rtlCol="0" anchor="ctr"/>
-          <a:lstStyle/>
-          <a:p>
-            <a:pPr algn="ctr"/>
-            <a:r>
-              <a:rPr lang="en-US" altLang="ko-KR" sz="1600"/>
-              <a:t>Server</a:t>
-            </a:r>
-          </a:p>
-          <a:p>
-            <a:pPr algn="ctr"/>
-            <a:r>
-              <a:rPr lang="en-US" altLang="ko-KR" sz="1600"/>
-              <a:t>IP-1.1.1.10</a:t>
-            </a:r>
-          </a:p>
-        </p:txBody>
-      </p:sp>
-      <p:sp>
-        <p:nvSpPr>
-          <p:cNvPr id="65" name="모서리가 둥근 직사각형 2">
-            <a:extLst>
-              <a:ext uri="{FF2B5EF4-FFF2-40B4-BE49-F238E27FC236}">
-                <a16:creationId xmlns:a16="http://schemas.microsoft.com/office/drawing/2014/main" id="{8FF4AFB2-34FD-438F-8A55-5F2722C30645}"/>
-              </a:ext>
-            </a:extLst>
-          </p:cNvPr>
-          <p:cNvSpPr/>
-          <p:nvPr/>
-        </p:nvSpPr>
-        <p:spPr>
-          <a:xfrm>
-            <a:off x="1883076" y="4155925"/>
-            <a:ext cx="1561564" cy="904919"/>
-          </a:xfrm>
-          <a:prstGeom prst="roundRect">
-            <a:avLst>
-              <a:gd name="adj" fmla="val 9458"/>
-            </a:avLst>
-          </a:prstGeom>
-        </p:spPr>
-        <p:style>
-          <a:lnRef idx="2">
-            <a:schemeClr val="dk1"/>
-          </a:lnRef>
-          <a:fillRef idx="1">
-            <a:schemeClr val="lt1"/>
-          </a:fillRef>
-          <a:effectRef idx="0">
-            <a:schemeClr val="dk1"/>
-          </a:effectRef>
-          <a:fontRef idx="minor">
-            <a:schemeClr val="dk1"/>
-          </a:fontRef>
-        </p:style>
-        <p:txBody>
-          <a:bodyPr rtlCol="0" anchor="ctr"/>
-          <a:lstStyle/>
-          <a:p>
-            <a:pPr algn="ctr"/>
-            <a:r>
-              <a:rPr lang="en-US" altLang="ko-KR" sz="1600"/>
-              <a:t>Server</a:t>
-            </a:r>
-          </a:p>
-          <a:p>
-            <a:pPr algn="ctr"/>
-            <a:r>
-              <a:rPr lang="en-US" altLang="ko-KR" sz="1600"/>
-              <a:t>IP-2.2.2.10</a:t>
-            </a:r>
-          </a:p>
-        </p:txBody>
-      </p:sp>
-      <p:sp>
-        <p:nvSpPr>
-          <p:cNvPr id="66" name="모서리가 둥근 직사각형 2">
-            <a:extLst>
-              <a:ext uri="{FF2B5EF4-FFF2-40B4-BE49-F238E27FC236}">
-                <a16:creationId xmlns:a16="http://schemas.microsoft.com/office/drawing/2014/main" id="{116A2666-44C5-4A47-909C-DF3B1E3E4EC4}"/>
-              </a:ext>
-            </a:extLst>
-          </p:cNvPr>
-          <p:cNvSpPr/>
-          <p:nvPr/>
-        </p:nvSpPr>
-        <p:spPr>
-          <a:xfrm>
-            <a:off x="3705960" y="4155925"/>
-            <a:ext cx="1561564" cy="904919"/>
-          </a:xfrm>
-          <a:prstGeom prst="roundRect">
-            <a:avLst>
-              <a:gd name="adj" fmla="val 9458"/>
-            </a:avLst>
-          </a:prstGeom>
-        </p:spPr>
-        <p:style>
-          <a:lnRef idx="2">
-            <a:schemeClr val="dk1"/>
-          </a:lnRef>
-          <a:fillRef idx="1">
-            <a:schemeClr val="lt1"/>
-          </a:fillRef>
-          <a:effectRef idx="0">
-            <a:schemeClr val="dk1"/>
-          </a:effectRef>
-          <a:fontRef idx="minor">
-            <a:schemeClr val="dk1"/>
-          </a:fontRef>
-        </p:style>
-        <p:txBody>
-          <a:bodyPr rtlCol="0" anchor="ctr"/>
-          <a:lstStyle/>
-          <a:p>
-            <a:pPr algn="ctr"/>
-            <a:r>
-              <a:rPr lang="en-US" altLang="ko-KR" sz="1600"/>
-              <a:t>Server</a:t>
-            </a:r>
-          </a:p>
-          <a:p>
-            <a:pPr algn="ctr"/>
-            <a:r>
-              <a:rPr lang="en-US" altLang="ko-KR" sz="1600"/>
-              <a:t>IP-3.3.3.10</a:t>
-            </a:r>
-          </a:p>
-        </p:txBody>
-      </p:sp>
-      <p:sp>
-        <p:nvSpPr>
-          <p:cNvPr id="14" name="모서리가 둥근 직사각형 2">
-            <a:extLst>
-              <a:ext uri="{FF2B5EF4-FFF2-40B4-BE49-F238E27FC236}">
-                <a16:creationId xmlns:a16="http://schemas.microsoft.com/office/drawing/2014/main" id="{C30EC9A3-2A33-40A0-915F-FF298F6B71B0}"/>
-              </a:ext>
-            </a:extLst>
-          </p:cNvPr>
-          <p:cNvSpPr/>
-          <p:nvPr/>
-        </p:nvSpPr>
-        <p:spPr>
-          <a:xfrm>
-            <a:off x="6051094" y="4011910"/>
-            <a:ext cx="1528920" cy="823274"/>
-          </a:xfrm>
-          <a:prstGeom prst="roundRect">
-            <a:avLst>
-              <a:gd name="adj" fmla="val 0"/>
-            </a:avLst>
-          </a:prstGeom>
-          <a:ln>
-            <a:prstDash val="dash"/>
-          </a:ln>
-        </p:spPr>
-        <p:style>
-          <a:lnRef idx="2">
-            <a:schemeClr val="dk1"/>
-          </a:lnRef>
-          <a:fillRef idx="1">
-            <a:schemeClr val="lt1"/>
-          </a:fillRef>
-          <a:effectRef idx="0">
-            <a:schemeClr val="dk1"/>
-          </a:effectRef>
-          <a:fontRef idx="minor">
-            <a:schemeClr val="dk1"/>
-          </a:fontRef>
-        </p:style>
-        <p:txBody>
-          <a:bodyPr rtlCol="0" anchor="ctr"/>
-          <a:lstStyle/>
-          <a:p>
-            <a:pPr algn="ctr"/>
-            <a:r>
-              <a:rPr lang="en-US" altLang="ko-KR" sz="1400"/>
-              <a:t>ssup2.com</a:t>
-            </a:r>
-          </a:p>
-          <a:p>
-            <a:pPr algn="ctr"/>
-            <a:r>
-              <a:rPr lang="en-US" altLang="ko-KR" sz="1400"/>
-              <a:t>1.1.1.10</a:t>
-            </a:r>
-          </a:p>
-          <a:p>
-            <a:pPr algn="ctr"/>
-            <a:r>
-              <a:rPr lang="en-US" altLang="ko-KR" sz="1400" b="1"/>
-              <a:t>2.2.2.10</a:t>
-            </a:r>
-          </a:p>
-          <a:p>
-            <a:pPr algn="ctr"/>
-            <a:r>
-              <a:rPr lang="en-US" altLang="ko-KR" sz="1400"/>
-              <a:t>3.3.3.10</a:t>
-            </a:r>
-          </a:p>
-        </p:txBody>
-      </p:sp>
-      <p:sp>
-        <p:nvSpPr>
-          <p:cNvPr id="19" name="모서리가 둥근 직사각형 2">
-            <a:extLst>
-              <a:ext uri="{FF2B5EF4-FFF2-40B4-BE49-F238E27FC236}">
-                <a16:creationId xmlns:a16="http://schemas.microsoft.com/office/drawing/2014/main" id="{4B1946C2-03A5-45AC-A83A-340CEF2024BC}"/>
-              </a:ext>
-            </a:extLst>
-          </p:cNvPr>
-          <p:cNvSpPr/>
-          <p:nvPr/>
-        </p:nvSpPr>
-        <p:spPr>
-          <a:xfrm>
-            <a:off x="6034772" y="1203598"/>
-            <a:ext cx="1561564" cy="738774"/>
-          </a:xfrm>
-          <a:prstGeom prst="roundRect">
-            <a:avLst>
-              <a:gd name="adj" fmla="val 9458"/>
-            </a:avLst>
-          </a:prstGeom>
-        </p:spPr>
-        <p:style>
-          <a:lnRef idx="2">
-            <a:schemeClr val="dk1"/>
-          </a:lnRef>
-          <a:fillRef idx="1">
-            <a:schemeClr val="lt1"/>
-          </a:fillRef>
-          <a:effectRef idx="0">
-            <a:schemeClr val="dk1"/>
-          </a:effectRef>
-          <a:fontRef idx="minor">
-            <a:schemeClr val="dk1"/>
-          </a:fontRef>
-        </p:style>
-        <p:txBody>
-          <a:bodyPr rtlCol="0" anchor="ctr"/>
-          <a:lstStyle/>
-          <a:p>
-            <a:pPr algn="ctr"/>
-            <a:r>
-              <a:rPr lang="en-US" altLang="ko-KR" sz="1600"/>
-              <a:t>root</a:t>
-            </a:r>
-          </a:p>
-          <a:p>
-            <a:pPr algn="ctr"/>
-            <a:r>
-              <a:rPr lang="en-US" altLang="ko-KR" sz="1600"/>
-              <a:t>DNS</a:t>
-            </a:r>
-          </a:p>
-        </p:txBody>
-      </p:sp>
-      <p:sp>
-        <p:nvSpPr>
-          <p:cNvPr id="20" name="모서리가 둥근 직사각형 2">
-            <a:extLst>
-              <a:ext uri="{FF2B5EF4-FFF2-40B4-BE49-F238E27FC236}">
-                <a16:creationId xmlns:a16="http://schemas.microsoft.com/office/drawing/2014/main" id="{887348E5-DD62-4A72-ACAC-CC3FAAA09D4A}"/>
-              </a:ext>
-            </a:extLst>
-          </p:cNvPr>
-          <p:cNvSpPr/>
-          <p:nvPr/>
-        </p:nvSpPr>
-        <p:spPr>
-          <a:xfrm>
-            <a:off x="6034772" y="2139702"/>
-            <a:ext cx="1561564" cy="738774"/>
-          </a:xfrm>
-          <a:prstGeom prst="roundRect">
-            <a:avLst>
-              <a:gd name="adj" fmla="val 9458"/>
-            </a:avLst>
-          </a:prstGeom>
-        </p:spPr>
-        <p:style>
-          <a:lnRef idx="2">
-            <a:schemeClr val="dk1"/>
-          </a:lnRef>
-          <a:fillRef idx="1">
-            <a:schemeClr val="lt1"/>
-          </a:fillRef>
-          <a:effectRef idx="0">
-            <a:schemeClr val="dk1"/>
-          </a:effectRef>
-          <a:fontRef idx="minor">
-            <a:schemeClr val="dk1"/>
-          </a:fontRef>
-        </p:style>
-        <p:txBody>
-          <a:bodyPr rtlCol="0" anchor="ctr"/>
-          <a:lstStyle/>
-          <a:p>
-            <a:pPr algn="ctr"/>
-            <a:r>
-              <a:rPr lang="en-US" altLang="ko-KR" sz="1600"/>
-              <a:t>com</a:t>
-            </a:r>
-          </a:p>
-          <a:p>
-            <a:pPr algn="ctr"/>
-            <a:r>
-              <a:rPr lang="en-US" altLang="ko-KR" sz="1600"/>
-              <a:t>DNS</a:t>
-            </a:r>
-          </a:p>
-        </p:txBody>
-      </p:sp>
-      <p:sp>
-        <p:nvSpPr>
-          <p:cNvPr id="21" name="모서리가 둥근 직사각형 2">
-            <a:extLst>
-              <a:ext uri="{FF2B5EF4-FFF2-40B4-BE49-F238E27FC236}">
-                <a16:creationId xmlns:a16="http://schemas.microsoft.com/office/drawing/2014/main" id="{772CB2E7-946B-4363-8E3A-C0F902644237}"/>
-              </a:ext>
-            </a:extLst>
-          </p:cNvPr>
-          <p:cNvSpPr/>
-          <p:nvPr/>
-        </p:nvSpPr>
-        <p:spPr>
-          <a:xfrm>
-            <a:off x="6034772" y="3095227"/>
-            <a:ext cx="1561564" cy="738774"/>
-          </a:xfrm>
-          <a:prstGeom prst="roundRect">
-            <a:avLst>
-              <a:gd name="adj" fmla="val 9458"/>
-            </a:avLst>
-          </a:prstGeom>
-        </p:spPr>
-        <p:style>
-          <a:lnRef idx="2">
-            <a:schemeClr val="dk1"/>
-          </a:lnRef>
-          <a:fillRef idx="1">
-            <a:schemeClr val="lt1"/>
-          </a:fillRef>
-          <a:effectRef idx="0">
-            <a:schemeClr val="dk1"/>
-          </a:effectRef>
-          <a:fontRef idx="minor">
-            <a:schemeClr val="dk1"/>
-          </a:fontRef>
-        </p:style>
-        <p:txBody>
-          <a:bodyPr rtlCol="0" anchor="ctr"/>
-          <a:lstStyle/>
-          <a:p>
-            <a:pPr algn="ctr"/>
-            <a:r>
-              <a:rPr lang="en-US" altLang="ko-KR" sz="1600"/>
-              <a:t>GSLB</a:t>
-            </a:r>
-          </a:p>
-        </p:txBody>
-      </p:sp>
-      <p:cxnSp>
-        <p:nvCxnSpPr>
-          <p:cNvPr id="24" name="직선 연결선 23">
-            <a:extLst>
-              <a:ext uri="{FF2B5EF4-FFF2-40B4-BE49-F238E27FC236}">
-                <a16:creationId xmlns:a16="http://schemas.microsoft.com/office/drawing/2014/main" id="{614F76B4-8331-41D4-A83F-F84E3457702F}"/>
-              </a:ext>
-            </a:extLst>
-          </p:cNvPr>
-          <p:cNvCxnSpPr>
-            <a:cxnSpLocks/>
-            <a:stCxn id="45" idx="3"/>
-            <a:endCxn id="20" idx="1"/>
-          </p:cNvCxnSpPr>
-          <p:nvPr/>
-        </p:nvCxnSpPr>
-        <p:spPr>
-          <a:xfrm flipV="1">
-            <a:off x="5292080" y="2509089"/>
-            <a:ext cx="742692" cy="288032"/>
-          </a:xfrm>
-          <a:prstGeom prst="line">
-            <a:avLst/>
-          </a:prstGeom>
-          <a:ln w="28575">
-            <a:solidFill>
-              <a:schemeClr val="tx1"/>
-            </a:solidFill>
-          </a:ln>
-        </p:spPr>
-        <p:style>
-          <a:lnRef idx="1">
-            <a:schemeClr val="accent1"/>
-          </a:lnRef>
-          <a:fillRef idx="0">
-            <a:schemeClr val="accent1"/>
-          </a:fillRef>
-          <a:effectRef idx="0">
-            <a:schemeClr val="accent1"/>
-          </a:effectRef>
-          <a:fontRef idx="minor">
-            <a:schemeClr val="tx1"/>
-          </a:fontRef>
-        </p:style>
-      </p:cxnSp>
-      <p:cxnSp>
-        <p:nvCxnSpPr>
-          <p:cNvPr id="27" name="직선 연결선 26">
-            <a:extLst>
-              <a:ext uri="{FF2B5EF4-FFF2-40B4-BE49-F238E27FC236}">
-                <a16:creationId xmlns:a16="http://schemas.microsoft.com/office/drawing/2014/main" id="{109FEE66-18CC-460C-9851-929984DC98B9}"/>
-              </a:ext>
-            </a:extLst>
-          </p:cNvPr>
-          <p:cNvCxnSpPr>
-            <a:cxnSpLocks/>
-            <a:stCxn id="45" idx="3"/>
-            <a:endCxn id="21" idx="1"/>
-          </p:cNvCxnSpPr>
-          <p:nvPr/>
-        </p:nvCxnSpPr>
-        <p:spPr>
-          <a:xfrm>
-            <a:off x="5292080" y="2797121"/>
-            <a:ext cx="742692" cy="667493"/>
-          </a:xfrm>
-          <a:prstGeom prst="line">
-            <a:avLst/>
-          </a:prstGeom>
-          <a:ln w="28575">
-            <a:solidFill>
-              <a:schemeClr val="tx1"/>
-            </a:solidFill>
-          </a:ln>
-        </p:spPr>
-        <p:style>
-          <a:lnRef idx="1">
-            <a:schemeClr val="accent1"/>
-          </a:lnRef>
-          <a:fillRef idx="0">
-            <a:schemeClr val="accent1"/>
-          </a:fillRef>
-          <a:effectRef idx="0">
-            <a:schemeClr val="accent1"/>
-          </a:effectRef>
-          <a:fontRef idx="minor">
-            <a:schemeClr val="tx1"/>
-          </a:fontRef>
-        </p:style>
-      </p:cxnSp>
-      <p:cxnSp>
-        <p:nvCxnSpPr>
-          <p:cNvPr id="30" name="직선 연결선 29">
-            <a:extLst>
-              <a:ext uri="{FF2B5EF4-FFF2-40B4-BE49-F238E27FC236}">
-                <a16:creationId xmlns:a16="http://schemas.microsoft.com/office/drawing/2014/main" id="{CE32EC49-0BDC-4DE8-9F41-51E7F1BC7900}"/>
-              </a:ext>
-            </a:extLst>
-          </p:cNvPr>
-          <p:cNvCxnSpPr>
-            <a:cxnSpLocks/>
-          </p:cNvCxnSpPr>
-          <p:nvPr/>
-        </p:nvCxnSpPr>
-        <p:spPr>
-          <a:xfrm>
-            <a:off x="2483768" y="1654339"/>
-            <a:ext cx="0" cy="2501585"/>
-          </a:xfrm>
-          <a:prstGeom prst="line">
+          <a:xfrm rot="5400000">
+            <a:off x="875751" y="873210"/>
+            <a:ext cx="1759777" cy="1556461"/>
+          </a:xfrm>
+          <a:prstGeom prst="arc">
             <a:avLst/>
           </a:prstGeom>
           <a:ln w="28575">
@@ -12703,13 +12235,479 @@
             <a:schemeClr val="tx1"/>
           </a:fontRef>
         </p:style>
+        <p:txBody>
+          <a:bodyPr rtlCol="0" anchor="ctr"/>
+          <a:lstStyle/>
+          <a:p>
+            <a:pPr algn="ctr"/>
+            <a:endParaRPr lang="ko-KR" altLang="en-US"/>
+          </a:p>
+        </p:txBody>
+      </p:sp>
+      <p:sp>
+        <p:nvSpPr>
+          <p:cNvPr id="39" name="타원 38">
+            <a:extLst>
+              <a:ext uri="{FF2B5EF4-FFF2-40B4-BE49-F238E27FC236}">
+                <a16:creationId xmlns:a16="http://schemas.microsoft.com/office/drawing/2014/main" xmlns="" id="{A99570B1-7DB4-4E43-A58E-57058CA0F54A}"/>
+              </a:ext>
+            </a:extLst>
+          </p:cNvPr>
+          <p:cNvSpPr/>
+          <p:nvPr/>
+        </p:nvSpPr>
+        <p:spPr>
+          <a:xfrm>
+            <a:off x="1979712" y="2283718"/>
+            <a:ext cx="288032" cy="288032"/>
+          </a:xfrm>
+          <a:prstGeom prst="ellipse">
+            <a:avLst/>
+          </a:prstGeom>
+        </p:spPr>
+        <p:style>
+          <a:lnRef idx="2">
+            <a:schemeClr val="dk1"/>
+          </a:lnRef>
+          <a:fillRef idx="1">
+            <a:schemeClr val="lt1"/>
+          </a:fillRef>
+          <a:effectRef idx="0">
+            <a:schemeClr val="dk1"/>
+          </a:effectRef>
+          <a:fontRef idx="minor">
+            <a:schemeClr val="dk1"/>
+          </a:fontRef>
+        </p:style>
+        <p:txBody>
+          <a:bodyPr rtlCol="0" anchor="ctr"/>
+          <a:lstStyle/>
+          <a:p>
+            <a:pPr algn="ctr"/>
+            <a:r>
+              <a:rPr lang="en-US" altLang="ko-KR"/>
+              <a:t>1</a:t>
+            </a:r>
+            <a:endParaRPr lang="ko-KR" altLang="en-US"/>
+          </a:p>
+        </p:txBody>
+      </p:sp>
+      <p:sp>
+        <p:nvSpPr>
+          <p:cNvPr id="81" name="모서리가 둥근 직사각형 2">
+            <a:extLst>
+              <a:ext uri="{FF2B5EF4-FFF2-40B4-BE49-F238E27FC236}">
+                <a16:creationId xmlns:a16="http://schemas.microsoft.com/office/drawing/2014/main" xmlns="" id="{AFB69950-68B0-473C-955E-3462CC086FC3}"/>
+              </a:ext>
+            </a:extLst>
+          </p:cNvPr>
+          <p:cNvSpPr/>
+          <p:nvPr/>
+        </p:nvSpPr>
+        <p:spPr>
+          <a:xfrm>
+            <a:off x="1066358" y="4115103"/>
+            <a:ext cx="1561564" cy="904919"/>
+          </a:xfrm>
+          <a:prstGeom prst="roundRect">
+            <a:avLst>
+              <a:gd name="adj" fmla="val 9458"/>
+            </a:avLst>
+          </a:prstGeom>
+        </p:spPr>
+        <p:style>
+          <a:lnRef idx="2">
+            <a:schemeClr val="dk1"/>
+          </a:lnRef>
+          <a:fillRef idx="1">
+            <a:schemeClr val="lt1"/>
+          </a:fillRef>
+          <a:effectRef idx="0">
+            <a:schemeClr val="dk1"/>
+          </a:effectRef>
+          <a:fontRef idx="minor">
+            <a:schemeClr val="dk1"/>
+          </a:fontRef>
+        </p:style>
+        <p:txBody>
+          <a:bodyPr rtlCol="0" anchor="ctr"/>
+          <a:lstStyle/>
+          <a:p>
+            <a:pPr algn="ctr"/>
+            <a:r>
+              <a:rPr lang="en-US" altLang="ko-KR" sz="1600"/>
+              <a:t>Server A </a:t>
+            </a:r>
+          </a:p>
+          <a:p>
+            <a:pPr algn="ctr"/>
+            <a:r>
+              <a:rPr lang="en-US" altLang="ko-KR" sz="1400"/>
+              <a:t>IP-3.3.3.10</a:t>
+            </a:r>
+          </a:p>
+          <a:p>
+            <a:pPr algn="ctr"/>
+            <a:r>
+              <a:rPr lang="en-US" altLang="ko-KR" sz="1400"/>
+              <a:t>Lo-2.2.2.5</a:t>
+            </a:r>
+          </a:p>
+          <a:p>
+            <a:pPr algn="ctr"/>
+            <a:r>
+              <a:rPr lang="en-US" altLang="ko-KR" sz="1400"/>
+              <a:t>Lo-2.2.2.6</a:t>
+            </a:r>
+          </a:p>
+        </p:txBody>
+      </p:sp>
+      <p:sp>
+        <p:nvSpPr>
+          <p:cNvPr id="83" name="모서리가 둥근 직사각형 2">
+            <a:extLst>
+              <a:ext uri="{FF2B5EF4-FFF2-40B4-BE49-F238E27FC236}">
+                <a16:creationId xmlns:a16="http://schemas.microsoft.com/office/drawing/2014/main" xmlns="" id="{4049B3CA-B289-42C7-882F-5A4083100CFE}"/>
+              </a:ext>
+            </a:extLst>
+          </p:cNvPr>
+          <p:cNvSpPr/>
+          <p:nvPr/>
+        </p:nvSpPr>
+        <p:spPr>
+          <a:xfrm>
+            <a:off x="2866420" y="4115103"/>
+            <a:ext cx="1561564" cy="904919"/>
+          </a:xfrm>
+          <a:prstGeom prst="roundRect">
+            <a:avLst>
+              <a:gd name="adj" fmla="val 9458"/>
+            </a:avLst>
+          </a:prstGeom>
+        </p:spPr>
+        <p:style>
+          <a:lnRef idx="2">
+            <a:schemeClr val="dk1"/>
+          </a:lnRef>
+          <a:fillRef idx="1">
+            <a:schemeClr val="lt1"/>
+          </a:fillRef>
+          <a:effectRef idx="0">
+            <a:schemeClr val="dk1"/>
+          </a:effectRef>
+          <a:fontRef idx="minor">
+            <a:schemeClr val="dk1"/>
+          </a:fontRef>
+        </p:style>
+        <p:txBody>
+          <a:bodyPr rtlCol="0" anchor="ctr"/>
+          <a:lstStyle/>
+          <a:p>
+            <a:pPr algn="ctr"/>
+            <a:r>
+              <a:rPr lang="en-US" altLang="ko-KR" sz="1600"/>
+              <a:t>Server B </a:t>
+            </a:r>
+          </a:p>
+          <a:p>
+            <a:pPr algn="ctr"/>
+            <a:r>
+              <a:rPr lang="en-US" altLang="ko-KR" sz="1400"/>
+              <a:t>IP-3.3.3.20</a:t>
+            </a:r>
+          </a:p>
+          <a:p>
+            <a:pPr algn="ctr"/>
+            <a:r>
+              <a:rPr lang="en-US" altLang="ko-KR" sz="1400"/>
+              <a:t>Lo-2.2.2.5</a:t>
+            </a:r>
+          </a:p>
+          <a:p>
+            <a:pPr algn="ctr"/>
+            <a:r>
+              <a:rPr lang="en-US" altLang="ko-KR" sz="1400"/>
+              <a:t>Lo-2.2.2.6</a:t>
+            </a:r>
+          </a:p>
+        </p:txBody>
+      </p:sp>
+      <p:sp>
+        <p:nvSpPr>
+          <p:cNvPr id="41" name="TextBox 40">
+            <a:extLst>
+              <a:ext uri="{FF2B5EF4-FFF2-40B4-BE49-F238E27FC236}">
+                <a16:creationId xmlns:a16="http://schemas.microsoft.com/office/drawing/2014/main" xmlns="" id="{4C3440A4-D1A8-4C91-83F5-0ECB9206DE21}"/>
+              </a:ext>
+            </a:extLst>
+          </p:cNvPr>
+          <p:cNvSpPr txBox="1"/>
+          <p:nvPr/>
+        </p:nvSpPr>
+        <p:spPr>
+          <a:xfrm>
+            <a:off x="4657074" y="3703613"/>
+            <a:ext cx="2160240" cy="338554"/>
+          </a:xfrm>
+          <a:prstGeom prst="rect">
+            <a:avLst/>
+          </a:prstGeom>
+        </p:spPr>
+        <p:style>
+          <a:lnRef idx="2">
+            <a:schemeClr val="dk1"/>
+          </a:lnRef>
+          <a:fillRef idx="1">
+            <a:schemeClr val="lt1"/>
+          </a:fillRef>
+          <a:effectRef idx="0">
+            <a:schemeClr val="dk1"/>
+          </a:effectRef>
+          <a:fontRef idx="minor">
+            <a:schemeClr val="dk1"/>
+          </a:fontRef>
+        </p:style>
+        <p:txBody>
+          <a:bodyPr wrap="square" rtlCol="0">
+            <a:spAutoFit/>
+          </a:bodyPr>
+          <a:lstStyle/>
+          <a:p>
+            <a:pPr algn="ctr"/>
+            <a:r>
+              <a:rPr lang="en-US" altLang="ko-KR" sz="1600">
+                <a:solidFill>
+                  <a:srgbClr val="C00000"/>
+                </a:solidFill>
+              </a:rPr>
+              <a:t>Tunnel-Green</a:t>
+            </a:r>
+            <a:endParaRPr lang="ko-KR" altLang="en-US" sz="1600">
+              <a:solidFill>
+                <a:srgbClr val="C00000"/>
+              </a:solidFill>
+            </a:endParaRPr>
+          </a:p>
+        </p:txBody>
+      </p:sp>
+      <p:sp>
+        <p:nvSpPr>
+          <p:cNvPr id="76" name="TextBox 75">
+            <a:extLst>
+              <a:ext uri="{FF2B5EF4-FFF2-40B4-BE49-F238E27FC236}">
+                <a16:creationId xmlns:a16="http://schemas.microsoft.com/office/drawing/2014/main" xmlns="" id="{18737A61-C97F-4007-88AC-84327006DBB3}"/>
+              </a:ext>
+            </a:extLst>
+          </p:cNvPr>
+          <p:cNvSpPr txBox="1"/>
+          <p:nvPr/>
+        </p:nvSpPr>
+        <p:spPr>
+          <a:xfrm>
+            <a:off x="4801090" y="1467796"/>
+            <a:ext cx="1872208" cy="338554"/>
+          </a:xfrm>
+          <a:prstGeom prst="rect">
+            <a:avLst/>
+          </a:prstGeom>
+        </p:spPr>
+        <p:style>
+          <a:lnRef idx="2">
+            <a:schemeClr val="dk1"/>
+          </a:lnRef>
+          <a:fillRef idx="1">
+            <a:schemeClr val="lt1"/>
+          </a:fillRef>
+          <a:effectRef idx="0">
+            <a:schemeClr val="dk1"/>
+          </a:effectRef>
+          <a:fontRef idx="minor">
+            <a:schemeClr val="dk1"/>
+          </a:fontRef>
+        </p:style>
+        <p:txBody>
+          <a:bodyPr wrap="square" rtlCol="0">
+            <a:spAutoFit/>
+          </a:bodyPr>
+          <a:lstStyle/>
+          <a:p>
+            <a:pPr algn="ctr"/>
+            <a:r>
+              <a:rPr lang="en-US" altLang="ko-KR" sz="1600"/>
+              <a:t>Dst-2.2.2.5</a:t>
+            </a:r>
+            <a:endParaRPr lang="ko-KR" altLang="en-US" sz="1600"/>
+          </a:p>
+        </p:txBody>
+      </p:sp>
+      <p:sp>
+        <p:nvSpPr>
+          <p:cNvPr id="78" name="TextBox 77">
+            <a:extLst>
+              <a:ext uri="{FF2B5EF4-FFF2-40B4-BE49-F238E27FC236}">
+                <a16:creationId xmlns:a16="http://schemas.microsoft.com/office/drawing/2014/main" xmlns="" id="{09BA3111-575F-4009-B382-09BA499B5802}"/>
+              </a:ext>
+            </a:extLst>
+          </p:cNvPr>
+          <p:cNvSpPr txBox="1"/>
+          <p:nvPr/>
+        </p:nvSpPr>
+        <p:spPr>
+          <a:xfrm>
+            <a:off x="4657074" y="3030933"/>
+            <a:ext cx="2160240" cy="338554"/>
+          </a:xfrm>
+          <a:prstGeom prst="rect">
+            <a:avLst/>
+          </a:prstGeom>
+        </p:spPr>
+        <p:style>
+          <a:lnRef idx="2">
+            <a:schemeClr val="dk1"/>
+          </a:lnRef>
+          <a:fillRef idx="1">
+            <a:schemeClr val="lt1"/>
+          </a:fillRef>
+          <a:effectRef idx="0">
+            <a:schemeClr val="dk1"/>
+          </a:effectRef>
+          <a:fontRef idx="minor">
+            <a:schemeClr val="dk1"/>
+          </a:fontRef>
+        </p:style>
+        <p:txBody>
+          <a:bodyPr wrap="square" rtlCol="0">
+            <a:spAutoFit/>
+          </a:bodyPr>
+          <a:lstStyle/>
+          <a:p>
+            <a:pPr algn="ctr"/>
+            <a:r>
+              <a:rPr lang="en-US" altLang="ko-KR" sz="1600">
+                <a:solidFill>
+                  <a:srgbClr val="C00000"/>
+                </a:solidFill>
+              </a:rPr>
+              <a:t>Outer / Src-X.X.X.X</a:t>
+            </a:r>
+            <a:endParaRPr lang="ko-KR" altLang="en-US" sz="1600">
+              <a:solidFill>
+                <a:srgbClr val="C00000"/>
+              </a:solidFill>
+            </a:endParaRPr>
+          </a:p>
+        </p:txBody>
+      </p:sp>
+      <p:sp>
+        <p:nvSpPr>
+          <p:cNvPr id="79" name="TextBox 78">
+            <a:extLst>
+              <a:ext uri="{FF2B5EF4-FFF2-40B4-BE49-F238E27FC236}">
+                <a16:creationId xmlns:a16="http://schemas.microsoft.com/office/drawing/2014/main" xmlns="" id="{2D7B5FF1-C977-4E6E-969B-D9F212AD8C35}"/>
+              </a:ext>
+            </a:extLst>
+          </p:cNvPr>
+          <p:cNvSpPr txBox="1"/>
+          <p:nvPr/>
+        </p:nvSpPr>
+        <p:spPr>
+          <a:xfrm>
+            <a:off x="4657074" y="3365162"/>
+            <a:ext cx="2160240" cy="338554"/>
+          </a:xfrm>
+          <a:prstGeom prst="rect">
+            <a:avLst/>
+          </a:prstGeom>
+        </p:spPr>
+        <p:style>
+          <a:lnRef idx="2">
+            <a:schemeClr val="dk1"/>
+          </a:lnRef>
+          <a:fillRef idx="1">
+            <a:schemeClr val="lt1"/>
+          </a:fillRef>
+          <a:effectRef idx="0">
+            <a:schemeClr val="dk1"/>
+          </a:effectRef>
+          <a:fontRef idx="minor">
+            <a:schemeClr val="dk1"/>
+          </a:fontRef>
+        </p:style>
+        <p:txBody>
+          <a:bodyPr wrap="square" rtlCol="0">
+            <a:spAutoFit/>
+          </a:bodyPr>
+          <a:lstStyle/>
+          <a:p>
+            <a:pPr algn="ctr"/>
+            <a:r>
+              <a:rPr lang="en-US" altLang="ko-KR" sz="1600">
+                <a:solidFill>
+                  <a:srgbClr val="C00000"/>
+                </a:solidFill>
+              </a:rPr>
+              <a:t>Outer / Dst-X.X.X.X</a:t>
+            </a:r>
+            <a:endParaRPr lang="ko-KR" altLang="en-US" sz="1600">
+              <a:solidFill>
+                <a:srgbClr val="C00000"/>
+              </a:solidFill>
+            </a:endParaRPr>
+          </a:p>
+        </p:txBody>
+      </p:sp>
+      <p:cxnSp>
+        <p:nvCxnSpPr>
+          <p:cNvPr id="86" name="직선 연결선 85">
+            <a:extLst>
+              <a:ext uri="{FF2B5EF4-FFF2-40B4-BE49-F238E27FC236}">
+                <a16:creationId xmlns:a16="http://schemas.microsoft.com/office/drawing/2014/main" xmlns="" id="{1479DC70-7E2D-41D8-A0FD-CF6869060283}"/>
+              </a:ext>
+            </a:extLst>
+          </p:cNvPr>
+          <p:cNvCxnSpPr>
+            <a:cxnSpLocks/>
+            <a:endCxn id="78" idx="0"/>
+          </p:cNvCxnSpPr>
+          <p:nvPr/>
+        </p:nvCxnSpPr>
+        <p:spPr>
+          <a:xfrm>
+            <a:off x="5737194" y="1806247"/>
+            <a:ext cx="0" cy="1224686"/>
+          </a:xfrm>
+          <a:prstGeom prst="line">
+            <a:avLst/>
+          </a:prstGeom>
+          <a:ln w="28575">
+            <a:solidFill>
+              <a:schemeClr val="tx1"/>
+            </a:solidFill>
+            <a:headEnd type="none" w="med" len="med"/>
+            <a:tailEnd type="arrow" w="med" len="med"/>
+          </a:ln>
+        </p:spPr>
+        <p:style>
+          <a:lnRef idx="1">
+            <a:schemeClr val="accent1"/>
+          </a:lnRef>
+          <a:fillRef idx="0">
+            <a:schemeClr val="accent1"/>
+          </a:fillRef>
+          <a:effectRef idx="0">
+            <a:schemeClr val="accent1"/>
+          </a:effectRef>
+          <a:fontRef idx="minor">
+            <a:schemeClr val="tx1"/>
+          </a:fontRef>
+        </p:style>
       </p:cxnSp>
       <p:sp>
         <p:nvSpPr>
-          <p:cNvPr id="38" name="원호 37">
-            <a:extLst>
-              <a:ext uri="{FF2B5EF4-FFF2-40B4-BE49-F238E27FC236}">
-                <a16:creationId xmlns:a16="http://schemas.microsoft.com/office/drawing/2014/main" id="{9AC0856D-4C03-4F46-BE14-40E6F874BBDF}"/>
+          <p:cNvPr id="88" name="모서리가 둥근 직사각형 2">
+            <a:extLst>
+              <a:ext uri="{FF2B5EF4-FFF2-40B4-BE49-F238E27FC236}">
+                <a16:creationId xmlns:a16="http://schemas.microsoft.com/office/drawing/2014/main" xmlns="" id="{F0ADCA8D-2691-43F9-8EFE-AF92F2B41A98}"/>
               </a:ext>
             </a:extLst>
           </p:cNvPr>
@@ -12717,14 +12715,720 @@
           <p:nvPr/>
         </p:nvSpPr>
         <p:spPr>
-          <a:xfrm rot="16200000" flipH="1">
-            <a:off x="2746527" y="978597"/>
-            <a:ext cx="1978097" cy="1351487"/>
+          <a:xfrm>
+            <a:off x="4958172" y="2137219"/>
+            <a:ext cx="1558044" cy="557370"/>
+          </a:xfrm>
+          <a:prstGeom prst="roundRect">
+            <a:avLst>
+              <a:gd name="adj" fmla="val 9458"/>
+            </a:avLst>
+          </a:prstGeom>
+        </p:spPr>
+        <p:style>
+          <a:lnRef idx="2">
+            <a:schemeClr val="dk1"/>
+          </a:lnRef>
+          <a:fillRef idx="1">
+            <a:schemeClr val="lt1"/>
+          </a:fillRef>
+          <a:effectRef idx="0">
+            <a:schemeClr val="dk1"/>
+          </a:effectRef>
+          <a:fontRef idx="minor">
+            <a:schemeClr val="dk1"/>
+          </a:fontRef>
+        </p:style>
+        <p:txBody>
+          <a:bodyPr rtlCol="0" anchor="ctr"/>
+          <a:lstStyle/>
+          <a:p>
+            <a:pPr algn="ctr"/>
+            <a:r>
+              <a:rPr lang="en-US" altLang="ko-KR" sz="1600"/>
+              <a:t>Encapsulation</a:t>
+            </a:r>
+            <a:endParaRPr lang="ko-KR" altLang="en-US" sz="1600"/>
+          </a:p>
+        </p:txBody>
+      </p:sp>
+      <p:sp>
+        <p:nvSpPr>
+          <p:cNvPr id="91" name="타원 90">
+            <a:extLst>
+              <a:ext uri="{FF2B5EF4-FFF2-40B4-BE49-F238E27FC236}">
+                <a16:creationId xmlns:a16="http://schemas.microsoft.com/office/drawing/2014/main" xmlns="" id="{100ECB68-8B92-4374-83D7-18F2E62BD20D}"/>
+              </a:ext>
+            </a:extLst>
+          </p:cNvPr>
+          <p:cNvSpPr/>
+          <p:nvPr/>
+        </p:nvSpPr>
+        <p:spPr>
+          <a:xfrm>
+            <a:off x="4509042" y="2886367"/>
+            <a:ext cx="288032" cy="288032"/>
+          </a:xfrm>
+          <a:prstGeom prst="ellipse">
+            <a:avLst/>
+          </a:prstGeom>
+        </p:spPr>
+        <p:style>
+          <a:lnRef idx="2">
+            <a:schemeClr val="dk1"/>
+          </a:lnRef>
+          <a:fillRef idx="1">
+            <a:schemeClr val="lt1"/>
+          </a:fillRef>
+          <a:effectRef idx="0">
+            <a:schemeClr val="dk1"/>
+          </a:effectRef>
+          <a:fontRef idx="minor">
+            <a:schemeClr val="dk1"/>
+          </a:fontRef>
+        </p:style>
+        <p:txBody>
+          <a:bodyPr rtlCol="0" anchor="ctr"/>
+          <a:lstStyle/>
+          <a:p>
+            <a:pPr algn="ctr"/>
+            <a:r>
+              <a:rPr lang="en-US" altLang="ko-KR"/>
+              <a:t>2</a:t>
+            </a:r>
+            <a:endParaRPr lang="ko-KR" altLang="en-US"/>
+          </a:p>
+        </p:txBody>
+      </p:sp>
+      <p:sp>
+        <p:nvSpPr>
+          <p:cNvPr id="94" name="TextBox 93">
+            <a:extLst>
+              <a:ext uri="{FF2B5EF4-FFF2-40B4-BE49-F238E27FC236}">
+                <a16:creationId xmlns:a16="http://schemas.microsoft.com/office/drawing/2014/main" xmlns="" id="{490AE2BF-BD19-4E22-BF0D-20653C11CBAE}"/>
+              </a:ext>
+            </a:extLst>
+          </p:cNvPr>
+          <p:cNvSpPr txBox="1"/>
+          <p:nvPr/>
+        </p:nvSpPr>
+        <p:spPr>
+          <a:xfrm>
+            <a:off x="4801090" y="1136927"/>
+            <a:ext cx="1872208" cy="338554"/>
+          </a:xfrm>
+          <a:prstGeom prst="rect">
+            <a:avLst/>
+          </a:prstGeom>
+        </p:spPr>
+        <p:style>
+          <a:lnRef idx="2">
+            <a:schemeClr val="dk1"/>
+          </a:lnRef>
+          <a:fillRef idx="1">
+            <a:schemeClr val="lt1"/>
+          </a:fillRef>
+          <a:effectRef idx="0">
+            <a:schemeClr val="dk1"/>
+          </a:effectRef>
+          <a:fontRef idx="minor">
+            <a:schemeClr val="dk1"/>
+          </a:fontRef>
+        </p:style>
+        <p:txBody>
+          <a:bodyPr wrap="square" rtlCol="0">
+            <a:spAutoFit/>
+          </a:bodyPr>
+          <a:lstStyle/>
+          <a:p>
+            <a:pPr algn="ctr"/>
+            <a:r>
+              <a:rPr lang="en-US" altLang="ko-KR" sz="1600"/>
+              <a:t>Src-1.1.1.10</a:t>
+            </a:r>
+            <a:endParaRPr lang="ko-KR" altLang="en-US" sz="1600"/>
+          </a:p>
+        </p:txBody>
+      </p:sp>
+      <p:sp>
+        <p:nvSpPr>
+          <p:cNvPr id="90" name="타원 89">
+            <a:extLst>
+              <a:ext uri="{FF2B5EF4-FFF2-40B4-BE49-F238E27FC236}">
+                <a16:creationId xmlns:a16="http://schemas.microsoft.com/office/drawing/2014/main" xmlns="" id="{46645BF3-91D4-488D-91F7-E23D8E751ED0}"/>
+              </a:ext>
+            </a:extLst>
+          </p:cNvPr>
+          <p:cNvSpPr/>
+          <p:nvPr/>
+        </p:nvSpPr>
+        <p:spPr>
+          <a:xfrm>
+            <a:off x="4670140" y="987574"/>
+            <a:ext cx="288032" cy="288032"/>
+          </a:xfrm>
+          <a:prstGeom prst="ellipse">
+            <a:avLst/>
+          </a:prstGeom>
+        </p:spPr>
+        <p:style>
+          <a:lnRef idx="2">
+            <a:schemeClr val="dk1"/>
+          </a:lnRef>
+          <a:fillRef idx="1">
+            <a:schemeClr val="lt1"/>
+          </a:fillRef>
+          <a:effectRef idx="0">
+            <a:schemeClr val="dk1"/>
+          </a:effectRef>
+          <a:fontRef idx="minor">
+            <a:schemeClr val="dk1"/>
+          </a:fontRef>
+        </p:style>
+        <p:txBody>
+          <a:bodyPr rtlCol="0" anchor="ctr"/>
+          <a:lstStyle/>
+          <a:p>
+            <a:pPr algn="ctr"/>
+            <a:r>
+              <a:rPr lang="en-US" altLang="ko-KR"/>
+              <a:t>1</a:t>
+            </a:r>
+            <a:endParaRPr lang="ko-KR" altLang="en-US"/>
+          </a:p>
+        </p:txBody>
+      </p:sp>
+      <p:sp>
+        <p:nvSpPr>
+          <p:cNvPr id="34" name="모서리가 둥근 직사각형 2">
+            <a:extLst>
+              <a:ext uri="{FF2B5EF4-FFF2-40B4-BE49-F238E27FC236}">
+                <a16:creationId xmlns:a16="http://schemas.microsoft.com/office/drawing/2014/main" xmlns="" id="{4FB59714-732C-4DC0-848C-5E32F3B4EECA}"/>
+              </a:ext>
+            </a:extLst>
+          </p:cNvPr>
+          <p:cNvSpPr/>
+          <p:nvPr/>
+        </p:nvSpPr>
+        <p:spPr>
+          <a:xfrm>
+            <a:off x="194077" y="1275606"/>
+            <a:ext cx="1528920" cy="823274"/>
+          </a:xfrm>
+          <a:prstGeom prst="roundRect">
+            <a:avLst>
+              <a:gd name="adj" fmla="val 0"/>
+            </a:avLst>
+          </a:prstGeom>
+          <a:ln>
+            <a:prstDash val="dash"/>
+          </a:ln>
+        </p:spPr>
+        <p:style>
+          <a:lnRef idx="2">
+            <a:schemeClr val="dk1"/>
+          </a:lnRef>
+          <a:fillRef idx="1">
+            <a:schemeClr val="lt1"/>
+          </a:fillRef>
+          <a:effectRef idx="0">
+            <a:schemeClr val="dk1"/>
+          </a:effectRef>
+          <a:fontRef idx="minor">
+            <a:schemeClr val="dk1"/>
+          </a:fontRef>
+        </p:style>
+        <p:txBody>
+          <a:bodyPr rtlCol="0" anchor="ctr"/>
+          <a:lstStyle/>
+          <a:p>
+            <a:pPr algn="ctr"/>
+            <a:r>
+              <a:rPr lang="en-US" altLang="ko-KR" sz="1400"/>
+              <a:t>Tunnel    VIP</a:t>
+            </a:r>
+          </a:p>
+          <a:p>
+            <a:pPr algn="ctr"/>
+            <a:r>
+              <a:rPr lang="en-US" altLang="ko-KR" sz="1400"/>
+              <a:t>  Green  2.2.2.5</a:t>
+            </a:r>
+          </a:p>
+          <a:p>
+            <a:pPr algn="ctr"/>
+            <a:r>
+              <a:rPr lang="en-US" altLang="ko-KR" sz="1400"/>
+              <a:t>  Yellow  2.2.2.6</a:t>
+            </a:r>
+            <a:endParaRPr lang="en-US" altLang="ko-KR" sz="1200"/>
+          </a:p>
+        </p:txBody>
+      </p:sp>
+      <p:sp>
+        <p:nvSpPr>
+          <p:cNvPr id="45" name="TextBox 44">
+            <a:extLst>
+              <a:ext uri="{FF2B5EF4-FFF2-40B4-BE49-F238E27FC236}">
+                <a16:creationId xmlns:a16="http://schemas.microsoft.com/office/drawing/2014/main" xmlns="" id="{331764E4-B047-4B67-8F18-BBABEB5AB761}"/>
+              </a:ext>
+            </a:extLst>
+          </p:cNvPr>
+          <p:cNvSpPr txBox="1"/>
+          <p:nvPr/>
+        </p:nvSpPr>
+        <p:spPr>
+          <a:xfrm>
+            <a:off x="7020272" y="2067694"/>
+            <a:ext cx="1872208" cy="338554"/>
+          </a:xfrm>
+          <a:prstGeom prst="rect">
+            <a:avLst/>
+          </a:prstGeom>
+        </p:spPr>
+        <p:style>
+          <a:lnRef idx="2">
+            <a:schemeClr val="dk1"/>
+          </a:lnRef>
+          <a:fillRef idx="1">
+            <a:schemeClr val="lt1"/>
+          </a:fillRef>
+          <a:effectRef idx="0">
+            <a:schemeClr val="dk1"/>
+          </a:effectRef>
+          <a:fontRef idx="minor">
+            <a:schemeClr val="dk1"/>
+          </a:fontRef>
+        </p:style>
+        <p:txBody>
+          <a:bodyPr wrap="square" rtlCol="0">
+            <a:spAutoFit/>
+          </a:bodyPr>
+          <a:lstStyle/>
+          <a:p>
+            <a:pPr algn="ctr"/>
+            <a:r>
+              <a:rPr lang="en-US" altLang="ko-KR" sz="1600"/>
+              <a:t>Src-2.2.2.5</a:t>
+            </a:r>
+            <a:endParaRPr lang="ko-KR" altLang="en-US" sz="1600"/>
+          </a:p>
+        </p:txBody>
+      </p:sp>
+      <p:sp>
+        <p:nvSpPr>
+          <p:cNvPr id="46" name="TextBox 45">
+            <a:extLst>
+              <a:ext uri="{FF2B5EF4-FFF2-40B4-BE49-F238E27FC236}">
+                <a16:creationId xmlns:a16="http://schemas.microsoft.com/office/drawing/2014/main" xmlns="" id="{EE9DB8FF-7A3D-4A4E-AABA-9743C1E64FE8}"/>
+              </a:ext>
+            </a:extLst>
+          </p:cNvPr>
+          <p:cNvSpPr txBox="1"/>
+          <p:nvPr/>
+        </p:nvSpPr>
+        <p:spPr>
+          <a:xfrm>
+            <a:off x="7020272" y="2401923"/>
+            <a:ext cx="1872208" cy="338554"/>
+          </a:xfrm>
+          <a:prstGeom prst="rect">
+            <a:avLst/>
+          </a:prstGeom>
+        </p:spPr>
+        <p:style>
+          <a:lnRef idx="2">
+            <a:schemeClr val="dk1"/>
+          </a:lnRef>
+          <a:fillRef idx="1">
+            <a:schemeClr val="lt1"/>
+          </a:fillRef>
+          <a:effectRef idx="0">
+            <a:schemeClr val="dk1"/>
+          </a:effectRef>
+          <a:fontRef idx="minor">
+            <a:schemeClr val="dk1"/>
+          </a:fontRef>
+        </p:style>
+        <p:txBody>
+          <a:bodyPr wrap="square" rtlCol="0">
+            <a:spAutoFit/>
+          </a:bodyPr>
+          <a:lstStyle/>
+          <a:p>
+            <a:pPr algn="ctr"/>
+            <a:r>
+              <a:rPr lang="en-US" altLang="ko-KR" sz="1600">
+                <a:solidFill>
+                  <a:schemeClr val="tx1"/>
+                </a:solidFill>
+              </a:rPr>
+              <a:t>Dst-</a:t>
+            </a:r>
+            <a:r>
+              <a:rPr lang="en-US" altLang="ko-KR" sz="1600"/>
+              <a:t>1.1.1.10</a:t>
+            </a:r>
+            <a:endParaRPr lang="ko-KR" altLang="en-US" sz="1600">
+              <a:solidFill>
+                <a:schemeClr val="tx1"/>
+              </a:solidFill>
+            </a:endParaRPr>
+          </a:p>
+        </p:txBody>
+      </p:sp>
+      <p:sp>
+        <p:nvSpPr>
+          <p:cNvPr id="49" name="타원 48">
+            <a:extLst>
+              <a:ext uri="{FF2B5EF4-FFF2-40B4-BE49-F238E27FC236}">
+                <a16:creationId xmlns:a16="http://schemas.microsoft.com/office/drawing/2014/main" xmlns="" id="{FB822E29-2654-468A-ACFC-00B7DEB0EE00}"/>
+              </a:ext>
+            </a:extLst>
+          </p:cNvPr>
+          <p:cNvSpPr/>
+          <p:nvPr/>
+        </p:nvSpPr>
+        <p:spPr>
+          <a:xfrm>
+            <a:off x="6889322" y="1923678"/>
+            <a:ext cx="288032" cy="288032"/>
+          </a:xfrm>
+          <a:prstGeom prst="ellipse">
+            <a:avLst/>
+          </a:prstGeom>
+        </p:spPr>
+        <p:style>
+          <a:lnRef idx="2">
+            <a:schemeClr val="dk1"/>
+          </a:lnRef>
+          <a:fillRef idx="1">
+            <a:schemeClr val="lt1"/>
+          </a:fillRef>
+          <a:effectRef idx="0">
+            <a:schemeClr val="dk1"/>
+          </a:effectRef>
+          <a:fontRef idx="minor">
+            <a:schemeClr val="dk1"/>
+          </a:fontRef>
+        </p:style>
+        <p:txBody>
+          <a:bodyPr rtlCol="0" anchor="ctr"/>
+          <a:lstStyle/>
+          <a:p>
+            <a:pPr algn="ctr"/>
+            <a:r>
+              <a:rPr lang="en-US" altLang="ko-KR"/>
+              <a:t>3</a:t>
+            </a:r>
+            <a:endParaRPr lang="ko-KR" altLang="en-US"/>
+          </a:p>
+        </p:txBody>
+      </p:sp>
+      <p:sp>
+        <p:nvSpPr>
+          <p:cNvPr id="4" name="원통형 3">
+            <a:extLst>
+              <a:ext uri="{FF2B5EF4-FFF2-40B4-BE49-F238E27FC236}">
+                <a16:creationId xmlns:a16="http://schemas.microsoft.com/office/drawing/2014/main" xmlns="" id="{54DEECD0-043A-459E-85BC-C218948BA83F}"/>
+              </a:ext>
+            </a:extLst>
+          </p:cNvPr>
+          <p:cNvSpPr/>
+          <p:nvPr/>
+        </p:nvSpPr>
+        <p:spPr>
+          <a:xfrm rot="19297324">
+            <a:off x="1288145" y="3048809"/>
+            <a:ext cx="145852" cy="1193028"/>
+          </a:xfrm>
+          <a:prstGeom prst="can">
+            <a:avLst/>
+          </a:prstGeom>
+        </p:spPr>
+        <p:style>
+          <a:lnRef idx="2">
+            <a:schemeClr val="accent3">
+              <a:shade val="50000"/>
+            </a:schemeClr>
+          </a:lnRef>
+          <a:fillRef idx="1">
+            <a:schemeClr val="accent3"/>
+          </a:fillRef>
+          <a:effectRef idx="0">
+            <a:schemeClr val="accent3"/>
+          </a:effectRef>
+          <a:fontRef idx="minor">
+            <a:schemeClr val="lt1"/>
+          </a:fontRef>
+        </p:style>
+        <p:txBody>
+          <a:bodyPr rtlCol="0" anchor="ctr"/>
+          <a:lstStyle/>
+          <a:p>
+            <a:pPr algn="ctr"/>
+            <a:endParaRPr lang="ko-KR" altLang="en-US"/>
+          </a:p>
+        </p:txBody>
+      </p:sp>
+      <p:sp>
+        <p:nvSpPr>
+          <p:cNvPr id="43" name="원통형 42">
+            <a:extLst>
+              <a:ext uri="{FF2B5EF4-FFF2-40B4-BE49-F238E27FC236}">
+                <a16:creationId xmlns:a16="http://schemas.microsoft.com/office/drawing/2014/main" xmlns="" id="{EC086770-0CC0-4514-B96C-CE82E68E3CF0}"/>
+              </a:ext>
+            </a:extLst>
+          </p:cNvPr>
+          <p:cNvSpPr/>
+          <p:nvPr/>
+        </p:nvSpPr>
+        <p:spPr>
+          <a:xfrm rot="19297324">
+            <a:off x="1499644" y="3048809"/>
+            <a:ext cx="145852" cy="1193028"/>
+          </a:xfrm>
+          <a:prstGeom prst="can">
+            <a:avLst/>
+          </a:prstGeom>
+        </p:spPr>
+        <p:style>
+          <a:lnRef idx="2">
+            <a:schemeClr val="accent6">
+              <a:shade val="50000"/>
+            </a:schemeClr>
+          </a:lnRef>
+          <a:fillRef idx="1">
+            <a:schemeClr val="accent6"/>
+          </a:fillRef>
+          <a:effectRef idx="0">
+            <a:schemeClr val="accent6"/>
+          </a:effectRef>
+          <a:fontRef idx="minor">
+            <a:schemeClr val="lt1"/>
+          </a:fontRef>
+        </p:style>
+        <p:txBody>
+          <a:bodyPr rtlCol="0" anchor="ctr"/>
+          <a:lstStyle/>
+          <a:p>
+            <a:pPr algn="ctr"/>
+            <a:endParaRPr lang="ko-KR" altLang="en-US"/>
+          </a:p>
+        </p:txBody>
+      </p:sp>
+      <p:sp>
+        <p:nvSpPr>
+          <p:cNvPr id="44" name="원통형 43">
+            <a:extLst>
+              <a:ext uri="{FF2B5EF4-FFF2-40B4-BE49-F238E27FC236}">
+                <a16:creationId xmlns:a16="http://schemas.microsoft.com/office/drawing/2014/main" xmlns="" id="{28328395-AB82-4A07-AB48-C2AC7F2122ED}"/>
+              </a:ext>
+            </a:extLst>
+          </p:cNvPr>
+          <p:cNvSpPr/>
+          <p:nvPr/>
+        </p:nvSpPr>
+        <p:spPr>
+          <a:xfrm rot="17687049">
+            <a:off x="2357646" y="2538696"/>
+            <a:ext cx="138738" cy="2190317"/>
+          </a:xfrm>
+          <a:prstGeom prst="can">
+            <a:avLst/>
+          </a:prstGeom>
+        </p:spPr>
+        <p:style>
+          <a:lnRef idx="2">
+            <a:schemeClr val="accent3">
+              <a:shade val="50000"/>
+            </a:schemeClr>
+          </a:lnRef>
+          <a:fillRef idx="1">
+            <a:schemeClr val="accent3"/>
+          </a:fillRef>
+          <a:effectRef idx="0">
+            <a:schemeClr val="accent3"/>
+          </a:effectRef>
+          <a:fontRef idx="minor">
+            <a:schemeClr val="lt1"/>
+          </a:fontRef>
+        </p:style>
+        <p:txBody>
+          <a:bodyPr rtlCol="0" anchor="ctr"/>
+          <a:lstStyle/>
+          <a:p>
+            <a:pPr algn="ctr"/>
+            <a:endParaRPr lang="ko-KR" altLang="en-US"/>
+          </a:p>
+        </p:txBody>
+      </p:sp>
+      <p:sp>
+        <p:nvSpPr>
+          <p:cNvPr id="47" name="원통형 46">
+            <a:extLst>
+              <a:ext uri="{FF2B5EF4-FFF2-40B4-BE49-F238E27FC236}">
+                <a16:creationId xmlns:a16="http://schemas.microsoft.com/office/drawing/2014/main" xmlns="" id="{FD0F6616-1B79-44B7-A319-BAF53BE51FFC}"/>
+              </a:ext>
+            </a:extLst>
+          </p:cNvPr>
+          <p:cNvSpPr/>
+          <p:nvPr/>
+        </p:nvSpPr>
+        <p:spPr>
+          <a:xfrm rot="17687049">
+            <a:off x="2696226" y="2538697"/>
+            <a:ext cx="138738" cy="2190317"/>
+          </a:xfrm>
+          <a:prstGeom prst="can">
+            <a:avLst/>
+          </a:prstGeom>
+        </p:spPr>
+        <p:style>
+          <a:lnRef idx="2">
+            <a:schemeClr val="accent6">
+              <a:shade val="50000"/>
+            </a:schemeClr>
+          </a:lnRef>
+          <a:fillRef idx="1">
+            <a:schemeClr val="accent6"/>
+          </a:fillRef>
+          <a:effectRef idx="0">
+            <a:schemeClr val="accent6"/>
+          </a:effectRef>
+          <a:fontRef idx="minor">
+            <a:schemeClr val="lt1"/>
+          </a:fontRef>
+        </p:style>
+        <p:txBody>
+          <a:bodyPr rtlCol="0" anchor="ctr"/>
+          <a:lstStyle/>
+          <a:p>
+            <a:pPr algn="ctr"/>
+            <a:endParaRPr lang="ko-KR" altLang="en-US"/>
+          </a:p>
+        </p:txBody>
+      </p:sp>
+      <p:sp>
+        <p:nvSpPr>
+          <p:cNvPr id="36" name="원호 35">
+            <a:extLst>
+              <a:ext uri="{FF2B5EF4-FFF2-40B4-BE49-F238E27FC236}">
+                <a16:creationId xmlns:a16="http://schemas.microsoft.com/office/drawing/2014/main" xmlns="" id="{8067F50F-2B56-41FA-BBBD-DA466ADB1A4C}"/>
+              </a:ext>
+            </a:extLst>
+          </p:cNvPr>
+          <p:cNvSpPr/>
+          <p:nvPr/>
+        </p:nvSpPr>
+        <p:spPr>
+          <a:xfrm rot="16200000" flipV="1">
+            <a:off x="652996" y="2490680"/>
+            <a:ext cx="2191825" cy="3298906"/>
+          </a:xfrm>
+          <a:prstGeom prst="arc">
+            <a:avLst/>
+          </a:prstGeom>
+          <a:ln w="28575">
+            <a:solidFill>
+              <a:srgbClr val="C00000"/>
+            </a:solidFill>
+            <a:headEnd type="arrow" w="med" len="med"/>
+            <a:tailEnd type="none" w="med" len="med"/>
+          </a:ln>
+        </p:spPr>
+        <p:style>
+          <a:lnRef idx="1">
+            <a:schemeClr val="accent1"/>
+          </a:lnRef>
+          <a:fillRef idx="0">
+            <a:schemeClr val="accent1"/>
+          </a:fillRef>
+          <a:effectRef idx="0">
+            <a:schemeClr val="accent1"/>
+          </a:effectRef>
+          <a:fontRef idx="minor">
+            <a:schemeClr val="tx1"/>
+          </a:fontRef>
+        </p:style>
+        <p:txBody>
+          <a:bodyPr rtlCol="0" anchor="ctr"/>
+          <a:lstStyle/>
+          <a:p>
+            <a:pPr algn="ctr"/>
+            <a:endParaRPr lang="ko-KR" altLang="en-US"/>
+          </a:p>
+        </p:txBody>
+      </p:sp>
+      <p:sp>
+        <p:nvSpPr>
+          <p:cNvPr id="40" name="타원 39">
+            <a:extLst>
+              <a:ext uri="{FF2B5EF4-FFF2-40B4-BE49-F238E27FC236}">
+                <a16:creationId xmlns:a16="http://schemas.microsoft.com/office/drawing/2014/main" xmlns="" id="{0F754A08-11C5-4F1A-B637-06012293F1C0}"/>
+              </a:ext>
+            </a:extLst>
+          </p:cNvPr>
+          <p:cNvSpPr/>
+          <p:nvPr/>
+        </p:nvSpPr>
+        <p:spPr>
+          <a:xfrm>
+            <a:off x="2835761" y="3291830"/>
+            <a:ext cx="288032" cy="288032"/>
+          </a:xfrm>
+          <a:prstGeom prst="ellipse">
+            <a:avLst/>
+          </a:prstGeom>
+        </p:spPr>
+        <p:style>
+          <a:lnRef idx="2">
+            <a:schemeClr val="dk1"/>
+          </a:lnRef>
+          <a:fillRef idx="1">
+            <a:schemeClr val="lt1"/>
+          </a:fillRef>
+          <a:effectRef idx="0">
+            <a:schemeClr val="dk1"/>
+          </a:effectRef>
+          <a:fontRef idx="minor">
+            <a:schemeClr val="dk1"/>
+          </a:fontRef>
+        </p:style>
+        <p:txBody>
+          <a:bodyPr rtlCol="0" anchor="ctr"/>
+          <a:lstStyle/>
+          <a:p>
+            <a:pPr algn="ctr"/>
+            <a:r>
+              <a:rPr lang="en-US" altLang="ko-KR"/>
+              <a:t>2</a:t>
+            </a:r>
+            <a:endParaRPr lang="ko-KR" altLang="en-US"/>
+          </a:p>
+        </p:txBody>
+      </p:sp>
+      <p:sp>
+        <p:nvSpPr>
+          <p:cNvPr id="37" name="원호 36">
+            <a:extLst>
+              <a:ext uri="{FF2B5EF4-FFF2-40B4-BE49-F238E27FC236}">
+                <a16:creationId xmlns:a16="http://schemas.microsoft.com/office/drawing/2014/main" xmlns="" id="{674BE5AF-DA0B-4BB3-9C00-B5639F54D83D}"/>
+              </a:ext>
+            </a:extLst>
+          </p:cNvPr>
+          <p:cNvSpPr/>
+          <p:nvPr/>
+        </p:nvSpPr>
+        <p:spPr>
+          <a:xfrm rot="10800000">
+            <a:off x="3041113" y="-787224"/>
+            <a:ext cx="2404522" cy="5045282"/>
           </a:xfrm>
           <a:prstGeom prst="arc">
             <a:avLst>
-              <a:gd name="adj1" fmla="val 16200000"/>
-              <a:gd name="adj2" fmla="val 26855"/>
+              <a:gd name="adj1" fmla="val 16777217"/>
+              <a:gd name="adj2" fmla="val 251780"/>
             </a:avLst>
           </a:prstGeom>
           <a:ln w="28575">
@@ -12760,10 +13464,1330 @@
       </p:sp>
       <p:sp>
         <p:nvSpPr>
+          <p:cNvPr id="42" name="타원 41">
+            <a:extLst>
+              <a:ext uri="{FF2B5EF4-FFF2-40B4-BE49-F238E27FC236}">
+                <a16:creationId xmlns:a16="http://schemas.microsoft.com/office/drawing/2014/main" xmlns="" id="{67E205F5-100A-4787-A0AC-5FBCBE2BB09D}"/>
+              </a:ext>
+            </a:extLst>
+          </p:cNvPr>
+          <p:cNvSpPr/>
+          <p:nvPr/>
+        </p:nvSpPr>
+        <p:spPr>
+          <a:xfrm>
+            <a:off x="3347864" y="3507854"/>
+            <a:ext cx="288032" cy="288032"/>
+          </a:xfrm>
+          <a:prstGeom prst="ellipse">
+            <a:avLst/>
+          </a:prstGeom>
+        </p:spPr>
+        <p:style>
+          <a:lnRef idx="2">
+            <a:schemeClr val="dk1"/>
+          </a:lnRef>
+          <a:fillRef idx="1">
+            <a:schemeClr val="lt1"/>
+          </a:fillRef>
+          <a:effectRef idx="0">
+            <a:schemeClr val="dk1"/>
+          </a:effectRef>
+          <a:fontRef idx="minor">
+            <a:schemeClr val="dk1"/>
+          </a:fontRef>
+        </p:style>
+        <p:txBody>
+          <a:bodyPr rtlCol="0" anchor="ctr"/>
+          <a:lstStyle/>
+          <a:p>
+            <a:pPr algn="ctr"/>
+            <a:r>
+              <a:rPr lang="en-US" altLang="ko-KR"/>
+              <a:t>3</a:t>
+            </a:r>
+            <a:endParaRPr lang="ko-KR" altLang="en-US"/>
+          </a:p>
+        </p:txBody>
+      </p:sp>
+      <p:sp>
+        <p:nvSpPr>
+          <p:cNvPr id="52" name="TextBox 51">
+            <a:extLst>
+              <a:ext uri="{FF2B5EF4-FFF2-40B4-BE49-F238E27FC236}">
+                <a16:creationId xmlns:a16="http://schemas.microsoft.com/office/drawing/2014/main" xmlns="" id="{F1E234E3-BC54-47E9-8BD7-5D5B727EB448}"/>
+              </a:ext>
+            </a:extLst>
+          </p:cNvPr>
+          <p:cNvSpPr txBox="1"/>
+          <p:nvPr/>
+        </p:nvSpPr>
+        <p:spPr>
+          <a:xfrm>
+            <a:off x="4657074" y="4369910"/>
+            <a:ext cx="2160240" cy="338554"/>
+          </a:xfrm>
+          <a:prstGeom prst="rect">
+            <a:avLst/>
+          </a:prstGeom>
+        </p:spPr>
+        <p:style>
+          <a:lnRef idx="2">
+            <a:schemeClr val="dk1"/>
+          </a:lnRef>
+          <a:fillRef idx="1">
+            <a:schemeClr val="lt1"/>
+          </a:fillRef>
+          <a:effectRef idx="0">
+            <a:schemeClr val="dk1"/>
+          </a:effectRef>
+          <a:fontRef idx="minor">
+            <a:schemeClr val="dk1"/>
+          </a:fontRef>
+        </p:style>
+        <p:txBody>
+          <a:bodyPr wrap="square" rtlCol="0">
+            <a:spAutoFit/>
+          </a:bodyPr>
+          <a:lstStyle/>
+          <a:p>
+            <a:pPr algn="ctr"/>
+            <a:r>
+              <a:rPr lang="en-US" altLang="ko-KR" sz="1600"/>
+              <a:t>Inner / Dst-2.2.2.5</a:t>
+            </a:r>
+            <a:endParaRPr lang="ko-KR" altLang="en-US" sz="1600"/>
+          </a:p>
+        </p:txBody>
+      </p:sp>
+      <p:sp>
+        <p:nvSpPr>
+          <p:cNvPr id="53" name="TextBox 52">
+            <a:extLst>
+              <a:ext uri="{FF2B5EF4-FFF2-40B4-BE49-F238E27FC236}">
+                <a16:creationId xmlns:a16="http://schemas.microsoft.com/office/drawing/2014/main" xmlns="" id="{C2EBF650-D91E-4A57-A626-E13B2AAACE37}"/>
+              </a:ext>
+            </a:extLst>
+          </p:cNvPr>
+          <p:cNvSpPr txBox="1"/>
+          <p:nvPr/>
+        </p:nvSpPr>
+        <p:spPr>
+          <a:xfrm>
+            <a:off x="4657074" y="4039041"/>
+            <a:ext cx="2160240" cy="338554"/>
+          </a:xfrm>
+          <a:prstGeom prst="rect">
+            <a:avLst/>
+          </a:prstGeom>
+        </p:spPr>
+        <p:style>
+          <a:lnRef idx="2">
+            <a:schemeClr val="dk1"/>
+          </a:lnRef>
+          <a:fillRef idx="1">
+            <a:schemeClr val="lt1"/>
+          </a:fillRef>
+          <a:effectRef idx="0">
+            <a:schemeClr val="dk1"/>
+          </a:effectRef>
+          <a:fontRef idx="minor">
+            <a:schemeClr val="dk1"/>
+          </a:fontRef>
+        </p:style>
+        <p:txBody>
+          <a:bodyPr wrap="square" rtlCol="0">
+            <a:spAutoFit/>
+          </a:bodyPr>
+          <a:lstStyle/>
+          <a:p>
+            <a:pPr algn="ctr"/>
+            <a:r>
+              <a:rPr lang="en-US" altLang="ko-KR" sz="1600"/>
+              <a:t>Inner / Src-1.1.1.10</a:t>
+            </a:r>
+            <a:endParaRPr lang="ko-KR" altLang="en-US" sz="1600"/>
+          </a:p>
+        </p:txBody>
+      </p:sp>
+      <p:sp>
+        <p:nvSpPr>
+          <p:cNvPr id="38" name="모서리가 둥근 직사각형 2">
+            <a:extLst>
+              <a:ext uri="{FF2B5EF4-FFF2-40B4-BE49-F238E27FC236}">
+                <a16:creationId xmlns:a16="http://schemas.microsoft.com/office/drawing/2014/main" xmlns="" id="{F9FB6DDA-AF18-42FF-BB77-0E3C63795EF8}"/>
+              </a:ext>
+            </a:extLst>
+          </p:cNvPr>
+          <p:cNvSpPr/>
+          <p:nvPr/>
+        </p:nvSpPr>
+        <p:spPr>
+          <a:xfrm>
+            <a:off x="7177354" y="3590392"/>
+            <a:ext cx="1558044" cy="557370"/>
+          </a:xfrm>
+          <a:prstGeom prst="roundRect">
+            <a:avLst>
+              <a:gd name="adj" fmla="val 9458"/>
+            </a:avLst>
+          </a:prstGeom>
+        </p:spPr>
+        <p:style>
+          <a:lnRef idx="2">
+            <a:schemeClr val="dk1"/>
+          </a:lnRef>
+          <a:fillRef idx="1">
+            <a:schemeClr val="lt1"/>
+          </a:fillRef>
+          <a:effectRef idx="0">
+            <a:schemeClr val="dk1"/>
+          </a:effectRef>
+          <a:fontRef idx="minor">
+            <a:schemeClr val="dk1"/>
+          </a:fontRef>
+        </p:style>
+        <p:txBody>
+          <a:bodyPr rtlCol="0" anchor="ctr"/>
+          <a:lstStyle/>
+          <a:p>
+            <a:pPr algn="ctr"/>
+            <a:r>
+              <a:rPr lang="en-US" altLang="ko-KR" sz="1600"/>
+              <a:t>Decapsulation</a:t>
+            </a:r>
+            <a:endParaRPr lang="ko-KR" altLang="en-US" sz="1600"/>
+          </a:p>
+        </p:txBody>
+      </p:sp>
+      <p:cxnSp>
+        <p:nvCxnSpPr>
+          <p:cNvPr id="50" name="직선 연결선 49">
+            <a:extLst>
+              <a:ext uri="{FF2B5EF4-FFF2-40B4-BE49-F238E27FC236}">
+                <a16:creationId xmlns:a16="http://schemas.microsoft.com/office/drawing/2014/main" xmlns="" id="{84800F0F-DE2B-49B8-BB43-F672CF1AC493}"/>
+              </a:ext>
+            </a:extLst>
+          </p:cNvPr>
+          <p:cNvCxnSpPr>
+            <a:cxnSpLocks/>
+            <a:stCxn id="41" idx="3"/>
+            <a:endCxn id="38" idx="1"/>
+          </p:cNvCxnSpPr>
+          <p:nvPr/>
+        </p:nvCxnSpPr>
+        <p:spPr>
+          <a:xfrm flipV="1">
+            <a:off x="6817314" y="3869077"/>
+            <a:ext cx="360040" cy="3813"/>
+          </a:xfrm>
+          <a:prstGeom prst="line">
+            <a:avLst/>
+          </a:prstGeom>
+          <a:ln w="28575">
+            <a:solidFill>
+              <a:schemeClr val="tx1"/>
+            </a:solidFill>
+            <a:headEnd type="none" w="med" len="med"/>
+            <a:tailEnd type="none" w="med" len="med"/>
+          </a:ln>
+        </p:spPr>
+        <p:style>
+          <a:lnRef idx="1">
+            <a:schemeClr val="accent1"/>
+          </a:lnRef>
+          <a:fillRef idx="0">
+            <a:schemeClr val="accent1"/>
+          </a:fillRef>
+          <a:effectRef idx="0">
+            <a:schemeClr val="accent1"/>
+          </a:effectRef>
+          <a:fontRef idx="minor">
+            <a:schemeClr val="tx1"/>
+          </a:fontRef>
+        </p:style>
+      </p:cxnSp>
+      <p:cxnSp>
+        <p:nvCxnSpPr>
+          <p:cNvPr id="51" name="직선 연결선 50">
+            <a:extLst>
+              <a:ext uri="{FF2B5EF4-FFF2-40B4-BE49-F238E27FC236}">
+                <a16:creationId xmlns:a16="http://schemas.microsoft.com/office/drawing/2014/main" xmlns="" id="{D52C08BB-5AAA-45F9-94F4-8FFAEC0AB76B}"/>
+              </a:ext>
+            </a:extLst>
+          </p:cNvPr>
+          <p:cNvCxnSpPr>
+            <a:cxnSpLocks/>
+            <a:stCxn id="38" idx="0"/>
+            <a:endCxn id="46" idx="2"/>
+          </p:cNvCxnSpPr>
+          <p:nvPr/>
+        </p:nvCxnSpPr>
+        <p:spPr>
+          <a:xfrm flipV="1">
+            <a:off x="7956376" y="2740477"/>
+            <a:ext cx="0" cy="849915"/>
+          </a:xfrm>
+          <a:prstGeom prst="line">
+            <a:avLst/>
+          </a:prstGeom>
+          <a:ln w="28575">
+            <a:solidFill>
+              <a:schemeClr val="tx1"/>
+            </a:solidFill>
+            <a:headEnd type="none" w="med" len="med"/>
+            <a:tailEnd type="arrow" w="med" len="med"/>
+          </a:ln>
+        </p:spPr>
+        <p:style>
+          <a:lnRef idx="1">
+            <a:schemeClr val="accent1"/>
+          </a:lnRef>
+          <a:fillRef idx="0">
+            <a:schemeClr val="accent1"/>
+          </a:fillRef>
+          <a:effectRef idx="0">
+            <a:schemeClr val="accent1"/>
+          </a:effectRef>
+          <a:fontRef idx="minor">
+            <a:schemeClr val="tx1"/>
+          </a:fontRef>
+        </p:style>
+      </p:cxnSp>
+    </p:spTree>
+    <p:extLst>
+      <p:ext uri="{BB962C8B-B14F-4D97-AF65-F5344CB8AC3E}">
+        <p14:creationId xmlns:p14="http://schemas.microsoft.com/office/powerpoint/2010/main" val="3020194679"/>
+      </p:ext>
+    </p:extLst>
+  </p:cSld>
+  <p:clrMapOvr>
+    <a:masterClrMapping/>
+  </p:clrMapOvr>
+</p:sld>
+</file>
+
+<file path=ppt/slides/slide7.xml><?xml version="1.0" encoding="utf-8"?>
+<p:sld xmlns:a="http://schemas.openxmlformats.org/drawingml/2006/main" xmlns:r="http://schemas.openxmlformats.org/officeDocument/2006/relationships" xmlns:p="http://schemas.openxmlformats.org/presentationml/2006/main">
+  <p:cSld>
+    <p:spTree>
+      <p:nvGrpSpPr>
+        <p:cNvPr id="1" name=""/>
+        <p:cNvGrpSpPr/>
+        <p:nvPr/>
+      </p:nvGrpSpPr>
+      <p:grpSpPr>
+        <a:xfrm>
+          <a:off x="0" y="0"/>
+          <a:ext cx="0" cy="0"/>
+          <a:chOff x="0" y="0"/>
+          <a:chExt cx="0" cy="0"/>
+        </a:xfrm>
+      </p:grpSpPr>
+      <p:sp>
+        <p:nvSpPr>
+          <p:cNvPr id="2" name="제목 1"/>
+          <p:cNvSpPr>
+            <a:spLocks noGrp="1"/>
+          </p:cNvSpPr>
+          <p:nvPr>
+            <p:ph type="title"/>
+          </p:nvPr>
+        </p:nvSpPr>
+        <p:spPr>
+          <a:xfrm>
+            <a:off x="565354" y="24473"/>
+            <a:ext cx="8229600" cy="857250"/>
+          </a:xfrm>
+        </p:spPr>
+        <p:txBody>
+          <a:bodyPr/>
+          <a:lstStyle/>
+          <a:p>
+            <a:r>
+              <a:rPr lang="en-US" altLang="ko-KR"/>
+              <a:t>GSLB</a:t>
+            </a:r>
+            <a:endParaRPr lang="ko-KR" altLang="en-US"/>
+          </a:p>
+        </p:txBody>
+      </p:sp>
+      <p:sp>
+        <p:nvSpPr>
+          <p:cNvPr id="39" name="모서리가 둥근 직사각형 2">
+            <a:extLst>
+              <a:ext uri="{FF2B5EF4-FFF2-40B4-BE49-F238E27FC236}">
+                <a16:creationId xmlns:a16="http://schemas.microsoft.com/office/drawing/2014/main" xmlns="" id="{3FACEA3B-E1E9-4B4E-BFA4-60148700E70B}"/>
+              </a:ext>
+            </a:extLst>
+          </p:cNvPr>
+          <p:cNvSpPr/>
+          <p:nvPr/>
+        </p:nvSpPr>
+        <p:spPr>
+          <a:xfrm>
+            <a:off x="1883074" y="915566"/>
+            <a:ext cx="1561566" cy="738774"/>
+          </a:xfrm>
+          <a:prstGeom prst="roundRect">
+            <a:avLst>
+              <a:gd name="adj" fmla="val 9458"/>
+            </a:avLst>
+          </a:prstGeom>
+        </p:spPr>
+        <p:style>
+          <a:lnRef idx="2">
+            <a:schemeClr val="dk1"/>
+          </a:lnRef>
+          <a:fillRef idx="1">
+            <a:schemeClr val="lt1"/>
+          </a:fillRef>
+          <a:effectRef idx="0">
+            <a:schemeClr val="dk1"/>
+          </a:effectRef>
+          <a:fontRef idx="minor">
+            <a:schemeClr val="dk1"/>
+          </a:fontRef>
+        </p:style>
+        <p:txBody>
+          <a:bodyPr rtlCol="0" anchor="ctr"/>
+          <a:lstStyle/>
+          <a:p>
+            <a:pPr algn="ctr"/>
+            <a:r>
+              <a:rPr lang="en-US" altLang="ko-KR" sz="1600"/>
+              <a:t>Client </a:t>
+            </a:r>
+            <a:endParaRPr lang="ko-KR" altLang="en-US" sz="1600"/>
+          </a:p>
+        </p:txBody>
+      </p:sp>
+      <p:sp>
+        <p:nvSpPr>
+          <p:cNvPr id="40" name="모서리가 둥근 직사각형 2">
+            <a:extLst>
+              <a:ext uri="{FF2B5EF4-FFF2-40B4-BE49-F238E27FC236}">
+                <a16:creationId xmlns:a16="http://schemas.microsoft.com/office/drawing/2014/main" xmlns="" id="{14682E79-684D-45C3-85CF-9EB65A444CB3}"/>
+              </a:ext>
+            </a:extLst>
+          </p:cNvPr>
+          <p:cNvSpPr/>
+          <p:nvPr/>
+        </p:nvSpPr>
+        <p:spPr>
+          <a:xfrm>
+            <a:off x="1943777" y="2427734"/>
+            <a:ext cx="1440160" cy="738774"/>
+          </a:xfrm>
+          <a:prstGeom prst="roundRect">
+            <a:avLst>
+              <a:gd name="adj" fmla="val 50000"/>
+            </a:avLst>
+          </a:prstGeom>
+        </p:spPr>
+        <p:style>
+          <a:lnRef idx="2">
+            <a:schemeClr val="dk1"/>
+          </a:lnRef>
+          <a:fillRef idx="1">
+            <a:schemeClr val="lt1"/>
+          </a:fillRef>
+          <a:effectRef idx="0">
+            <a:schemeClr val="dk1"/>
+          </a:effectRef>
+          <a:fontRef idx="minor">
+            <a:schemeClr val="dk1"/>
+          </a:fontRef>
+        </p:style>
+        <p:txBody>
+          <a:bodyPr rtlCol="0" anchor="ctr"/>
+          <a:lstStyle/>
+          <a:p>
+            <a:pPr algn="ctr"/>
+            <a:r>
+              <a:rPr lang="en-US" altLang="ko-KR" sz="1600"/>
+              <a:t>Router</a:t>
+            </a:r>
+            <a:endParaRPr lang="ko-KR" altLang="en-US" sz="1600"/>
+          </a:p>
+        </p:txBody>
+      </p:sp>
+      <p:cxnSp>
+        <p:nvCxnSpPr>
+          <p:cNvPr id="41" name="직선 연결선 40">
+            <a:extLst>
+              <a:ext uri="{FF2B5EF4-FFF2-40B4-BE49-F238E27FC236}">
+                <a16:creationId xmlns:a16="http://schemas.microsoft.com/office/drawing/2014/main" xmlns="" id="{5DB67DE1-35B8-4627-AB7C-D4D865958833}"/>
+              </a:ext>
+            </a:extLst>
+          </p:cNvPr>
+          <p:cNvCxnSpPr>
+            <a:cxnSpLocks/>
+            <a:stCxn id="39" idx="2"/>
+            <a:endCxn id="40" idx="0"/>
+          </p:cNvCxnSpPr>
+          <p:nvPr/>
+        </p:nvCxnSpPr>
+        <p:spPr>
+          <a:xfrm>
+            <a:off x="2663857" y="1654340"/>
+            <a:ext cx="0" cy="773394"/>
+          </a:xfrm>
+          <a:prstGeom prst="line">
+            <a:avLst/>
+          </a:prstGeom>
+          <a:ln w="28575">
+            <a:solidFill>
+              <a:schemeClr val="tx1"/>
+            </a:solidFill>
+          </a:ln>
+        </p:spPr>
+        <p:style>
+          <a:lnRef idx="1">
+            <a:schemeClr val="accent1"/>
+          </a:lnRef>
+          <a:fillRef idx="0">
+            <a:schemeClr val="accent1"/>
+          </a:fillRef>
+          <a:effectRef idx="0">
+            <a:schemeClr val="accent1"/>
+          </a:effectRef>
+          <a:fontRef idx="minor">
+            <a:schemeClr val="tx1"/>
+          </a:fontRef>
+        </p:style>
+      </p:cxnSp>
+      <p:cxnSp>
+        <p:nvCxnSpPr>
+          <p:cNvPr id="42" name="직선 연결선 41">
+            <a:extLst>
+              <a:ext uri="{FF2B5EF4-FFF2-40B4-BE49-F238E27FC236}">
+                <a16:creationId xmlns:a16="http://schemas.microsoft.com/office/drawing/2014/main" xmlns="" id="{4002D6E0-DA77-4BEE-B73E-A07CB371352D}"/>
+              </a:ext>
+            </a:extLst>
+          </p:cNvPr>
+          <p:cNvCxnSpPr>
+            <a:cxnSpLocks/>
+            <a:stCxn id="40" idx="2"/>
+          </p:cNvCxnSpPr>
+          <p:nvPr/>
+        </p:nvCxnSpPr>
+        <p:spPr>
+          <a:xfrm flipH="1">
+            <a:off x="861502" y="3166508"/>
+            <a:ext cx="1802355" cy="989418"/>
+          </a:xfrm>
+          <a:prstGeom prst="line">
+            <a:avLst/>
+          </a:prstGeom>
+          <a:ln w="28575">
+            <a:solidFill>
+              <a:schemeClr val="tx1"/>
+            </a:solidFill>
+          </a:ln>
+        </p:spPr>
+        <p:style>
+          <a:lnRef idx="1">
+            <a:schemeClr val="accent1"/>
+          </a:lnRef>
+          <a:fillRef idx="0">
+            <a:schemeClr val="accent1"/>
+          </a:fillRef>
+          <a:effectRef idx="0">
+            <a:schemeClr val="accent1"/>
+          </a:effectRef>
+          <a:fontRef idx="minor">
+            <a:schemeClr val="tx1"/>
+          </a:fontRef>
+        </p:style>
+      </p:cxnSp>
+      <p:cxnSp>
+        <p:nvCxnSpPr>
+          <p:cNvPr id="43" name="직선 연결선 42">
+            <a:extLst>
+              <a:ext uri="{FF2B5EF4-FFF2-40B4-BE49-F238E27FC236}">
+                <a16:creationId xmlns:a16="http://schemas.microsoft.com/office/drawing/2014/main" xmlns="" id="{E8A5CF1F-15A1-4EBA-A8C3-595652BD15C5}"/>
+              </a:ext>
+            </a:extLst>
+          </p:cNvPr>
+          <p:cNvCxnSpPr>
+            <a:cxnSpLocks/>
+            <a:stCxn id="40" idx="2"/>
+          </p:cNvCxnSpPr>
+          <p:nvPr/>
+        </p:nvCxnSpPr>
+        <p:spPr>
+          <a:xfrm>
+            <a:off x="2663857" y="3166508"/>
+            <a:ext cx="1" cy="989418"/>
+          </a:xfrm>
+          <a:prstGeom prst="line">
+            <a:avLst/>
+          </a:prstGeom>
+          <a:ln w="28575">
+            <a:solidFill>
+              <a:schemeClr val="tx1"/>
+            </a:solidFill>
+          </a:ln>
+        </p:spPr>
+        <p:style>
+          <a:lnRef idx="1">
+            <a:schemeClr val="accent1"/>
+          </a:lnRef>
+          <a:fillRef idx="0">
+            <a:schemeClr val="accent1"/>
+          </a:fillRef>
+          <a:effectRef idx="0">
+            <a:schemeClr val="accent1"/>
+          </a:effectRef>
+          <a:fontRef idx="minor">
+            <a:schemeClr val="tx1"/>
+          </a:fontRef>
+        </p:style>
+      </p:cxnSp>
+      <p:cxnSp>
+        <p:nvCxnSpPr>
+          <p:cNvPr id="44" name="직선 연결선 43">
+            <a:extLst>
+              <a:ext uri="{FF2B5EF4-FFF2-40B4-BE49-F238E27FC236}">
+                <a16:creationId xmlns:a16="http://schemas.microsoft.com/office/drawing/2014/main" xmlns="" id="{FD038D8D-A7F4-46DD-91C7-5C969EBD3218}"/>
+              </a:ext>
+            </a:extLst>
+          </p:cNvPr>
+          <p:cNvCxnSpPr>
+            <a:cxnSpLocks/>
+            <a:stCxn id="45" idx="3"/>
+            <a:endCxn id="19" idx="1"/>
+          </p:cNvCxnSpPr>
+          <p:nvPr/>
+        </p:nvCxnSpPr>
+        <p:spPr>
+          <a:xfrm flipV="1">
+            <a:off x="5292080" y="1572985"/>
+            <a:ext cx="742692" cy="1224136"/>
+          </a:xfrm>
+          <a:prstGeom prst="line">
+            <a:avLst/>
+          </a:prstGeom>
+          <a:ln w="28575">
+            <a:solidFill>
+              <a:schemeClr val="tx1"/>
+            </a:solidFill>
+          </a:ln>
+        </p:spPr>
+        <p:style>
+          <a:lnRef idx="1">
+            <a:schemeClr val="accent1"/>
+          </a:lnRef>
+          <a:fillRef idx="0">
+            <a:schemeClr val="accent1"/>
+          </a:fillRef>
+          <a:effectRef idx="0">
+            <a:schemeClr val="accent1"/>
+          </a:effectRef>
+          <a:fontRef idx="minor">
+            <a:schemeClr val="tx1"/>
+          </a:fontRef>
+        </p:style>
+      </p:cxnSp>
+      <p:sp>
+        <p:nvSpPr>
+          <p:cNvPr id="45" name="모서리가 둥근 직사각형 2">
+            <a:extLst>
+              <a:ext uri="{FF2B5EF4-FFF2-40B4-BE49-F238E27FC236}">
+                <a16:creationId xmlns:a16="http://schemas.microsoft.com/office/drawing/2014/main" xmlns="" id="{A0C4DDCC-1850-451C-9AB1-865607237A8B}"/>
+              </a:ext>
+            </a:extLst>
+          </p:cNvPr>
+          <p:cNvSpPr/>
+          <p:nvPr/>
+        </p:nvSpPr>
+        <p:spPr>
+          <a:xfrm>
+            <a:off x="3730516" y="2427734"/>
+            <a:ext cx="1561564" cy="738774"/>
+          </a:xfrm>
+          <a:prstGeom prst="roundRect">
+            <a:avLst>
+              <a:gd name="adj" fmla="val 9458"/>
+            </a:avLst>
+          </a:prstGeom>
+        </p:spPr>
+        <p:style>
+          <a:lnRef idx="2">
+            <a:schemeClr val="dk1"/>
+          </a:lnRef>
+          <a:fillRef idx="1">
+            <a:schemeClr val="lt1"/>
+          </a:fillRef>
+          <a:effectRef idx="0">
+            <a:schemeClr val="dk1"/>
+          </a:effectRef>
+          <a:fontRef idx="minor">
+            <a:schemeClr val="dk1"/>
+          </a:fontRef>
+        </p:style>
+        <p:txBody>
+          <a:bodyPr rtlCol="0" anchor="ctr"/>
+          <a:lstStyle/>
+          <a:p>
+            <a:pPr algn="ctr"/>
+            <a:r>
+              <a:rPr lang="en-US" altLang="ko-KR" sz="1600"/>
+              <a:t>Local</a:t>
+            </a:r>
+          </a:p>
+          <a:p>
+            <a:pPr algn="ctr"/>
+            <a:r>
+              <a:rPr lang="en-US" altLang="ko-KR" sz="1600"/>
+              <a:t>DNS</a:t>
+            </a:r>
+          </a:p>
+        </p:txBody>
+      </p:sp>
+      <p:cxnSp>
+        <p:nvCxnSpPr>
+          <p:cNvPr id="46" name="직선 연결선 45">
+            <a:extLst>
+              <a:ext uri="{FF2B5EF4-FFF2-40B4-BE49-F238E27FC236}">
+                <a16:creationId xmlns:a16="http://schemas.microsoft.com/office/drawing/2014/main" xmlns="" id="{73742E84-76EA-4653-877D-2353837B63BF}"/>
+              </a:ext>
+            </a:extLst>
+          </p:cNvPr>
+          <p:cNvCxnSpPr>
+            <a:cxnSpLocks/>
+            <a:stCxn id="45" idx="1"/>
+            <a:endCxn id="40" idx="3"/>
+          </p:cNvCxnSpPr>
+          <p:nvPr/>
+        </p:nvCxnSpPr>
+        <p:spPr>
+          <a:xfrm flipH="1">
+            <a:off x="3383937" y="2797121"/>
+            <a:ext cx="346579" cy="0"/>
+          </a:xfrm>
+          <a:prstGeom prst="line">
+            <a:avLst/>
+          </a:prstGeom>
+          <a:ln w="28575">
+            <a:solidFill>
+              <a:schemeClr val="tx1"/>
+            </a:solidFill>
+          </a:ln>
+        </p:spPr>
+        <p:style>
+          <a:lnRef idx="1">
+            <a:schemeClr val="accent1"/>
+          </a:lnRef>
+          <a:fillRef idx="0">
+            <a:schemeClr val="accent1"/>
+          </a:fillRef>
+          <a:effectRef idx="0">
+            <a:schemeClr val="accent1"/>
+          </a:effectRef>
+          <a:fontRef idx="minor">
+            <a:schemeClr val="tx1"/>
+          </a:fontRef>
+        </p:style>
+      </p:cxnSp>
+      <p:sp>
+        <p:nvSpPr>
+          <p:cNvPr id="64" name="모서리가 둥근 직사각형 2">
+            <a:extLst>
+              <a:ext uri="{FF2B5EF4-FFF2-40B4-BE49-F238E27FC236}">
+                <a16:creationId xmlns:a16="http://schemas.microsoft.com/office/drawing/2014/main" xmlns="" id="{CF16E594-3D76-4682-877C-99D9E6F89060}"/>
+              </a:ext>
+            </a:extLst>
+          </p:cNvPr>
+          <p:cNvSpPr/>
+          <p:nvPr/>
+        </p:nvSpPr>
+        <p:spPr>
+          <a:xfrm>
+            <a:off x="83014" y="4155925"/>
+            <a:ext cx="1561564" cy="904919"/>
+          </a:xfrm>
+          <a:prstGeom prst="roundRect">
+            <a:avLst>
+              <a:gd name="adj" fmla="val 9458"/>
+            </a:avLst>
+          </a:prstGeom>
+        </p:spPr>
+        <p:style>
+          <a:lnRef idx="2">
+            <a:schemeClr val="dk1"/>
+          </a:lnRef>
+          <a:fillRef idx="1">
+            <a:schemeClr val="lt1"/>
+          </a:fillRef>
+          <a:effectRef idx="0">
+            <a:schemeClr val="dk1"/>
+          </a:effectRef>
+          <a:fontRef idx="minor">
+            <a:schemeClr val="dk1"/>
+          </a:fontRef>
+        </p:style>
+        <p:txBody>
+          <a:bodyPr rtlCol="0" anchor="ctr"/>
+          <a:lstStyle/>
+          <a:p>
+            <a:pPr algn="ctr"/>
+            <a:r>
+              <a:rPr lang="en-US" altLang="ko-KR" sz="1600"/>
+              <a:t>Server</a:t>
+            </a:r>
+          </a:p>
+          <a:p>
+            <a:pPr algn="ctr"/>
+            <a:r>
+              <a:rPr lang="en-US" altLang="ko-KR" sz="1600"/>
+              <a:t>IP-1.1.1.10</a:t>
+            </a:r>
+          </a:p>
+        </p:txBody>
+      </p:sp>
+      <p:sp>
+        <p:nvSpPr>
+          <p:cNvPr id="65" name="모서리가 둥근 직사각형 2">
+            <a:extLst>
+              <a:ext uri="{FF2B5EF4-FFF2-40B4-BE49-F238E27FC236}">
+                <a16:creationId xmlns:a16="http://schemas.microsoft.com/office/drawing/2014/main" xmlns="" id="{8FF4AFB2-34FD-438F-8A55-5F2722C30645}"/>
+              </a:ext>
+            </a:extLst>
+          </p:cNvPr>
+          <p:cNvSpPr/>
+          <p:nvPr/>
+        </p:nvSpPr>
+        <p:spPr>
+          <a:xfrm>
+            <a:off x="1883076" y="4155925"/>
+            <a:ext cx="1561564" cy="904919"/>
+          </a:xfrm>
+          <a:prstGeom prst="roundRect">
+            <a:avLst>
+              <a:gd name="adj" fmla="val 9458"/>
+            </a:avLst>
+          </a:prstGeom>
+        </p:spPr>
+        <p:style>
+          <a:lnRef idx="2">
+            <a:schemeClr val="dk1"/>
+          </a:lnRef>
+          <a:fillRef idx="1">
+            <a:schemeClr val="lt1"/>
+          </a:fillRef>
+          <a:effectRef idx="0">
+            <a:schemeClr val="dk1"/>
+          </a:effectRef>
+          <a:fontRef idx="minor">
+            <a:schemeClr val="dk1"/>
+          </a:fontRef>
+        </p:style>
+        <p:txBody>
+          <a:bodyPr rtlCol="0" anchor="ctr"/>
+          <a:lstStyle/>
+          <a:p>
+            <a:pPr algn="ctr"/>
+            <a:r>
+              <a:rPr lang="en-US" altLang="ko-KR" sz="1600"/>
+              <a:t>Server</a:t>
+            </a:r>
+          </a:p>
+          <a:p>
+            <a:pPr algn="ctr"/>
+            <a:r>
+              <a:rPr lang="en-US" altLang="ko-KR" sz="1600"/>
+              <a:t>IP-2.2.2.10</a:t>
+            </a:r>
+          </a:p>
+        </p:txBody>
+      </p:sp>
+      <p:sp>
+        <p:nvSpPr>
+          <p:cNvPr id="66" name="모서리가 둥근 직사각형 2">
+            <a:extLst>
+              <a:ext uri="{FF2B5EF4-FFF2-40B4-BE49-F238E27FC236}">
+                <a16:creationId xmlns:a16="http://schemas.microsoft.com/office/drawing/2014/main" xmlns="" id="{116A2666-44C5-4A47-909C-DF3B1E3E4EC4}"/>
+              </a:ext>
+            </a:extLst>
+          </p:cNvPr>
+          <p:cNvSpPr/>
+          <p:nvPr/>
+        </p:nvSpPr>
+        <p:spPr>
+          <a:xfrm>
+            <a:off x="3705960" y="4155925"/>
+            <a:ext cx="1561564" cy="904919"/>
+          </a:xfrm>
+          <a:prstGeom prst="roundRect">
+            <a:avLst>
+              <a:gd name="adj" fmla="val 9458"/>
+            </a:avLst>
+          </a:prstGeom>
+        </p:spPr>
+        <p:style>
+          <a:lnRef idx="2">
+            <a:schemeClr val="dk1"/>
+          </a:lnRef>
+          <a:fillRef idx="1">
+            <a:schemeClr val="lt1"/>
+          </a:fillRef>
+          <a:effectRef idx="0">
+            <a:schemeClr val="dk1"/>
+          </a:effectRef>
+          <a:fontRef idx="minor">
+            <a:schemeClr val="dk1"/>
+          </a:fontRef>
+        </p:style>
+        <p:txBody>
+          <a:bodyPr rtlCol="0" anchor="ctr"/>
+          <a:lstStyle/>
+          <a:p>
+            <a:pPr algn="ctr"/>
+            <a:r>
+              <a:rPr lang="en-US" altLang="ko-KR" sz="1600"/>
+              <a:t>Server</a:t>
+            </a:r>
+          </a:p>
+          <a:p>
+            <a:pPr algn="ctr"/>
+            <a:r>
+              <a:rPr lang="en-US" altLang="ko-KR" sz="1600"/>
+              <a:t>IP-3.3.3.10</a:t>
+            </a:r>
+          </a:p>
+        </p:txBody>
+      </p:sp>
+      <p:sp>
+        <p:nvSpPr>
+          <p:cNvPr id="14" name="모서리가 둥근 직사각형 2">
+            <a:extLst>
+              <a:ext uri="{FF2B5EF4-FFF2-40B4-BE49-F238E27FC236}">
+                <a16:creationId xmlns:a16="http://schemas.microsoft.com/office/drawing/2014/main" xmlns="" id="{C30EC9A3-2A33-40A0-915F-FF298F6B71B0}"/>
+              </a:ext>
+            </a:extLst>
+          </p:cNvPr>
+          <p:cNvSpPr/>
+          <p:nvPr/>
+        </p:nvSpPr>
+        <p:spPr>
+          <a:xfrm>
+            <a:off x="6051094" y="4011910"/>
+            <a:ext cx="1528920" cy="823274"/>
+          </a:xfrm>
+          <a:prstGeom prst="roundRect">
+            <a:avLst>
+              <a:gd name="adj" fmla="val 0"/>
+            </a:avLst>
+          </a:prstGeom>
+          <a:ln>
+            <a:prstDash val="dash"/>
+          </a:ln>
+        </p:spPr>
+        <p:style>
+          <a:lnRef idx="2">
+            <a:schemeClr val="dk1"/>
+          </a:lnRef>
+          <a:fillRef idx="1">
+            <a:schemeClr val="lt1"/>
+          </a:fillRef>
+          <a:effectRef idx="0">
+            <a:schemeClr val="dk1"/>
+          </a:effectRef>
+          <a:fontRef idx="minor">
+            <a:schemeClr val="dk1"/>
+          </a:fontRef>
+        </p:style>
+        <p:txBody>
+          <a:bodyPr rtlCol="0" anchor="ctr"/>
+          <a:lstStyle/>
+          <a:p>
+            <a:pPr algn="ctr"/>
+            <a:r>
+              <a:rPr lang="en-US" altLang="ko-KR" sz="1400"/>
+              <a:t>ssup2.com</a:t>
+            </a:r>
+          </a:p>
+          <a:p>
+            <a:pPr algn="ctr"/>
+            <a:r>
+              <a:rPr lang="en-US" altLang="ko-KR" sz="1400"/>
+              <a:t>1.1.1.10</a:t>
+            </a:r>
+          </a:p>
+          <a:p>
+            <a:pPr algn="ctr"/>
+            <a:r>
+              <a:rPr lang="en-US" altLang="ko-KR" sz="1400" b="1"/>
+              <a:t>2.2.2.10</a:t>
+            </a:r>
+          </a:p>
+          <a:p>
+            <a:pPr algn="ctr"/>
+            <a:r>
+              <a:rPr lang="en-US" altLang="ko-KR" sz="1400"/>
+              <a:t>3.3.3.10</a:t>
+            </a:r>
+          </a:p>
+        </p:txBody>
+      </p:sp>
+      <p:sp>
+        <p:nvSpPr>
+          <p:cNvPr id="19" name="모서리가 둥근 직사각형 2">
+            <a:extLst>
+              <a:ext uri="{FF2B5EF4-FFF2-40B4-BE49-F238E27FC236}">
+                <a16:creationId xmlns:a16="http://schemas.microsoft.com/office/drawing/2014/main" xmlns="" id="{4B1946C2-03A5-45AC-A83A-340CEF2024BC}"/>
+              </a:ext>
+            </a:extLst>
+          </p:cNvPr>
+          <p:cNvSpPr/>
+          <p:nvPr/>
+        </p:nvSpPr>
+        <p:spPr>
+          <a:xfrm>
+            <a:off x="6034772" y="1203598"/>
+            <a:ext cx="1561564" cy="738774"/>
+          </a:xfrm>
+          <a:prstGeom prst="roundRect">
+            <a:avLst>
+              <a:gd name="adj" fmla="val 9458"/>
+            </a:avLst>
+          </a:prstGeom>
+        </p:spPr>
+        <p:style>
+          <a:lnRef idx="2">
+            <a:schemeClr val="dk1"/>
+          </a:lnRef>
+          <a:fillRef idx="1">
+            <a:schemeClr val="lt1"/>
+          </a:fillRef>
+          <a:effectRef idx="0">
+            <a:schemeClr val="dk1"/>
+          </a:effectRef>
+          <a:fontRef idx="minor">
+            <a:schemeClr val="dk1"/>
+          </a:fontRef>
+        </p:style>
+        <p:txBody>
+          <a:bodyPr rtlCol="0" anchor="ctr"/>
+          <a:lstStyle/>
+          <a:p>
+            <a:pPr algn="ctr"/>
+            <a:r>
+              <a:rPr lang="en-US" altLang="ko-KR" sz="1600"/>
+              <a:t>root</a:t>
+            </a:r>
+          </a:p>
+          <a:p>
+            <a:pPr algn="ctr"/>
+            <a:r>
+              <a:rPr lang="en-US" altLang="ko-KR" sz="1600"/>
+              <a:t>DNS</a:t>
+            </a:r>
+          </a:p>
+        </p:txBody>
+      </p:sp>
+      <p:sp>
+        <p:nvSpPr>
+          <p:cNvPr id="20" name="모서리가 둥근 직사각형 2">
+            <a:extLst>
+              <a:ext uri="{FF2B5EF4-FFF2-40B4-BE49-F238E27FC236}">
+                <a16:creationId xmlns:a16="http://schemas.microsoft.com/office/drawing/2014/main" xmlns="" id="{887348E5-DD62-4A72-ACAC-CC3FAAA09D4A}"/>
+              </a:ext>
+            </a:extLst>
+          </p:cNvPr>
+          <p:cNvSpPr/>
+          <p:nvPr/>
+        </p:nvSpPr>
+        <p:spPr>
+          <a:xfrm>
+            <a:off x="6034772" y="2139702"/>
+            <a:ext cx="1561564" cy="738774"/>
+          </a:xfrm>
+          <a:prstGeom prst="roundRect">
+            <a:avLst>
+              <a:gd name="adj" fmla="val 9458"/>
+            </a:avLst>
+          </a:prstGeom>
+        </p:spPr>
+        <p:style>
+          <a:lnRef idx="2">
+            <a:schemeClr val="dk1"/>
+          </a:lnRef>
+          <a:fillRef idx="1">
+            <a:schemeClr val="lt1"/>
+          </a:fillRef>
+          <a:effectRef idx="0">
+            <a:schemeClr val="dk1"/>
+          </a:effectRef>
+          <a:fontRef idx="minor">
+            <a:schemeClr val="dk1"/>
+          </a:fontRef>
+        </p:style>
+        <p:txBody>
+          <a:bodyPr rtlCol="0" anchor="ctr"/>
+          <a:lstStyle/>
+          <a:p>
+            <a:pPr algn="ctr"/>
+            <a:r>
+              <a:rPr lang="en-US" altLang="ko-KR" sz="1600"/>
+              <a:t>com</a:t>
+            </a:r>
+          </a:p>
+          <a:p>
+            <a:pPr algn="ctr"/>
+            <a:r>
+              <a:rPr lang="en-US" altLang="ko-KR" sz="1600"/>
+              <a:t>DNS</a:t>
+            </a:r>
+          </a:p>
+        </p:txBody>
+      </p:sp>
+      <p:sp>
+        <p:nvSpPr>
+          <p:cNvPr id="21" name="모서리가 둥근 직사각형 2">
+            <a:extLst>
+              <a:ext uri="{FF2B5EF4-FFF2-40B4-BE49-F238E27FC236}">
+                <a16:creationId xmlns:a16="http://schemas.microsoft.com/office/drawing/2014/main" xmlns="" id="{772CB2E7-946B-4363-8E3A-C0F902644237}"/>
+              </a:ext>
+            </a:extLst>
+          </p:cNvPr>
+          <p:cNvSpPr/>
+          <p:nvPr/>
+        </p:nvSpPr>
+        <p:spPr>
+          <a:xfrm>
+            <a:off x="6034772" y="3095227"/>
+            <a:ext cx="1561564" cy="738774"/>
+          </a:xfrm>
+          <a:prstGeom prst="roundRect">
+            <a:avLst>
+              <a:gd name="adj" fmla="val 9458"/>
+            </a:avLst>
+          </a:prstGeom>
+        </p:spPr>
+        <p:style>
+          <a:lnRef idx="2">
+            <a:schemeClr val="dk1"/>
+          </a:lnRef>
+          <a:fillRef idx="1">
+            <a:schemeClr val="lt1"/>
+          </a:fillRef>
+          <a:effectRef idx="0">
+            <a:schemeClr val="dk1"/>
+          </a:effectRef>
+          <a:fontRef idx="minor">
+            <a:schemeClr val="dk1"/>
+          </a:fontRef>
+        </p:style>
+        <p:txBody>
+          <a:bodyPr rtlCol="0" anchor="ctr"/>
+          <a:lstStyle/>
+          <a:p>
+            <a:pPr algn="ctr"/>
+            <a:r>
+              <a:rPr lang="en-US" altLang="ko-KR" sz="1600"/>
+              <a:t>GSLB</a:t>
+            </a:r>
+          </a:p>
+        </p:txBody>
+      </p:sp>
+      <p:cxnSp>
+        <p:nvCxnSpPr>
+          <p:cNvPr id="24" name="직선 연결선 23">
+            <a:extLst>
+              <a:ext uri="{FF2B5EF4-FFF2-40B4-BE49-F238E27FC236}">
+                <a16:creationId xmlns:a16="http://schemas.microsoft.com/office/drawing/2014/main" xmlns="" id="{614F76B4-8331-41D4-A83F-F84E3457702F}"/>
+              </a:ext>
+            </a:extLst>
+          </p:cNvPr>
+          <p:cNvCxnSpPr>
+            <a:cxnSpLocks/>
+            <a:stCxn id="45" idx="3"/>
+            <a:endCxn id="20" idx="1"/>
+          </p:cNvCxnSpPr>
+          <p:nvPr/>
+        </p:nvCxnSpPr>
+        <p:spPr>
+          <a:xfrm flipV="1">
+            <a:off x="5292080" y="2509089"/>
+            <a:ext cx="742692" cy="288032"/>
+          </a:xfrm>
+          <a:prstGeom prst="line">
+            <a:avLst/>
+          </a:prstGeom>
+          <a:ln w="28575">
+            <a:solidFill>
+              <a:schemeClr val="tx1"/>
+            </a:solidFill>
+          </a:ln>
+        </p:spPr>
+        <p:style>
+          <a:lnRef idx="1">
+            <a:schemeClr val="accent1"/>
+          </a:lnRef>
+          <a:fillRef idx="0">
+            <a:schemeClr val="accent1"/>
+          </a:fillRef>
+          <a:effectRef idx="0">
+            <a:schemeClr val="accent1"/>
+          </a:effectRef>
+          <a:fontRef idx="minor">
+            <a:schemeClr val="tx1"/>
+          </a:fontRef>
+        </p:style>
+      </p:cxnSp>
+      <p:cxnSp>
+        <p:nvCxnSpPr>
+          <p:cNvPr id="27" name="직선 연결선 26">
+            <a:extLst>
+              <a:ext uri="{FF2B5EF4-FFF2-40B4-BE49-F238E27FC236}">
+                <a16:creationId xmlns:a16="http://schemas.microsoft.com/office/drawing/2014/main" xmlns="" id="{109FEE66-18CC-460C-9851-929984DC98B9}"/>
+              </a:ext>
+            </a:extLst>
+          </p:cNvPr>
+          <p:cNvCxnSpPr>
+            <a:cxnSpLocks/>
+            <a:stCxn id="45" idx="3"/>
+            <a:endCxn id="21" idx="1"/>
+          </p:cNvCxnSpPr>
+          <p:nvPr/>
+        </p:nvCxnSpPr>
+        <p:spPr>
+          <a:xfrm>
+            <a:off x="5292080" y="2797121"/>
+            <a:ext cx="742692" cy="667493"/>
+          </a:xfrm>
+          <a:prstGeom prst="line">
+            <a:avLst/>
+          </a:prstGeom>
+          <a:ln w="28575">
+            <a:solidFill>
+              <a:schemeClr val="tx1"/>
+            </a:solidFill>
+          </a:ln>
+        </p:spPr>
+        <p:style>
+          <a:lnRef idx="1">
+            <a:schemeClr val="accent1"/>
+          </a:lnRef>
+          <a:fillRef idx="0">
+            <a:schemeClr val="accent1"/>
+          </a:fillRef>
+          <a:effectRef idx="0">
+            <a:schemeClr val="accent1"/>
+          </a:effectRef>
+          <a:fontRef idx="minor">
+            <a:schemeClr val="tx1"/>
+          </a:fontRef>
+        </p:style>
+      </p:cxnSp>
+      <p:cxnSp>
+        <p:nvCxnSpPr>
+          <p:cNvPr id="30" name="직선 연결선 29">
+            <a:extLst>
+              <a:ext uri="{FF2B5EF4-FFF2-40B4-BE49-F238E27FC236}">
+                <a16:creationId xmlns:a16="http://schemas.microsoft.com/office/drawing/2014/main" xmlns="" id="{CE32EC49-0BDC-4DE8-9F41-51E7F1BC7900}"/>
+              </a:ext>
+            </a:extLst>
+          </p:cNvPr>
+          <p:cNvCxnSpPr>
+            <a:cxnSpLocks/>
+          </p:cNvCxnSpPr>
+          <p:nvPr/>
+        </p:nvCxnSpPr>
+        <p:spPr>
+          <a:xfrm>
+            <a:off x="2483768" y="1654339"/>
+            <a:ext cx="0" cy="2501585"/>
+          </a:xfrm>
+          <a:prstGeom prst="line">
+            <a:avLst/>
+          </a:prstGeom>
+          <a:ln w="28575">
+            <a:solidFill>
+              <a:srgbClr val="C00000"/>
+            </a:solidFill>
+            <a:headEnd type="none" w="med" len="med"/>
+            <a:tailEnd type="arrow" w="med" len="med"/>
+          </a:ln>
+        </p:spPr>
+        <p:style>
+          <a:lnRef idx="1">
+            <a:schemeClr val="accent1"/>
+          </a:lnRef>
+          <a:fillRef idx="0">
+            <a:schemeClr val="accent1"/>
+          </a:fillRef>
+          <a:effectRef idx="0">
+            <a:schemeClr val="accent1"/>
+          </a:effectRef>
+          <a:fontRef idx="minor">
+            <a:schemeClr val="tx1"/>
+          </a:fontRef>
+        </p:style>
+      </p:cxnSp>
+      <p:sp>
+        <p:nvSpPr>
+          <p:cNvPr id="38" name="원호 37">
+            <a:extLst>
+              <a:ext uri="{FF2B5EF4-FFF2-40B4-BE49-F238E27FC236}">
+                <a16:creationId xmlns:a16="http://schemas.microsoft.com/office/drawing/2014/main" xmlns="" id="{9AC0856D-4C03-4F46-BE14-40E6F874BBDF}"/>
+              </a:ext>
+            </a:extLst>
+          </p:cNvPr>
+          <p:cNvSpPr/>
+          <p:nvPr/>
+        </p:nvSpPr>
+        <p:spPr>
+          <a:xfrm rot="16200000" flipH="1">
+            <a:off x="2746527" y="978597"/>
+            <a:ext cx="1978097" cy="1351487"/>
+          </a:xfrm>
+          <a:prstGeom prst="arc">
+            <a:avLst>
+              <a:gd name="adj1" fmla="val 16200000"/>
+              <a:gd name="adj2" fmla="val 26855"/>
+            </a:avLst>
+          </a:prstGeom>
+          <a:ln w="28575">
+            <a:solidFill>
+              <a:srgbClr val="C00000"/>
+            </a:solidFill>
+            <a:headEnd type="none" w="med" len="med"/>
+            <a:tailEnd type="arrow" w="med" len="med"/>
+          </a:ln>
+        </p:spPr>
+        <p:style>
+          <a:lnRef idx="1">
+            <a:schemeClr val="accent1"/>
+          </a:lnRef>
+          <a:fillRef idx="0">
+            <a:schemeClr val="accent1"/>
+          </a:fillRef>
+          <a:effectRef idx="0">
+            <a:schemeClr val="accent1"/>
+          </a:effectRef>
+          <a:fontRef idx="minor">
+            <a:schemeClr val="tx1"/>
+          </a:fontRef>
+        </p:style>
+        <p:txBody>
+          <a:bodyPr rtlCol="0" anchor="ctr"/>
+          <a:lstStyle/>
+          <a:p>
+            <a:pPr algn="ctr"/>
+            <a:endParaRPr lang="ko-KR" altLang="en-US"/>
+          </a:p>
+        </p:txBody>
+      </p:sp>
+      <p:sp>
+        <p:nvSpPr>
           <p:cNvPr id="47" name="원호 46">
             <a:extLst>
               <a:ext uri="{FF2B5EF4-FFF2-40B4-BE49-F238E27FC236}">
-                <a16:creationId xmlns:a16="http://schemas.microsoft.com/office/drawing/2014/main" id="{D3A2C89E-046C-40C4-9ED7-9778D4B019BA}"/>
+                <a16:creationId xmlns:a16="http://schemas.microsoft.com/office/drawing/2014/main" xmlns="" id="{D3A2C89E-046C-40C4-9ED7-9778D4B019BA}"/>
               </a:ext>
             </a:extLst>
           </p:cNvPr>
@@ -12817,7 +14841,7 @@
           <p:cNvPr id="48" name="직선 연결선 47">
             <a:extLst>
               <a:ext uri="{FF2B5EF4-FFF2-40B4-BE49-F238E27FC236}">
-                <a16:creationId xmlns:a16="http://schemas.microsoft.com/office/drawing/2014/main" id="{FEE80B91-778D-4053-98D0-1DFAA2F6C5D4}"/>
+                <a16:creationId xmlns:a16="http://schemas.microsoft.com/office/drawing/2014/main" xmlns="" id="{FEE80B91-778D-4053-98D0-1DFAA2F6C5D4}"/>
               </a:ext>
             </a:extLst>
           </p:cNvPr>
@@ -12862,7 +14886,7 @@
           <p:cNvPr id="49" name="직선 연결선 48">
             <a:extLst>
               <a:ext uri="{FF2B5EF4-FFF2-40B4-BE49-F238E27FC236}">
-                <a16:creationId xmlns:a16="http://schemas.microsoft.com/office/drawing/2014/main" id="{33CA40D7-8B71-46EB-9A59-799088B8156B}"/>
+                <a16:creationId xmlns:a16="http://schemas.microsoft.com/office/drawing/2014/main" xmlns="" id="{33CA40D7-8B71-46EB-9A59-799088B8156B}"/>
               </a:ext>
             </a:extLst>
           </p:cNvPr>
@@ -12907,7 +14931,7 @@
           <p:cNvPr id="50" name="직선 연결선 49">
             <a:extLst>
               <a:ext uri="{FF2B5EF4-FFF2-40B4-BE49-F238E27FC236}">
-                <a16:creationId xmlns:a16="http://schemas.microsoft.com/office/drawing/2014/main" id="{E7513530-2381-48C5-8208-2794FF6E48F9}"/>
+                <a16:creationId xmlns:a16="http://schemas.microsoft.com/office/drawing/2014/main" xmlns="" id="{E7513530-2381-48C5-8208-2794FF6E48F9}"/>
               </a:ext>
             </a:extLst>
           </p:cNvPr>
@@ -12952,7 +14976,7 @@
           <p:cNvPr id="52" name="타원 51">
             <a:extLst>
               <a:ext uri="{FF2B5EF4-FFF2-40B4-BE49-F238E27FC236}">
-                <a16:creationId xmlns:a16="http://schemas.microsoft.com/office/drawing/2014/main" id="{C9D22DD6-1460-4C42-9585-D6DDE27556D1}"/>
+                <a16:creationId xmlns:a16="http://schemas.microsoft.com/office/drawing/2014/main" xmlns="" id="{C9D22DD6-1460-4C42-9585-D6DDE27556D1}"/>
               </a:ext>
             </a:extLst>
           </p:cNvPr>
@@ -13000,7 +15024,7 @@
           <p:cNvPr id="53" name="타원 52">
             <a:extLst>
               <a:ext uri="{FF2B5EF4-FFF2-40B4-BE49-F238E27FC236}">
-                <a16:creationId xmlns:a16="http://schemas.microsoft.com/office/drawing/2014/main" id="{9DAC83EC-8CD8-4A0C-8B07-D87CA7AB2954}"/>
+                <a16:creationId xmlns:a16="http://schemas.microsoft.com/office/drawing/2014/main" xmlns="" id="{9DAC83EC-8CD8-4A0C-8B07-D87CA7AB2954}"/>
               </a:ext>
             </a:extLst>
           </p:cNvPr>
@@ -13048,7 +15072,7 @@
           <p:cNvPr id="54" name="타원 53">
             <a:extLst>
               <a:ext uri="{FF2B5EF4-FFF2-40B4-BE49-F238E27FC236}">
-                <a16:creationId xmlns:a16="http://schemas.microsoft.com/office/drawing/2014/main" id="{959784E0-575B-4980-9925-02E79EDFBE04}"/>
+                <a16:creationId xmlns:a16="http://schemas.microsoft.com/office/drawing/2014/main" xmlns="" id="{959784E0-575B-4980-9925-02E79EDFBE04}"/>
               </a:ext>
             </a:extLst>
           </p:cNvPr>
@@ -13096,7 +15120,7 @@
           <p:cNvPr id="55" name="타원 54">
             <a:extLst>
               <a:ext uri="{FF2B5EF4-FFF2-40B4-BE49-F238E27FC236}">
-                <a16:creationId xmlns:a16="http://schemas.microsoft.com/office/drawing/2014/main" id="{1B2C67A4-A8A6-4660-AF26-D1085F03ADCE}"/>
+                <a16:creationId xmlns:a16="http://schemas.microsoft.com/office/drawing/2014/main" xmlns="" id="{1B2C67A4-A8A6-4660-AF26-D1085F03ADCE}"/>
               </a:ext>
             </a:extLst>
           </p:cNvPr>
@@ -13144,7 +15168,7 @@
           <p:cNvPr id="56" name="타원 55">
             <a:extLst>
               <a:ext uri="{FF2B5EF4-FFF2-40B4-BE49-F238E27FC236}">
-                <a16:creationId xmlns:a16="http://schemas.microsoft.com/office/drawing/2014/main" id="{FC355321-5470-4A8F-9D91-8EDAF1E472B3}"/>
+                <a16:creationId xmlns:a16="http://schemas.microsoft.com/office/drawing/2014/main" xmlns="" id="{FC355321-5470-4A8F-9D91-8EDAF1E472B3}"/>
               </a:ext>
             </a:extLst>
           </p:cNvPr>
@@ -13192,7 +15216,7 @@
           <p:cNvPr id="31" name="직선 연결선 30">
             <a:extLst>
               <a:ext uri="{FF2B5EF4-FFF2-40B4-BE49-F238E27FC236}">
-                <a16:creationId xmlns:a16="http://schemas.microsoft.com/office/drawing/2014/main" id="{5CD1D7B2-1114-445D-B630-75C0D39F3148}"/>
+                <a16:creationId xmlns:a16="http://schemas.microsoft.com/office/drawing/2014/main" xmlns="" id="{5CD1D7B2-1114-445D-B630-75C0D39F3148}"/>
               </a:ext>
             </a:extLst>
           </p:cNvPr>

--- a/images/theory_analysis/SLB/SLB.pptx
+++ b/images/theory_analysis/SLB/SLB.pptx
@@ -115,7 +115,7 @@
   </p:defaultTextStyle>
   <p:extLst>
     <p:ext uri="{EFAFB233-063F-42B5-8137-9DF3F51BA10A}">
-      <p15:sldGuideLst xmlns:p15="http://schemas.microsoft.com/office/powerpoint/2012/main" xmlns="">
+      <p15:sldGuideLst xmlns="" xmlns:p15="http://schemas.microsoft.com/office/powerpoint/2012/main">
         <p15:guide id="1" orient="horz" pos="2160">
           <p15:clr>
             <a:srgbClr val="A4A3A4"/>
@@ -223,7 +223,7 @@
           <a:p>
             <a:fld id="{6CD5550B-26C4-49A9-A5BA-636EF7BE6CE9}" type="datetimeFigureOut">
               <a:rPr lang="ko-KR" altLang="en-US" smtClean="0"/>
-              <a:t>2018-04-19</a:t>
+              <a:t>2018-10-10</a:t>
             </a:fld>
             <a:endParaRPr lang="ko-KR" altLang="en-US"/>
           </a:p>
@@ -1257,7 +1257,7 @@
           <a:p>
             <a:fld id="{FB30EDBD-1C2D-4C1E-B459-B60219FAB484}" type="datetimeFigureOut">
               <a:rPr lang="ko-KR" altLang="en-US" smtClean="0"/>
-              <a:t>2018-04-19</a:t>
+              <a:t>2018-10-10</a:t>
             </a:fld>
             <a:endParaRPr lang="ko-KR" altLang="en-US"/>
           </a:p>
@@ -1420,7 +1420,7 @@
           <a:p>
             <a:fld id="{FB30EDBD-1C2D-4C1E-B459-B60219FAB484}" type="datetimeFigureOut">
               <a:rPr lang="ko-KR" altLang="en-US" smtClean="0"/>
-              <a:t>2018-04-19</a:t>
+              <a:t>2018-10-10</a:t>
             </a:fld>
             <a:endParaRPr lang="ko-KR" altLang="en-US"/>
           </a:p>
@@ -1593,7 +1593,7 @@
           <a:p>
             <a:fld id="{FB30EDBD-1C2D-4C1E-B459-B60219FAB484}" type="datetimeFigureOut">
               <a:rPr lang="ko-KR" altLang="en-US" smtClean="0"/>
-              <a:t>2018-04-19</a:t>
+              <a:t>2018-10-10</a:t>
             </a:fld>
             <a:endParaRPr lang="ko-KR" altLang="en-US"/>
           </a:p>
@@ -1756,7 +1756,7 @@
           <a:p>
             <a:fld id="{FB30EDBD-1C2D-4C1E-B459-B60219FAB484}" type="datetimeFigureOut">
               <a:rPr lang="ko-KR" altLang="en-US" smtClean="0"/>
-              <a:t>2018-04-19</a:t>
+              <a:t>2018-10-10</a:t>
             </a:fld>
             <a:endParaRPr lang="ko-KR" altLang="en-US"/>
           </a:p>
@@ -1996,7 +1996,7 @@
           <a:p>
             <a:fld id="{FB30EDBD-1C2D-4C1E-B459-B60219FAB484}" type="datetimeFigureOut">
               <a:rPr lang="ko-KR" altLang="en-US" smtClean="0"/>
-              <a:t>2018-04-19</a:t>
+              <a:t>2018-10-10</a:t>
             </a:fld>
             <a:endParaRPr lang="ko-KR" altLang="en-US"/>
           </a:p>
@@ -2276,7 +2276,7 @@
           <a:p>
             <a:fld id="{FB30EDBD-1C2D-4C1E-B459-B60219FAB484}" type="datetimeFigureOut">
               <a:rPr lang="ko-KR" altLang="en-US" smtClean="0"/>
-              <a:t>2018-04-19</a:t>
+              <a:t>2018-10-10</a:t>
             </a:fld>
             <a:endParaRPr lang="ko-KR" altLang="en-US"/>
           </a:p>
@@ -2690,7 +2690,7 @@
           <a:p>
             <a:fld id="{FB30EDBD-1C2D-4C1E-B459-B60219FAB484}" type="datetimeFigureOut">
               <a:rPr lang="ko-KR" altLang="en-US" smtClean="0"/>
-              <a:t>2018-04-19</a:t>
+              <a:t>2018-10-10</a:t>
             </a:fld>
             <a:endParaRPr lang="ko-KR" altLang="en-US"/>
           </a:p>
@@ -2802,7 +2802,7 @@
           <a:p>
             <a:fld id="{FB30EDBD-1C2D-4C1E-B459-B60219FAB484}" type="datetimeFigureOut">
               <a:rPr lang="ko-KR" altLang="en-US" smtClean="0"/>
-              <a:t>2018-04-19</a:t>
+              <a:t>2018-10-10</a:t>
             </a:fld>
             <a:endParaRPr lang="ko-KR" altLang="en-US"/>
           </a:p>
@@ -2892,7 +2892,7 @@
           <a:p>
             <a:fld id="{FB30EDBD-1C2D-4C1E-B459-B60219FAB484}" type="datetimeFigureOut">
               <a:rPr lang="ko-KR" altLang="en-US" smtClean="0"/>
-              <a:t>2018-04-19</a:t>
+              <a:t>2018-10-10</a:t>
             </a:fld>
             <a:endParaRPr lang="ko-KR" altLang="en-US"/>
           </a:p>
@@ -3162,7 +3162,7 @@
           <a:p>
             <a:fld id="{FB30EDBD-1C2D-4C1E-B459-B60219FAB484}" type="datetimeFigureOut">
               <a:rPr lang="ko-KR" altLang="en-US" smtClean="0"/>
-              <a:t>2018-04-19</a:t>
+              <a:t>2018-10-10</a:t>
             </a:fld>
             <a:endParaRPr lang="ko-KR" altLang="en-US"/>
           </a:p>
@@ -3409,7 +3409,7 @@
           <a:p>
             <a:fld id="{FB30EDBD-1C2D-4C1E-B459-B60219FAB484}" type="datetimeFigureOut">
               <a:rPr lang="ko-KR" altLang="en-US" smtClean="0"/>
-              <a:t>2018-04-19</a:t>
+              <a:t>2018-10-10</a:t>
             </a:fld>
             <a:endParaRPr lang="ko-KR" altLang="en-US"/>
           </a:p>
@@ -3615,7 +3615,7 @@
           <a:p>
             <a:fld id="{FB30EDBD-1C2D-4C1E-B459-B60219FAB484}" type="datetimeFigureOut">
               <a:rPr lang="ko-KR" altLang="en-US" smtClean="0"/>
-              <a:t>2018-04-19</a:t>
+              <a:t>2018-10-10</a:t>
             </a:fld>
             <a:endParaRPr lang="ko-KR" altLang="en-US"/>
           </a:p>
@@ -4018,7 +4018,7 @@
           <p:cNvPr id="39" name="모서리가 둥근 직사각형 2">
             <a:extLst>
               <a:ext uri="{FF2B5EF4-FFF2-40B4-BE49-F238E27FC236}">
-                <a16:creationId xmlns:a16="http://schemas.microsoft.com/office/drawing/2014/main" xmlns="" id="{3FACEA3B-E1E9-4B4E-BFA4-60148700E70B}"/>
+                <a16:creationId xmlns="" xmlns:a16="http://schemas.microsoft.com/office/drawing/2014/main" id="{3FACEA3B-E1E9-4B4E-BFA4-60148700E70B}"/>
               </a:ext>
             </a:extLst>
           </p:cNvPr>
@@ -4068,7 +4068,7 @@
           <p:cNvPr id="40" name="모서리가 둥근 직사각형 2">
             <a:extLst>
               <a:ext uri="{FF2B5EF4-FFF2-40B4-BE49-F238E27FC236}">
-                <a16:creationId xmlns:a16="http://schemas.microsoft.com/office/drawing/2014/main" xmlns="" id="{14682E79-684D-45C3-85CF-9EB65A444CB3}"/>
+                <a16:creationId xmlns="" xmlns:a16="http://schemas.microsoft.com/office/drawing/2014/main" id="{14682E79-684D-45C3-85CF-9EB65A444CB3}"/>
               </a:ext>
             </a:extLst>
           </p:cNvPr>
@@ -4118,7 +4118,7 @@
           <p:cNvPr id="41" name="직선 연결선 40">
             <a:extLst>
               <a:ext uri="{FF2B5EF4-FFF2-40B4-BE49-F238E27FC236}">
-                <a16:creationId xmlns:a16="http://schemas.microsoft.com/office/drawing/2014/main" xmlns="" id="{5DB67DE1-35B8-4627-AB7C-D4D865958833}"/>
+                <a16:creationId xmlns="" xmlns:a16="http://schemas.microsoft.com/office/drawing/2014/main" id="{5DB67DE1-35B8-4627-AB7C-D4D865958833}"/>
               </a:ext>
             </a:extLst>
           </p:cNvPr>
@@ -4163,7 +4163,7 @@
           <p:cNvPr id="42" name="직선 연결선 41">
             <a:extLst>
               <a:ext uri="{FF2B5EF4-FFF2-40B4-BE49-F238E27FC236}">
-                <a16:creationId xmlns:a16="http://schemas.microsoft.com/office/drawing/2014/main" xmlns="" id="{4002D6E0-DA77-4BEE-B73E-A07CB371352D}"/>
+                <a16:creationId xmlns="" xmlns:a16="http://schemas.microsoft.com/office/drawing/2014/main" id="{4002D6E0-DA77-4BEE-B73E-A07CB371352D}"/>
               </a:ext>
             </a:extLst>
           </p:cNvPr>
@@ -4207,7 +4207,7 @@
           <p:cNvPr id="43" name="직선 연결선 42">
             <a:extLst>
               <a:ext uri="{FF2B5EF4-FFF2-40B4-BE49-F238E27FC236}">
-                <a16:creationId xmlns:a16="http://schemas.microsoft.com/office/drawing/2014/main" xmlns="" id="{E8A5CF1F-15A1-4EBA-A8C3-595652BD15C5}"/>
+                <a16:creationId xmlns="" xmlns:a16="http://schemas.microsoft.com/office/drawing/2014/main" id="{E8A5CF1F-15A1-4EBA-A8C3-595652BD15C5}"/>
               </a:ext>
             </a:extLst>
           </p:cNvPr>
@@ -4251,7 +4251,7 @@
           <p:cNvPr id="44" name="직선 연결선 43">
             <a:extLst>
               <a:ext uri="{FF2B5EF4-FFF2-40B4-BE49-F238E27FC236}">
-                <a16:creationId xmlns:a16="http://schemas.microsoft.com/office/drawing/2014/main" xmlns="" id="{FD038D8D-A7F4-46DD-91C7-5C969EBD3218}"/>
+                <a16:creationId xmlns="" xmlns:a16="http://schemas.microsoft.com/office/drawing/2014/main" id="{FD038D8D-A7F4-46DD-91C7-5C969EBD3218}"/>
               </a:ext>
             </a:extLst>
           </p:cNvPr>
@@ -4295,7 +4295,7 @@
           <p:cNvPr id="45" name="모서리가 둥근 직사각형 2">
             <a:extLst>
               <a:ext uri="{FF2B5EF4-FFF2-40B4-BE49-F238E27FC236}">
-                <a16:creationId xmlns:a16="http://schemas.microsoft.com/office/drawing/2014/main" xmlns="" id="{A0C4DDCC-1850-451C-9AB1-865607237A8B}"/>
+                <a16:creationId xmlns="" xmlns:a16="http://schemas.microsoft.com/office/drawing/2014/main" id="{A0C4DDCC-1850-451C-9AB1-865607237A8B}"/>
               </a:ext>
             </a:extLst>
           </p:cNvPr>
@@ -4344,7 +4344,7 @@
           <p:cNvPr id="46" name="직선 연결선 45">
             <a:extLst>
               <a:ext uri="{FF2B5EF4-FFF2-40B4-BE49-F238E27FC236}">
-                <a16:creationId xmlns:a16="http://schemas.microsoft.com/office/drawing/2014/main" xmlns="" id="{73742E84-76EA-4653-877D-2353837B63BF}"/>
+                <a16:creationId xmlns="" xmlns:a16="http://schemas.microsoft.com/office/drawing/2014/main" id="{73742E84-76EA-4653-877D-2353837B63BF}"/>
               </a:ext>
             </a:extLst>
           </p:cNvPr>
@@ -4389,7 +4389,7 @@
           <p:cNvPr id="64" name="모서리가 둥근 직사각형 2">
             <a:extLst>
               <a:ext uri="{FF2B5EF4-FFF2-40B4-BE49-F238E27FC236}">
-                <a16:creationId xmlns:a16="http://schemas.microsoft.com/office/drawing/2014/main" xmlns="" id="{CF16E594-3D76-4682-877C-99D9E6F89060}"/>
+                <a16:creationId xmlns="" xmlns:a16="http://schemas.microsoft.com/office/drawing/2014/main" id="{CF16E594-3D76-4682-877C-99D9E6F89060}"/>
               </a:ext>
             </a:extLst>
           </p:cNvPr>
@@ -4438,7 +4438,7 @@
           <p:cNvPr id="65" name="모서리가 둥근 직사각형 2">
             <a:extLst>
               <a:ext uri="{FF2B5EF4-FFF2-40B4-BE49-F238E27FC236}">
-                <a16:creationId xmlns:a16="http://schemas.microsoft.com/office/drawing/2014/main" xmlns="" id="{8FF4AFB2-34FD-438F-8A55-5F2722C30645}"/>
+                <a16:creationId xmlns="" xmlns:a16="http://schemas.microsoft.com/office/drawing/2014/main" id="{8FF4AFB2-34FD-438F-8A55-5F2722C30645}"/>
               </a:ext>
             </a:extLst>
           </p:cNvPr>
@@ -4487,7 +4487,7 @@
           <p:cNvPr id="66" name="모서리가 둥근 직사각형 2">
             <a:extLst>
               <a:ext uri="{FF2B5EF4-FFF2-40B4-BE49-F238E27FC236}">
-                <a16:creationId xmlns:a16="http://schemas.microsoft.com/office/drawing/2014/main" xmlns="" id="{116A2666-44C5-4A47-909C-DF3B1E3E4EC4}"/>
+                <a16:creationId xmlns="" xmlns:a16="http://schemas.microsoft.com/office/drawing/2014/main" id="{116A2666-44C5-4A47-909C-DF3B1E3E4EC4}"/>
               </a:ext>
             </a:extLst>
           </p:cNvPr>
@@ -4657,7 +4657,7 @@
           <p:cNvPr id="11" name="모서리가 둥근 직사각형 2">
             <a:extLst>
               <a:ext uri="{FF2B5EF4-FFF2-40B4-BE49-F238E27FC236}">
-                <a16:creationId xmlns:a16="http://schemas.microsoft.com/office/drawing/2014/main" xmlns="" id="{16A86181-839F-4D4B-9E21-E84981D9E8F2}"/>
+                <a16:creationId xmlns="" xmlns:a16="http://schemas.microsoft.com/office/drawing/2014/main" id="{16A86181-839F-4D4B-9E21-E84981D9E8F2}"/>
               </a:ext>
             </a:extLst>
           </p:cNvPr>
@@ -4707,7 +4707,7 @@
           <p:cNvPr id="5" name="직선 연결선 4">
             <a:extLst>
               <a:ext uri="{FF2B5EF4-FFF2-40B4-BE49-F238E27FC236}">
-                <a16:creationId xmlns:a16="http://schemas.microsoft.com/office/drawing/2014/main" xmlns="" id="{06BA9E35-AF4F-4861-AF32-930396FA6E06}"/>
+                <a16:creationId xmlns="" xmlns:a16="http://schemas.microsoft.com/office/drawing/2014/main" id="{06BA9E35-AF4F-4861-AF32-930396FA6E06}"/>
               </a:ext>
             </a:extLst>
           </p:cNvPr>
@@ -4752,7 +4752,7 @@
           <p:cNvPr id="17" name="직선 연결선 16">
             <a:extLst>
               <a:ext uri="{FF2B5EF4-FFF2-40B4-BE49-F238E27FC236}">
-                <a16:creationId xmlns:a16="http://schemas.microsoft.com/office/drawing/2014/main" xmlns="" id="{C1FC7741-B395-41FE-83B5-2FD70DED6FD1}"/>
+                <a16:creationId xmlns="" xmlns:a16="http://schemas.microsoft.com/office/drawing/2014/main" id="{C1FC7741-B395-41FE-83B5-2FD70DED6FD1}"/>
               </a:ext>
             </a:extLst>
           </p:cNvPr>
@@ -4797,7 +4797,7 @@
           <p:cNvPr id="22" name="직선 연결선 21">
             <a:extLst>
               <a:ext uri="{FF2B5EF4-FFF2-40B4-BE49-F238E27FC236}">
-                <a16:creationId xmlns:a16="http://schemas.microsoft.com/office/drawing/2014/main" xmlns="" id="{415BEB9E-09A4-4964-BEF2-5F08CC228174}"/>
+                <a16:creationId xmlns="" xmlns:a16="http://schemas.microsoft.com/office/drawing/2014/main" id="{415BEB9E-09A4-4964-BEF2-5F08CC228174}"/>
               </a:ext>
             </a:extLst>
           </p:cNvPr>
@@ -4842,7 +4842,7 @@
           <p:cNvPr id="13" name="모서리가 둥근 직사각형 2">
             <a:extLst>
               <a:ext uri="{FF2B5EF4-FFF2-40B4-BE49-F238E27FC236}">
-                <a16:creationId xmlns:a16="http://schemas.microsoft.com/office/drawing/2014/main" xmlns="" id="{B4D9F552-13FB-4506-AB41-D9127D4AC995}"/>
+                <a16:creationId xmlns="" xmlns:a16="http://schemas.microsoft.com/office/drawing/2014/main" id="{B4D9F552-13FB-4506-AB41-D9127D4AC995}"/>
               </a:ext>
             </a:extLst>
           </p:cNvPr>
@@ -4899,7 +4899,7 @@
           <p:cNvPr id="16" name="직선 연결선 15">
             <a:extLst>
               <a:ext uri="{FF2B5EF4-FFF2-40B4-BE49-F238E27FC236}">
-                <a16:creationId xmlns:a16="http://schemas.microsoft.com/office/drawing/2014/main" xmlns="" id="{A8F8D77A-3187-4AF4-AD2E-FB4918FFFAF2}"/>
+                <a16:creationId xmlns="" xmlns:a16="http://schemas.microsoft.com/office/drawing/2014/main" id="{A8F8D77A-3187-4AF4-AD2E-FB4918FFFAF2}"/>
               </a:ext>
             </a:extLst>
           </p:cNvPr>
@@ -4944,7 +4944,7 @@
           <p:cNvPr id="36" name="원호 35">
             <a:extLst>
               <a:ext uri="{FF2B5EF4-FFF2-40B4-BE49-F238E27FC236}">
-                <a16:creationId xmlns:a16="http://schemas.microsoft.com/office/drawing/2014/main" xmlns="" id="{8067F50F-2B56-41FA-BBBD-DA466ADB1A4C}"/>
+                <a16:creationId xmlns="" xmlns:a16="http://schemas.microsoft.com/office/drawing/2014/main" id="{8067F50F-2B56-41FA-BBBD-DA466ADB1A4C}"/>
               </a:ext>
             </a:extLst>
           </p:cNvPr>
@@ -4995,7 +4995,7 @@
           <p:cNvPr id="35" name="원호 34">
             <a:extLst>
               <a:ext uri="{FF2B5EF4-FFF2-40B4-BE49-F238E27FC236}">
-                <a16:creationId xmlns:a16="http://schemas.microsoft.com/office/drawing/2014/main" xmlns="" id="{559A272C-6A19-4942-B370-03E6B28031A5}"/>
+                <a16:creationId xmlns="" xmlns:a16="http://schemas.microsoft.com/office/drawing/2014/main" id="{559A272C-6A19-4942-B370-03E6B28031A5}"/>
               </a:ext>
             </a:extLst>
           </p:cNvPr>
@@ -5049,7 +5049,7 @@
           <p:cNvPr id="37" name="원호 36">
             <a:extLst>
               <a:ext uri="{FF2B5EF4-FFF2-40B4-BE49-F238E27FC236}">
-                <a16:creationId xmlns:a16="http://schemas.microsoft.com/office/drawing/2014/main" xmlns="" id="{674BE5AF-DA0B-4BB3-9C00-B5639F54D83D}"/>
+                <a16:creationId xmlns="" xmlns:a16="http://schemas.microsoft.com/office/drawing/2014/main" id="{674BE5AF-DA0B-4BB3-9C00-B5639F54D83D}"/>
               </a:ext>
             </a:extLst>
           </p:cNvPr>
@@ -5103,7 +5103,7 @@
           <p:cNvPr id="38" name="원호 37">
             <a:extLst>
               <a:ext uri="{FF2B5EF4-FFF2-40B4-BE49-F238E27FC236}">
-                <a16:creationId xmlns:a16="http://schemas.microsoft.com/office/drawing/2014/main" xmlns="" id="{137B2EB8-3C7A-4DFF-980C-DCF648D786A6}"/>
+                <a16:creationId xmlns="" xmlns:a16="http://schemas.microsoft.com/office/drawing/2014/main" id="{137B2EB8-3C7A-4DFF-980C-DCF648D786A6}"/>
               </a:ext>
             </a:extLst>
           </p:cNvPr>
@@ -5157,7 +5157,7 @@
           <p:cNvPr id="39" name="타원 38">
             <a:extLst>
               <a:ext uri="{FF2B5EF4-FFF2-40B4-BE49-F238E27FC236}">
-                <a16:creationId xmlns:a16="http://schemas.microsoft.com/office/drawing/2014/main" xmlns="" id="{A99570B1-7DB4-4E43-A58E-57058CA0F54A}"/>
+                <a16:creationId xmlns="" xmlns:a16="http://schemas.microsoft.com/office/drawing/2014/main" id="{A99570B1-7DB4-4E43-A58E-57058CA0F54A}"/>
               </a:ext>
             </a:extLst>
           </p:cNvPr>
@@ -5205,7 +5205,7 @@
           <p:cNvPr id="40" name="타원 39">
             <a:extLst>
               <a:ext uri="{FF2B5EF4-FFF2-40B4-BE49-F238E27FC236}">
-                <a16:creationId xmlns:a16="http://schemas.microsoft.com/office/drawing/2014/main" xmlns="" id="{0F754A08-11C5-4F1A-B637-06012293F1C0}"/>
+                <a16:creationId xmlns="" xmlns:a16="http://schemas.microsoft.com/office/drawing/2014/main" id="{0F754A08-11C5-4F1A-B637-06012293F1C0}"/>
               </a:ext>
             </a:extLst>
           </p:cNvPr>
@@ -5253,7 +5253,7 @@
           <p:cNvPr id="43" name="타원 42">
             <a:extLst>
               <a:ext uri="{FF2B5EF4-FFF2-40B4-BE49-F238E27FC236}">
-                <a16:creationId xmlns:a16="http://schemas.microsoft.com/office/drawing/2014/main" xmlns="" id="{EEC45EB1-26B9-45DC-8DA1-CEFCFB31FC0D}"/>
+                <a16:creationId xmlns="" xmlns:a16="http://schemas.microsoft.com/office/drawing/2014/main" id="{EEC45EB1-26B9-45DC-8DA1-CEFCFB31FC0D}"/>
               </a:ext>
             </a:extLst>
           </p:cNvPr>
@@ -5301,7 +5301,7 @@
           <p:cNvPr id="44" name="TextBox 43">
             <a:extLst>
               <a:ext uri="{FF2B5EF4-FFF2-40B4-BE49-F238E27FC236}">
-                <a16:creationId xmlns:a16="http://schemas.microsoft.com/office/drawing/2014/main" xmlns="" id="{4C185C64-72C1-4B48-8774-75928317A44B}"/>
+                <a16:creationId xmlns="" xmlns:a16="http://schemas.microsoft.com/office/drawing/2014/main" id="{4C185C64-72C1-4B48-8774-75928317A44B}"/>
               </a:ext>
             </a:extLst>
           </p:cNvPr>
@@ -5351,7 +5351,7 @@
           <p:cNvPr id="45" name="TextBox 44">
             <a:extLst>
               <a:ext uri="{FF2B5EF4-FFF2-40B4-BE49-F238E27FC236}">
-                <a16:creationId xmlns:a16="http://schemas.microsoft.com/office/drawing/2014/main" xmlns="" id="{4A37E9B0-36AE-42D3-A050-DCFAA2F61D85}"/>
+                <a16:creationId xmlns="" xmlns:a16="http://schemas.microsoft.com/office/drawing/2014/main" id="{4A37E9B0-36AE-42D3-A050-DCFAA2F61D85}"/>
               </a:ext>
             </a:extLst>
           </p:cNvPr>
@@ -5401,7 +5401,7 @@
           <p:cNvPr id="52" name="TextBox 51">
             <a:extLst>
               <a:ext uri="{FF2B5EF4-FFF2-40B4-BE49-F238E27FC236}">
-                <a16:creationId xmlns:a16="http://schemas.microsoft.com/office/drawing/2014/main" xmlns="" id="{AED6432C-394A-41DB-AA47-BD73AF22A91C}"/>
+                <a16:creationId xmlns="" xmlns:a16="http://schemas.microsoft.com/office/drawing/2014/main" id="{AED6432C-394A-41DB-AA47-BD73AF22A91C}"/>
               </a:ext>
             </a:extLst>
           </p:cNvPr>
@@ -5467,7 +5467,7 @@
           <p:cNvPr id="53" name="TextBox 52">
             <a:extLst>
               <a:ext uri="{FF2B5EF4-FFF2-40B4-BE49-F238E27FC236}">
-                <a16:creationId xmlns:a16="http://schemas.microsoft.com/office/drawing/2014/main" xmlns="" id="{4BFA5043-EF47-4D36-8C69-5B283BA28784}"/>
+                <a16:creationId xmlns="" xmlns:a16="http://schemas.microsoft.com/office/drawing/2014/main" id="{4BFA5043-EF47-4D36-8C69-5B283BA28784}"/>
               </a:ext>
             </a:extLst>
           </p:cNvPr>
@@ -5529,7 +5529,7 @@
           <p:cNvPr id="54" name="TextBox 53">
             <a:extLst>
               <a:ext uri="{FF2B5EF4-FFF2-40B4-BE49-F238E27FC236}">
-                <a16:creationId xmlns:a16="http://schemas.microsoft.com/office/drawing/2014/main" xmlns="" id="{1C494BB1-293D-4AD5-93DF-3E1E38B30ABB}"/>
+                <a16:creationId xmlns="" xmlns:a16="http://schemas.microsoft.com/office/drawing/2014/main" id="{1C494BB1-293D-4AD5-93DF-3E1E38B30ABB}"/>
               </a:ext>
             </a:extLst>
           </p:cNvPr>
@@ -5603,7 +5603,7 @@
           <p:cNvPr id="55" name="TextBox 54">
             <a:extLst>
               <a:ext uri="{FF2B5EF4-FFF2-40B4-BE49-F238E27FC236}">
-                <a16:creationId xmlns:a16="http://schemas.microsoft.com/office/drawing/2014/main" xmlns="" id="{544B4972-9911-462A-A9E5-FB70CD9DDFD2}"/>
+                <a16:creationId xmlns="" xmlns:a16="http://schemas.microsoft.com/office/drawing/2014/main" id="{544B4972-9911-462A-A9E5-FB70CD9DDFD2}"/>
               </a:ext>
             </a:extLst>
           </p:cNvPr>
@@ -5669,7 +5669,7 @@
           <p:cNvPr id="57" name="TextBox 56">
             <a:extLst>
               <a:ext uri="{FF2B5EF4-FFF2-40B4-BE49-F238E27FC236}">
-                <a16:creationId xmlns:a16="http://schemas.microsoft.com/office/drawing/2014/main" xmlns="" id="{17F9FF56-A573-433C-8B43-8BE509B3F6A2}"/>
+                <a16:creationId xmlns="" xmlns:a16="http://schemas.microsoft.com/office/drawing/2014/main" id="{17F9FF56-A573-433C-8B43-8BE509B3F6A2}"/>
               </a:ext>
             </a:extLst>
           </p:cNvPr>
@@ -5735,7 +5735,7 @@
           <p:cNvPr id="58" name="TextBox 57">
             <a:extLst>
               <a:ext uri="{FF2B5EF4-FFF2-40B4-BE49-F238E27FC236}">
-                <a16:creationId xmlns:a16="http://schemas.microsoft.com/office/drawing/2014/main" xmlns="" id="{A50DBF63-5444-45EF-9C44-EC56113C9BEC}"/>
+                <a16:creationId xmlns="" xmlns:a16="http://schemas.microsoft.com/office/drawing/2014/main" id="{A50DBF63-5444-45EF-9C44-EC56113C9BEC}"/>
               </a:ext>
             </a:extLst>
           </p:cNvPr>
@@ -5801,7 +5801,7 @@
           <p:cNvPr id="64" name="직선 연결선 63">
             <a:extLst>
               <a:ext uri="{FF2B5EF4-FFF2-40B4-BE49-F238E27FC236}">
-                <a16:creationId xmlns:a16="http://schemas.microsoft.com/office/drawing/2014/main" xmlns="" id="{F035DDB8-2795-451F-9090-1F4A4880AB18}"/>
+                <a16:creationId xmlns="" xmlns:a16="http://schemas.microsoft.com/office/drawing/2014/main" id="{F035DDB8-2795-451F-9090-1F4A4880AB18}"/>
               </a:ext>
             </a:extLst>
           </p:cNvPr>
@@ -5848,7 +5848,7 @@
           <p:cNvPr id="67" name="직선 연결선 66">
             <a:extLst>
               <a:ext uri="{FF2B5EF4-FFF2-40B4-BE49-F238E27FC236}">
-                <a16:creationId xmlns:a16="http://schemas.microsoft.com/office/drawing/2014/main" xmlns="" id="{CB2B6728-0052-4045-9A24-C5B33000843D}"/>
+                <a16:creationId xmlns="" xmlns:a16="http://schemas.microsoft.com/office/drawing/2014/main" id="{CB2B6728-0052-4045-9A24-C5B33000843D}"/>
               </a:ext>
             </a:extLst>
           </p:cNvPr>
@@ -5895,7 +5895,7 @@
           <p:cNvPr id="51" name="모서리가 둥근 직사각형 2">
             <a:extLst>
               <a:ext uri="{FF2B5EF4-FFF2-40B4-BE49-F238E27FC236}">
-                <a16:creationId xmlns:a16="http://schemas.microsoft.com/office/drawing/2014/main" xmlns="" id="{BBCE1F22-5D32-4F2A-AF6B-E04B9E556531}"/>
+                <a16:creationId xmlns="" xmlns:a16="http://schemas.microsoft.com/office/drawing/2014/main" id="{BBCE1F22-5D32-4F2A-AF6B-E04B9E556531}"/>
               </a:ext>
             </a:extLst>
           </p:cNvPr>
@@ -5953,7 +5953,7 @@
           <p:cNvPr id="56" name="모서리가 둥근 직사각형 2">
             <a:extLst>
               <a:ext uri="{FF2B5EF4-FFF2-40B4-BE49-F238E27FC236}">
-                <a16:creationId xmlns:a16="http://schemas.microsoft.com/office/drawing/2014/main" xmlns="" id="{7B427835-1EF2-4843-87E4-DAEC2D835DD7}"/>
+                <a16:creationId xmlns="" xmlns:a16="http://schemas.microsoft.com/office/drawing/2014/main" id="{7B427835-1EF2-4843-87E4-DAEC2D835DD7}"/>
               </a:ext>
             </a:extLst>
           </p:cNvPr>
@@ -6011,7 +6011,7 @@
           <p:cNvPr id="70" name="타원 69">
             <a:extLst>
               <a:ext uri="{FF2B5EF4-FFF2-40B4-BE49-F238E27FC236}">
-                <a16:creationId xmlns:a16="http://schemas.microsoft.com/office/drawing/2014/main" xmlns="" id="{DBD8459A-F600-48EC-8F12-D62AB140A2DB}"/>
+                <a16:creationId xmlns="" xmlns:a16="http://schemas.microsoft.com/office/drawing/2014/main" id="{DBD8459A-F600-48EC-8F12-D62AB140A2DB}"/>
               </a:ext>
             </a:extLst>
           </p:cNvPr>
@@ -6059,7 +6059,7 @@
           <p:cNvPr id="71" name="타원 70">
             <a:extLst>
               <a:ext uri="{FF2B5EF4-FFF2-40B4-BE49-F238E27FC236}">
-                <a16:creationId xmlns:a16="http://schemas.microsoft.com/office/drawing/2014/main" xmlns="" id="{D6273614-DD0F-4406-80D0-9DC6655D1398}"/>
+                <a16:creationId xmlns="" xmlns:a16="http://schemas.microsoft.com/office/drawing/2014/main" id="{D6273614-DD0F-4406-80D0-9DC6655D1398}"/>
               </a:ext>
             </a:extLst>
           </p:cNvPr>
@@ -6107,7 +6107,7 @@
           <p:cNvPr id="72" name="타원 71">
             <a:extLst>
               <a:ext uri="{FF2B5EF4-FFF2-40B4-BE49-F238E27FC236}">
-                <a16:creationId xmlns:a16="http://schemas.microsoft.com/office/drawing/2014/main" xmlns="" id="{56E9C4C8-C696-4704-A0C7-7631B84DC7A6}"/>
+                <a16:creationId xmlns="" xmlns:a16="http://schemas.microsoft.com/office/drawing/2014/main" id="{56E9C4C8-C696-4704-A0C7-7631B84DC7A6}"/>
               </a:ext>
             </a:extLst>
           </p:cNvPr>
@@ -6155,7 +6155,7 @@
           <p:cNvPr id="73" name="타원 72">
             <a:extLst>
               <a:ext uri="{FF2B5EF4-FFF2-40B4-BE49-F238E27FC236}">
-                <a16:creationId xmlns:a16="http://schemas.microsoft.com/office/drawing/2014/main" xmlns="" id="{1524E260-1219-4205-8751-153A76F8F7C1}"/>
+                <a16:creationId xmlns="" xmlns:a16="http://schemas.microsoft.com/office/drawing/2014/main" id="{1524E260-1219-4205-8751-153A76F8F7C1}"/>
               </a:ext>
             </a:extLst>
           </p:cNvPr>
@@ -6203,7 +6203,7 @@
           <p:cNvPr id="81" name="모서리가 둥근 직사각형 2">
             <a:extLst>
               <a:ext uri="{FF2B5EF4-FFF2-40B4-BE49-F238E27FC236}">
-                <a16:creationId xmlns:a16="http://schemas.microsoft.com/office/drawing/2014/main" xmlns="" id="{AFB69950-68B0-473C-955E-3462CC086FC3}"/>
+                <a16:creationId xmlns="" xmlns:a16="http://schemas.microsoft.com/office/drawing/2014/main" id="{AFB69950-68B0-473C-955E-3462CC086FC3}"/>
               </a:ext>
             </a:extLst>
           </p:cNvPr>
@@ -6259,7 +6259,7 @@
           <p:cNvPr id="83" name="모서리가 둥근 직사각형 2">
             <a:extLst>
               <a:ext uri="{FF2B5EF4-FFF2-40B4-BE49-F238E27FC236}">
-                <a16:creationId xmlns:a16="http://schemas.microsoft.com/office/drawing/2014/main" xmlns="" id="{4049B3CA-B289-42C7-882F-5A4083100CFE}"/>
+                <a16:creationId xmlns="" xmlns:a16="http://schemas.microsoft.com/office/drawing/2014/main" id="{4049B3CA-B289-42C7-882F-5A4083100CFE}"/>
               </a:ext>
             </a:extLst>
           </p:cNvPr>
@@ -6316,7 +6316,7 @@
           <p:cNvPr id="42" name="타원 41">
             <a:extLst>
               <a:ext uri="{FF2B5EF4-FFF2-40B4-BE49-F238E27FC236}">
-                <a16:creationId xmlns:a16="http://schemas.microsoft.com/office/drawing/2014/main" xmlns="" id="{67E205F5-100A-4787-A0AC-5FBCBE2BB09D}"/>
+                <a16:creationId xmlns="" xmlns:a16="http://schemas.microsoft.com/office/drawing/2014/main" id="{67E205F5-100A-4787-A0AC-5FBCBE2BB09D}"/>
               </a:ext>
             </a:extLst>
           </p:cNvPr>
@@ -6364,7 +6364,7 @@
           <p:cNvPr id="41" name="직선 연결선 40">
             <a:extLst>
               <a:ext uri="{FF2B5EF4-FFF2-40B4-BE49-F238E27FC236}">
-                <a16:creationId xmlns:a16="http://schemas.microsoft.com/office/drawing/2014/main" xmlns="" id="{5176A2F4-3BBE-4E6E-8ED5-A891A3CB1C7C}"/>
+                <a16:creationId xmlns="" xmlns:a16="http://schemas.microsoft.com/office/drawing/2014/main" id="{5176A2F4-3BBE-4E6E-8ED5-A891A3CB1C7C}"/>
               </a:ext>
             </a:extLst>
           </p:cNvPr>
@@ -6522,7 +6522,7 @@
           <p:cNvPr id="5" name="직선 연결선 4">
             <a:extLst>
               <a:ext uri="{FF2B5EF4-FFF2-40B4-BE49-F238E27FC236}">
-                <a16:creationId xmlns:a16="http://schemas.microsoft.com/office/drawing/2014/main" xmlns="" id="{06BA9E35-AF4F-4861-AF32-930396FA6E06}"/>
+                <a16:creationId xmlns="" xmlns:a16="http://schemas.microsoft.com/office/drawing/2014/main" id="{06BA9E35-AF4F-4861-AF32-930396FA6E06}"/>
               </a:ext>
             </a:extLst>
           </p:cNvPr>
@@ -6567,7 +6567,7 @@
           <p:cNvPr id="17" name="직선 연결선 16">
             <a:extLst>
               <a:ext uri="{FF2B5EF4-FFF2-40B4-BE49-F238E27FC236}">
-                <a16:creationId xmlns:a16="http://schemas.microsoft.com/office/drawing/2014/main" xmlns="" id="{C1FC7741-B395-41FE-83B5-2FD70DED6FD1}"/>
+                <a16:creationId xmlns="" xmlns:a16="http://schemas.microsoft.com/office/drawing/2014/main" id="{C1FC7741-B395-41FE-83B5-2FD70DED6FD1}"/>
               </a:ext>
             </a:extLst>
           </p:cNvPr>
@@ -6612,7 +6612,7 @@
           <p:cNvPr id="11" name="모서리가 둥근 직사각형 2">
             <a:extLst>
               <a:ext uri="{FF2B5EF4-FFF2-40B4-BE49-F238E27FC236}">
-                <a16:creationId xmlns:a16="http://schemas.microsoft.com/office/drawing/2014/main" xmlns="" id="{16A86181-839F-4D4B-9E21-E84981D9E8F2}"/>
+                <a16:creationId xmlns="" xmlns:a16="http://schemas.microsoft.com/office/drawing/2014/main" id="{16A86181-839F-4D4B-9E21-E84981D9E8F2}"/>
               </a:ext>
             </a:extLst>
           </p:cNvPr>
@@ -6661,7 +6661,7 @@
           <p:cNvPr id="22" name="직선 연결선 21">
             <a:extLst>
               <a:ext uri="{FF2B5EF4-FFF2-40B4-BE49-F238E27FC236}">
-                <a16:creationId xmlns:a16="http://schemas.microsoft.com/office/drawing/2014/main" xmlns="" id="{415BEB9E-09A4-4964-BEF2-5F08CC228174}"/>
+                <a16:creationId xmlns="" xmlns:a16="http://schemas.microsoft.com/office/drawing/2014/main" id="{415BEB9E-09A4-4964-BEF2-5F08CC228174}"/>
               </a:ext>
             </a:extLst>
           </p:cNvPr>
@@ -6706,7 +6706,7 @@
           <p:cNvPr id="13" name="모서리가 둥근 직사각형 2">
             <a:extLst>
               <a:ext uri="{FF2B5EF4-FFF2-40B4-BE49-F238E27FC236}">
-                <a16:creationId xmlns:a16="http://schemas.microsoft.com/office/drawing/2014/main" xmlns="" id="{B4D9F552-13FB-4506-AB41-D9127D4AC995}"/>
+                <a16:creationId xmlns="" xmlns:a16="http://schemas.microsoft.com/office/drawing/2014/main" id="{B4D9F552-13FB-4506-AB41-D9127D4AC995}"/>
               </a:ext>
             </a:extLst>
           </p:cNvPr>
@@ -6767,7 +6767,7 @@
           <p:cNvPr id="16" name="직선 연결선 15">
             <a:extLst>
               <a:ext uri="{FF2B5EF4-FFF2-40B4-BE49-F238E27FC236}">
-                <a16:creationId xmlns:a16="http://schemas.microsoft.com/office/drawing/2014/main" xmlns="" id="{A8F8D77A-3187-4AF4-AD2E-FB4918FFFAF2}"/>
+                <a16:creationId xmlns="" xmlns:a16="http://schemas.microsoft.com/office/drawing/2014/main" id="{A8F8D77A-3187-4AF4-AD2E-FB4918FFFAF2}"/>
               </a:ext>
             </a:extLst>
           </p:cNvPr>
@@ -6812,7 +6812,7 @@
           <p:cNvPr id="36" name="원호 35">
             <a:extLst>
               <a:ext uri="{FF2B5EF4-FFF2-40B4-BE49-F238E27FC236}">
-                <a16:creationId xmlns:a16="http://schemas.microsoft.com/office/drawing/2014/main" xmlns="" id="{8067F50F-2B56-41FA-BBBD-DA466ADB1A4C}"/>
+                <a16:creationId xmlns="" xmlns:a16="http://schemas.microsoft.com/office/drawing/2014/main" id="{8067F50F-2B56-41FA-BBBD-DA466ADB1A4C}"/>
               </a:ext>
             </a:extLst>
           </p:cNvPr>
@@ -6863,7 +6863,7 @@
           <p:cNvPr id="35" name="원호 34">
             <a:extLst>
               <a:ext uri="{FF2B5EF4-FFF2-40B4-BE49-F238E27FC236}">
-                <a16:creationId xmlns:a16="http://schemas.microsoft.com/office/drawing/2014/main" xmlns="" id="{559A272C-6A19-4942-B370-03E6B28031A5}"/>
+                <a16:creationId xmlns="" xmlns:a16="http://schemas.microsoft.com/office/drawing/2014/main" id="{559A272C-6A19-4942-B370-03E6B28031A5}"/>
               </a:ext>
             </a:extLst>
           </p:cNvPr>
@@ -6917,7 +6917,7 @@
           <p:cNvPr id="37" name="원호 36">
             <a:extLst>
               <a:ext uri="{FF2B5EF4-FFF2-40B4-BE49-F238E27FC236}">
-                <a16:creationId xmlns:a16="http://schemas.microsoft.com/office/drawing/2014/main" xmlns="" id="{674BE5AF-DA0B-4BB3-9C00-B5639F54D83D}"/>
+                <a16:creationId xmlns="" xmlns:a16="http://schemas.microsoft.com/office/drawing/2014/main" id="{674BE5AF-DA0B-4BB3-9C00-B5639F54D83D}"/>
               </a:ext>
             </a:extLst>
           </p:cNvPr>
@@ -6971,7 +6971,7 @@
           <p:cNvPr id="38" name="원호 37">
             <a:extLst>
               <a:ext uri="{FF2B5EF4-FFF2-40B4-BE49-F238E27FC236}">
-                <a16:creationId xmlns:a16="http://schemas.microsoft.com/office/drawing/2014/main" xmlns="" id="{137B2EB8-3C7A-4DFF-980C-DCF648D786A6}"/>
+                <a16:creationId xmlns="" xmlns:a16="http://schemas.microsoft.com/office/drawing/2014/main" id="{137B2EB8-3C7A-4DFF-980C-DCF648D786A6}"/>
               </a:ext>
             </a:extLst>
           </p:cNvPr>
@@ -7025,7 +7025,7 @@
           <p:cNvPr id="39" name="타원 38">
             <a:extLst>
               <a:ext uri="{FF2B5EF4-FFF2-40B4-BE49-F238E27FC236}">
-                <a16:creationId xmlns:a16="http://schemas.microsoft.com/office/drawing/2014/main" xmlns="" id="{A99570B1-7DB4-4E43-A58E-57058CA0F54A}"/>
+                <a16:creationId xmlns="" xmlns:a16="http://schemas.microsoft.com/office/drawing/2014/main" id="{A99570B1-7DB4-4E43-A58E-57058CA0F54A}"/>
               </a:ext>
             </a:extLst>
           </p:cNvPr>
@@ -7073,7 +7073,7 @@
           <p:cNvPr id="40" name="타원 39">
             <a:extLst>
               <a:ext uri="{FF2B5EF4-FFF2-40B4-BE49-F238E27FC236}">
-                <a16:creationId xmlns:a16="http://schemas.microsoft.com/office/drawing/2014/main" xmlns="" id="{0F754A08-11C5-4F1A-B637-06012293F1C0}"/>
+                <a16:creationId xmlns="" xmlns:a16="http://schemas.microsoft.com/office/drawing/2014/main" id="{0F754A08-11C5-4F1A-B637-06012293F1C0}"/>
               </a:ext>
             </a:extLst>
           </p:cNvPr>
@@ -7121,7 +7121,7 @@
           <p:cNvPr id="43" name="타원 42">
             <a:extLst>
               <a:ext uri="{FF2B5EF4-FFF2-40B4-BE49-F238E27FC236}">
-                <a16:creationId xmlns:a16="http://schemas.microsoft.com/office/drawing/2014/main" xmlns="" id="{EEC45EB1-26B9-45DC-8DA1-CEFCFB31FC0D}"/>
+                <a16:creationId xmlns="" xmlns:a16="http://schemas.microsoft.com/office/drawing/2014/main" id="{EEC45EB1-26B9-45DC-8DA1-CEFCFB31FC0D}"/>
               </a:ext>
             </a:extLst>
           </p:cNvPr>
@@ -7169,7 +7169,7 @@
           <p:cNvPr id="44" name="TextBox 43">
             <a:extLst>
               <a:ext uri="{FF2B5EF4-FFF2-40B4-BE49-F238E27FC236}">
-                <a16:creationId xmlns:a16="http://schemas.microsoft.com/office/drawing/2014/main" xmlns="" id="{4C185C64-72C1-4B48-8774-75928317A44B}"/>
+                <a16:creationId xmlns="" xmlns:a16="http://schemas.microsoft.com/office/drawing/2014/main" id="{4C185C64-72C1-4B48-8774-75928317A44B}"/>
               </a:ext>
             </a:extLst>
           </p:cNvPr>
@@ -7219,7 +7219,7 @@
           <p:cNvPr id="45" name="TextBox 44">
             <a:extLst>
               <a:ext uri="{FF2B5EF4-FFF2-40B4-BE49-F238E27FC236}">
-                <a16:creationId xmlns:a16="http://schemas.microsoft.com/office/drawing/2014/main" xmlns="" id="{4A37E9B0-36AE-42D3-A050-DCFAA2F61D85}"/>
+                <a16:creationId xmlns="" xmlns:a16="http://schemas.microsoft.com/office/drawing/2014/main" id="{4A37E9B0-36AE-42D3-A050-DCFAA2F61D85}"/>
               </a:ext>
             </a:extLst>
           </p:cNvPr>
@@ -7273,7 +7273,7 @@
           <p:cNvPr id="52" name="TextBox 51">
             <a:extLst>
               <a:ext uri="{FF2B5EF4-FFF2-40B4-BE49-F238E27FC236}">
-                <a16:creationId xmlns:a16="http://schemas.microsoft.com/office/drawing/2014/main" xmlns="" id="{AED6432C-394A-41DB-AA47-BD73AF22A91C}"/>
+                <a16:creationId xmlns="" xmlns:a16="http://schemas.microsoft.com/office/drawing/2014/main" id="{AED6432C-394A-41DB-AA47-BD73AF22A91C}"/>
               </a:ext>
             </a:extLst>
           </p:cNvPr>
@@ -7327,7 +7327,7 @@
           <p:cNvPr id="53" name="TextBox 52">
             <a:extLst>
               <a:ext uri="{FF2B5EF4-FFF2-40B4-BE49-F238E27FC236}">
-                <a16:creationId xmlns:a16="http://schemas.microsoft.com/office/drawing/2014/main" xmlns="" id="{4BFA5043-EF47-4D36-8C69-5B283BA28784}"/>
+                <a16:creationId xmlns="" xmlns:a16="http://schemas.microsoft.com/office/drawing/2014/main" id="{4BFA5043-EF47-4D36-8C69-5B283BA28784}"/>
               </a:ext>
             </a:extLst>
           </p:cNvPr>
@@ -7378,15 +7378,7 @@
                   <a:srgbClr val="C00000"/>
                 </a:solidFill>
               </a:rPr>
-              <a:t>2</a:t>
-            </a:r>
-            <a:r>
-              <a:rPr lang="en-US" altLang="ko-KR" sz="1600" dirty="0" smtClean="0">
-                <a:solidFill>
-                  <a:srgbClr val="C00000"/>
-                </a:solidFill>
-              </a:rPr>
-              <a:t>.2.2.20</a:t>
+              <a:t>2.2.2.20</a:t>
             </a:r>
             <a:endParaRPr lang="ko-KR" altLang="en-US" sz="1600" dirty="0">
               <a:solidFill>
@@ -7401,7 +7393,7 @@
           <p:cNvPr id="54" name="TextBox 53">
             <a:extLst>
               <a:ext uri="{FF2B5EF4-FFF2-40B4-BE49-F238E27FC236}">
-                <a16:creationId xmlns:a16="http://schemas.microsoft.com/office/drawing/2014/main" xmlns="" id="{1C494BB1-293D-4AD5-93DF-3E1E38B30ABB}"/>
+                <a16:creationId xmlns="" xmlns:a16="http://schemas.microsoft.com/office/drawing/2014/main" id="{1C494BB1-293D-4AD5-93DF-3E1E38B30ABB}"/>
               </a:ext>
             </a:extLst>
           </p:cNvPr>
@@ -7467,7 +7459,7 @@
           <p:cNvPr id="55" name="TextBox 54">
             <a:extLst>
               <a:ext uri="{FF2B5EF4-FFF2-40B4-BE49-F238E27FC236}">
-                <a16:creationId xmlns:a16="http://schemas.microsoft.com/office/drawing/2014/main" xmlns="" id="{544B4972-9911-462A-A9E5-FB70CD9DDFD2}"/>
+                <a16:creationId xmlns="" xmlns:a16="http://schemas.microsoft.com/office/drawing/2014/main" id="{544B4972-9911-462A-A9E5-FB70CD9DDFD2}"/>
               </a:ext>
             </a:extLst>
           </p:cNvPr>
@@ -7517,7 +7509,7 @@
           <p:cNvPr id="57" name="TextBox 56">
             <a:extLst>
               <a:ext uri="{FF2B5EF4-FFF2-40B4-BE49-F238E27FC236}">
-                <a16:creationId xmlns:a16="http://schemas.microsoft.com/office/drawing/2014/main" xmlns="" id="{17F9FF56-A573-433C-8B43-8BE509B3F6A2}"/>
+                <a16:creationId xmlns="" xmlns:a16="http://schemas.microsoft.com/office/drawing/2014/main" id="{17F9FF56-A573-433C-8B43-8BE509B3F6A2}"/>
               </a:ext>
             </a:extLst>
           </p:cNvPr>
@@ -7571,7 +7563,7 @@
           <p:cNvPr id="58" name="TextBox 57">
             <a:extLst>
               <a:ext uri="{FF2B5EF4-FFF2-40B4-BE49-F238E27FC236}">
-                <a16:creationId xmlns:a16="http://schemas.microsoft.com/office/drawing/2014/main" xmlns="" id="{A50DBF63-5444-45EF-9C44-EC56113C9BEC}"/>
+                <a16:creationId xmlns="" xmlns:a16="http://schemas.microsoft.com/office/drawing/2014/main" id="{A50DBF63-5444-45EF-9C44-EC56113C9BEC}"/>
               </a:ext>
             </a:extLst>
           </p:cNvPr>
@@ -7621,7 +7613,7 @@
           <p:cNvPr id="64" name="직선 연결선 63">
             <a:extLst>
               <a:ext uri="{FF2B5EF4-FFF2-40B4-BE49-F238E27FC236}">
-                <a16:creationId xmlns:a16="http://schemas.microsoft.com/office/drawing/2014/main" xmlns="" id="{F035DDB8-2795-451F-9090-1F4A4880AB18}"/>
+                <a16:creationId xmlns="" xmlns:a16="http://schemas.microsoft.com/office/drawing/2014/main" id="{F035DDB8-2795-451F-9090-1F4A4880AB18}"/>
               </a:ext>
             </a:extLst>
           </p:cNvPr>
@@ -7668,7 +7660,7 @@
           <p:cNvPr id="67" name="직선 연결선 66">
             <a:extLst>
               <a:ext uri="{FF2B5EF4-FFF2-40B4-BE49-F238E27FC236}">
-                <a16:creationId xmlns:a16="http://schemas.microsoft.com/office/drawing/2014/main" xmlns="" id="{CB2B6728-0052-4045-9A24-C5B33000843D}"/>
+                <a16:creationId xmlns="" xmlns:a16="http://schemas.microsoft.com/office/drawing/2014/main" id="{CB2B6728-0052-4045-9A24-C5B33000843D}"/>
               </a:ext>
             </a:extLst>
           </p:cNvPr>
@@ -7715,7 +7707,7 @@
           <p:cNvPr id="51" name="모서리가 둥근 직사각형 2">
             <a:extLst>
               <a:ext uri="{FF2B5EF4-FFF2-40B4-BE49-F238E27FC236}">
-                <a16:creationId xmlns:a16="http://schemas.microsoft.com/office/drawing/2014/main" xmlns="" id="{BBCE1F22-5D32-4F2A-AF6B-E04B9E556531}"/>
+                <a16:creationId xmlns="" xmlns:a16="http://schemas.microsoft.com/office/drawing/2014/main" id="{BBCE1F22-5D32-4F2A-AF6B-E04B9E556531}"/>
               </a:ext>
             </a:extLst>
           </p:cNvPr>
@@ -7765,7 +7757,7 @@
           <p:cNvPr id="56" name="모서리가 둥근 직사각형 2">
             <a:extLst>
               <a:ext uri="{FF2B5EF4-FFF2-40B4-BE49-F238E27FC236}">
-                <a16:creationId xmlns:a16="http://schemas.microsoft.com/office/drawing/2014/main" xmlns="" id="{7B427835-1EF2-4843-87E4-DAEC2D835DD7}"/>
+                <a16:creationId xmlns="" xmlns:a16="http://schemas.microsoft.com/office/drawing/2014/main" id="{7B427835-1EF2-4843-87E4-DAEC2D835DD7}"/>
               </a:ext>
             </a:extLst>
           </p:cNvPr>
@@ -7815,7 +7807,7 @@
           <p:cNvPr id="70" name="타원 69">
             <a:extLst>
               <a:ext uri="{FF2B5EF4-FFF2-40B4-BE49-F238E27FC236}">
-                <a16:creationId xmlns:a16="http://schemas.microsoft.com/office/drawing/2014/main" xmlns="" id="{DBD8459A-F600-48EC-8F12-D62AB140A2DB}"/>
+                <a16:creationId xmlns="" xmlns:a16="http://schemas.microsoft.com/office/drawing/2014/main" id="{DBD8459A-F600-48EC-8F12-D62AB140A2DB}"/>
               </a:ext>
             </a:extLst>
           </p:cNvPr>
@@ -7863,7 +7855,7 @@
           <p:cNvPr id="71" name="타원 70">
             <a:extLst>
               <a:ext uri="{FF2B5EF4-FFF2-40B4-BE49-F238E27FC236}">
-                <a16:creationId xmlns:a16="http://schemas.microsoft.com/office/drawing/2014/main" xmlns="" id="{D6273614-DD0F-4406-80D0-9DC6655D1398}"/>
+                <a16:creationId xmlns="" xmlns:a16="http://schemas.microsoft.com/office/drawing/2014/main" id="{D6273614-DD0F-4406-80D0-9DC6655D1398}"/>
               </a:ext>
             </a:extLst>
           </p:cNvPr>
@@ -7911,7 +7903,7 @@
           <p:cNvPr id="72" name="타원 71">
             <a:extLst>
               <a:ext uri="{FF2B5EF4-FFF2-40B4-BE49-F238E27FC236}">
-                <a16:creationId xmlns:a16="http://schemas.microsoft.com/office/drawing/2014/main" xmlns="" id="{56E9C4C8-C696-4704-A0C7-7631B84DC7A6}"/>
+                <a16:creationId xmlns="" xmlns:a16="http://schemas.microsoft.com/office/drawing/2014/main" id="{56E9C4C8-C696-4704-A0C7-7631B84DC7A6}"/>
               </a:ext>
             </a:extLst>
           </p:cNvPr>
@@ -7959,7 +7951,7 @@
           <p:cNvPr id="73" name="타원 72">
             <a:extLst>
               <a:ext uri="{FF2B5EF4-FFF2-40B4-BE49-F238E27FC236}">
-                <a16:creationId xmlns:a16="http://schemas.microsoft.com/office/drawing/2014/main" xmlns="" id="{1524E260-1219-4205-8751-153A76F8F7C1}"/>
+                <a16:creationId xmlns="" xmlns:a16="http://schemas.microsoft.com/office/drawing/2014/main" id="{1524E260-1219-4205-8751-153A76F8F7C1}"/>
               </a:ext>
             </a:extLst>
           </p:cNvPr>
@@ -8007,7 +7999,7 @@
           <p:cNvPr id="81" name="모서리가 둥근 직사각형 2">
             <a:extLst>
               <a:ext uri="{FF2B5EF4-FFF2-40B4-BE49-F238E27FC236}">
-                <a16:creationId xmlns:a16="http://schemas.microsoft.com/office/drawing/2014/main" xmlns="" id="{AFB69950-68B0-473C-955E-3462CC086FC3}"/>
+                <a16:creationId xmlns="" xmlns:a16="http://schemas.microsoft.com/office/drawing/2014/main" id="{AFB69950-68B0-473C-955E-3462CC086FC3}"/>
               </a:ext>
             </a:extLst>
           </p:cNvPr>
@@ -8079,7 +8071,7 @@
           <p:cNvPr id="83" name="모서리가 둥근 직사각형 2">
             <a:extLst>
               <a:ext uri="{FF2B5EF4-FFF2-40B4-BE49-F238E27FC236}">
-                <a16:creationId xmlns:a16="http://schemas.microsoft.com/office/drawing/2014/main" xmlns="" id="{4049B3CA-B289-42C7-882F-5A4083100CFE}"/>
+                <a16:creationId xmlns="" xmlns:a16="http://schemas.microsoft.com/office/drawing/2014/main" id="{4049B3CA-B289-42C7-882F-5A4083100CFE}"/>
               </a:ext>
             </a:extLst>
           </p:cNvPr>
@@ -8155,7 +8147,7 @@
           <p:cNvPr id="42" name="타원 41">
             <a:extLst>
               <a:ext uri="{FF2B5EF4-FFF2-40B4-BE49-F238E27FC236}">
-                <a16:creationId xmlns:a16="http://schemas.microsoft.com/office/drawing/2014/main" xmlns="" id="{67E205F5-100A-4787-A0AC-5FBCBE2BB09D}"/>
+                <a16:creationId xmlns="" xmlns:a16="http://schemas.microsoft.com/office/drawing/2014/main" id="{67E205F5-100A-4787-A0AC-5FBCBE2BB09D}"/>
               </a:ext>
             </a:extLst>
           </p:cNvPr>
@@ -8203,7 +8195,7 @@
           <p:cNvPr id="41" name="직선 연결선 40">
             <a:extLst>
               <a:ext uri="{FF2B5EF4-FFF2-40B4-BE49-F238E27FC236}">
-                <a16:creationId xmlns:a16="http://schemas.microsoft.com/office/drawing/2014/main" xmlns="" id="{5176A2F4-3BBE-4E6E-8ED5-A891A3CB1C7C}"/>
+                <a16:creationId xmlns="" xmlns:a16="http://schemas.microsoft.com/office/drawing/2014/main" id="{5176A2F4-3BBE-4E6E-8ED5-A891A3CB1C7C}"/>
               </a:ext>
             </a:extLst>
           </p:cNvPr>
@@ -8361,7 +8353,7 @@
           <p:cNvPr id="11" name="모서리가 둥근 직사각형 2">
             <a:extLst>
               <a:ext uri="{FF2B5EF4-FFF2-40B4-BE49-F238E27FC236}">
-                <a16:creationId xmlns:a16="http://schemas.microsoft.com/office/drawing/2014/main" xmlns="" id="{16A86181-839F-4D4B-9E21-E84981D9E8F2}"/>
+                <a16:creationId xmlns="" xmlns:a16="http://schemas.microsoft.com/office/drawing/2014/main" id="{16A86181-839F-4D4B-9E21-E84981D9E8F2}"/>
               </a:ext>
             </a:extLst>
           </p:cNvPr>
@@ -8418,7 +8410,7 @@
           <p:cNvPr id="5" name="직선 연결선 4">
             <a:extLst>
               <a:ext uri="{FF2B5EF4-FFF2-40B4-BE49-F238E27FC236}">
-                <a16:creationId xmlns:a16="http://schemas.microsoft.com/office/drawing/2014/main" xmlns="" id="{06BA9E35-AF4F-4861-AF32-930396FA6E06}"/>
+                <a16:creationId xmlns="" xmlns:a16="http://schemas.microsoft.com/office/drawing/2014/main" id="{06BA9E35-AF4F-4861-AF32-930396FA6E06}"/>
               </a:ext>
             </a:extLst>
           </p:cNvPr>
@@ -8463,7 +8455,7 @@
           <p:cNvPr id="17" name="직선 연결선 16">
             <a:extLst>
               <a:ext uri="{FF2B5EF4-FFF2-40B4-BE49-F238E27FC236}">
-                <a16:creationId xmlns:a16="http://schemas.microsoft.com/office/drawing/2014/main" xmlns="" id="{C1FC7741-B395-41FE-83B5-2FD70DED6FD1}"/>
+                <a16:creationId xmlns="" xmlns:a16="http://schemas.microsoft.com/office/drawing/2014/main" id="{C1FC7741-B395-41FE-83B5-2FD70DED6FD1}"/>
               </a:ext>
             </a:extLst>
           </p:cNvPr>
@@ -8508,7 +8500,7 @@
           <p:cNvPr id="22" name="직선 연결선 21">
             <a:extLst>
               <a:ext uri="{FF2B5EF4-FFF2-40B4-BE49-F238E27FC236}">
-                <a16:creationId xmlns:a16="http://schemas.microsoft.com/office/drawing/2014/main" xmlns="" id="{415BEB9E-09A4-4964-BEF2-5F08CC228174}"/>
+                <a16:creationId xmlns="" xmlns:a16="http://schemas.microsoft.com/office/drawing/2014/main" id="{415BEB9E-09A4-4964-BEF2-5F08CC228174}"/>
               </a:ext>
             </a:extLst>
           </p:cNvPr>
@@ -8553,7 +8545,7 @@
           <p:cNvPr id="13" name="모서리가 둥근 직사각형 2">
             <a:extLst>
               <a:ext uri="{FF2B5EF4-FFF2-40B4-BE49-F238E27FC236}">
-                <a16:creationId xmlns:a16="http://schemas.microsoft.com/office/drawing/2014/main" xmlns="" id="{B4D9F552-13FB-4506-AB41-D9127D4AC995}"/>
+                <a16:creationId xmlns="" xmlns:a16="http://schemas.microsoft.com/office/drawing/2014/main" id="{B4D9F552-13FB-4506-AB41-D9127D4AC995}"/>
               </a:ext>
             </a:extLst>
           </p:cNvPr>
@@ -8617,7 +8609,7 @@
           <p:cNvPr id="16" name="직선 연결선 15">
             <a:extLst>
               <a:ext uri="{FF2B5EF4-FFF2-40B4-BE49-F238E27FC236}">
-                <a16:creationId xmlns:a16="http://schemas.microsoft.com/office/drawing/2014/main" xmlns="" id="{A8F8D77A-3187-4AF4-AD2E-FB4918FFFAF2}"/>
+                <a16:creationId xmlns="" xmlns:a16="http://schemas.microsoft.com/office/drawing/2014/main" id="{A8F8D77A-3187-4AF4-AD2E-FB4918FFFAF2}"/>
               </a:ext>
             </a:extLst>
           </p:cNvPr>
@@ -8662,7 +8654,7 @@
           <p:cNvPr id="36" name="원호 35">
             <a:extLst>
               <a:ext uri="{FF2B5EF4-FFF2-40B4-BE49-F238E27FC236}">
-                <a16:creationId xmlns:a16="http://schemas.microsoft.com/office/drawing/2014/main" xmlns="" id="{8067F50F-2B56-41FA-BBBD-DA466ADB1A4C}"/>
+                <a16:creationId xmlns="" xmlns:a16="http://schemas.microsoft.com/office/drawing/2014/main" id="{8067F50F-2B56-41FA-BBBD-DA466ADB1A4C}"/>
               </a:ext>
             </a:extLst>
           </p:cNvPr>
@@ -8713,7 +8705,7 @@
           <p:cNvPr id="35" name="원호 34">
             <a:extLst>
               <a:ext uri="{FF2B5EF4-FFF2-40B4-BE49-F238E27FC236}">
-                <a16:creationId xmlns:a16="http://schemas.microsoft.com/office/drawing/2014/main" xmlns="" id="{559A272C-6A19-4942-B370-03E6B28031A5}"/>
+                <a16:creationId xmlns="" xmlns:a16="http://schemas.microsoft.com/office/drawing/2014/main" id="{559A272C-6A19-4942-B370-03E6B28031A5}"/>
               </a:ext>
             </a:extLst>
           </p:cNvPr>
@@ -8764,7 +8756,7 @@
           <p:cNvPr id="37" name="원호 36">
             <a:extLst>
               <a:ext uri="{FF2B5EF4-FFF2-40B4-BE49-F238E27FC236}">
-                <a16:creationId xmlns:a16="http://schemas.microsoft.com/office/drawing/2014/main" xmlns="" id="{674BE5AF-DA0B-4BB3-9C00-B5639F54D83D}"/>
+                <a16:creationId xmlns="" xmlns:a16="http://schemas.microsoft.com/office/drawing/2014/main" id="{674BE5AF-DA0B-4BB3-9C00-B5639F54D83D}"/>
               </a:ext>
             </a:extLst>
           </p:cNvPr>
@@ -8818,7 +8810,7 @@
           <p:cNvPr id="39" name="타원 38">
             <a:extLst>
               <a:ext uri="{FF2B5EF4-FFF2-40B4-BE49-F238E27FC236}">
-                <a16:creationId xmlns:a16="http://schemas.microsoft.com/office/drawing/2014/main" xmlns="" id="{A99570B1-7DB4-4E43-A58E-57058CA0F54A}"/>
+                <a16:creationId xmlns="" xmlns:a16="http://schemas.microsoft.com/office/drawing/2014/main" id="{A99570B1-7DB4-4E43-A58E-57058CA0F54A}"/>
               </a:ext>
             </a:extLst>
           </p:cNvPr>
@@ -8866,7 +8858,7 @@
           <p:cNvPr id="40" name="타원 39">
             <a:extLst>
               <a:ext uri="{FF2B5EF4-FFF2-40B4-BE49-F238E27FC236}">
-                <a16:creationId xmlns:a16="http://schemas.microsoft.com/office/drawing/2014/main" xmlns="" id="{0F754A08-11C5-4F1A-B637-06012293F1C0}"/>
+                <a16:creationId xmlns="" xmlns:a16="http://schemas.microsoft.com/office/drawing/2014/main" id="{0F754A08-11C5-4F1A-B637-06012293F1C0}"/>
               </a:ext>
             </a:extLst>
           </p:cNvPr>
@@ -8914,7 +8906,7 @@
           <p:cNvPr id="42" name="타원 41">
             <a:extLst>
               <a:ext uri="{FF2B5EF4-FFF2-40B4-BE49-F238E27FC236}">
-                <a16:creationId xmlns:a16="http://schemas.microsoft.com/office/drawing/2014/main" xmlns="" id="{67E205F5-100A-4787-A0AC-5FBCBE2BB09D}"/>
+                <a16:creationId xmlns="" xmlns:a16="http://schemas.microsoft.com/office/drawing/2014/main" id="{67E205F5-100A-4787-A0AC-5FBCBE2BB09D}"/>
               </a:ext>
             </a:extLst>
           </p:cNvPr>
@@ -8962,7 +8954,7 @@
           <p:cNvPr id="81" name="모서리가 둥근 직사각형 2">
             <a:extLst>
               <a:ext uri="{FF2B5EF4-FFF2-40B4-BE49-F238E27FC236}">
-                <a16:creationId xmlns:a16="http://schemas.microsoft.com/office/drawing/2014/main" xmlns="" id="{AFB69950-68B0-473C-955E-3462CC086FC3}"/>
+                <a16:creationId xmlns="" xmlns:a16="http://schemas.microsoft.com/office/drawing/2014/main" id="{AFB69950-68B0-473C-955E-3462CC086FC3}"/>
               </a:ext>
             </a:extLst>
           </p:cNvPr>
@@ -9032,7 +9024,7 @@
           <p:cNvPr id="83" name="모서리가 둥근 직사각형 2">
             <a:extLst>
               <a:ext uri="{FF2B5EF4-FFF2-40B4-BE49-F238E27FC236}">
-                <a16:creationId xmlns:a16="http://schemas.microsoft.com/office/drawing/2014/main" xmlns="" id="{4049B3CA-B289-42C7-882F-5A4083100CFE}"/>
+                <a16:creationId xmlns="" xmlns:a16="http://schemas.microsoft.com/office/drawing/2014/main" id="{4049B3CA-B289-42C7-882F-5A4083100CFE}"/>
               </a:ext>
             </a:extLst>
           </p:cNvPr>
@@ -9103,7 +9095,7 @@
           <p:cNvPr id="41" name="TextBox 40">
             <a:extLst>
               <a:ext uri="{FF2B5EF4-FFF2-40B4-BE49-F238E27FC236}">
-                <a16:creationId xmlns:a16="http://schemas.microsoft.com/office/drawing/2014/main" xmlns="" id="{4C3440A4-D1A8-4C91-83F5-0ECB9206DE21}"/>
+                <a16:creationId xmlns="" xmlns:a16="http://schemas.microsoft.com/office/drawing/2014/main" id="{4C3440A4-D1A8-4C91-83F5-0ECB9206DE21}"/>
               </a:ext>
             </a:extLst>
           </p:cNvPr>
@@ -9141,18 +9133,26 @@
           <a:p>
             <a:pPr algn="ctr"/>
             <a:r>
-              <a:rPr lang="en-US" altLang="ko-KR" sz="1600"/>
-              <a:t>Dst Mac-</a:t>
-            </a:r>
-            <a:r>
-              <a:rPr lang="en-US" altLang="ko-KR" sz="1600">
+              <a:rPr lang="en-US" altLang="ko-KR" sz="1600" dirty="0" err="1"/>
+              <a:t>Dst</a:t>
+            </a:r>
+            <a:r>
+              <a:rPr lang="en-US" altLang="ko-KR" sz="1600" dirty="0"/>
+              <a:t> </a:t>
+            </a:r>
+            <a:r>
+              <a:rPr lang="en-US" altLang="ko-KR" sz="1600" dirty="0" smtClean="0"/>
+              <a:t>MAC-</a:t>
+            </a:r>
+            <a:r>
+              <a:rPr lang="en-US" altLang="ko-KR" sz="1600" dirty="0" smtClean="0">
                 <a:solidFill>
                   <a:srgbClr val="C00000"/>
                 </a:solidFill>
               </a:rPr>
               <a:t>C</a:t>
             </a:r>
-            <a:endParaRPr lang="ko-KR" altLang="en-US" sz="1600">
+            <a:endParaRPr lang="ko-KR" altLang="en-US" sz="1600" dirty="0">
               <a:solidFill>
                 <a:srgbClr val="C00000"/>
               </a:solidFill>
@@ -9165,7 +9165,7 @@
           <p:cNvPr id="76" name="TextBox 75">
             <a:extLst>
               <a:ext uri="{FF2B5EF4-FFF2-40B4-BE49-F238E27FC236}">
-                <a16:creationId xmlns:a16="http://schemas.microsoft.com/office/drawing/2014/main" xmlns="" id="{18737A61-C97F-4007-88AC-84327006DBB3}"/>
+                <a16:creationId xmlns="" xmlns:a16="http://schemas.microsoft.com/office/drawing/2014/main" id="{18737A61-C97F-4007-88AC-84327006DBB3}"/>
               </a:ext>
             </a:extLst>
           </p:cNvPr>
@@ -9215,7 +9215,7 @@
           <p:cNvPr id="77" name="TextBox 76">
             <a:extLst>
               <a:ext uri="{FF2B5EF4-FFF2-40B4-BE49-F238E27FC236}">
-                <a16:creationId xmlns:a16="http://schemas.microsoft.com/office/drawing/2014/main" xmlns="" id="{E40393A5-6DBA-43CE-874F-E1772FFA3982}"/>
+                <a16:creationId xmlns="" xmlns:a16="http://schemas.microsoft.com/office/drawing/2014/main" id="{E40393A5-6DBA-43CE-874F-E1772FFA3982}"/>
               </a:ext>
             </a:extLst>
           </p:cNvPr>
@@ -9253,10 +9253,18 @@
           <a:p>
             <a:pPr algn="ctr"/>
             <a:r>
-              <a:rPr lang="en-US" altLang="ko-KR" sz="1600"/>
-              <a:t>Dst Mac-A</a:t>
-            </a:r>
-            <a:endParaRPr lang="ko-KR" altLang="en-US" sz="1600">
+              <a:rPr lang="en-US" altLang="ko-KR" sz="1600" dirty="0" err="1"/>
+              <a:t>Dst</a:t>
+            </a:r>
+            <a:r>
+              <a:rPr lang="en-US" altLang="ko-KR" sz="1600" dirty="0"/>
+              <a:t> </a:t>
+            </a:r>
+            <a:r>
+              <a:rPr lang="en-US" altLang="ko-KR" sz="1600" dirty="0" smtClean="0"/>
+              <a:t>MAC-A</a:t>
+            </a:r>
+            <a:endParaRPr lang="ko-KR" altLang="en-US" sz="1600" dirty="0">
               <a:solidFill>
                 <a:srgbClr val="C00000"/>
               </a:solidFill>
@@ -9269,7 +9277,7 @@
           <p:cNvPr id="78" name="TextBox 77">
             <a:extLst>
               <a:ext uri="{FF2B5EF4-FFF2-40B4-BE49-F238E27FC236}">
-                <a16:creationId xmlns:a16="http://schemas.microsoft.com/office/drawing/2014/main" xmlns="" id="{09BA3111-575F-4009-B382-09BA499B5802}"/>
+                <a16:creationId xmlns="" xmlns:a16="http://schemas.microsoft.com/office/drawing/2014/main" id="{09BA3111-575F-4009-B382-09BA499B5802}"/>
               </a:ext>
             </a:extLst>
           </p:cNvPr>
@@ -9319,7 +9327,7 @@
           <p:cNvPr id="79" name="TextBox 78">
             <a:extLst>
               <a:ext uri="{FF2B5EF4-FFF2-40B4-BE49-F238E27FC236}">
-                <a16:creationId xmlns:a16="http://schemas.microsoft.com/office/drawing/2014/main" xmlns="" id="{2D7B5FF1-C977-4E6E-969B-D9F212AD8C35}"/>
+                <a16:creationId xmlns="" xmlns:a16="http://schemas.microsoft.com/office/drawing/2014/main" id="{2D7B5FF1-C977-4E6E-969B-D9F212AD8C35}"/>
               </a:ext>
             </a:extLst>
           </p:cNvPr>
@@ -9377,7 +9385,7 @@
           <p:cNvPr id="84" name="TextBox 83">
             <a:extLst>
               <a:ext uri="{FF2B5EF4-FFF2-40B4-BE49-F238E27FC236}">
-                <a16:creationId xmlns:a16="http://schemas.microsoft.com/office/drawing/2014/main" xmlns="" id="{1277CF05-657E-44FE-AA96-41D96DFBBB7A}"/>
+                <a16:creationId xmlns="" xmlns:a16="http://schemas.microsoft.com/office/drawing/2014/main" id="{1277CF05-657E-44FE-AA96-41D96DFBBB7A}"/>
               </a:ext>
             </a:extLst>
           </p:cNvPr>
@@ -9427,7 +9435,7 @@
           <p:cNvPr id="85" name="TextBox 84">
             <a:extLst>
               <a:ext uri="{FF2B5EF4-FFF2-40B4-BE49-F238E27FC236}">
-                <a16:creationId xmlns:a16="http://schemas.microsoft.com/office/drawing/2014/main" xmlns="" id="{5363E6C1-54E1-4304-816F-119F3FE5E191}"/>
+                <a16:creationId xmlns="" xmlns:a16="http://schemas.microsoft.com/office/drawing/2014/main" id="{5363E6C1-54E1-4304-816F-119F3FE5E191}"/>
               </a:ext>
             </a:extLst>
           </p:cNvPr>
@@ -9477,7 +9485,7 @@
           <p:cNvPr id="86" name="직선 연결선 85">
             <a:extLst>
               <a:ext uri="{FF2B5EF4-FFF2-40B4-BE49-F238E27FC236}">
-                <a16:creationId xmlns:a16="http://schemas.microsoft.com/office/drawing/2014/main" xmlns="" id="{1479DC70-7E2D-41D8-A0FD-CF6869060283}"/>
+                <a16:creationId xmlns="" xmlns:a16="http://schemas.microsoft.com/office/drawing/2014/main" id="{1479DC70-7E2D-41D8-A0FD-CF6869060283}"/>
               </a:ext>
             </a:extLst>
           </p:cNvPr>
@@ -9524,7 +9532,7 @@
           <p:cNvPr id="88" name="모서리가 둥근 직사각형 2">
             <a:extLst>
               <a:ext uri="{FF2B5EF4-FFF2-40B4-BE49-F238E27FC236}">
-                <a16:creationId xmlns:a16="http://schemas.microsoft.com/office/drawing/2014/main" xmlns="" id="{F0ADCA8D-2691-43F9-8EFE-AF92F2B41A98}"/>
+                <a16:creationId xmlns="" xmlns:a16="http://schemas.microsoft.com/office/drawing/2014/main" id="{F0ADCA8D-2691-43F9-8EFE-AF92F2B41A98}"/>
               </a:ext>
             </a:extLst>
           </p:cNvPr>
@@ -9562,17 +9570,26 @@
           <a:p>
             <a:pPr algn="ctr"/>
             <a:r>
-              <a:rPr lang="en-US" altLang="ko-KR" sz="1600"/>
-              <a:t>Dst Mac</a:t>
-            </a:r>
-          </a:p>
-          <a:p>
-            <a:pPr algn="ctr"/>
-            <a:r>
-              <a:rPr lang="en-US" altLang="ko-KR" sz="1600"/>
+              <a:rPr lang="en-US" altLang="ko-KR" sz="1600" dirty="0" err="1"/>
+              <a:t>Dst</a:t>
+            </a:r>
+            <a:r>
+              <a:rPr lang="en-US" altLang="ko-KR" sz="1600" dirty="0"/>
+              <a:t> </a:t>
+            </a:r>
+            <a:r>
+              <a:rPr lang="en-US" altLang="ko-KR" sz="1600" dirty="0" smtClean="0"/>
+              <a:t>MAC</a:t>
+            </a:r>
+            <a:endParaRPr lang="en-US" altLang="ko-KR" sz="1600" dirty="0"/>
+          </a:p>
+          <a:p>
+            <a:pPr algn="ctr"/>
+            <a:r>
+              <a:rPr lang="en-US" altLang="ko-KR" sz="1600" dirty="0"/>
               <a:t>Translation</a:t>
             </a:r>
-            <a:endParaRPr lang="ko-KR" altLang="en-US" sz="1600"/>
+            <a:endParaRPr lang="ko-KR" altLang="en-US" sz="1600" dirty="0"/>
           </a:p>
         </p:txBody>
       </p:sp>
@@ -9581,7 +9598,7 @@
           <p:cNvPr id="91" name="타원 90">
             <a:extLst>
               <a:ext uri="{FF2B5EF4-FFF2-40B4-BE49-F238E27FC236}">
-                <a16:creationId xmlns:a16="http://schemas.microsoft.com/office/drawing/2014/main" xmlns="" id="{100ECB68-8B92-4374-83D7-18F2E62BD20D}"/>
+                <a16:creationId xmlns="" xmlns:a16="http://schemas.microsoft.com/office/drawing/2014/main" id="{100ECB68-8B92-4374-83D7-18F2E62BD20D}"/>
               </a:ext>
             </a:extLst>
           </p:cNvPr>
@@ -9629,7 +9646,7 @@
           <p:cNvPr id="92" name="타원 91">
             <a:extLst>
               <a:ext uri="{FF2B5EF4-FFF2-40B4-BE49-F238E27FC236}">
-                <a16:creationId xmlns:a16="http://schemas.microsoft.com/office/drawing/2014/main" xmlns="" id="{55B287E1-3B34-4F48-99CF-D33FDB0167DB}"/>
+                <a16:creationId xmlns="" xmlns:a16="http://schemas.microsoft.com/office/drawing/2014/main" id="{55B287E1-3B34-4F48-99CF-D33FDB0167DB}"/>
               </a:ext>
             </a:extLst>
           </p:cNvPr>
@@ -9677,7 +9694,7 @@
           <p:cNvPr id="94" name="TextBox 93">
             <a:extLst>
               <a:ext uri="{FF2B5EF4-FFF2-40B4-BE49-F238E27FC236}">
-                <a16:creationId xmlns:a16="http://schemas.microsoft.com/office/drawing/2014/main" xmlns="" id="{490AE2BF-BD19-4E22-BF0D-20653C11CBAE}"/>
+                <a16:creationId xmlns="" xmlns:a16="http://schemas.microsoft.com/office/drawing/2014/main" id="{490AE2BF-BD19-4E22-BF0D-20653C11CBAE}"/>
               </a:ext>
             </a:extLst>
           </p:cNvPr>
@@ -9727,7 +9744,7 @@
           <p:cNvPr id="90" name="타원 89">
             <a:extLst>
               <a:ext uri="{FF2B5EF4-FFF2-40B4-BE49-F238E27FC236}">
-                <a16:creationId xmlns:a16="http://schemas.microsoft.com/office/drawing/2014/main" xmlns="" id="{46645BF3-91D4-488D-91F7-E23D8E751ED0}"/>
+                <a16:creationId xmlns="" xmlns:a16="http://schemas.microsoft.com/office/drawing/2014/main" id="{46645BF3-91D4-488D-91F7-E23D8E751ED0}"/>
               </a:ext>
             </a:extLst>
           </p:cNvPr>
@@ -9775,7 +9792,7 @@
           <p:cNvPr id="95" name="TextBox 94">
             <a:extLst>
               <a:ext uri="{FF2B5EF4-FFF2-40B4-BE49-F238E27FC236}">
-                <a16:creationId xmlns:a16="http://schemas.microsoft.com/office/drawing/2014/main" xmlns="" id="{E0A80242-CFDC-44FC-B115-15AE76CA22ED}"/>
+                <a16:creationId xmlns="" xmlns:a16="http://schemas.microsoft.com/office/drawing/2014/main" id="{E0A80242-CFDC-44FC-B115-15AE76CA22ED}"/>
               </a:ext>
             </a:extLst>
           </p:cNvPr>
@@ -9813,10 +9830,18 @@
           <a:p>
             <a:pPr algn="ctr"/>
             <a:r>
-              <a:rPr lang="en-US" altLang="ko-KR" sz="1600"/>
-              <a:t>Dst Mac-Z</a:t>
-            </a:r>
-            <a:endParaRPr lang="ko-KR" altLang="en-US" sz="1600">
+              <a:rPr lang="en-US" altLang="ko-KR" sz="1600" dirty="0" err="1"/>
+              <a:t>Dst</a:t>
+            </a:r>
+            <a:r>
+              <a:rPr lang="en-US" altLang="ko-KR" sz="1600" dirty="0"/>
+              <a:t> </a:t>
+            </a:r>
+            <a:r>
+              <a:rPr lang="en-US" altLang="ko-KR" sz="1600" dirty="0" smtClean="0"/>
+              <a:t>MAC-Z</a:t>
+            </a:r>
+            <a:endParaRPr lang="ko-KR" altLang="en-US" sz="1600" dirty="0">
               <a:solidFill>
                 <a:srgbClr val="C00000"/>
               </a:solidFill>
@@ -9829,7 +9854,7 @@
           <p:cNvPr id="32" name="모서리가 둥근 직사각형 2">
             <a:extLst>
               <a:ext uri="{FF2B5EF4-FFF2-40B4-BE49-F238E27FC236}">
-                <a16:creationId xmlns:a16="http://schemas.microsoft.com/office/drawing/2014/main" xmlns="" id="{E51522A5-E012-4BA0-9E45-BE5FAA283D52}"/>
+                <a16:creationId xmlns="" xmlns:a16="http://schemas.microsoft.com/office/drawing/2014/main" id="{E51522A5-E012-4BA0-9E45-BE5FAA283D52}"/>
               </a:ext>
             </a:extLst>
           </p:cNvPr>
@@ -9886,7 +9911,7 @@
           <p:cNvPr id="33" name="직선 연결선 32">
             <a:extLst>
               <a:ext uri="{FF2B5EF4-FFF2-40B4-BE49-F238E27FC236}">
-                <a16:creationId xmlns:a16="http://schemas.microsoft.com/office/drawing/2014/main" xmlns="" id="{67776A77-90D5-4A5D-9BFD-CC22E8FE9400}"/>
+                <a16:creationId xmlns="" xmlns:a16="http://schemas.microsoft.com/office/drawing/2014/main" id="{67776A77-90D5-4A5D-9BFD-CC22E8FE9400}"/>
               </a:ext>
             </a:extLst>
           </p:cNvPr>
@@ -9933,7 +9958,7 @@
           <p:cNvPr id="38" name="직선 연결선 37">
             <a:extLst>
               <a:ext uri="{FF2B5EF4-FFF2-40B4-BE49-F238E27FC236}">
-                <a16:creationId xmlns:a16="http://schemas.microsoft.com/office/drawing/2014/main" xmlns="" id="{F87DACCD-4751-4C34-A0D9-ABD1B52FDFDF}"/>
+                <a16:creationId xmlns="" xmlns:a16="http://schemas.microsoft.com/office/drawing/2014/main" id="{F87DACCD-4751-4C34-A0D9-ABD1B52FDFDF}"/>
               </a:ext>
             </a:extLst>
           </p:cNvPr>
@@ -10093,7 +10118,7 @@
           <p:cNvPr id="11" name="모서리가 둥근 직사각형 2">
             <a:extLst>
               <a:ext uri="{FF2B5EF4-FFF2-40B4-BE49-F238E27FC236}">
-                <a16:creationId xmlns:a16="http://schemas.microsoft.com/office/drawing/2014/main" xmlns="" id="{16A86181-839F-4D4B-9E21-E84981D9E8F2}"/>
+                <a16:creationId xmlns="" xmlns:a16="http://schemas.microsoft.com/office/drawing/2014/main" id="{16A86181-839F-4D4B-9E21-E84981D9E8F2}"/>
               </a:ext>
             </a:extLst>
           </p:cNvPr>
@@ -10142,7 +10167,7 @@
           <p:cNvPr id="5" name="직선 연결선 4">
             <a:extLst>
               <a:ext uri="{FF2B5EF4-FFF2-40B4-BE49-F238E27FC236}">
-                <a16:creationId xmlns:a16="http://schemas.microsoft.com/office/drawing/2014/main" xmlns="" id="{06BA9E35-AF4F-4861-AF32-930396FA6E06}"/>
+                <a16:creationId xmlns="" xmlns:a16="http://schemas.microsoft.com/office/drawing/2014/main" id="{06BA9E35-AF4F-4861-AF32-930396FA6E06}"/>
               </a:ext>
             </a:extLst>
           </p:cNvPr>
@@ -10187,7 +10212,7 @@
           <p:cNvPr id="17" name="직선 연결선 16">
             <a:extLst>
               <a:ext uri="{FF2B5EF4-FFF2-40B4-BE49-F238E27FC236}">
-                <a16:creationId xmlns:a16="http://schemas.microsoft.com/office/drawing/2014/main" xmlns="" id="{C1FC7741-B395-41FE-83B5-2FD70DED6FD1}"/>
+                <a16:creationId xmlns="" xmlns:a16="http://schemas.microsoft.com/office/drawing/2014/main" id="{C1FC7741-B395-41FE-83B5-2FD70DED6FD1}"/>
               </a:ext>
             </a:extLst>
           </p:cNvPr>
@@ -10232,7 +10257,7 @@
           <p:cNvPr id="22" name="직선 연결선 21">
             <a:extLst>
               <a:ext uri="{FF2B5EF4-FFF2-40B4-BE49-F238E27FC236}">
-                <a16:creationId xmlns:a16="http://schemas.microsoft.com/office/drawing/2014/main" xmlns="" id="{415BEB9E-09A4-4964-BEF2-5F08CC228174}"/>
+                <a16:creationId xmlns="" xmlns:a16="http://schemas.microsoft.com/office/drawing/2014/main" id="{415BEB9E-09A4-4964-BEF2-5F08CC228174}"/>
               </a:ext>
             </a:extLst>
           </p:cNvPr>
@@ -10277,7 +10302,7 @@
           <p:cNvPr id="13" name="모서리가 둥근 직사각형 2">
             <a:extLst>
               <a:ext uri="{FF2B5EF4-FFF2-40B4-BE49-F238E27FC236}">
-                <a16:creationId xmlns:a16="http://schemas.microsoft.com/office/drawing/2014/main" xmlns="" id="{B4D9F552-13FB-4506-AB41-D9127D4AC995}"/>
+                <a16:creationId xmlns="" xmlns:a16="http://schemas.microsoft.com/office/drawing/2014/main" id="{B4D9F552-13FB-4506-AB41-D9127D4AC995}"/>
               </a:ext>
             </a:extLst>
           </p:cNvPr>
@@ -10341,7 +10366,7 @@
           <p:cNvPr id="16" name="직선 연결선 15">
             <a:extLst>
               <a:ext uri="{FF2B5EF4-FFF2-40B4-BE49-F238E27FC236}">
-                <a16:creationId xmlns:a16="http://schemas.microsoft.com/office/drawing/2014/main" xmlns="" id="{A8F8D77A-3187-4AF4-AD2E-FB4918FFFAF2}"/>
+                <a16:creationId xmlns="" xmlns:a16="http://schemas.microsoft.com/office/drawing/2014/main" id="{A8F8D77A-3187-4AF4-AD2E-FB4918FFFAF2}"/>
               </a:ext>
             </a:extLst>
           </p:cNvPr>
@@ -10386,7 +10411,7 @@
           <p:cNvPr id="36" name="원호 35">
             <a:extLst>
               <a:ext uri="{FF2B5EF4-FFF2-40B4-BE49-F238E27FC236}">
-                <a16:creationId xmlns:a16="http://schemas.microsoft.com/office/drawing/2014/main" xmlns="" id="{8067F50F-2B56-41FA-BBBD-DA466ADB1A4C}"/>
+                <a16:creationId xmlns="" xmlns:a16="http://schemas.microsoft.com/office/drawing/2014/main" id="{8067F50F-2B56-41FA-BBBD-DA466ADB1A4C}"/>
               </a:ext>
             </a:extLst>
           </p:cNvPr>
@@ -10437,7 +10462,7 @@
           <p:cNvPr id="35" name="원호 34">
             <a:extLst>
               <a:ext uri="{FF2B5EF4-FFF2-40B4-BE49-F238E27FC236}">
-                <a16:creationId xmlns:a16="http://schemas.microsoft.com/office/drawing/2014/main" xmlns="" id="{559A272C-6A19-4942-B370-03E6B28031A5}"/>
+                <a16:creationId xmlns="" xmlns:a16="http://schemas.microsoft.com/office/drawing/2014/main" id="{559A272C-6A19-4942-B370-03E6B28031A5}"/>
               </a:ext>
             </a:extLst>
           </p:cNvPr>
@@ -10488,7 +10513,7 @@
           <p:cNvPr id="37" name="원호 36">
             <a:extLst>
               <a:ext uri="{FF2B5EF4-FFF2-40B4-BE49-F238E27FC236}">
-                <a16:creationId xmlns:a16="http://schemas.microsoft.com/office/drawing/2014/main" xmlns="" id="{674BE5AF-DA0B-4BB3-9C00-B5639F54D83D}"/>
+                <a16:creationId xmlns="" xmlns:a16="http://schemas.microsoft.com/office/drawing/2014/main" id="{674BE5AF-DA0B-4BB3-9C00-B5639F54D83D}"/>
               </a:ext>
             </a:extLst>
           </p:cNvPr>
@@ -10542,7 +10567,7 @@
           <p:cNvPr id="39" name="타원 38">
             <a:extLst>
               <a:ext uri="{FF2B5EF4-FFF2-40B4-BE49-F238E27FC236}">
-                <a16:creationId xmlns:a16="http://schemas.microsoft.com/office/drawing/2014/main" xmlns="" id="{A99570B1-7DB4-4E43-A58E-57058CA0F54A}"/>
+                <a16:creationId xmlns="" xmlns:a16="http://schemas.microsoft.com/office/drawing/2014/main" id="{A99570B1-7DB4-4E43-A58E-57058CA0F54A}"/>
               </a:ext>
             </a:extLst>
           </p:cNvPr>
@@ -10590,7 +10615,7 @@
           <p:cNvPr id="40" name="타원 39">
             <a:extLst>
               <a:ext uri="{FF2B5EF4-FFF2-40B4-BE49-F238E27FC236}">
-                <a16:creationId xmlns:a16="http://schemas.microsoft.com/office/drawing/2014/main" xmlns="" id="{0F754A08-11C5-4F1A-B637-06012293F1C0}"/>
+                <a16:creationId xmlns="" xmlns:a16="http://schemas.microsoft.com/office/drawing/2014/main" id="{0F754A08-11C5-4F1A-B637-06012293F1C0}"/>
               </a:ext>
             </a:extLst>
           </p:cNvPr>
@@ -10638,7 +10663,7 @@
           <p:cNvPr id="42" name="타원 41">
             <a:extLst>
               <a:ext uri="{FF2B5EF4-FFF2-40B4-BE49-F238E27FC236}">
-                <a16:creationId xmlns:a16="http://schemas.microsoft.com/office/drawing/2014/main" xmlns="" id="{67E205F5-100A-4787-A0AC-5FBCBE2BB09D}"/>
+                <a16:creationId xmlns="" xmlns:a16="http://schemas.microsoft.com/office/drawing/2014/main" id="{67E205F5-100A-4787-A0AC-5FBCBE2BB09D}"/>
               </a:ext>
             </a:extLst>
           </p:cNvPr>
@@ -10686,7 +10711,7 @@
           <p:cNvPr id="81" name="모서리가 둥근 직사각형 2">
             <a:extLst>
               <a:ext uri="{FF2B5EF4-FFF2-40B4-BE49-F238E27FC236}">
-                <a16:creationId xmlns:a16="http://schemas.microsoft.com/office/drawing/2014/main" xmlns="" id="{AFB69950-68B0-473C-955E-3462CC086FC3}"/>
+                <a16:creationId xmlns="" xmlns:a16="http://schemas.microsoft.com/office/drawing/2014/main" id="{AFB69950-68B0-473C-955E-3462CC086FC3}"/>
               </a:ext>
             </a:extLst>
           </p:cNvPr>
@@ -10756,7 +10781,7 @@
           <p:cNvPr id="83" name="모서리가 둥근 직사각형 2">
             <a:extLst>
               <a:ext uri="{FF2B5EF4-FFF2-40B4-BE49-F238E27FC236}">
-                <a16:creationId xmlns:a16="http://schemas.microsoft.com/office/drawing/2014/main" xmlns="" id="{4049B3CA-B289-42C7-882F-5A4083100CFE}"/>
+                <a16:creationId xmlns="" xmlns:a16="http://schemas.microsoft.com/office/drawing/2014/main" id="{4049B3CA-B289-42C7-882F-5A4083100CFE}"/>
               </a:ext>
             </a:extLst>
           </p:cNvPr>
@@ -10826,7 +10851,7 @@
           <p:cNvPr id="41" name="TextBox 40">
             <a:extLst>
               <a:ext uri="{FF2B5EF4-FFF2-40B4-BE49-F238E27FC236}">
-                <a16:creationId xmlns:a16="http://schemas.microsoft.com/office/drawing/2014/main" xmlns="" id="{4C3440A4-D1A8-4C91-83F5-0ECB9206DE21}"/>
+                <a16:creationId xmlns="" xmlns:a16="http://schemas.microsoft.com/office/drawing/2014/main" id="{4C3440A4-D1A8-4C91-83F5-0ECB9206DE21}"/>
               </a:ext>
             </a:extLst>
           </p:cNvPr>
@@ -10888,7 +10913,7 @@
           <p:cNvPr id="76" name="TextBox 75">
             <a:extLst>
               <a:ext uri="{FF2B5EF4-FFF2-40B4-BE49-F238E27FC236}">
-                <a16:creationId xmlns:a16="http://schemas.microsoft.com/office/drawing/2014/main" xmlns="" id="{18737A61-C97F-4007-88AC-84327006DBB3}"/>
+                <a16:creationId xmlns="" xmlns:a16="http://schemas.microsoft.com/office/drawing/2014/main" id="{18737A61-C97F-4007-88AC-84327006DBB3}"/>
               </a:ext>
             </a:extLst>
           </p:cNvPr>
@@ -10938,7 +10963,7 @@
           <p:cNvPr id="77" name="TextBox 76">
             <a:extLst>
               <a:ext uri="{FF2B5EF4-FFF2-40B4-BE49-F238E27FC236}">
-                <a16:creationId xmlns:a16="http://schemas.microsoft.com/office/drawing/2014/main" xmlns="" id="{E40393A5-6DBA-43CE-874F-E1772FFA3982}"/>
+                <a16:creationId xmlns="" xmlns:a16="http://schemas.microsoft.com/office/drawing/2014/main" id="{E40393A5-6DBA-43CE-874F-E1772FFA3982}"/>
               </a:ext>
             </a:extLst>
           </p:cNvPr>
@@ -10992,7 +11017,7 @@
           <p:cNvPr id="78" name="TextBox 77">
             <a:extLst>
               <a:ext uri="{FF2B5EF4-FFF2-40B4-BE49-F238E27FC236}">
-                <a16:creationId xmlns:a16="http://schemas.microsoft.com/office/drawing/2014/main" xmlns="" id="{09BA3111-575F-4009-B382-09BA499B5802}"/>
+                <a16:creationId xmlns="" xmlns:a16="http://schemas.microsoft.com/office/drawing/2014/main" id="{09BA3111-575F-4009-B382-09BA499B5802}"/>
               </a:ext>
             </a:extLst>
           </p:cNvPr>
@@ -11042,7 +11067,7 @@
           <p:cNvPr id="79" name="TextBox 78">
             <a:extLst>
               <a:ext uri="{FF2B5EF4-FFF2-40B4-BE49-F238E27FC236}">
-                <a16:creationId xmlns:a16="http://schemas.microsoft.com/office/drawing/2014/main" xmlns="" id="{2D7B5FF1-C977-4E6E-969B-D9F212AD8C35}"/>
+                <a16:creationId xmlns="" xmlns:a16="http://schemas.microsoft.com/office/drawing/2014/main" id="{2D7B5FF1-C977-4E6E-969B-D9F212AD8C35}"/>
               </a:ext>
             </a:extLst>
           </p:cNvPr>
@@ -11108,7 +11133,7 @@
           <p:cNvPr id="86" name="직선 연결선 85">
             <a:extLst>
               <a:ext uri="{FF2B5EF4-FFF2-40B4-BE49-F238E27FC236}">
-                <a16:creationId xmlns:a16="http://schemas.microsoft.com/office/drawing/2014/main" xmlns="" id="{1479DC70-7E2D-41D8-A0FD-CF6869060283}"/>
+                <a16:creationId xmlns="" xmlns:a16="http://schemas.microsoft.com/office/drawing/2014/main" id="{1479DC70-7E2D-41D8-A0FD-CF6869060283}"/>
               </a:ext>
             </a:extLst>
           </p:cNvPr>
@@ -11155,7 +11180,7 @@
           <p:cNvPr id="88" name="모서리가 둥근 직사각형 2">
             <a:extLst>
               <a:ext uri="{FF2B5EF4-FFF2-40B4-BE49-F238E27FC236}">
-                <a16:creationId xmlns:a16="http://schemas.microsoft.com/office/drawing/2014/main" xmlns="" id="{F0ADCA8D-2691-43F9-8EFE-AF92F2B41A98}"/>
+                <a16:creationId xmlns="" xmlns:a16="http://schemas.microsoft.com/office/drawing/2014/main" id="{F0ADCA8D-2691-43F9-8EFE-AF92F2B41A98}"/>
               </a:ext>
             </a:extLst>
           </p:cNvPr>
@@ -11212,7 +11237,7 @@
           <p:cNvPr id="91" name="타원 90">
             <a:extLst>
               <a:ext uri="{FF2B5EF4-FFF2-40B4-BE49-F238E27FC236}">
-                <a16:creationId xmlns:a16="http://schemas.microsoft.com/office/drawing/2014/main" xmlns="" id="{100ECB68-8B92-4374-83D7-18F2E62BD20D}"/>
+                <a16:creationId xmlns="" xmlns:a16="http://schemas.microsoft.com/office/drawing/2014/main" id="{100ECB68-8B92-4374-83D7-18F2E62BD20D}"/>
               </a:ext>
             </a:extLst>
           </p:cNvPr>
@@ -11260,7 +11285,7 @@
           <p:cNvPr id="94" name="TextBox 93">
             <a:extLst>
               <a:ext uri="{FF2B5EF4-FFF2-40B4-BE49-F238E27FC236}">
-                <a16:creationId xmlns:a16="http://schemas.microsoft.com/office/drawing/2014/main" xmlns="" id="{490AE2BF-BD19-4E22-BF0D-20653C11CBAE}"/>
+                <a16:creationId xmlns="" xmlns:a16="http://schemas.microsoft.com/office/drawing/2014/main" id="{490AE2BF-BD19-4E22-BF0D-20653C11CBAE}"/>
               </a:ext>
             </a:extLst>
           </p:cNvPr>
@@ -11310,7 +11335,7 @@
           <p:cNvPr id="90" name="타원 89">
             <a:extLst>
               <a:ext uri="{FF2B5EF4-FFF2-40B4-BE49-F238E27FC236}">
-                <a16:creationId xmlns:a16="http://schemas.microsoft.com/office/drawing/2014/main" xmlns="" id="{46645BF3-91D4-488D-91F7-E23D8E751ED0}"/>
+                <a16:creationId xmlns="" xmlns:a16="http://schemas.microsoft.com/office/drawing/2014/main" id="{46645BF3-91D4-488D-91F7-E23D8E751ED0}"/>
               </a:ext>
             </a:extLst>
           </p:cNvPr>
@@ -11358,7 +11383,7 @@
           <p:cNvPr id="34" name="모서리가 둥근 직사각형 2">
             <a:extLst>
               <a:ext uri="{FF2B5EF4-FFF2-40B4-BE49-F238E27FC236}">
-                <a16:creationId xmlns:a16="http://schemas.microsoft.com/office/drawing/2014/main" xmlns="" id="{4FB59714-732C-4DC0-848C-5E32F3B4EECA}"/>
+                <a16:creationId xmlns="" xmlns:a16="http://schemas.microsoft.com/office/drawing/2014/main" id="{4FB59714-732C-4DC0-848C-5E32F3B4EECA}"/>
               </a:ext>
             </a:extLst>
           </p:cNvPr>
@@ -11425,7 +11450,7 @@
           <p:cNvPr id="38" name="TextBox 37">
             <a:extLst>
               <a:ext uri="{FF2B5EF4-FFF2-40B4-BE49-F238E27FC236}">
-                <a16:creationId xmlns:a16="http://schemas.microsoft.com/office/drawing/2014/main" xmlns="" id="{BEE9224B-F1C0-4CFD-8591-94B65335CACC}"/>
+                <a16:creationId xmlns="" xmlns:a16="http://schemas.microsoft.com/office/drawing/2014/main" id="{BEE9224B-F1C0-4CFD-8591-94B65335CACC}"/>
               </a:ext>
             </a:extLst>
           </p:cNvPr>
@@ -11483,7 +11508,7 @@
           <p:cNvPr id="45" name="TextBox 44">
             <a:extLst>
               <a:ext uri="{FF2B5EF4-FFF2-40B4-BE49-F238E27FC236}">
-                <a16:creationId xmlns:a16="http://schemas.microsoft.com/office/drawing/2014/main" xmlns="" id="{331764E4-B047-4B67-8F18-BBABEB5AB761}"/>
+                <a16:creationId xmlns="" xmlns:a16="http://schemas.microsoft.com/office/drawing/2014/main" id="{331764E4-B047-4B67-8F18-BBABEB5AB761}"/>
               </a:ext>
             </a:extLst>
           </p:cNvPr>
@@ -11533,7 +11558,7 @@
           <p:cNvPr id="46" name="TextBox 45">
             <a:extLst>
               <a:ext uri="{FF2B5EF4-FFF2-40B4-BE49-F238E27FC236}">
-                <a16:creationId xmlns:a16="http://schemas.microsoft.com/office/drawing/2014/main" xmlns="" id="{EE9DB8FF-7A3D-4A4E-AABA-9743C1E64FE8}"/>
+                <a16:creationId xmlns="" xmlns:a16="http://schemas.microsoft.com/office/drawing/2014/main" id="{EE9DB8FF-7A3D-4A4E-AABA-9743C1E64FE8}"/>
               </a:ext>
             </a:extLst>
           </p:cNvPr>
@@ -11595,7 +11620,7 @@
           <p:cNvPr id="49" name="타원 48">
             <a:extLst>
               <a:ext uri="{FF2B5EF4-FFF2-40B4-BE49-F238E27FC236}">
-                <a16:creationId xmlns:a16="http://schemas.microsoft.com/office/drawing/2014/main" xmlns="" id="{FB822E29-2654-468A-ACFC-00B7DEB0EE00}"/>
+                <a16:creationId xmlns="" xmlns:a16="http://schemas.microsoft.com/office/drawing/2014/main" id="{FB822E29-2654-468A-ACFC-00B7DEB0EE00}"/>
               </a:ext>
             </a:extLst>
           </p:cNvPr>
@@ -11643,7 +11668,7 @@
           <p:cNvPr id="43" name="직선 연결선 42">
             <a:extLst>
               <a:ext uri="{FF2B5EF4-FFF2-40B4-BE49-F238E27FC236}">
-                <a16:creationId xmlns:a16="http://schemas.microsoft.com/office/drawing/2014/main" xmlns="" id="{FBC15674-B949-44ED-9364-6EC750AF2282}"/>
+                <a16:creationId xmlns="" xmlns:a16="http://schemas.microsoft.com/office/drawing/2014/main" id="{FBC15674-B949-44ED-9364-6EC750AF2282}"/>
               </a:ext>
             </a:extLst>
           </p:cNvPr>
@@ -11690,7 +11715,7 @@
           <p:cNvPr id="44" name="직선 연결선 43">
             <a:extLst>
               <a:ext uri="{FF2B5EF4-FFF2-40B4-BE49-F238E27FC236}">
-                <a16:creationId xmlns:a16="http://schemas.microsoft.com/office/drawing/2014/main" xmlns="" id="{41DD8F28-4F46-4B5C-AD22-377DE3377C85}"/>
+                <a16:creationId xmlns="" xmlns:a16="http://schemas.microsoft.com/office/drawing/2014/main" id="{41DD8F28-4F46-4B5C-AD22-377DE3377C85}"/>
               </a:ext>
             </a:extLst>
           </p:cNvPr>
@@ -11735,7 +11760,7 @@
           <p:cNvPr id="47" name="모서리가 둥근 직사각형 2">
             <a:extLst>
               <a:ext uri="{FF2B5EF4-FFF2-40B4-BE49-F238E27FC236}">
-                <a16:creationId xmlns:a16="http://schemas.microsoft.com/office/drawing/2014/main" xmlns="" id="{CCC2D16E-9EDF-49D6-BCC6-F40BCCC7A387}"/>
+                <a16:creationId xmlns="" xmlns:a16="http://schemas.microsoft.com/office/drawing/2014/main" id="{CCC2D16E-9EDF-49D6-BCC6-F40BCCC7A387}"/>
               </a:ext>
             </a:extLst>
           </p:cNvPr>
@@ -11905,7 +11930,7 @@
           <p:cNvPr id="11" name="모서리가 둥근 직사각형 2">
             <a:extLst>
               <a:ext uri="{FF2B5EF4-FFF2-40B4-BE49-F238E27FC236}">
-                <a16:creationId xmlns:a16="http://schemas.microsoft.com/office/drawing/2014/main" xmlns="" id="{16A86181-839F-4D4B-9E21-E84981D9E8F2}"/>
+                <a16:creationId xmlns="" xmlns:a16="http://schemas.microsoft.com/office/drawing/2014/main" id="{16A86181-839F-4D4B-9E21-E84981D9E8F2}"/>
               </a:ext>
             </a:extLst>
           </p:cNvPr>
@@ -11954,7 +11979,7 @@
           <p:cNvPr id="5" name="직선 연결선 4">
             <a:extLst>
               <a:ext uri="{FF2B5EF4-FFF2-40B4-BE49-F238E27FC236}">
-                <a16:creationId xmlns:a16="http://schemas.microsoft.com/office/drawing/2014/main" xmlns="" id="{06BA9E35-AF4F-4861-AF32-930396FA6E06}"/>
+                <a16:creationId xmlns="" xmlns:a16="http://schemas.microsoft.com/office/drawing/2014/main" id="{06BA9E35-AF4F-4861-AF32-930396FA6E06}"/>
               </a:ext>
             </a:extLst>
           </p:cNvPr>
@@ -11999,7 +12024,7 @@
           <p:cNvPr id="17" name="직선 연결선 16">
             <a:extLst>
               <a:ext uri="{FF2B5EF4-FFF2-40B4-BE49-F238E27FC236}">
-                <a16:creationId xmlns:a16="http://schemas.microsoft.com/office/drawing/2014/main" xmlns="" id="{C1FC7741-B395-41FE-83B5-2FD70DED6FD1}"/>
+                <a16:creationId xmlns="" xmlns:a16="http://schemas.microsoft.com/office/drawing/2014/main" id="{C1FC7741-B395-41FE-83B5-2FD70DED6FD1}"/>
               </a:ext>
             </a:extLst>
           </p:cNvPr>
@@ -12044,7 +12069,7 @@
           <p:cNvPr id="22" name="직선 연결선 21">
             <a:extLst>
               <a:ext uri="{FF2B5EF4-FFF2-40B4-BE49-F238E27FC236}">
-                <a16:creationId xmlns:a16="http://schemas.microsoft.com/office/drawing/2014/main" xmlns="" id="{415BEB9E-09A4-4964-BEF2-5F08CC228174}"/>
+                <a16:creationId xmlns="" xmlns:a16="http://schemas.microsoft.com/office/drawing/2014/main" id="{415BEB9E-09A4-4964-BEF2-5F08CC228174}"/>
               </a:ext>
             </a:extLst>
           </p:cNvPr>
@@ -12089,7 +12114,7 @@
           <p:cNvPr id="13" name="모서리가 둥근 직사각형 2">
             <a:extLst>
               <a:ext uri="{FF2B5EF4-FFF2-40B4-BE49-F238E27FC236}">
-                <a16:creationId xmlns:a16="http://schemas.microsoft.com/office/drawing/2014/main" xmlns="" id="{B4D9F552-13FB-4506-AB41-D9127D4AC995}"/>
+                <a16:creationId xmlns="" xmlns:a16="http://schemas.microsoft.com/office/drawing/2014/main" id="{B4D9F552-13FB-4506-AB41-D9127D4AC995}"/>
               </a:ext>
             </a:extLst>
           </p:cNvPr>
@@ -12153,7 +12178,7 @@
           <p:cNvPr id="16" name="직선 연결선 15">
             <a:extLst>
               <a:ext uri="{FF2B5EF4-FFF2-40B4-BE49-F238E27FC236}">
-                <a16:creationId xmlns:a16="http://schemas.microsoft.com/office/drawing/2014/main" xmlns="" id="{A8F8D77A-3187-4AF4-AD2E-FB4918FFFAF2}"/>
+                <a16:creationId xmlns="" xmlns:a16="http://schemas.microsoft.com/office/drawing/2014/main" id="{A8F8D77A-3187-4AF4-AD2E-FB4918FFFAF2}"/>
               </a:ext>
             </a:extLst>
           </p:cNvPr>
@@ -12198,7 +12223,7 @@
           <p:cNvPr id="35" name="원호 34">
             <a:extLst>
               <a:ext uri="{FF2B5EF4-FFF2-40B4-BE49-F238E27FC236}">
-                <a16:creationId xmlns:a16="http://schemas.microsoft.com/office/drawing/2014/main" xmlns="" id="{559A272C-6A19-4942-B370-03E6B28031A5}"/>
+                <a16:creationId xmlns="" xmlns:a16="http://schemas.microsoft.com/office/drawing/2014/main" id="{559A272C-6A19-4942-B370-03E6B28031A5}"/>
               </a:ext>
             </a:extLst>
           </p:cNvPr>
@@ -12249,7 +12274,7 @@
           <p:cNvPr id="39" name="타원 38">
             <a:extLst>
               <a:ext uri="{FF2B5EF4-FFF2-40B4-BE49-F238E27FC236}">
-                <a16:creationId xmlns:a16="http://schemas.microsoft.com/office/drawing/2014/main" xmlns="" id="{A99570B1-7DB4-4E43-A58E-57058CA0F54A}"/>
+                <a16:creationId xmlns="" xmlns:a16="http://schemas.microsoft.com/office/drawing/2014/main" id="{A99570B1-7DB4-4E43-A58E-57058CA0F54A}"/>
               </a:ext>
             </a:extLst>
           </p:cNvPr>
@@ -12297,7 +12322,7 @@
           <p:cNvPr id="81" name="모서리가 둥근 직사각형 2">
             <a:extLst>
               <a:ext uri="{FF2B5EF4-FFF2-40B4-BE49-F238E27FC236}">
-                <a16:creationId xmlns:a16="http://schemas.microsoft.com/office/drawing/2014/main" xmlns="" id="{AFB69950-68B0-473C-955E-3462CC086FC3}"/>
+                <a16:creationId xmlns="" xmlns:a16="http://schemas.microsoft.com/office/drawing/2014/main" id="{AFB69950-68B0-473C-955E-3462CC086FC3}"/>
               </a:ext>
             </a:extLst>
           </p:cNvPr>
@@ -12367,7 +12392,7 @@
           <p:cNvPr id="83" name="모서리가 둥근 직사각형 2">
             <a:extLst>
               <a:ext uri="{FF2B5EF4-FFF2-40B4-BE49-F238E27FC236}">
-                <a16:creationId xmlns:a16="http://schemas.microsoft.com/office/drawing/2014/main" xmlns="" id="{4049B3CA-B289-42C7-882F-5A4083100CFE}"/>
+                <a16:creationId xmlns="" xmlns:a16="http://schemas.microsoft.com/office/drawing/2014/main" id="{4049B3CA-B289-42C7-882F-5A4083100CFE}"/>
               </a:ext>
             </a:extLst>
           </p:cNvPr>
@@ -12437,7 +12462,7 @@
           <p:cNvPr id="41" name="TextBox 40">
             <a:extLst>
               <a:ext uri="{FF2B5EF4-FFF2-40B4-BE49-F238E27FC236}">
-                <a16:creationId xmlns:a16="http://schemas.microsoft.com/office/drawing/2014/main" xmlns="" id="{4C3440A4-D1A8-4C91-83F5-0ECB9206DE21}"/>
+                <a16:creationId xmlns="" xmlns:a16="http://schemas.microsoft.com/office/drawing/2014/main" id="{4C3440A4-D1A8-4C91-83F5-0ECB9206DE21}"/>
               </a:ext>
             </a:extLst>
           </p:cNvPr>
@@ -12495,7 +12520,7 @@
           <p:cNvPr id="76" name="TextBox 75">
             <a:extLst>
               <a:ext uri="{FF2B5EF4-FFF2-40B4-BE49-F238E27FC236}">
-                <a16:creationId xmlns:a16="http://schemas.microsoft.com/office/drawing/2014/main" xmlns="" id="{18737A61-C97F-4007-88AC-84327006DBB3}"/>
+                <a16:creationId xmlns="" xmlns:a16="http://schemas.microsoft.com/office/drawing/2014/main" id="{18737A61-C97F-4007-88AC-84327006DBB3}"/>
               </a:ext>
             </a:extLst>
           </p:cNvPr>
@@ -12545,7 +12570,7 @@
           <p:cNvPr id="78" name="TextBox 77">
             <a:extLst>
               <a:ext uri="{FF2B5EF4-FFF2-40B4-BE49-F238E27FC236}">
-                <a16:creationId xmlns:a16="http://schemas.microsoft.com/office/drawing/2014/main" xmlns="" id="{09BA3111-575F-4009-B382-09BA499B5802}"/>
+                <a16:creationId xmlns="" xmlns:a16="http://schemas.microsoft.com/office/drawing/2014/main" id="{09BA3111-575F-4009-B382-09BA499B5802}"/>
               </a:ext>
             </a:extLst>
           </p:cNvPr>
@@ -12603,7 +12628,7 @@
           <p:cNvPr id="79" name="TextBox 78">
             <a:extLst>
               <a:ext uri="{FF2B5EF4-FFF2-40B4-BE49-F238E27FC236}">
-                <a16:creationId xmlns:a16="http://schemas.microsoft.com/office/drawing/2014/main" xmlns="" id="{2D7B5FF1-C977-4E6E-969B-D9F212AD8C35}"/>
+                <a16:creationId xmlns="" xmlns:a16="http://schemas.microsoft.com/office/drawing/2014/main" id="{2D7B5FF1-C977-4E6E-969B-D9F212AD8C35}"/>
               </a:ext>
             </a:extLst>
           </p:cNvPr>
@@ -12661,7 +12686,7 @@
           <p:cNvPr id="86" name="직선 연결선 85">
             <a:extLst>
               <a:ext uri="{FF2B5EF4-FFF2-40B4-BE49-F238E27FC236}">
-                <a16:creationId xmlns:a16="http://schemas.microsoft.com/office/drawing/2014/main" xmlns="" id="{1479DC70-7E2D-41D8-A0FD-CF6869060283}"/>
+                <a16:creationId xmlns="" xmlns:a16="http://schemas.microsoft.com/office/drawing/2014/main" id="{1479DC70-7E2D-41D8-A0FD-CF6869060283}"/>
               </a:ext>
             </a:extLst>
           </p:cNvPr>
@@ -12707,7 +12732,7 @@
           <p:cNvPr id="88" name="모서리가 둥근 직사각형 2">
             <a:extLst>
               <a:ext uri="{FF2B5EF4-FFF2-40B4-BE49-F238E27FC236}">
-                <a16:creationId xmlns:a16="http://schemas.microsoft.com/office/drawing/2014/main" xmlns="" id="{F0ADCA8D-2691-43F9-8EFE-AF92F2B41A98}"/>
+                <a16:creationId xmlns="" xmlns:a16="http://schemas.microsoft.com/office/drawing/2014/main" id="{F0ADCA8D-2691-43F9-8EFE-AF92F2B41A98}"/>
               </a:ext>
             </a:extLst>
           </p:cNvPr>
@@ -12757,7 +12782,7 @@
           <p:cNvPr id="91" name="타원 90">
             <a:extLst>
               <a:ext uri="{FF2B5EF4-FFF2-40B4-BE49-F238E27FC236}">
-                <a16:creationId xmlns:a16="http://schemas.microsoft.com/office/drawing/2014/main" xmlns="" id="{100ECB68-8B92-4374-83D7-18F2E62BD20D}"/>
+                <a16:creationId xmlns="" xmlns:a16="http://schemas.microsoft.com/office/drawing/2014/main" id="{100ECB68-8B92-4374-83D7-18F2E62BD20D}"/>
               </a:ext>
             </a:extLst>
           </p:cNvPr>
@@ -12805,7 +12830,7 @@
           <p:cNvPr id="94" name="TextBox 93">
             <a:extLst>
               <a:ext uri="{FF2B5EF4-FFF2-40B4-BE49-F238E27FC236}">
-                <a16:creationId xmlns:a16="http://schemas.microsoft.com/office/drawing/2014/main" xmlns="" id="{490AE2BF-BD19-4E22-BF0D-20653C11CBAE}"/>
+                <a16:creationId xmlns="" xmlns:a16="http://schemas.microsoft.com/office/drawing/2014/main" id="{490AE2BF-BD19-4E22-BF0D-20653C11CBAE}"/>
               </a:ext>
             </a:extLst>
           </p:cNvPr>
@@ -12855,7 +12880,7 @@
           <p:cNvPr id="90" name="타원 89">
             <a:extLst>
               <a:ext uri="{FF2B5EF4-FFF2-40B4-BE49-F238E27FC236}">
-                <a16:creationId xmlns:a16="http://schemas.microsoft.com/office/drawing/2014/main" xmlns="" id="{46645BF3-91D4-488D-91F7-E23D8E751ED0}"/>
+                <a16:creationId xmlns="" xmlns:a16="http://schemas.microsoft.com/office/drawing/2014/main" id="{46645BF3-91D4-488D-91F7-E23D8E751ED0}"/>
               </a:ext>
             </a:extLst>
           </p:cNvPr>
@@ -12903,7 +12928,7 @@
           <p:cNvPr id="34" name="모서리가 둥근 직사각형 2">
             <a:extLst>
               <a:ext uri="{FF2B5EF4-FFF2-40B4-BE49-F238E27FC236}">
-                <a16:creationId xmlns:a16="http://schemas.microsoft.com/office/drawing/2014/main" xmlns="" id="{4FB59714-732C-4DC0-848C-5E32F3B4EECA}"/>
+                <a16:creationId xmlns="" xmlns:a16="http://schemas.microsoft.com/office/drawing/2014/main" id="{4FB59714-732C-4DC0-848C-5E32F3B4EECA}"/>
               </a:ext>
             </a:extLst>
           </p:cNvPr>
@@ -12970,7 +12995,7 @@
           <p:cNvPr id="45" name="TextBox 44">
             <a:extLst>
               <a:ext uri="{FF2B5EF4-FFF2-40B4-BE49-F238E27FC236}">
-                <a16:creationId xmlns:a16="http://schemas.microsoft.com/office/drawing/2014/main" xmlns="" id="{331764E4-B047-4B67-8F18-BBABEB5AB761}"/>
+                <a16:creationId xmlns="" xmlns:a16="http://schemas.microsoft.com/office/drawing/2014/main" id="{331764E4-B047-4B67-8F18-BBABEB5AB761}"/>
               </a:ext>
             </a:extLst>
           </p:cNvPr>
@@ -13020,7 +13045,7 @@
           <p:cNvPr id="46" name="TextBox 45">
             <a:extLst>
               <a:ext uri="{FF2B5EF4-FFF2-40B4-BE49-F238E27FC236}">
-                <a16:creationId xmlns:a16="http://schemas.microsoft.com/office/drawing/2014/main" xmlns="" id="{EE9DB8FF-7A3D-4A4E-AABA-9743C1E64FE8}"/>
+                <a16:creationId xmlns="" xmlns:a16="http://schemas.microsoft.com/office/drawing/2014/main" id="{EE9DB8FF-7A3D-4A4E-AABA-9743C1E64FE8}"/>
               </a:ext>
             </a:extLst>
           </p:cNvPr>
@@ -13082,7 +13107,7 @@
           <p:cNvPr id="49" name="타원 48">
             <a:extLst>
               <a:ext uri="{FF2B5EF4-FFF2-40B4-BE49-F238E27FC236}">
-                <a16:creationId xmlns:a16="http://schemas.microsoft.com/office/drawing/2014/main" xmlns="" id="{FB822E29-2654-468A-ACFC-00B7DEB0EE00}"/>
+                <a16:creationId xmlns="" xmlns:a16="http://schemas.microsoft.com/office/drawing/2014/main" id="{FB822E29-2654-468A-ACFC-00B7DEB0EE00}"/>
               </a:ext>
             </a:extLst>
           </p:cNvPr>
@@ -13130,7 +13155,7 @@
           <p:cNvPr id="4" name="원통형 3">
             <a:extLst>
               <a:ext uri="{FF2B5EF4-FFF2-40B4-BE49-F238E27FC236}">
-                <a16:creationId xmlns:a16="http://schemas.microsoft.com/office/drawing/2014/main" xmlns="" id="{54DEECD0-043A-459E-85BC-C218948BA83F}"/>
+                <a16:creationId xmlns="" xmlns:a16="http://schemas.microsoft.com/office/drawing/2014/main" id="{54DEECD0-043A-459E-85BC-C218948BA83F}"/>
               </a:ext>
             </a:extLst>
           </p:cNvPr>
@@ -13176,7 +13201,7 @@
           <p:cNvPr id="43" name="원통형 42">
             <a:extLst>
               <a:ext uri="{FF2B5EF4-FFF2-40B4-BE49-F238E27FC236}">
-                <a16:creationId xmlns:a16="http://schemas.microsoft.com/office/drawing/2014/main" xmlns="" id="{EC086770-0CC0-4514-B96C-CE82E68E3CF0}"/>
+                <a16:creationId xmlns="" xmlns:a16="http://schemas.microsoft.com/office/drawing/2014/main" id="{EC086770-0CC0-4514-B96C-CE82E68E3CF0}"/>
               </a:ext>
             </a:extLst>
           </p:cNvPr>
@@ -13222,7 +13247,7 @@
           <p:cNvPr id="44" name="원통형 43">
             <a:extLst>
               <a:ext uri="{FF2B5EF4-FFF2-40B4-BE49-F238E27FC236}">
-                <a16:creationId xmlns:a16="http://schemas.microsoft.com/office/drawing/2014/main" xmlns="" id="{28328395-AB82-4A07-AB48-C2AC7F2122ED}"/>
+                <a16:creationId xmlns="" xmlns:a16="http://schemas.microsoft.com/office/drawing/2014/main" id="{28328395-AB82-4A07-AB48-C2AC7F2122ED}"/>
               </a:ext>
             </a:extLst>
           </p:cNvPr>
@@ -13268,7 +13293,7 @@
           <p:cNvPr id="47" name="원통형 46">
             <a:extLst>
               <a:ext uri="{FF2B5EF4-FFF2-40B4-BE49-F238E27FC236}">
-                <a16:creationId xmlns:a16="http://schemas.microsoft.com/office/drawing/2014/main" xmlns="" id="{FD0F6616-1B79-44B7-A319-BAF53BE51FFC}"/>
+                <a16:creationId xmlns="" xmlns:a16="http://schemas.microsoft.com/office/drawing/2014/main" id="{FD0F6616-1B79-44B7-A319-BAF53BE51FFC}"/>
               </a:ext>
             </a:extLst>
           </p:cNvPr>
@@ -13314,7 +13339,7 @@
           <p:cNvPr id="36" name="원호 35">
             <a:extLst>
               <a:ext uri="{FF2B5EF4-FFF2-40B4-BE49-F238E27FC236}">
-                <a16:creationId xmlns:a16="http://schemas.microsoft.com/office/drawing/2014/main" xmlns="" id="{8067F50F-2B56-41FA-BBBD-DA466ADB1A4C}"/>
+                <a16:creationId xmlns="" xmlns:a16="http://schemas.microsoft.com/office/drawing/2014/main" id="{8067F50F-2B56-41FA-BBBD-DA466ADB1A4C}"/>
               </a:ext>
             </a:extLst>
           </p:cNvPr>
@@ -13365,7 +13390,7 @@
           <p:cNvPr id="40" name="타원 39">
             <a:extLst>
               <a:ext uri="{FF2B5EF4-FFF2-40B4-BE49-F238E27FC236}">
-                <a16:creationId xmlns:a16="http://schemas.microsoft.com/office/drawing/2014/main" xmlns="" id="{0F754A08-11C5-4F1A-B637-06012293F1C0}"/>
+                <a16:creationId xmlns="" xmlns:a16="http://schemas.microsoft.com/office/drawing/2014/main" id="{0F754A08-11C5-4F1A-B637-06012293F1C0}"/>
               </a:ext>
             </a:extLst>
           </p:cNvPr>
@@ -13413,7 +13438,7 @@
           <p:cNvPr id="37" name="원호 36">
             <a:extLst>
               <a:ext uri="{FF2B5EF4-FFF2-40B4-BE49-F238E27FC236}">
-                <a16:creationId xmlns:a16="http://schemas.microsoft.com/office/drawing/2014/main" xmlns="" id="{674BE5AF-DA0B-4BB3-9C00-B5639F54D83D}"/>
+                <a16:creationId xmlns="" xmlns:a16="http://schemas.microsoft.com/office/drawing/2014/main" id="{674BE5AF-DA0B-4BB3-9C00-B5639F54D83D}"/>
               </a:ext>
             </a:extLst>
           </p:cNvPr>
@@ -13467,7 +13492,7 @@
           <p:cNvPr id="42" name="타원 41">
             <a:extLst>
               <a:ext uri="{FF2B5EF4-FFF2-40B4-BE49-F238E27FC236}">
-                <a16:creationId xmlns:a16="http://schemas.microsoft.com/office/drawing/2014/main" xmlns="" id="{67E205F5-100A-4787-A0AC-5FBCBE2BB09D}"/>
+                <a16:creationId xmlns="" xmlns:a16="http://schemas.microsoft.com/office/drawing/2014/main" id="{67E205F5-100A-4787-A0AC-5FBCBE2BB09D}"/>
               </a:ext>
             </a:extLst>
           </p:cNvPr>
@@ -13515,7 +13540,7 @@
           <p:cNvPr id="52" name="TextBox 51">
             <a:extLst>
               <a:ext uri="{FF2B5EF4-FFF2-40B4-BE49-F238E27FC236}">
-                <a16:creationId xmlns:a16="http://schemas.microsoft.com/office/drawing/2014/main" xmlns="" id="{F1E234E3-BC54-47E9-8BD7-5D5B727EB448}"/>
+                <a16:creationId xmlns="" xmlns:a16="http://schemas.microsoft.com/office/drawing/2014/main" id="{F1E234E3-BC54-47E9-8BD7-5D5B727EB448}"/>
               </a:ext>
             </a:extLst>
           </p:cNvPr>
@@ -13565,7 +13590,7 @@
           <p:cNvPr id="53" name="TextBox 52">
             <a:extLst>
               <a:ext uri="{FF2B5EF4-FFF2-40B4-BE49-F238E27FC236}">
-                <a16:creationId xmlns:a16="http://schemas.microsoft.com/office/drawing/2014/main" xmlns="" id="{C2EBF650-D91E-4A57-A626-E13B2AAACE37}"/>
+                <a16:creationId xmlns="" xmlns:a16="http://schemas.microsoft.com/office/drawing/2014/main" id="{C2EBF650-D91E-4A57-A626-E13B2AAACE37}"/>
               </a:ext>
             </a:extLst>
           </p:cNvPr>
@@ -13615,7 +13640,7 @@
           <p:cNvPr id="38" name="모서리가 둥근 직사각형 2">
             <a:extLst>
               <a:ext uri="{FF2B5EF4-FFF2-40B4-BE49-F238E27FC236}">
-                <a16:creationId xmlns:a16="http://schemas.microsoft.com/office/drawing/2014/main" xmlns="" id="{F9FB6DDA-AF18-42FF-BB77-0E3C63795EF8}"/>
+                <a16:creationId xmlns="" xmlns:a16="http://schemas.microsoft.com/office/drawing/2014/main" id="{F9FB6DDA-AF18-42FF-BB77-0E3C63795EF8}"/>
               </a:ext>
             </a:extLst>
           </p:cNvPr>
@@ -13665,7 +13690,7 @@
           <p:cNvPr id="50" name="직선 연결선 49">
             <a:extLst>
               <a:ext uri="{FF2B5EF4-FFF2-40B4-BE49-F238E27FC236}">
-                <a16:creationId xmlns:a16="http://schemas.microsoft.com/office/drawing/2014/main" xmlns="" id="{84800F0F-DE2B-49B8-BB43-F672CF1AC493}"/>
+                <a16:creationId xmlns="" xmlns:a16="http://schemas.microsoft.com/office/drawing/2014/main" id="{84800F0F-DE2B-49B8-BB43-F672CF1AC493}"/>
               </a:ext>
             </a:extLst>
           </p:cNvPr>
@@ -13712,7 +13737,7 @@
           <p:cNvPr id="51" name="직선 연결선 50">
             <a:extLst>
               <a:ext uri="{FF2B5EF4-FFF2-40B4-BE49-F238E27FC236}">
-                <a16:creationId xmlns:a16="http://schemas.microsoft.com/office/drawing/2014/main" xmlns="" id="{D52C08BB-5AAA-45F9-94F4-8FFAEC0AB76B}"/>
+                <a16:creationId xmlns="" xmlns:a16="http://schemas.microsoft.com/office/drawing/2014/main" id="{D52C08BB-5AAA-45F9-94F4-8FFAEC0AB76B}"/>
               </a:ext>
             </a:extLst>
           </p:cNvPr>
@@ -13817,7 +13842,7 @@
           <p:cNvPr id="39" name="모서리가 둥근 직사각형 2">
             <a:extLst>
               <a:ext uri="{FF2B5EF4-FFF2-40B4-BE49-F238E27FC236}">
-                <a16:creationId xmlns:a16="http://schemas.microsoft.com/office/drawing/2014/main" xmlns="" id="{3FACEA3B-E1E9-4B4E-BFA4-60148700E70B}"/>
+                <a16:creationId xmlns="" xmlns:a16="http://schemas.microsoft.com/office/drawing/2014/main" id="{3FACEA3B-E1E9-4B4E-BFA4-60148700E70B}"/>
               </a:ext>
             </a:extLst>
           </p:cNvPr>
@@ -13867,7 +13892,7 @@
           <p:cNvPr id="40" name="모서리가 둥근 직사각형 2">
             <a:extLst>
               <a:ext uri="{FF2B5EF4-FFF2-40B4-BE49-F238E27FC236}">
-                <a16:creationId xmlns:a16="http://schemas.microsoft.com/office/drawing/2014/main" xmlns="" id="{14682E79-684D-45C3-85CF-9EB65A444CB3}"/>
+                <a16:creationId xmlns="" xmlns:a16="http://schemas.microsoft.com/office/drawing/2014/main" id="{14682E79-684D-45C3-85CF-9EB65A444CB3}"/>
               </a:ext>
             </a:extLst>
           </p:cNvPr>
@@ -13917,7 +13942,7 @@
           <p:cNvPr id="41" name="직선 연결선 40">
             <a:extLst>
               <a:ext uri="{FF2B5EF4-FFF2-40B4-BE49-F238E27FC236}">
-                <a16:creationId xmlns:a16="http://schemas.microsoft.com/office/drawing/2014/main" xmlns="" id="{5DB67DE1-35B8-4627-AB7C-D4D865958833}"/>
+                <a16:creationId xmlns="" xmlns:a16="http://schemas.microsoft.com/office/drawing/2014/main" id="{5DB67DE1-35B8-4627-AB7C-D4D865958833}"/>
               </a:ext>
             </a:extLst>
           </p:cNvPr>
@@ -13962,7 +13987,7 @@
           <p:cNvPr id="42" name="직선 연결선 41">
             <a:extLst>
               <a:ext uri="{FF2B5EF4-FFF2-40B4-BE49-F238E27FC236}">
-                <a16:creationId xmlns:a16="http://schemas.microsoft.com/office/drawing/2014/main" xmlns="" id="{4002D6E0-DA77-4BEE-B73E-A07CB371352D}"/>
+                <a16:creationId xmlns="" xmlns:a16="http://schemas.microsoft.com/office/drawing/2014/main" id="{4002D6E0-DA77-4BEE-B73E-A07CB371352D}"/>
               </a:ext>
             </a:extLst>
           </p:cNvPr>
@@ -14006,7 +14031,7 @@
           <p:cNvPr id="43" name="직선 연결선 42">
             <a:extLst>
               <a:ext uri="{FF2B5EF4-FFF2-40B4-BE49-F238E27FC236}">
-                <a16:creationId xmlns:a16="http://schemas.microsoft.com/office/drawing/2014/main" xmlns="" id="{E8A5CF1F-15A1-4EBA-A8C3-595652BD15C5}"/>
+                <a16:creationId xmlns="" xmlns:a16="http://schemas.microsoft.com/office/drawing/2014/main" id="{E8A5CF1F-15A1-4EBA-A8C3-595652BD15C5}"/>
               </a:ext>
             </a:extLst>
           </p:cNvPr>
@@ -14050,7 +14075,7 @@
           <p:cNvPr id="44" name="직선 연결선 43">
             <a:extLst>
               <a:ext uri="{FF2B5EF4-FFF2-40B4-BE49-F238E27FC236}">
-                <a16:creationId xmlns:a16="http://schemas.microsoft.com/office/drawing/2014/main" xmlns="" id="{FD038D8D-A7F4-46DD-91C7-5C969EBD3218}"/>
+                <a16:creationId xmlns="" xmlns:a16="http://schemas.microsoft.com/office/drawing/2014/main" id="{FD038D8D-A7F4-46DD-91C7-5C969EBD3218}"/>
               </a:ext>
             </a:extLst>
           </p:cNvPr>
@@ -14095,7 +14120,7 @@
           <p:cNvPr id="45" name="모서리가 둥근 직사각형 2">
             <a:extLst>
               <a:ext uri="{FF2B5EF4-FFF2-40B4-BE49-F238E27FC236}">
-                <a16:creationId xmlns:a16="http://schemas.microsoft.com/office/drawing/2014/main" xmlns="" id="{A0C4DDCC-1850-451C-9AB1-865607237A8B}"/>
+                <a16:creationId xmlns="" xmlns:a16="http://schemas.microsoft.com/office/drawing/2014/main" id="{A0C4DDCC-1850-451C-9AB1-865607237A8B}"/>
               </a:ext>
             </a:extLst>
           </p:cNvPr>
@@ -14151,7 +14176,7 @@
           <p:cNvPr id="46" name="직선 연결선 45">
             <a:extLst>
               <a:ext uri="{FF2B5EF4-FFF2-40B4-BE49-F238E27FC236}">
-                <a16:creationId xmlns:a16="http://schemas.microsoft.com/office/drawing/2014/main" xmlns="" id="{73742E84-76EA-4653-877D-2353837B63BF}"/>
+                <a16:creationId xmlns="" xmlns:a16="http://schemas.microsoft.com/office/drawing/2014/main" id="{73742E84-76EA-4653-877D-2353837B63BF}"/>
               </a:ext>
             </a:extLst>
           </p:cNvPr>
@@ -14196,7 +14221,7 @@
           <p:cNvPr id="64" name="모서리가 둥근 직사각형 2">
             <a:extLst>
               <a:ext uri="{FF2B5EF4-FFF2-40B4-BE49-F238E27FC236}">
-                <a16:creationId xmlns:a16="http://schemas.microsoft.com/office/drawing/2014/main" xmlns="" id="{CF16E594-3D76-4682-877C-99D9E6F89060}"/>
+                <a16:creationId xmlns="" xmlns:a16="http://schemas.microsoft.com/office/drawing/2014/main" id="{CF16E594-3D76-4682-877C-99D9E6F89060}"/>
               </a:ext>
             </a:extLst>
           </p:cNvPr>
@@ -14252,7 +14277,7 @@
           <p:cNvPr id="65" name="모서리가 둥근 직사각형 2">
             <a:extLst>
               <a:ext uri="{FF2B5EF4-FFF2-40B4-BE49-F238E27FC236}">
-                <a16:creationId xmlns:a16="http://schemas.microsoft.com/office/drawing/2014/main" xmlns="" id="{8FF4AFB2-34FD-438F-8A55-5F2722C30645}"/>
+                <a16:creationId xmlns="" xmlns:a16="http://schemas.microsoft.com/office/drawing/2014/main" id="{8FF4AFB2-34FD-438F-8A55-5F2722C30645}"/>
               </a:ext>
             </a:extLst>
           </p:cNvPr>
@@ -14308,7 +14333,7 @@
           <p:cNvPr id="66" name="모서리가 둥근 직사각형 2">
             <a:extLst>
               <a:ext uri="{FF2B5EF4-FFF2-40B4-BE49-F238E27FC236}">
-                <a16:creationId xmlns:a16="http://schemas.microsoft.com/office/drawing/2014/main" xmlns="" id="{116A2666-44C5-4A47-909C-DF3B1E3E4EC4}"/>
+                <a16:creationId xmlns="" xmlns:a16="http://schemas.microsoft.com/office/drawing/2014/main" id="{116A2666-44C5-4A47-909C-DF3B1E3E4EC4}"/>
               </a:ext>
             </a:extLst>
           </p:cNvPr>
@@ -14364,7 +14389,7 @@
           <p:cNvPr id="14" name="모서리가 둥근 직사각형 2">
             <a:extLst>
               <a:ext uri="{FF2B5EF4-FFF2-40B4-BE49-F238E27FC236}">
-                <a16:creationId xmlns:a16="http://schemas.microsoft.com/office/drawing/2014/main" xmlns="" id="{C30EC9A3-2A33-40A0-915F-FF298F6B71B0}"/>
+                <a16:creationId xmlns="" xmlns:a16="http://schemas.microsoft.com/office/drawing/2014/main" id="{C30EC9A3-2A33-40A0-915F-FF298F6B71B0}"/>
               </a:ext>
             </a:extLst>
           </p:cNvPr>
@@ -14437,7 +14462,7 @@
           <p:cNvPr id="19" name="모서리가 둥근 직사각형 2">
             <a:extLst>
               <a:ext uri="{FF2B5EF4-FFF2-40B4-BE49-F238E27FC236}">
-                <a16:creationId xmlns:a16="http://schemas.microsoft.com/office/drawing/2014/main" xmlns="" id="{4B1946C2-03A5-45AC-A83A-340CEF2024BC}"/>
+                <a16:creationId xmlns="" xmlns:a16="http://schemas.microsoft.com/office/drawing/2014/main" id="{4B1946C2-03A5-45AC-A83A-340CEF2024BC}"/>
               </a:ext>
             </a:extLst>
           </p:cNvPr>
@@ -14493,7 +14518,7 @@
           <p:cNvPr id="20" name="모서리가 둥근 직사각형 2">
             <a:extLst>
               <a:ext uri="{FF2B5EF4-FFF2-40B4-BE49-F238E27FC236}">
-                <a16:creationId xmlns:a16="http://schemas.microsoft.com/office/drawing/2014/main" xmlns="" id="{887348E5-DD62-4A72-ACAC-CC3FAAA09D4A}"/>
+                <a16:creationId xmlns="" xmlns:a16="http://schemas.microsoft.com/office/drawing/2014/main" id="{887348E5-DD62-4A72-ACAC-CC3FAAA09D4A}"/>
               </a:ext>
             </a:extLst>
           </p:cNvPr>
@@ -14549,7 +14574,7 @@
           <p:cNvPr id="21" name="모서리가 둥근 직사각형 2">
             <a:extLst>
               <a:ext uri="{FF2B5EF4-FFF2-40B4-BE49-F238E27FC236}">
-                <a16:creationId xmlns:a16="http://schemas.microsoft.com/office/drawing/2014/main" xmlns="" id="{772CB2E7-946B-4363-8E3A-C0F902644237}"/>
+                <a16:creationId xmlns="" xmlns:a16="http://schemas.microsoft.com/office/drawing/2014/main" id="{772CB2E7-946B-4363-8E3A-C0F902644237}"/>
               </a:ext>
             </a:extLst>
           </p:cNvPr>
@@ -14598,7 +14623,7 @@
           <p:cNvPr id="24" name="직선 연결선 23">
             <a:extLst>
               <a:ext uri="{FF2B5EF4-FFF2-40B4-BE49-F238E27FC236}">
-                <a16:creationId xmlns:a16="http://schemas.microsoft.com/office/drawing/2014/main" xmlns="" id="{614F76B4-8331-41D4-A83F-F84E3457702F}"/>
+                <a16:creationId xmlns="" xmlns:a16="http://schemas.microsoft.com/office/drawing/2014/main" id="{614F76B4-8331-41D4-A83F-F84E3457702F}"/>
               </a:ext>
             </a:extLst>
           </p:cNvPr>
@@ -14643,7 +14668,7 @@
           <p:cNvPr id="27" name="직선 연결선 26">
             <a:extLst>
               <a:ext uri="{FF2B5EF4-FFF2-40B4-BE49-F238E27FC236}">
-                <a16:creationId xmlns:a16="http://schemas.microsoft.com/office/drawing/2014/main" xmlns="" id="{109FEE66-18CC-460C-9851-929984DC98B9}"/>
+                <a16:creationId xmlns="" xmlns:a16="http://schemas.microsoft.com/office/drawing/2014/main" id="{109FEE66-18CC-460C-9851-929984DC98B9}"/>
               </a:ext>
             </a:extLst>
           </p:cNvPr>
@@ -14688,7 +14713,7 @@
           <p:cNvPr id="30" name="직선 연결선 29">
             <a:extLst>
               <a:ext uri="{FF2B5EF4-FFF2-40B4-BE49-F238E27FC236}">
-                <a16:creationId xmlns:a16="http://schemas.microsoft.com/office/drawing/2014/main" xmlns="" id="{CE32EC49-0BDC-4DE8-9F41-51E7F1BC7900}"/>
+                <a16:creationId xmlns="" xmlns:a16="http://schemas.microsoft.com/office/drawing/2014/main" id="{CE32EC49-0BDC-4DE8-9F41-51E7F1BC7900}"/>
               </a:ext>
             </a:extLst>
           </p:cNvPr>
@@ -14733,7 +14758,7 @@
           <p:cNvPr id="38" name="원호 37">
             <a:extLst>
               <a:ext uri="{FF2B5EF4-FFF2-40B4-BE49-F238E27FC236}">
-                <a16:creationId xmlns:a16="http://schemas.microsoft.com/office/drawing/2014/main" xmlns="" id="{9AC0856D-4C03-4F46-BE14-40E6F874BBDF}"/>
+                <a16:creationId xmlns="" xmlns:a16="http://schemas.microsoft.com/office/drawing/2014/main" id="{9AC0856D-4C03-4F46-BE14-40E6F874BBDF}"/>
               </a:ext>
             </a:extLst>
           </p:cNvPr>
@@ -14787,7 +14812,7 @@
           <p:cNvPr id="47" name="원호 46">
             <a:extLst>
               <a:ext uri="{FF2B5EF4-FFF2-40B4-BE49-F238E27FC236}">
-                <a16:creationId xmlns:a16="http://schemas.microsoft.com/office/drawing/2014/main" xmlns="" id="{D3A2C89E-046C-40C4-9ED7-9778D4B019BA}"/>
+                <a16:creationId xmlns="" xmlns:a16="http://schemas.microsoft.com/office/drawing/2014/main" id="{D3A2C89E-046C-40C4-9ED7-9778D4B019BA}"/>
               </a:ext>
             </a:extLst>
           </p:cNvPr>
@@ -14841,7 +14866,7 @@
           <p:cNvPr id="48" name="직선 연결선 47">
             <a:extLst>
               <a:ext uri="{FF2B5EF4-FFF2-40B4-BE49-F238E27FC236}">
-                <a16:creationId xmlns:a16="http://schemas.microsoft.com/office/drawing/2014/main" xmlns="" id="{FEE80B91-778D-4053-98D0-1DFAA2F6C5D4}"/>
+                <a16:creationId xmlns="" xmlns:a16="http://schemas.microsoft.com/office/drawing/2014/main" id="{FEE80B91-778D-4053-98D0-1DFAA2F6C5D4}"/>
               </a:ext>
             </a:extLst>
           </p:cNvPr>
@@ -14886,7 +14911,7 @@
           <p:cNvPr id="49" name="직선 연결선 48">
             <a:extLst>
               <a:ext uri="{FF2B5EF4-FFF2-40B4-BE49-F238E27FC236}">
-                <a16:creationId xmlns:a16="http://schemas.microsoft.com/office/drawing/2014/main" xmlns="" id="{33CA40D7-8B71-46EB-9A59-799088B8156B}"/>
+                <a16:creationId xmlns="" xmlns:a16="http://schemas.microsoft.com/office/drawing/2014/main" id="{33CA40D7-8B71-46EB-9A59-799088B8156B}"/>
               </a:ext>
             </a:extLst>
           </p:cNvPr>
@@ -14931,7 +14956,7 @@
           <p:cNvPr id="50" name="직선 연결선 49">
             <a:extLst>
               <a:ext uri="{FF2B5EF4-FFF2-40B4-BE49-F238E27FC236}">
-                <a16:creationId xmlns:a16="http://schemas.microsoft.com/office/drawing/2014/main" xmlns="" id="{E7513530-2381-48C5-8208-2794FF6E48F9}"/>
+                <a16:creationId xmlns="" xmlns:a16="http://schemas.microsoft.com/office/drawing/2014/main" id="{E7513530-2381-48C5-8208-2794FF6E48F9}"/>
               </a:ext>
             </a:extLst>
           </p:cNvPr>
@@ -14976,7 +15001,7 @@
           <p:cNvPr id="52" name="타원 51">
             <a:extLst>
               <a:ext uri="{FF2B5EF4-FFF2-40B4-BE49-F238E27FC236}">
-                <a16:creationId xmlns:a16="http://schemas.microsoft.com/office/drawing/2014/main" xmlns="" id="{C9D22DD6-1460-4C42-9585-D6DDE27556D1}"/>
+                <a16:creationId xmlns="" xmlns:a16="http://schemas.microsoft.com/office/drawing/2014/main" id="{C9D22DD6-1460-4C42-9585-D6DDE27556D1}"/>
               </a:ext>
             </a:extLst>
           </p:cNvPr>
@@ -15024,7 +15049,7 @@
           <p:cNvPr id="53" name="타원 52">
             <a:extLst>
               <a:ext uri="{FF2B5EF4-FFF2-40B4-BE49-F238E27FC236}">
-                <a16:creationId xmlns:a16="http://schemas.microsoft.com/office/drawing/2014/main" xmlns="" id="{9DAC83EC-8CD8-4A0C-8B07-D87CA7AB2954}"/>
+                <a16:creationId xmlns="" xmlns:a16="http://schemas.microsoft.com/office/drawing/2014/main" id="{9DAC83EC-8CD8-4A0C-8B07-D87CA7AB2954}"/>
               </a:ext>
             </a:extLst>
           </p:cNvPr>
@@ -15072,7 +15097,7 @@
           <p:cNvPr id="54" name="타원 53">
             <a:extLst>
               <a:ext uri="{FF2B5EF4-FFF2-40B4-BE49-F238E27FC236}">
-                <a16:creationId xmlns:a16="http://schemas.microsoft.com/office/drawing/2014/main" xmlns="" id="{959784E0-575B-4980-9925-02E79EDFBE04}"/>
+                <a16:creationId xmlns="" xmlns:a16="http://schemas.microsoft.com/office/drawing/2014/main" id="{959784E0-575B-4980-9925-02E79EDFBE04}"/>
               </a:ext>
             </a:extLst>
           </p:cNvPr>
@@ -15120,7 +15145,7 @@
           <p:cNvPr id="55" name="타원 54">
             <a:extLst>
               <a:ext uri="{FF2B5EF4-FFF2-40B4-BE49-F238E27FC236}">
-                <a16:creationId xmlns:a16="http://schemas.microsoft.com/office/drawing/2014/main" xmlns="" id="{1B2C67A4-A8A6-4660-AF26-D1085F03ADCE}"/>
+                <a16:creationId xmlns="" xmlns:a16="http://schemas.microsoft.com/office/drawing/2014/main" id="{1B2C67A4-A8A6-4660-AF26-D1085F03ADCE}"/>
               </a:ext>
             </a:extLst>
           </p:cNvPr>
@@ -15168,7 +15193,7 @@
           <p:cNvPr id="56" name="타원 55">
             <a:extLst>
               <a:ext uri="{FF2B5EF4-FFF2-40B4-BE49-F238E27FC236}">
-                <a16:creationId xmlns:a16="http://schemas.microsoft.com/office/drawing/2014/main" xmlns="" id="{FC355321-5470-4A8F-9D91-8EDAF1E472B3}"/>
+                <a16:creationId xmlns="" xmlns:a16="http://schemas.microsoft.com/office/drawing/2014/main" id="{FC355321-5470-4A8F-9D91-8EDAF1E472B3}"/>
               </a:ext>
             </a:extLst>
           </p:cNvPr>
@@ -15216,7 +15241,7 @@
           <p:cNvPr id="31" name="직선 연결선 30">
             <a:extLst>
               <a:ext uri="{FF2B5EF4-FFF2-40B4-BE49-F238E27FC236}">
-                <a16:creationId xmlns:a16="http://schemas.microsoft.com/office/drawing/2014/main" xmlns="" id="{5CD1D7B2-1114-445D-B630-75C0D39F3148}"/>
+                <a16:creationId xmlns="" xmlns:a16="http://schemas.microsoft.com/office/drawing/2014/main" id="{5CD1D7B2-1114-445D-B630-75C0D39F3148}"/>
               </a:ext>
             </a:extLst>
           </p:cNvPr>
